--- a/Presentazioni/Presentazione Magistrale/Presentazione Magistrale.pptx
+++ b/Presentazioni/Presentazione Magistrale/Presentazione Magistrale.pptx
@@ -5,7 +5,7 @@
     <p:sldMasterId id="2147483750" r:id="rId1"/>
   </p:sldMasterIdLst>
   <p:notesMasterIdLst>
-    <p:notesMasterId r:id="rId11"/>
+    <p:notesMasterId r:id="rId12"/>
   </p:notesMasterIdLst>
   <p:sldIdLst>
     <p:sldId id="256" r:id="rId2"/>
@@ -17,6 +17,7 @@
     <p:sldId id="265" r:id="rId8"/>
     <p:sldId id="266" r:id="rId9"/>
     <p:sldId id="267" r:id="rId10"/>
+    <p:sldId id="268" r:id="rId11"/>
   </p:sldIdLst>
   <p:sldSz cx="12192000" cy="6858000"/>
   <p:notesSz cx="6858000" cy="9144000"/>
@@ -3910,6 +3911,1105 @@
 </p:sld>
 </file>
 
+<file path=ppt/slides/slide10.xml><?xml version="1.0" encoding="utf-8"?>
+<p:sld xmlns:a="http://schemas.openxmlformats.org/drawingml/2006/main" xmlns:r="http://schemas.openxmlformats.org/officeDocument/2006/relationships" xmlns:p="http://schemas.openxmlformats.org/presentationml/2006/main">
+  <p:cSld>
+    <p:spTree>
+      <p:nvGrpSpPr>
+        <p:cNvPr id="1" name=""/>
+        <p:cNvGrpSpPr/>
+        <p:nvPr/>
+      </p:nvGrpSpPr>
+      <p:grpSpPr>
+        <a:xfrm>
+          <a:off x="0" y="0"/>
+          <a:ext cx="0" cy="0"/>
+          <a:chOff x="0" y="0"/>
+          <a:chExt cx="0" cy="0"/>
+        </a:xfrm>
+      </p:grpSpPr>
+      <p:sp>
+        <p:nvSpPr>
+          <p:cNvPr id="2" name="Titolo 1">
+            <a:extLst>
+              <a:ext uri="{FF2B5EF4-FFF2-40B4-BE49-F238E27FC236}">
+                <a16:creationId xmlns:a16="http://schemas.microsoft.com/office/drawing/2014/main" id="{423E46DE-2AE3-44BE-963C-544CB7884F11}"/>
+              </a:ext>
+            </a:extLst>
+          </p:cNvPr>
+          <p:cNvSpPr>
+            <a:spLocks noGrp="1"/>
+          </p:cNvSpPr>
+          <p:nvPr>
+            <p:ph type="title"/>
+          </p:nvPr>
+        </p:nvSpPr>
+        <p:spPr>
+          <a:xfrm>
+            <a:off x="838200" y="-62711"/>
+            <a:ext cx="10515600" cy="1325562"/>
+          </a:xfrm>
+        </p:spPr>
+        <p:txBody>
+          <a:bodyPr>
+            <a:normAutofit fontScale="90000"/>
+          </a:bodyPr>
+          <a:lstStyle/>
+          <a:p>
+            <a:pPr algn="ctr"/>
+            <a:r>
+              <a:rPr lang="it-IT" dirty="0"/>
+              <a:t>SIMULATIONS – SCENARIOS AND METRICS</a:t>
+            </a:r>
+          </a:p>
+        </p:txBody>
+      </p:sp>
+      <p:sp>
+        <p:nvSpPr>
+          <p:cNvPr id="10" name="Rettangolo 9">
+            <a:extLst>
+              <a:ext uri="{FF2B5EF4-FFF2-40B4-BE49-F238E27FC236}">
+                <a16:creationId xmlns:a16="http://schemas.microsoft.com/office/drawing/2014/main" id="{B9D3550C-14F0-41BE-96F1-9396C790BC52}"/>
+              </a:ext>
+            </a:extLst>
+          </p:cNvPr>
+          <p:cNvSpPr/>
+          <p:nvPr/>
+        </p:nvSpPr>
+        <p:spPr>
+          <a:xfrm>
+            <a:off x="11496585" y="6453637"/>
+            <a:ext cx="356377" cy="276999"/>
+          </a:xfrm>
+          <a:prstGeom prst="rect">
+            <a:avLst/>
+          </a:prstGeom>
+        </p:spPr>
+        <p:txBody>
+          <a:bodyPr wrap="square">
+            <a:spAutoFit/>
+          </a:bodyPr>
+          <a:lstStyle/>
+          <a:p>
+            <a:pPr algn="r"/>
+            <a:r>
+              <a:rPr lang="it-IT" sz="1200" dirty="0">
+                <a:latin typeface="Roboto" panose="02000000000000000000" pitchFamily="2" charset="0"/>
+                <a:ea typeface="Roboto" panose="02000000000000000000" pitchFamily="2" charset="0"/>
+                <a:cs typeface="Roboto" panose="02000000000000000000" pitchFamily="2" charset="0"/>
+              </a:rPr>
+              <a:t>5</a:t>
+            </a:r>
+            <a:endParaRPr lang="it-IT" sz="1200" dirty="0">
+              <a:solidFill>
+                <a:srgbClr val="C00000"/>
+              </a:solidFill>
+              <a:latin typeface="Roboto" panose="02000000000000000000" pitchFamily="2" charset="0"/>
+              <a:ea typeface="Roboto" panose="02000000000000000000" pitchFamily="2" charset="0"/>
+              <a:cs typeface="Roboto" panose="02000000000000000000" pitchFamily="2" charset="0"/>
+            </a:endParaRPr>
+          </a:p>
+        </p:txBody>
+      </p:sp>
+      <p:graphicFrame>
+        <p:nvGraphicFramePr>
+          <p:cNvPr id="3" name="Tabella 2">
+            <a:extLst>
+              <a:ext uri="{FF2B5EF4-FFF2-40B4-BE49-F238E27FC236}">
+                <a16:creationId xmlns:a16="http://schemas.microsoft.com/office/drawing/2014/main" id="{61DF1502-5565-4FDF-B45B-D421FDFBCB5C}"/>
+              </a:ext>
+            </a:extLst>
+          </p:cNvPr>
+          <p:cNvGraphicFramePr>
+            <a:graphicFrameLocks noGrp="1"/>
+          </p:cNvGraphicFramePr>
+          <p:nvPr>
+            <p:extLst>
+              <p:ext uri="{D42A27DB-BD31-4B8C-83A1-F6EECF244321}">
+                <p14:modId xmlns:p14="http://schemas.microsoft.com/office/powerpoint/2010/main" val="2407746718"/>
+              </p:ext>
+            </p:extLst>
+          </p:nvPr>
+        </p:nvGraphicFramePr>
+        <p:xfrm>
+          <a:off x="164623" y="1197896"/>
+          <a:ext cx="5711699" cy="4665682"/>
+        </p:xfrm>
+        <a:graphic>
+          <a:graphicData uri="http://schemas.openxmlformats.org/drawingml/2006/table">
+            <a:tbl>
+              <a:tblPr firstRow="1" bandRow="1">
+                <a:tableStyleId>{93296810-A885-4BE3-A3E7-6D5BEEA58F35}</a:tableStyleId>
+              </a:tblPr>
+              <a:tblGrid>
+                <a:gridCol w="2733231">
+                  <a:extLst>
+                    <a:ext uri="{9D8B030D-6E8A-4147-A177-3AD203B41FA5}">
+                      <a16:colId xmlns:a16="http://schemas.microsoft.com/office/drawing/2014/main" val="2431431013"/>
+                    </a:ext>
+                  </a:extLst>
+                </a:gridCol>
+                <a:gridCol w="2978468">
+                  <a:extLst>
+                    <a:ext uri="{9D8B030D-6E8A-4147-A177-3AD203B41FA5}">
+                      <a16:colId xmlns:a16="http://schemas.microsoft.com/office/drawing/2014/main" val="2147857952"/>
+                    </a:ext>
+                  </a:extLst>
+                </a:gridCol>
+              </a:tblGrid>
+              <a:tr h="465790">
+                <a:tc gridSpan="2">
+                  <a:txBody>
+                    <a:bodyPr/>
+                    <a:lstStyle/>
+                    <a:p>
+                      <a:pPr algn="ctr"/>
+                      <a:r>
+                        <a:rPr lang="it-IT" dirty="0"/>
+                        <a:t>Scenario </a:t>
+                      </a:r>
+                      <a:r>
+                        <a:rPr lang="it-IT" dirty="0" err="1"/>
+                        <a:t>configuration</a:t>
+                      </a:r>
+                      <a:endParaRPr lang="it-IT" dirty="0"/>
+                    </a:p>
+                  </a:txBody>
+                  <a:tcPr/>
+                </a:tc>
+                <a:tc hMerge="1">
+                  <a:txBody>
+                    <a:bodyPr/>
+                    <a:lstStyle/>
+                    <a:p>
+                      <a:endParaRPr lang="it-IT" dirty="0"/>
+                    </a:p>
+                  </a:txBody>
+                  <a:tcPr/>
+                </a:tc>
+                <a:extLst>
+                  <a:ext uri="{0D108BD9-81ED-4DB2-BD59-A6C34878D82A}">
+                    <a16:rowId xmlns:a16="http://schemas.microsoft.com/office/drawing/2014/main" val="4073864477"/>
+                  </a:ext>
+                </a:extLst>
+              </a:tr>
+              <a:tr h="465790">
+                <a:tc>
+                  <a:txBody>
+                    <a:bodyPr/>
+                    <a:lstStyle/>
+                    <a:p>
+                      <a:r>
+                        <a:rPr lang="it-IT" sz="1800"/>
+                        <a:t>Scenario name</a:t>
+                      </a:r>
+                      <a:endParaRPr lang="it-IT" sz="1800" dirty="0"/>
+                    </a:p>
+                  </a:txBody>
+                  <a:tcPr/>
+                </a:tc>
+                <a:tc>
+                  <a:txBody>
+                    <a:bodyPr/>
+                    <a:lstStyle/>
+                    <a:p>
+                      <a:pPr algn="ctr"/>
+                      <a:r>
+                        <a:rPr lang="it-IT" sz="1800" dirty="0" err="1"/>
+                        <a:t>Padua</a:t>
+                      </a:r>
+                      <a:endParaRPr lang="it-IT" sz="1800" dirty="0"/>
+                    </a:p>
+                  </a:txBody>
+                  <a:tcPr/>
+                </a:tc>
+                <a:extLst>
+                  <a:ext uri="{0D108BD9-81ED-4DB2-BD59-A6C34878D82A}">
+                    <a16:rowId xmlns:a16="http://schemas.microsoft.com/office/drawing/2014/main" val="3671550637"/>
+                  </a:ext>
+                </a:extLst>
+              </a:tr>
+              <a:tr h="465790">
+                <a:tc>
+                  <a:txBody>
+                    <a:bodyPr/>
+                    <a:lstStyle/>
+                    <a:p>
+                      <a:r>
+                        <a:rPr lang="it-IT" sz="1800" dirty="0" err="1"/>
+                        <a:t>Latitude</a:t>
+                      </a:r>
+                      <a:r>
+                        <a:rPr lang="it-IT" sz="1800" dirty="0"/>
+                        <a:t> N</a:t>
+                      </a:r>
+                    </a:p>
+                  </a:txBody>
+                  <a:tcPr/>
+                </a:tc>
+                <a:tc>
+                  <a:txBody>
+                    <a:bodyPr/>
+                    <a:lstStyle/>
+                    <a:p>
+                      <a:pPr algn="ctr"/>
+                      <a:r>
+                        <a:rPr lang="it-IT" sz="1800" b="0" i="0" u="none" strike="noStrike" kern="1200" baseline="0">
+                          <a:solidFill>
+                            <a:schemeClr val="dk1"/>
+                          </a:solidFill>
+                          <a:latin typeface="+mn-lt"/>
+                          <a:ea typeface="+mn-ea"/>
+                          <a:cs typeface="+mn-cs"/>
+                        </a:rPr>
+                        <a:t>45.4171</a:t>
+                      </a:r>
+                      <a:endParaRPr lang="it-IT" sz="1800" dirty="0"/>
+                    </a:p>
+                  </a:txBody>
+                  <a:tcPr/>
+                </a:tc>
+                <a:extLst>
+                  <a:ext uri="{0D108BD9-81ED-4DB2-BD59-A6C34878D82A}">
+                    <a16:rowId xmlns:a16="http://schemas.microsoft.com/office/drawing/2014/main" val="3479011623"/>
+                  </a:ext>
+                </a:extLst>
+              </a:tr>
+              <a:tr h="465790">
+                <a:tc>
+                  <a:txBody>
+                    <a:bodyPr/>
+                    <a:lstStyle/>
+                    <a:p>
+                      <a:r>
+                        <a:rPr lang="it-IT" sz="1800" dirty="0" err="1"/>
+                        <a:t>Latitude</a:t>
+                      </a:r>
+                      <a:r>
+                        <a:rPr lang="it-IT" sz="1800" dirty="0"/>
+                        <a:t> N</a:t>
+                      </a:r>
+                    </a:p>
+                  </a:txBody>
+                  <a:tcPr/>
+                </a:tc>
+                <a:tc>
+                  <a:txBody>
+                    <a:bodyPr/>
+                    <a:lstStyle/>
+                    <a:p>
+                      <a:pPr algn="ctr"/>
+                      <a:r>
+                        <a:rPr lang="it-IT" sz="1800" b="0" i="0" u="none" strike="noStrike" kern="1200" baseline="0" dirty="0">
+                          <a:solidFill>
+                            <a:schemeClr val="dk1"/>
+                          </a:solidFill>
+                          <a:latin typeface="+mn-lt"/>
+                          <a:ea typeface="+mn-ea"/>
+                          <a:cs typeface="+mn-cs"/>
+                        </a:rPr>
+                        <a:t>45.3981</a:t>
+                      </a:r>
+                      <a:endParaRPr lang="it-IT" sz="1800" dirty="0"/>
+                    </a:p>
+                  </a:txBody>
+                  <a:tcPr/>
+                </a:tc>
+                <a:extLst>
+                  <a:ext uri="{0D108BD9-81ED-4DB2-BD59-A6C34878D82A}">
+                    <a16:rowId xmlns:a16="http://schemas.microsoft.com/office/drawing/2014/main" val="2940363005"/>
+                  </a:ext>
+                </a:extLst>
+              </a:tr>
+              <a:tr h="465790">
+                <a:tc>
+                  <a:txBody>
+                    <a:bodyPr/>
+                    <a:lstStyle/>
+                    <a:p>
+                      <a:r>
+                        <a:rPr lang="it-IT" sz="1800" dirty="0" err="1"/>
+                        <a:t>Longitude</a:t>
+                      </a:r>
+                      <a:r>
+                        <a:rPr lang="it-IT" sz="1800" dirty="0"/>
+                        <a:t> W</a:t>
+                      </a:r>
+                    </a:p>
+                  </a:txBody>
+                  <a:tcPr/>
+                </a:tc>
+                <a:tc>
+                  <a:txBody>
+                    <a:bodyPr/>
+                    <a:lstStyle/>
+                    <a:p>
+                      <a:pPr algn="ctr"/>
+                      <a:r>
+                        <a:rPr lang="it-IT" sz="1800" b="0" i="0" u="none" strike="noStrike" kern="1200" baseline="0" dirty="0">
+                          <a:solidFill>
+                            <a:schemeClr val="dk1"/>
+                          </a:solidFill>
+                          <a:latin typeface="+mn-lt"/>
+                          <a:ea typeface="+mn-ea"/>
+                          <a:cs typeface="+mn-cs"/>
+                        </a:rPr>
+                        <a:t>11.8654</a:t>
+                      </a:r>
+                      <a:endParaRPr lang="it-IT" sz="1800" dirty="0"/>
+                    </a:p>
+                  </a:txBody>
+                  <a:tcPr/>
+                </a:tc>
+                <a:extLst>
+                  <a:ext uri="{0D108BD9-81ED-4DB2-BD59-A6C34878D82A}">
+                    <a16:rowId xmlns:a16="http://schemas.microsoft.com/office/drawing/2014/main" val="518483290"/>
+                  </a:ext>
+                </a:extLst>
+              </a:tr>
+              <a:tr h="424163">
+                <a:tc>
+                  <a:txBody>
+                    <a:bodyPr/>
+                    <a:lstStyle/>
+                    <a:p>
+                      <a:r>
+                        <a:rPr lang="it-IT" sz="1800" dirty="0" err="1"/>
+                        <a:t>Longitude</a:t>
+                      </a:r>
+                      <a:r>
+                        <a:rPr lang="it-IT" sz="1800" dirty="0"/>
+                        <a:t> E</a:t>
+                      </a:r>
+                    </a:p>
+                  </a:txBody>
+                  <a:tcPr/>
+                </a:tc>
+                <a:tc>
+                  <a:txBody>
+                    <a:bodyPr/>
+                    <a:lstStyle/>
+                    <a:p>
+                      <a:pPr algn="ctr"/>
+                      <a:r>
+                        <a:rPr lang="it-IT" sz="1800" b="0" i="0" u="none" strike="noStrike" kern="1200" baseline="0" dirty="0">
+                          <a:solidFill>
+                            <a:schemeClr val="dk1"/>
+                          </a:solidFill>
+                          <a:latin typeface="+mn-lt"/>
+                          <a:ea typeface="+mn-ea"/>
+                          <a:cs typeface="+mn-cs"/>
+                        </a:rPr>
+                        <a:t>11.8923</a:t>
+                      </a:r>
+                      <a:endParaRPr lang="it-IT" sz="1800" dirty="0"/>
+                    </a:p>
+                  </a:txBody>
+                  <a:tcPr/>
+                </a:tc>
+                <a:extLst>
+                  <a:ext uri="{0D108BD9-81ED-4DB2-BD59-A6C34878D82A}">
+                    <a16:rowId xmlns:a16="http://schemas.microsoft.com/office/drawing/2014/main" val="2443031818"/>
+                  </a:ext>
+                </a:extLst>
+              </a:tr>
+              <a:tr h="424163">
+                <a:tc>
+                  <a:txBody>
+                    <a:bodyPr/>
+                    <a:lstStyle/>
+                    <a:p>
+                      <a:r>
+                        <a:rPr lang="it-IT" sz="1800" dirty="0"/>
+                        <a:t>Road </a:t>
+                      </a:r>
+                      <a:r>
+                        <a:rPr lang="it-IT" sz="1800" dirty="0" err="1"/>
+                        <a:t>length</a:t>
+                      </a:r>
+                      <a:endParaRPr lang="it-IT" sz="1800" dirty="0"/>
+                    </a:p>
+                  </a:txBody>
+                  <a:tcPr/>
+                </a:tc>
+                <a:tc>
+                  <a:txBody>
+                    <a:bodyPr/>
+                    <a:lstStyle/>
+                    <a:p>
+                      <a:pPr algn="ctr"/>
+                      <a:r>
+                        <a:rPr lang="it-IT" sz="1800" dirty="0"/>
+                        <a:t>1200</a:t>
+                      </a:r>
+                    </a:p>
+                  </a:txBody>
+                  <a:tcPr/>
+                </a:tc>
+                <a:extLst>
+                  <a:ext uri="{0D108BD9-81ED-4DB2-BD59-A6C34878D82A}">
+                    <a16:rowId xmlns:a16="http://schemas.microsoft.com/office/drawing/2014/main" val="2962713516"/>
+                  </a:ext>
+                </a:extLst>
+              </a:tr>
+              <a:tr h="424163">
+                <a:tc>
+                  <a:txBody>
+                    <a:bodyPr/>
+                    <a:lstStyle/>
+                    <a:p>
+                      <a:r>
+                        <a:rPr lang="it-IT" sz="1800" dirty="0" err="1"/>
+                        <a:t>Distance</a:t>
+                      </a:r>
+                      <a:r>
+                        <a:rPr lang="it-IT" sz="1800" dirty="0"/>
+                        <a:t> </a:t>
+                      </a:r>
+                      <a:r>
+                        <a:rPr lang="it-IT" sz="1800" dirty="0" err="1"/>
+                        <a:t>between</a:t>
+                      </a:r>
+                      <a:r>
+                        <a:rPr lang="it-IT" sz="1800" dirty="0"/>
+                        <a:t> </a:t>
+                      </a:r>
+                      <a:r>
+                        <a:rPr lang="it-IT" sz="1800" dirty="0" err="1"/>
+                        <a:t>vehicles</a:t>
+                      </a:r>
+                      <a:endParaRPr lang="it-IT" sz="1800" dirty="0"/>
+                    </a:p>
+                  </a:txBody>
+                  <a:tcPr/>
+                </a:tc>
+                <a:tc>
+                  <a:txBody>
+                    <a:bodyPr/>
+                    <a:lstStyle/>
+                    <a:p>
+                      <a:pPr algn="ctr"/>
+                      <a:r>
+                        <a:rPr lang="it-IT" sz="1800" dirty="0"/>
+                        <a:t>5, 15, 25, 35, 45</a:t>
+                      </a:r>
+                    </a:p>
+                  </a:txBody>
+                  <a:tcPr/>
+                </a:tc>
+                <a:extLst>
+                  <a:ext uri="{0D108BD9-81ED-4DB2-BD59-A6C34878D82A}">
+                    <a16:rowId xmlns:a16="http://schemas.microsoft.com/office/drawing/2014/main" val="1800392706"/>
+                  </a:ext>
+                </a:extLst>
+              </a:tr>
+              <a:tr h="424163">
+                <a:tc>
+                  <a:txBody>
+                    <a:bodyPr/>
+                    <a:lstStyle/>
+                    <a:p>
+                      <a:r>
+                        <a:rPr lang="it-IT" sz="1800" dirty="0" err="1"/>
+                        <a:t>Number</a:t>
+                      </a:r>
+                      <a:r>
+                        <a:rPr lang="it-IT" sz="1800" dirty="0"/>
+                        <a:t> of </a:t>
+                      </a:r>
+                      <a:r>
+                        <a:rPr lang="it-IT" sz="1800" dirty="0" err="1"/>
+                        <a:t>vehicles</a:t>
+                      </a:r>
+                      <a:endParaRPr lang="it-IT" sz="1800" dirty="0"/>
+                    </a:p>
+                  </a:txBody>
+                  <a:tcPr/>
+                </a:tc>
+                <a:tc>
+                  <a:txBody>
+                    <a:bodyPr/>
+                    <a:lstStyle/>
+                    <a:p>
+                      <a:pPr algn="ctr"/>
+                      <a:r>
+                        <a:rPr lang="it-IT" sz="1700" b="0" i="0" u="none" strike="noStrike" kern="1200" baseline="0" dirty="0">
+                          <a:solidFill>
+                            <a:schemeClr val="dk1"/>
+                          </a:solidFill>
+                          <a:latin typeface="+mn-lt"/>
+                          <a:ea typeface="+mn-ea"/>
+                          <a:cs typeface="+mn-cs"/>
+                        </a:rPr>
+                        <a:t>4975, 2856, 1776, 1318, 1072</a:t>
+                      </a:r>
+                      <a:endParaRPr lang="it-IT" sz="1700" dirty="0"/>
+                    </a:p>
+                  </a:txBody>
+                  <a:tcPr/>
+                </a:tc>
+                <a:extLst>
+                  <a:ext uri="{0D108BD9-81ED-4DB2-BD59-A6C34878D82A}">
+                    <a16:rowId xmlns:a16="http://schemas.microsoft.com/office/drawing/2014/main" val="2715072907"/>
+                  </a:ext>
+                </a:extLst>
+              </a:tr>
+              <a:tr h="424163">
+                <a:tc>
+                  <a:txBody>
+                    <a:bodyPr/>
+                    <a:lstStyle/>
+                    <a:p>
+                      <a:r>
+                        <a:rPr lang="it-IT" sz="1800" dirty="0" err="1"/>
+                        <a:t>Number</a:t>
+                      </a:r>
+                      <a:r>
+                        <a:rPr lang="it-IT" sz="1800" dirty="0"/>
+                        <a:t> of </a:t>
+                      </a:r>
+                      <a:r>
+                        <a:rPr lang="it-IT" sz="1800" dirty="0" err="1"/>
+                        <a:t>simulations</a:t>
+                      </a:r>
+                      <a:endParaRPr lang="it-IT" sz="1800" dirty="0"/>
+                    </a:p>
+                  </a:txBody>
+                  <a:tcPr/>
+                </a:tc>
+                <a:tc>
+                  <a:txBody>
+                    <a:bodyPr/>
+                    <a:lstStyle/>
+                    <a:p>
+                      <a:pPr algn="ctr"/>
+                      <a:r>
+                        <a:rPr lang="it-IT" sz="1800" dirty="0"/>
+                        <a:t>4500</a:t>
+                      </a:r>
+                    </a:p>
+                  </a:txBody>
+                  <a:tcPr/>
+                </a:tc>
+                <a:extLst>
+                  <a:ext uri="{0D108BD9-81ED-4DB2-BD59-A6C34878D82A}">
+                    <a16:rowId xmlns:a16="http://schemas.microsoft.com/office/drawing/2014/main" val="2909756033"/>
+                  </a:ext>
+                </a:extLst>
+              </a:tr>
+            </a:tbl>
+          </a:graphicData>
+        </a:graphic>
+      </p:graphicFrame>
+      <p:graphicFrame>
+        <p:nvGraphicFramePr>
+          <p:cNvPr id="23" name="Tabella 22">
+            <a:extLst>
+              <a:ext uri="{FF2B5EF4-FFF2-40B4-BE49-F238E27FC236}">
+                <a16:creationId xmlns:a16="http://schemas.microsoft.com/office/drawing/2014/main" id="{059621E8-BFC3-4ADC-B180-1EE96A571E94}"/>
+              </a:ext>
+            </a:extLst>
+          </p:cNvPr>
+          <p:cNvGraphicFramePr>
+            <a:graphicFrameLocks noGrp="1"/>
+          </p:cNvGraphicFramePr>
+          <p:nvPr>
+            <p:extLst>
+              <p:ext uri="{D42A27DB-BD31-4B8C-83A1-F6EECF244321}">
+                <p14:modId xmlns:p14="http://schemas.microsoft.com/office/powerpoint/2010/main" val="3893946283"/>
+              </p:ext>
+            </p:extLst>
+          </p:nvPr>
+        </p:nvGraphicFramePr>
+        <p:xfrm>
+          <a:off x="5965794" y="1197896"/>
+          <a:ext cx="5841905" cy="4449765"/>
+        </p:xfrm>
+        <a:graphic>
+          <a:graphicData uri="http://schemas.openxmlformats.org/drawingml/2006/table">
+            <a:tbl>
+              <a:tblPr firstRow="1" bandRow="1">
+                <a:tableStyleId>{93296810-A885-4BE3-A3E7-6D5BEEA58F35}</a:tableStyleId>
+              </a:tblPr>
+              <a:tblGrid>
+                <a:gridCol w="2982897">
+                  <a:extLst>
+                    <a:ext uri="{9D8B030D-6E8A-4147-A177-3AD203B41FA5}">
+                      <a16:colId xmlns:a16="http://schemas.microsoft.com/office/drawing/2014/main" val="2431431013"/>
+                    </a:ext>
+                  </a:extLst>
+                </a:gridCol>
+                <a:gridCol w="2859008">
+                  <a:extLst>
+                    <a:ext uri="{9D8B030D-6E8A-4147-A177-3AD203B41FA5}">
+                      <a16:colId xmlns:a16="http://schemas.microsoft.com/office/drawing/2014/main" val="2147857952"/>
+                    </a:ext>
+                  </a:extLst>
+                </a:gridCol>
+              </a:tblGrid>
+              <a:tr h="465790">
+                <a:tc gridSpan="2">
+                  <a:txBody>
+                    <a:bodyPr/>
+                    <a:lstStyle/>
+                    <a:p>
+                      <a:pPr algn="ctr"/>
+                      <a:r>
+                        <a:rPr lang="it-IT" dirty="0"/>
+                        <a:t>Simulator </a:t>
+                      </a:r>
+                      <a:r>
+                        <a:rPr lang="it-IT" dirty="0" err="1"/>
+                        <a:t>configuration</a:t>
+                      </a:r>
+                      <a:endParaRPr lang="it-IT" dirty="0"/>
+                    </a:p>
+                  </a:txBody>
+                  <a:tcPr/>
+                </a:tc>
+                <a:tc hMerge="1">
+                  <a:txBody>
+                    <a:bodyPr/>
+                    <a:lstStyle/>
+                    <a:p>
+                      <a:endParaRPr lang="it-IT" dirty="0"/>
+                    </a:p>
+                  </a:txBody>
+                  <a:tcPr/>
+                </a:tc>
+                <a:extLst>
+                  <a:ext uri="{0D108BD9-81ED-4DB2-BD59-A6C34878D82A}">
+                    <a16:rowId xmlns:a16="http://schemas.microsoft.com/office/drawing/2014/main" val="4073864477"/>
+                  </a:ext>
+                </a:extLst>
+              </a:tr>
+              <a:tr h="465790">
+                <a:tc>
+                  <a:txBody>
+                    <a:bodyPr/>
+                    <a:lstStyle/>
+                    <a:p>
+                      <a:r>
+                        <a:rPr lang="it-IT" sz="1800" dirty="0" err="1"/>
+                        <a:t>Packet</a:t>
+                      </a:r>
+                      <a:r>
+                        <a:rPr lang="it-IT" sz="1800" dirty="0"/>
+                        <a:t> payload size </a:t>
+                      </a:r>
+                    </a:p>
+                  </a:txBody>
+                  <a:tcPr/>
+                </a:tc>
+                <a:tc>
+                  <a:txBody>
+                    <a:bodyPr/>
+                    <a:lstStyle/>
+                    <a:p>
+                      <a:pPr algn="ctr"/>
+                      <a:r>
+                        <a:rPr lang="it-IT" sz="1800" dirty="0"/>
+                        <a:t>100 byte</a:t>
+                      </a:r>
+                    </a:p>
+                  </a:txBody>
+                  <a:tcPr/>
+                </a:tc>
+                <a:extLst>
+                  <a:ext uri="{0D108BD9-81ED-4DB2-BD59-A6C34878D82A}">
+                    <a16:rowId xmlns:a16="http://schemas.microsoft.com/office/drawing/2014/main" val="3671550637"/>
+                  </a:ext>
+                </a:extLst>
+              </a:tr>
+              <a:tr h="465790">
+                <a:tc>
+                  <a:txBody>
+                    <a:bodyPr/>
+                    <a:lstStyle/>
+                    <a:p>
+                      <a:r>
+                        <a:rPr lang="it-IT" sz="1800" dirty="0"/>
+                        <a:t>Frequency [GHz]</a:t>
+                      </a:r>
+                    </a:p>
+                  </a:txBody>
+                  <a:tcPr/>
+                </a:tc>
+                <a:tc>
+                  <a:txBody>
+                    <a:bodyPr/>
+                    <a:lstStyle/>
+                    <a:p>
+                      <a:pPr algn="ctr"/>
+                      <a:r>
+                        <a:rPr lang="it-IT" sz="1800" b="0" i="0" u="none" strike="noStrike" kern="1200" baseline="0" dirty="0">
+                          <a:solidFill>
+                            <a:schemeClr val="dk1"/>
+                          </a:solidFill>
+                          <a:latin typeface="+mn-lt"/>
+                          <a:ea typeface="+mn-ea"/>
+                          <a:cs typeface="+mn-cs"/>
+                        </a:rPr>
+                        <a:t>2.4</a:t>
+                      </a:r>
+                      <a:endParaRPr lang="it-IT" sz="1800" dirty="0"/>
+                    </a:p>
+                  </a:txBody>
+                  <a:tcPr/>
+                </a:tc>
+                <a:extLst>
+                  <a:ext uri="{0D108BD9-81ED-4DB2-BD59-A6C34878D82A}">
+                    <a16:rowId xmlns:a16="http://schemas.microsoft.com/office/drawing/2014/main" val="3479011623"/>
+                  </a:ext>
+                </a:extLst>
+              </a:tr>
+              <a:tr h="465790">
+                <a:tc>
+                  <a:txBody>
+                    <a:bodyPr/>
+                    <a:lstStyle/>
+                    <a:p>
+                      <a:r>
+                        <a:rPr lang="it-IT" sz="1800" dirty="0"/>
+                        <a:t>Channel </a:t>
+                      </a:r>
+                      <a:r>
+                        <a:rPr lang="it-IT" sz="1800" dirty="0" err="1"/>
+                        <a:t>bandwidth</a:t>
+                      </a:r>
+                      <a:r>
+                        <a:rPr lang="it-IT" sz="1800" dirty="0"/>
+                        <a:t> [MHz]</a:t>
+                      </a:r>
+                    </a:p>
+                  </a:txBody>
+                  <a:tcPr/>
+                </a:tc>
+                <a:tc>
+                  <a:txBody>
+                    <a:bodyPr/>
+                    <a:lstStyle/>
+                    <a:p>
+                      <a:pPr algn="ctr"/>
+                      <a:r>
+                        <a:rPr lang="it-IT" sz="1800" b="0" i="0" u="none" strike="noStrike" kern="1200" baseline="0" dirty="0">
+                          <a:solidFill>
+                            <a:schemeClr val="dk1"/>
+                          </a:solidFill>
+                          <a:latin typeface="+mn-lt"/>
+                          <a:ea typeface="+mn-ea"/>
+                          <a:cs typeface="+mn-cs"/>
+                        </a:rPr>
+                        <a:t>22</a:t>
+                      </a:r>
+                      <a:endParaRPr lang="it-IT" sz="1800" dirty="0"/>
+                    </a:p>
+                  </a:txBody>
+                  <a:tcPr/>
+                </a:tc>
+                <a:extLst>
+                  <a:ext uri="{0D108BD9-81ED-4DB2-BD59-A6C34878D82A}">
+                    <a16:rowId xmlns:a16="http://schemas.microsoft.com/office/drawing/2014/main" val="2940363005"/>
+                  </a:ext>
+                </a:extLst>
+              </a:tr>
+              <a:tr h="465790">
+                <a:tc>
+                  <a:txBody>
+                    <a:bodyPr/>
+                    <a:lstStyle/>
+                    <a:p>
+                      <a:r>
+                        <a:rPr lang="it-IT" sz="1800" dirty="0"/>
+                        <a:t>Transmission speed [Mbps]</a:t>
+                      </a:r>
+                    </a:p>
+                  </a:txBody>
+                  <a:tcPr/>
+                </a:tc>
+                <a:tc>
+                  <a:txBody>
+                    <a:bodyPr/>
+                    <a:lstStyle/>
+                    <a:p>
+                      <a:pPr algn="ctr"/>
+                      <a:r>
+                        <a:rPr lang="it-IT" sz="1800" b="0" i="0" u="none" strike="noStrike" kern="1200" baseline="0" dirty="0">
+                          <a:solidFill>
+                            <a:schemeClr val="dk1"/>
+                          </a:solidFill>
+                          <a:latin typeface="+mn-lt"/>
+                          <a:ea typeface="+mn-ea"/>
+                          <a:cs typeface="+mn-cs"/>
+                        </a:rPr>
+                        <a:t>11</a:t>
+                      </a:r>
+                      <a:endParaRPr lang="it-IT" sz="1800" dirty="0"/>
+                    </a:p>
+                  </a:txBody>
+                  <a:tcPr/>
+                </a:tc>
+                <a:extLst>
+                  <a:ext uri="{0D108BD9-81ED-4DB2-BD59-A6C34878D82A}">
+                    <a16:rowId xmlns:a16="http://schemas.microsoft.com/office/drawing/2014/main" val="518483290"/>
+                  </a:ext>
+                </a:extLst>
+              </a:tr>
+              <a:tr h="424163">
+                <a:tc>
+                  <a:txBody>
+                    <a:bodyPr/>
+                    <a:lstStyle/>
+                    <a:p>
+                      <a:r>
+                        <a:rPr lang="it-IT" sz="1800" b="0" i="0" u="none" strike="noStrike" kern="1200" baseline="0" dirty="0">
+                          <a:solidFill>
+                            <a:schemeClr val="dk1"/>
+                          </a:solidFill>
+                          <a:latin typeface="+mn-lt"/>
+                          <a:ea typeface="+mn-ea"/>
+                          <a:cs typeface="+mn-cs"/>
+                        </a:rPr>
+                        <a:t>Transmission powers </a:t>
+                      </a:r>
+                      <a:r>
+                        <a:rPr lang="it-IT" sz="1800" dirty="0"/>
+                        <a:t>[</a:t>
+                      </a:r>
+                      <a:r>
+                        <a:rPr lang="it-IT" sz="1800" dirty="0" err="1"/>
+                        <a:t>dBm</a:t>
+                      </a:r>
+                      <a:r>
+                        <a:rPr lang="it-IT" sz="1800" dirty="0"/>
+                        <a:t>]</a:t>
+                      </a:r>
+                    </a:p>
+                  </a:txBody>
+                  <a:tcPr/>
+                </a:tc>
+                <a:tc>
+                  <a:txBody>
+                    <a:bodyPr/>
+                    <a:lstStyle/>
+                    <a:p>
+                      <a:pPr algn="ctr"/>
+                      <a:r>
+                        <a:rPr lang="it-IT" sz="1800" b="0" i="0" u="none" strike="noStrike" kern="1200" baseline="0" dirty="0">
+                          <a:solidFill>
+                            <a:schemeClr val="dk1"/>
+                          </a:solidFill>
+                          <a:latin typeface="+mn-lt"/>
+                          <a:ea typeface="+mn-ea"/>
+                          <a:cs typeface="+mn-cs"/>
+                        </a:rPr>
+                        <a:t>-7.0, 4.6, 13.4</a:t>
+                      </a:r>
+                      <a:endParaRPr lang="it-IT" sz="1800" dirty="0"/>
+                    </a:p>
+                  </a:txBody>
+                  <a:tcPr/>
+                </a:tc>
+                <a:extLst>
+                  <a:ext uri="{0D108BD9-81ED-4DB2-BD59-A6C34878D82A}">
+                    <a16:rowId xmlns:a16="http://schemas.microsoft.com/office/drawing/2014/main" val="2443031818"/>
+                  </a:ext>
+                </a:extLst>
+              </a:tr>
+              <a:tr h="424163">
+                <a:tc>
+                  <a:txBody>
+                    <a:bodyPr/>
+                    <a:lstStyle/>
+                    <a:p>
+                      <a:r>
+                        <a:rPr lang="it-IT" sz="1800" dirty="0"/>
+                        <a:t>Transmission ranges [m]</a:t>
+                      </a:r>
+                    </a:p>
+                  </a:txBody>
+                  <a:tcPr/>
+                </a:tc>
+                <a:tc>
+                  <a:txBody>
+                    <a:bodyPr/>
+                    <a:lstStyle/>
+                    <a:p>
+                      <a:pPr algn="ctr"/>
+                      <a:r>
+                        <a:rPr lang="it-IT" sz="1800" dirty="0"/>
+                        <a:t>100, 300, 500</a:t>
+                      </a:r>
+                    </a:p>
+                  </a:txBody>
+                  <a:tcPr/>
+                </a:tc>
+                <a:extLst>
+                  <a:ext uri="{0D108BD9-81ED-4DB2-BD59-A6C34878D82A}">
+                    <a16:rowId xmlns:a16="http://schemas.microsoft.com/office/drawing/2014/main" val="2962713516"/>
+                  </a:ext>
+                </a:extLst>
+              </a:tr>
+              <a:tr h="424163">
+                <a:tc>
+                  <a:txBody>
+                    <a:bodyPr/>
+                    <a:lstStyle/>
+                    <a:p>
+                      <a:r>
+                        <a:rPr lang="it-IT" sz="1800" dirty="0" err="1"/>
+                        <a:t>Modulation</a:t>
+                      </a:r>
+                      <a:endParaRPr lang="it-IT" sz="1800" dirty="0"/>
+                    </a:p>
+                  </a:txBody>
+                  <a:tcPr/>
+                </a:tc>
+                <a:tc>
+                  <a:txBody>
+                    <a:bodyPr/>
+                    <a:lstStyle/>
+                    <a:p>
+                      <a:pPr algn="ctr"/>
+                      <a:r>
+                        <a:rPr lang="it-IT" sz="1800" dirty="0"/>
+                        <a:t>DSSS</a:t>
+                      </a:r>
+                    </a:p>
+                  </a:txBody>
+                  <a:tcPr/>
+                </a:tc>
+                <a:extLst>
+                  <a:ext uri="{0D108BD9-81ED-4DB2-BD59-A6C34878D82A}">
+                    <a16:rowId xmlns:a16="http://schemas.microsoft.com/office/drawing/2014/main" val="1800392706"/>
+                  </a:ext>
+                </a:extLst>
+              </a:tr>
+              <a:tr h="424163">
+                <a:tc>
+                  <a:txBody>
+                    <a:bodyPr/>
+                    <a:lstStyle/>
+                    <a:p>
+                      <a:r>
+                        <a:rPr lang="it-IT" sz="1800" dirty="0" err="1"/>
+                        <a:t>Propagation</a:t>
+                      </a:r>
+                      <a:r>
+                        <a:rPr lang="it-IT" sz="1800" dirty="0"/>
+                        <a:t> </a:t>
+                      </a:r>
+                      <a:r>
+                        <a:rPr lang="it-IT" sz="1800" dirty="0" err="1"/>
+                        <a:t>loss</a:t>
+                      </a:r>
+                      <a:r>
+                        <a:rPr lang="it-IT" sz="1800" dirty="0"/>
+                        <a:t> model</a:t>
+                      </a:r>
+                    </a:p>
+                  </a:txBody>
+                  <a:tcPr/>
+                </a:tc>
+                <a:tc>
+                  <a:txBody>
+                    <a:bodyPr/>
+                    <a:lstStyle/>
+                    <a:p>
+                      <a:pPr algn="ctr"/>
+                      <a:r>
+                        <a:rPr lang="it-IT" sz="1800" b="0" i="0" u="none" strike="noStrike" kern="1200" baseline="0" dirty="0">
+                          <a:solidFill>
+                            <a:schemeClr val="dk1"/>
+                          </a:solidFill>
+                          <a:latin typeface="+mn-lt"/>
+                          <a:ea typeface="+mn-ea"/>
+                          <a:cs typeface="+mn-cs"/>
+                        </a:rPr>
+                        <a:t>ns3::</a:t>
+                      </a:r>
+                      <a:r>
+                        <a:rPr lang="it-IT" sz="1800" b="0" i="0" u="none" strike="noStrike" kern="1200" baseline="0" dirty="0" err="1">
+                          <a:solidFill>
+                            <a:schemeClr val="dk1"/>
+                          </a:solidFill>
+                          <a:latin typeface="+mn-lt"/>
+                          <a:ea typeface="+mn-ea"/>
+                          <a:cs typeface="+mn-cs"/>
+                        </a:rPr>
+                        <a:t>TwoRayGround</a:t>
+                      </a:r>
+                      <a:endParaRPr lang="it-IT" sz="1800" dirty="0"/>
+                    </a:p>
+                  </a:txBody>
+                  <a:tcPr/>
+                </a:tc>
+                <a:extLst>
+                  <a:ext uri="{0D108BD9-81ED-4DB2-BD59-A6C34878D82A}">
+                    <a16:rowId xmlns:a16="http://schemas.microsoft.com/office/drawing/2014/main" val="2715072907"/>
+                  </a:ext>
+                </a:extLst>
+              </a:tr>
+              <a:tr h="424163">
+                <a:tc>
+                  <a:txBody>
+                    <a:bodyPr/>
+                    <a:lstStyle/>
+                    <a:p>
+                      <a:r>
+                        <a:rPr lang="it-IT" sz="1800" dirty="0" err="1"/>
+                        <a:t>Propagation</a:t>
+                      </a:r>
+                      <a:r>
+                        <a:rPr lang="it-IT" sz="1800" dirty="0"/>
+                        <a:t> delay model</a:t>
+                      </a:r>
+                    </a:p>
+                  </a:txBody>
+                  <a:tcPr/>
+                </a:tc>
+                <a:tc>
+                  <a:txBody>
+                    <a:bodyPr/>
+                    <a:lstStyle/>
+                    <a:p>
+                      <a:pPr algn="ctr"/>
+                      <a:r>
+                        <a:rPr lang="it-IT" sz="1800" dirty="0"/>
+                        <a:t>ns3::</a:t>
+                      </a:r>
+                      <a:r>
+                        <a:rPr lang="it-IT" sz="1800" dirty="0" err="1"/>
+                        <a:t>ConstantSpeed</a:t>
+                      </a:r>
+                      <a:endParaRPr lang="it-IT" sz="1800" dirty="0"/>
+                    </a:p>
+                  </a:txBody>
+                  <a:tcPr/>
+                </a:tc>
+                <a:extLst>
+                  <a:ext uri="{0D108BD9-81ED-4DB2-BD59-A6C34878D82A}">
+                    <a16:rowId xmlns:a16="http://schemas.microsoft.com/office/drawing/2014/main" val="2909756033"/>
+                  </a:ext>
+                </a:extLst>
+              </a:tr>
+            </a:tbl>
+          </a:graphicData>
+        </a:graphic>
+      </p:graphicFrame>
+    </p:spTree>
+    <p:extLst>
+      <p:ext uri="{BB962C8B-B14F-4D97-AF65-F5344CB8AC3E}">
+        <p14:creationId xmlns:p14="http://schemas.microsoft.com/office/powerpoint/2010/main" val="3902103962"/>
+      </p:ext>
+    </p:extLst>
+  </p:cSld>
+  <p:clrMapOvr>
+    <a:masterClrMapping/>
+  </p:clrMapOvr>
+</p:sld>
+</file>
+
 <file path=ppt/slides/slide2.xml><?xml version="1.0" encoding="utf-8"?>
 <p:sld xmlns:a="http://schemas.openxmlformats.org/drawingml/2006/main" xmlns:r="http://schemas.openxmlformats.org/officeDocument/2006/relationships" xmlns:p="http://schemas.openxmlformats.org/presentationml/2006/main">
   <p:cSld>
@@ -4382,23 +5482,53 @@
               <a:buAutoNum type="arabicPeriod"/>
             </a:pPr>
             <a:r>
-              <a:rPr lang="it-IT" dirty="0"/>
+              <a:rPr lang="it-IT" dirty="0">
+                <a:solidFill>
+                  <a:schemeClr val="bg1">
+                    <a:lumMod val="75000"/>
+                  </a:schemeClr>
+                </a:solidFill>
+              </a:rPr>
               <a:t>Lista scenari: </a:t>
             </a:r>
             <a:r>
-              <a:rPr lang="it-IT" dirty="0" err="1"/>
+              <a:rPr lang="it-IT" dirty="0" err="1">
+                <a:solidFill>
+                  <a:schemeClr val="bg1">
+                    <a:lumMod val="75000"/>
+                  </a:schemeClr>
+                </a:solidFill>
+              </a:rPr>
               <a:t>Platoon</a:t>
             </a:r>
             <a:r>
-              <a:rPr lang="it-IT" dirty="0"/>
+              <a:rPr lang="it-IT" dirty="0">
+                <a:solidFill>
+                  <a:schemeClr val="bg1">
+                    <a:lumMod val="75000"/>
+                  </a:schemeClr>
+                </a:solidFill>
+              </a:rPr>
               <a:t> 1D, </a:t>
             </a:r>
             <a:r>
-              <a:rPr lang="it-IT" dirty="0" err="1"/>
+              <a:rPr lang="it-IT" dirty="0" err="1">
+                <a:solidFill>
+                  <a:schemeClr val="bg1">
+                    <a:lumMod val="75000"/>
+                  </a:schemeClr>
+                </a:solidFill>
+              </a:rPr>
               <a:t>Grid</a:t>
             </a:r>
             <a:r>
-              <a:rPr lang="it-IT" dirty="0"/>
+              <a:rPr lang="it-IT" dirty="0">
+                <a:solidFill>
+                  <a:schemeClr val="bg1">
+                    <a:lumMod val="75000"/>
+                  </a:schemeClr>
+                </a:solidFill>
+              </a:rPr>
               <a:t> 2D, LA, Padova, LA smart city</a:t>
             </a:r>
           </a:p>
@@ -6932,13 +8062,15 @@
           </a:xfrm>
         </p:spPr>
         <p:txBody>
-          <a:bodyPr/>
+          <a:bodyPr>
+            <a:normAutofit fontScale="90000"/>
+          </a:bodyPr>
           <a:lstStyle/>
           <a:p>
             <a:pPr algn="ctr"/>
             <a:r>
               <a:rPr lang="it-IT" dirty="0"/>
-              <a:t>SIMULATIONS - SCENARIOS</a:t>
+              <a:t>SIMULATIONS – SCENARIOS AND METRICS</a:t>
             </a:r>
           </a:p>
         </p:txBody>
@@ -7008,8 +8140,8 @@
         </p:nvSpPr>
         <p:spPr>
           <a:xfrm>
-            <a:off x="1629006" y="1262851"/>
-            <a:ext cx="10017760" cy="4589309"/>
+            <a:off x="421643" y="1174077"/>
+            <a:ext cx="5588540" cy="668026"/>
           </a:xfrm>
         </p:spPr>
         <p:txBody>
@@ -7069,44 +8201,44 @@
           <p:nvPr>
             <p:extLst>
               <p:ext uri="{D42A27DB-BD31-4B8C-83A1-F6EECF244321}">
-                <p14:modId xmlns:p14="http://schemas.microsoft.com/office/powerpoint/2010/main" val="2057368601"/>
+                <p14:modId xmlns:p14="http://schemas.microsoft.com/office/powerpoint/2010/main" val="1884809116"/>
               </p:ext>
             </p:extLst>
           </p:nvPr>
         </p:nvGraphicFramePr>
         <p:xfrm>
-          <a:off x="1739039" y="1996440"/>
-          <a:ext cx="6197601" cy="3132917"/>
+          <a:off x="531676" y="1907665"/>
+          <a:ext cx="5503736" cy="2753113"/>
         </p:xfrm>
         <a:graphic>
           <a:graphicData uri="http://schemas.openxmlformats.org/drawingml/2006/table">
             <a:tbl>
               <a:tblPr firstRow="1" bandRow="1">
-                <a:tableStyleId>{5C22544A-7EE6-4342-B048-85BDC9FD1C3A}</a:tableStyleId>
+                <a:tableStyleId>{93296810-A885-4BE3-A3E7-6D5BEEA58F35}</a:tableStyleId>
               </a:tblPr>
               <a:tblGrid>
-                <a:gridCol w="2602145">
+                <a:gridCol w="2494534">
                   <a:extLst>
                     <a:ext uri="{9D8B030D-6E8A-4147-A177-3AD203B41FA5}">
                       <a16:colId xmlns:a16="http://schemas.microsoft.com/office/drawing/2014/main" val="2431431013"/>
                     </a:ext>
                   </a:extLst>
                 </a:gridCol>
-                <a:gridCol w="696770">
+                <a:gridCol w="756793">
                   <a:extLst>
                     <a:ext uri="{9D8B030D-6E8A-4147-A177-3AD203B41FA5}">
                       <a16:colId xmlns:a16="http://schemas.microsoft.com/office/drawing/2014/main" val="2147857952"/>
                     </a:ext>
                   </a:extLst>
                 </a:gridCol>
-                <a:gridCol w="1323823">
+                <a:gridCol w="1246505">
                   <a:extLst>
                     <a:ext uri="{9D8B030D-6E8A-4147-A177-3AD203B41FA5}">
                       <a16:colId xmlns:a16="http://schemas.microsoft.com/office/drawing/2014/main" val="2316241057"/>
                     </a:ext>
                   </a:extLst>
                 </a:gridCol>
-                <a:gridCol w="1574863">
+                <a:gridCol w="1005904">
                   <a:extLst>
                     <a:ext uri="{9D8B030D-6E8A-4147-A177-3AD203B41FA5}">
                       <a16:colId xmlns:a16="http://schemas.microsoft.com/office/drawing/2014/main" val="788923614"/>
@@ -7122,7 +8254,7 @@
                     <a:p>
                       <a:r>
                         <a:rPr lang="it-IT" dirty="0"/>
-                        <a:t>Name</a:t>
+                        <a:t>Scenario name</a:t>
                       </a:r>
                     </a:p>
                   </a:txBody>
@@ -7394,7 +8526,7 @@
                   </a:ext>
                 </a:extLst>
               </a:tr>
-              <a:tr h="803967">
+              <a:tr h="424163">
                 <a:tc>
                   <a:txBody>
                     <a:bodyPr/>
@@ -7483,7 +8615,7 @@
         </p:blipFill>
         <p:spPr>
           <a:xfrm>
-            <a:off x="6863736" y="2438658"/>
+            <a:off x="5281013" y="2339365"/>
             <a:ext cx="493080" cy="493080"/>
           </a:xfrm>
           <a:prstGeom prst="rect">
@@ -7522,7 +8654,7 @@
         </p:blipFill>
         <p:spPr>
           <a:xfrm>
-            <a:off x="5470128" y="2931738"/>
+            <a:off x="4262765" y="2842963"/>
             <a:ext cx="451282" cy="451282"/>
           </a:xfrm>
           <a:prstGeom prst="rect">
@@ -7561,7 +8693,7 @@
         </p:blipFill>
         <p:spPr>
           <a:xfrm>
-            <a:off x="5470128" y="3429000"/>
+            <a:off x="4262765" y="3340225"/>
             <a:ext cx="451282" cy="451282"/>
           </a:xfrm>
           <a:prstGeom prst="rect">
@@ -7600,7 +8732,7 @@
         </p:blipFill>
         <p:spPr>
           <a:xfrm>
-            <a:off x="5470128" y="3867036"/>
+            <a:off x="4262765" y="3778261"/>
             <a:ext cx="451282" cy="451282"/>
           </a:xfrm>
           <a:prstGeom prst="rect">
@@ -7639,7 +8771,7 @@
         </p:blipFill>
         <p:spPr>
           <a:xfrm>
-            <a:off x="5470128" y="4482941"/>
+            <a:off x="4241866" y="4235986"/>
             <a:ext cx="451282" cy="451282"/>
           </a:xfrm>
           <a:prstGeom prst="rect">
@@ -7678,7 +8810,7 @@
         </p:blipFill>
         <p:spPr>
           <a:xfrm>
-            <a:off x="6863736" y="2935920"/>
+            <a:off x="5281013" y="2836627"/>
             <a:ext cx="493080" cy="493080"/>
           </a:xfrm>
           <a:prstGeom prst="rect">
@@ -7717,7 +8849,7 @@
         </p:blipFill>
         <p:spPr>
           <a:xfrm>
-            <a:off x="6863736" y="3369774"/>
+            <a:off x="5281013" y="3270481"/>
             <a:ext cx="493080" cy="493080"/>
           </a:xfrm>
           <a:prstGeom prst="rect">
@@ -7756,7 +8888,7 @@
         </p:blipFill>
         <p:spPr>
           <a:xfrm>
-            <a:off x="6863736" y="3867036"/>
+            <a:off x="5281013" y="3767743"/>
             <a:ext cx="493080" cy="493080"/>
           </a:xfrm>
           <a:prstGeom prst="rect">
@@ -7795,7 +8927,7 @@
         </p:blipFill>
         <p:spPr>
           <a:xfrm>
-            <a:off x="6902391" y="4482941"/>
+            <a:off x="5322811" y="4229543"/>
             <a:ext cx="451282" cy="451282"/>
           </a:xfrm>
           <a:prstGeom prst="rect">
@@ -7803,6 +8935,309 @@
           </a:prstGeom>
         </p:spPr>
       </p:pic>
+      <p:pic>
+        <p:nvPicPr>
+          <p:cNvPr id="21" name="Elemento grafico 20" descr="Chiudi">
+            <a:extLst>
+              <a:ext uri="{FF2B5EF4-FFF2-40B4-BE49-F238E27FC236}">
+                <a16:creationId xmlns:a16="http://schemas.microsoft.com/office/drawing/2014/main" id="{3461CBFB-4126-4B5E-806A-F734FCC9C1EB}"/>
+              </a:ext>
+            </a:extLst>
+          </p:cNvPr>
+          <p:cNvPicPr>
+            <a:picLocks noChangeAspect="1"/>
+          </p:cNvPicPr>
+          <p:nvPr/>
+        </p:nvPicPr>
+        <p:blipFill>
+          <a:blip r:embed="rId2">
+            <a:extLst>
+              <a:ext uri="{28A0092B-C50C-407E-A947-70E740481C1C}">
+                <a14:useLocalDpi xmlns:a14="http://schemas.microsoft.com/office/drawing/2010/main" val="0"/>
+              </a:ext>
+              <a:ext uri="{96DAC541-7B7A-43D3-8B79-37D633B846F1}">
+                <asvg:svgBlip xmlns:asvg="http://schemas.microsoft.com/office/drawing/2016/SVG/main" r:embed="rId3"/>
+              </a:ext>
+            </a:extLst>
+          </a:blip>
+          <a:stretch>
+            <a:fillRect/>
+          </a:stretch>
+        </p:blipFill>
+        <p:spPr>
+          <a:xfrm>
+            <a:off x="4241866" y="2349883"/>
+            <a:ext cx="493080" cy="493080"/>
+          </a:xfrm>
+          <a:prstGeom prst="rect">
+            <a:avLst/>
+          </a:prstGeom>
+        </p:spPr>
+      </p:pic>
+      <p:sp>
+        <p:nvSpPr>
+          <p:cNvPr id="22" name="Segnaposto contenuto 2">
+            <a:extLst>
+              <a:ext uri="{FF2B5EF4-FFF2-40B4-BE49-F238E27FC236}">
+                <a16:creationId xmlns:a16="http://schemas.microsoft.com/office/drawing/2014/main" id="{0C0ED98C-0C17-4F07-9009-631168D944C0}"/>
+              </a:ext>
+            </a:extLst>
+          </p:cNvPr>
+          <p:cNvSpPr txBox="1">
+            <a:spLocks/>
+          </p:cNvSpPr>
+          <p:nvPr/>
+        </p:nvSpPr>
+        <p:spPr>
+          <a:xfrm>
+            <a:off x="6577149" y="1174077"/>
+            <a:ext cx="5296712" cy="3866480"/>
+          </a:xfrm>
+          <a:prstGeom prst="rect">
+            <a:avLst/>
+          </a:prstGeom>
+        </p:spPr>
+        <p:txBody>
+          <a:bodyPr vert="horz" lIns="91440" tIns="45720" rIns="91440" bIns="45720" rtlCol="0">
+            <a:normAutofit/>
+          </a:bodyPr>
+          <a:lstStyle>
+            <a:lvl1pPr marL="342900" indent="-342900" algn="l" defTabSz="914400" rtl="0" eaLnBrk="1" latinLnBrk="0" hangingPunct="1">
+              <a:lnSpc>
+                <a:spcPct val="150000"/>
+              </a:lnSpc>
+              <a:spcBef>
+                <a:spcPct val="20000"/>
+              </a:spcBef>
+              <a:buClr>
+                <a:schemeClr val="accent6"/>
+              </a:buClr>
+              <a:buFont typeface="Arial" pitchFamily="34" charset="0"/>
+              <a:buChar char="•"/>
+              <a:defRPr sz="2100" kern="1200">
+                <a:solidFill>
+                  <a:schemeClr val="tx1"/>
+                </a:solidFill>
+                <a:latin typeface="+mn-lt"/>
+                <a:ea typeface="+mn-ea"/>
+                <a:cs typeface="+mn-cs"/>
+              </a:defRPr>
+            </a:lvl1pPr>
+            <a:lvl2pPr marL="742950" indent="-285750" algn="l" defTabSz="914400" rtl="0" eaLnBrk="1" latinLnBrk="0" hangingPunct="1">
+              <a:lnSpc>
+                <a:spcPct val="150000"/>
+              </a:lnSpc>
+              <a:spcBef>
+                <a:spcPct val="20000"/>
+              </a:spcBef>
+              <a:buClr>
+                <a:schemeClr val="accent6"/>
+              </a:buClr>
+              <a:buFont typeface="Courier New" panose="02070309020205020404" pitchFamily="49" charset="0"/>
+              <a:buChar char="o"/>
+              <a:defRPr sz="1700" kern="1200">
+                <a:solidFill>
+                  <a:schemeClr val="tx1"/>
+                </a:solidFill>
+                <a:latin typeface="+mn-lt"/>
+                <a:ea typeface="+mn-ea"/>
+                <a:cs typeface="+mn-cs"/>
+              </a:defRPr>
+            </a:lvl2pPr>
+            <a:lvl3pPr marL="1143000" indent="-228600" algn="l" defTabSz="914400" rtl="0" eaLnBrk="1" latinLnBrk="0" hangingPunct="1">
+              <a:lnSpc>
+                <a:spcPct val="150000"/>
+              </a:lnSpc>
+              <a:spcBef>
+                <a:spcPct val="20000"/>
+              </a:spcBef>
+              <a:buFont typeface="Arial" pitchFamily="34" charset="0"/>
+              <a:buChar char="•"/>
+              <a:defRPr sz="2400" kern="1200">
+                <a:solidFill>
+                  <a:schemeClr val="tx1"/>
+                </a:solidFill>
+                <a:latin typeface="+mn-lt"/>
+                <a:ea typeface="+mn-ea"/>
+                <a:cs typeface="+mn-cs"/>
+              </a:defRPr>
+            </a:lvl3pPr>
+            <a:lvl4pPr marL="1600200" indent="-228600" algn="l" defTabSz="914400" rtl="0" eaLnBrk="1" latinLnBrk="0" hangingPunct="1">
+              <a:lnSpc>
+                <a:spcPct val="150000"/>
+              </a:lnSpc>
+              <a:spcBef>
+                <a:spcPct val="20000"/>
+              </a:spcBef>
+              <a:buFont typeface="Arial" pitchFamily="34" charset="0"/>
+              <a:buChar char="–"/>
+              <a:defRPr sz="2000" kern="1200">
+                <a:solidFill>
+                  <a:schemeClr val="tx1"/>
+                </a:solidFill>
+                <a:latin typeface="+mn-lt"/>
+                <a:ea typeface="+mn-ea"/>
+                <a:cs typeface="+mn-cs"/>
+              </a:defRPr>
+            </a:lvl4pPr>
+            <a:lvl5pPr marL="2057400" indent="-228600" algn="l" defTabSz="914400" rtl="0" eaLnBrk="1" latinLnBrk="0" hangingPunct="1">
+              <a:lnSpc>
+                <a:spcPct val="150000"/>
+              </a:lnSpc>
+              <a:spcBef>
+                <a:spcPct val="20000"/>
+              </a:spcBef>
+              <a:buFont typeface="Arial" pitchFamily="34" charset="0"/>
+              <a:buChar char="»"/>
+              <a:defRPr sz="2000" kern="1200">
+                <a:solidFill>
+                  <a:schemeClr val="tx1"/>
+                </a:solidFill>
+                <a:latin typeface="+mn-lt"/>
+                <a:ea typeface="+mn-ea"/>
+                <a:cs typeface="+mn-cs"/>
+              </a:defRPr>
+            </a:lvl5pPr>
+            <a:lvl6pPr marL="2514600" indent="-228600" algn="l" defTabSz="914400" rtl="0" eaLnBrk="1" latinLnBrk="0" hangingPunct="1">
+              <a:spcBef>
+                <a:spcPct val="20000"/>
+              </a:spcBef>
+              <a:buFont typeface="Arial" pitchFamily="34" charset="0"/>
+              <a:buChar char="•"/>
+              <a:defRPr sz="2000" kern="1200">
+                <a:solidFill>
+                  <a:schemeClr val="tx1"/>
+                </a:solidFill>
+                <a:latin typeface="+mn-lt"/>
+                <a:ea typeface="+mn-ea"/>
+                <a:cs typeface="+mn-cs"/>
+              </a:defRPr>
+            </a:lvl6pPr>
+            <a:lvl7pPr marL="2971800" indent="-228600" algn="l" defTabSz="914400" rtl="0" eaLnBrk="1" latinLnBrk="0" hangingPunct="1">
+              <a:spcBef>
+                <a:spcPct val="20000"/>
+              </a:spcBef>
+              <a:buFont typeface="Arial" pitchFamily="34" charset="0"/>
+              <a:buChar char="•"/>
+              <a:defRPr sz="2000" kern="1200">
+                <a:solidFill>
+                  <a:schemeClr val="tx1"/>
+                </a:solidFill>
+                <a:latin typeface="+mn-lt"/>
+                <a:ea typeface="+mn-ea"/>
+                <a:cs typeface="+mn-cs"/>
+              </a:defRPr>
+            </a:lvl7pPr>
+            <a:lvl8pPr marL="3429000" indent="-228600" algn="l" defTabSz="914400" rtl="0" eaLnBrk="1" latinLnBrk="0" hangingPunct="1">
+              <a:spcBef>
+                <a:spcPct val="20000"/>
+              </a:spcBef>
+              <a:buFont typeface="Arial" pitchFamily="34" charset="0"/>
+              <a:buChar char="•"/>
+              <a:defRPr sz="2000" kern="1200">
+                <a:solidFill>
+                  <a:schemeClr val="tx1"/>
+                </a:solidFill>
+                <a:latin typeface="+mn-lt"/>
+                <a:ea typeface="+mn-ea"/>
+                <a:cs typeface="+mn-cs"/>
+              </a:defRPr>
+            </a:lvl8pPr>
+            <a:lvl9pPr marL="3886200" indent="-228600" algn="l" defTabSz="914400" rtl="0" eaLnBrk="1" latinLnBrk="0" hangingPunct="1">
+              <a:spcBef>
+                <a:spcPct val="20000"/>
+              </a:spcBef>
+              <a:buFont typeface="Arial" pitchFamily="34" charset="0"/>
+              <a:buChar char="•"/>
+              <a:defRPr sz="2000" kern="1200">
+                <a:solidFill>
+                  <a:schemeClr val="tx1"/>
+                </a:solidFill>
+                <a:latin typeface="+mn-lt"/>
+                <a:ea typeface="+mn-ea"/>
+                <a:cs typeface="+mn-cs"/>
+              </a:defRPr>
+            </a:lvl9pPr>
+          </a:lstStyle>
+          <a:p>
+            <a:r>
+              <a:rPr lang="it-IT" dirty="0" err="1"/>
+              <a:t>Metrics</a:t>
+            </a:r>
+            <a:endParaRPr lang="it-IT" dirty="0"/>
+          </a:p>
+          <a:p>
+            <a:pPr lvl="1"/>
+            <a:r>
+              <a:rPr lang="it-IT" dirty="0"/>
+              <a:t>Total delivery ratio</a:t>
+            </a:r>
+          </a:p>
+          <a:p>
+            <a:pPr lvl="1"/>
+            <a:r>
+              <a:rPr lang="it-IT" dirty="0"/>
+              <a:t>Total delivery ratio on </a:t>
+            </a:r>
+            <a:r>
+              <a:rPr lang="it-IT" dirty="0" err="1"/>
+              <a:t>circumference</a:t>
+            </a:r>
+            <a:endParaRPr lang="it-IT" dirty="0"/>
+          </a:p>
+          <a:p>
+            <a:pPr lvl="1"/>
+            <a:r>
+              <a:rPr lang="it-IT" dirty="0" err="1"/>
+              <a:t>Number</a:t>
+            </a:r>
+            <a:r>
+              <a:rPr lang="it-IT" dirty="0"/>
+              <a:t> of </a:t>
+            </a:r>
+            <a:r>
+              <a:rPr lang="it-IT" dirty="0" err="1"/>
+              <a:t>hops</a:t>
+            </a:r>
+            <a:endParaRPr lang="it-IT" dirty="0"/>
+          </a:p>
+          <a:p>
+            <a:pPr lvl="1"/>
+            <a:r>
+              <a:rPr lang="it-IT" dirty="0" err="1"/>
+              <a:t>Number</a:t>
+            </a:r>
+            <a:r>
+              <a:rPr lang="it-IT" dirty="0"/>
+              <a:t> of slots</a:t>
+            </a:r>
+          </a:p>
+          <a:p>
+            <a:pPr lvl="1"/>
+            <a:r>
+              <a:rPr lang="it-IT" dirty="0"/>
+              <a:t>Forwarding </a:t>
+            </a:r>
+            <a:r>
+              <a:rPr lang="it-IT" dirty="0" err="1"/>
+              <a:t>node</a:t>
+            </a:r>
+            <a:r>
+              <a:rPr lang="it-IT" dirty="0"/>
+              <a:t> </a:t>
+            </a:r>
+            <a:r>
+              <a:rPr lang="it-IT" dirty="0" err="1"/>
+              <a:t>number</a:t>
+            </a:r>
+            <a:endParaRPr lang="it-IT" dirty="0"/>
+          </a:p>
+          <a:p>
+            <a:pPr lvl="1"/>
+            <a:endParaRPr lang="it-IT" dirty="0"/>
+          </a:p>
+        </p:txBody>
+      </p:sp>
     </p:spTree>
     <p:extLst>
       <p:ext uri="{BB962C8B-B14F-4D97-AF65-F5344CB8AC3E}">

--- a/Presentazioni/Presentazione Magistrale/Presentazione Magistrale.pptx
+++ b/Presentazioni/Presentazione Magistrale/Presentazione Magistrale.pptx
@@ -5,19 +5,23 @@
     <p:sldMasterId id="2147483750" r:id="rId1"/>
   </p:sldMasterIdLst>
   <p:notesMasterIdLst>
-    <p:notesMasterId r:id="rId12"/>
+    <p:notesMasterId r:id="rId16"/>
   </p:notesMasterIdLst>
   <p:sldIdLst>
     <p:sldId id="256" r:id="rId2"/>
     <p:sldId id="260" r:id="rId3"/>
     <p:sldId id="258" r:id="rId4"/>
     <p:sldId id="261" r:id="rId5"/>
-    <p:sldId id="263" r:id="rId6"/>
-    <p:sldId id="264" r:id="rId7"/>
-    <p:sldId id="265" r:id="rId8"/>
-    <p:sldId id="266" r:id="rId9"/>
+    <p:sldId id="264" r:id="rId6"/>
+    <p:sldId id="265" r:id="rId7"/>
+    <p:sldId id="266" r:id="rId8"/>
+    <p:sldId id="263" r:id="rId9"/>
     <p:sldId id="267" r:id="rId10"/>
     <p:sldId id="268" r:id="rId11"/>
+    <p:sldId id="269" r:id="rId12"/>
+    <p:sldId id="270" r:id="rId13"/>
+    <p:sldId id="271" r:id="rId14"/>
+    <p:sldId id="272" r:id="rId15"/>
   </p:sldIdLst>
   <p:sldSz cx="12192000" cy="6858000"/>
   <p:notesSz cx="6858000" cy="9144000"/>
@@ -206,7 +210,7 @@
           <a:p>
             <a:fld id="{1A578250-5579-4797-8B18-F36A6FF46076}" type="datetimeFigureOut">
               <a:rPr lang="it-IT" smtClean="0"/>
-              <a:t>06/07/2019</a:t>
+              <a:t>07/07/2019</a:t>
             </a:fld>
             <a:endParaRPr lang="it-IT"/>
           </a:p>
@@ -604,7 +608,7 @@
           <a:p>
             <a:fld id="{1A03AB17-A341-48A5-AD52-E4D16CDFE3B7}" type="datetimeFigureOut">
               <a:rPr lang="it-IT" smtClean="0"/>
-              <a:t>06/07/2019</a:t>
+              <a:t>07/07/2019</a:t>
             </a:fld>
             <a:endParaRPr lang="it-IT"/>
           </a:p>
@@ -774,7 +778,7 @@
           <a:p>
             <a:fld id="{1A03AB17-A341-48A5-AD52-E4D16CDFE3B7}" type="datetimeFigureOut">
               <a:rPr lang="it-IT" smtClean="0"/>
-              <a:t>06/07/2019</a:t>
+              <a:t>07/07/2019</a:t>
             </a:fld>
             <a:endParaRPr lang="it-IT"/>
           </a:p>
@@ -954,7 +958,7 @@
           <a:p>
             <a:fld id="{1A03AB17-A341-48A5-AD52-E4D16CDFE3B7}" type="datetimeFigureOut">
               <a:rPr lang="it-IT" smtClean="0"/>
-              <a:t>06/07/2019</a:t>
+              <a:t>07/07/2019</a:t>
             </a:fld>
             <a:endParaRPr lang="it-IT"/>
           </a:p>
@@ -1155,7 +1159,7 @@
           <a:p>
             <a:fld id="{1A03AB17-A341-48A5-AD52-E4D16CDFE3B7}" type="datetimeFigureOut">
               <a:rPr lang="it-IT" smtClean="0"/>
-              <a:t>06/07/2019</a:t>
+              <a:t>07/07/2019</a:t>
             </a:fld>
             <a:endParaRPr lang="it-IT"/>
           </a:p>
@@ -1570,7 +1574,7 @@
           <a:p>
             <a:fld id="{1A03AB17-A341-48A5-AD52-E4D16CDFE3B7}" type="datetimeFigureOut">
               <a:rPr lang="it-IT" smtClean="0"/>
-              <a:t>06/07/2019</a:t>
+              <a:t>07/07/2019</a:t>
             </a:fld>
             <a:endParaRPr lang="it-IT"/>
           </a:p>
@@ -1858,7 +1862,7 @@
           <a:p>
             <a:fld id="{1A03AB17-A341-48A5-AD52-E4D16CDFE3B7}" type="datetimeFigureOut">
               <a:rPr lang="it-IT" smtClean="0"/>
-              <a:t>06/07/2019</a:t>
+              <a:t>07/07/2019</a:t>
             </a:fld>
             <a:endParaRPr lang="it-IT"/>
           </a:p>
@@ -2281,7 +2285,7 @@
           <a:p>
             <a:fld id="{1A03AB17-A341-48A5-AD52-E4D16CDFE3B7}" type="datetimeFigureOut">
               <a:rPr lang="it-IT" smtClean="0"/>
-              <a:t>06/07/2019</a:t>
+              <a:t>07/07/2019</a:t>
             </a:fld>
             <a:endParaRPr lang="it-IT"/>
           </a:p>
@@ -2399,7 +2403,7 @@
           <a:p>
             <a:fld id="{1A03AB17-A341-48A5-AD52-E4D16CDFE3B7}" type="datetimeFigureOut">
               <a:rPr lang="it-IT" smtClean="0"/>
-              <a:t>06/07/2019</a:t>
+              <a:t>07/07/2019</a:t>
             </a:fld>
             <a:endParaRPr lang="it-IT"/>
           </a:p>
@@ -2494,7 +2498,7 @@
           <a:p>
             <a:fld id="{1A03AB17-A341-48A5-AD52-E4D16CDFE3B7}" type="datetimeFigureOut">
               <a:rPr lang="it-IT" smtClean="0"/>
-              <a:t>06/07/2019</a:t>
+              <a:t>07/07/2019</a:t>
             </a:fld>
             <a:endParaRPr lang="it-IT"/>
           </a:p>
@@ -2771,7 +2775,7 @@
           <a:p>
             <a:fld id="{1A03AB17-A341-48A5-AD52-E4D16CDFE3B7}" type="datetimeFigureOut">
               <a:rPr lang="it-IT" smtClean="0"/>
-              <a:t>06/07/2019</a:t>
+              <a:t>07/07/2019</a:t>
             </a:fld>
             <a:endParaRPr lang="it-IT"/>
           </a:p>
@@ -3028,7 +3032,7 @@
           <a:p>
             <a:fld id="{1A03AB17-A341-48A5-AD52-E4D16CDFE3B7}" type="datetimeFigureOut">
               <a:rPr lang="it-IT" smtClean="0"/>
-              <a:t>06/07/2019</a:t>
+              <a:t>07/07/2019</a:t>
             </a:fld>
             <a:endParaRPr lang="it-IT"/>
           </a:p>
@@ -3255,7 +3259,7 @@
           <a:p>
             <a:fld id="{1A03AB17-A341-48A5-AD52-E4D16CDFE3B7}" type="datetimeFigureOut">
               <a:rPr lang="it-IT" smtClean="0"/>
-              <a:t>06/07/2019</a:t>
+              <a:t>07/07/2019</a:t>
             </a:fld>
             <a:endParaRPr lang="it-IT"/>
           </a:p>
@@ -3952,14 +3956,14 @@
         </p:spPr>
         <p:txBody>
           <a:bodyPr>
-            <a:normAutofit fontScale="90000"/>
+            <a:normAutofit/>
           </a:bodyPr>
           <a:lstStyle/>
           <a:p>
             <a:pPr algn="ctr"/>
             <a:r>
               <a:rPr lang="it-IT" dirty="0"/>
-              <a:t>SIMULATIONS – SCENARIOS AND METRICS</a:t>
+              <a:t>PRELIMINARY TESTS</a:t>
             </a:r>
           </a:p>
         </p:txBody>
@@ -5010,6 +5014,818 @@
 </p:sld>
 </file>
 
+<file path=ppt/slides/slide11.xml><?xml version="1.0" encoding="utf-8"?>
+<p:sld xmlns:a="http://schemas.openxmlformats.org/drawingml/2006/main" xmlns:r="http://schemas.openxmlformats.org/officeDocument/2006/relationships" xmlns:p="http://schemas.openxmlformats.org/presentationml/2006/main">
+  <p:cSld>
+    <p:spTree>
+      <p:nvGrpSpPr>
+        <p:cNvPr id="1" name=""/>
+        <p:cNvGrpSpPr/>
+        <p:nvPr/>
+      </p:nvGrpSpPr>
+      <p:grpSpPr>
+        <a:xfrm>
+          <a:off x="0" y="0"/>
+          <a:ext cx="0" cy="0"/>
+          <a:chOff x="0" y="0"/>
+          <a:chExt cx="0" cy="0"/>
+        </a:xfrm>
+      </p:grpSpPr>
+      <p:sp>
+        <p:nvSpPr>
+          <p:cNvPr id="2" name="Titolo 1">
+            <a:extLst>
+              <a:ext uri="{FF2B5EF4-FFF2-40B4-BE49-F238E27FC236}">
+                <a16:creationId xmlns:a16="http://schemas.microsoft.com/office/drawing/2014/main" id="{423E46DE-2AE3-44BE-963C-544CB7884F11}"/>
+              </a:ext>
+            </a:extLst>
+          </p:cNvPr>
+          <p:cNvSpPr>
+            <a:spLocks noGrp="1"/>
+          </p:cNvSpPr>
+          <p:nvPr>
+            <p:ph type="title" idx="4294967295"/>
+          </p:nvPr>
+        </p:nvSpPr>
+        <p:spPr>
+          <a:xfrm>
+            <a:off x="0" y="-63500"/>
+            <a:ext cx="12192000" cy="1325563"/>
+          </a:xfrm>
+        </p:spPr>
+        <p:txBody>
+          <a:bodyPr>
+            <a:normAutofit/>
+          </a:bodyPr>
+          <a:lstStyle/>
+          <a:p>
+            <a:pPr algn="ctr"/>
+            <a:r>
+              <a:rPr lang="it-IT" dirty="0"/>
+              <a:t>PRELIMINARY TESTS - DELIVERY RATIOS</a:t>
+            </a:r>
+          </a:p>
+        </p:txBody>
+      </p:sp>
+      <p:sp>
+        <p:nvSpPr>
+          <p:cNvPr id="10" name="Rettangolo 9">
+            <a:extLst>
+              <a:ext uri="{FF2B5EF4-FFF2-40B4-BE49-F238E27FC236}">
+                <a16:creationId xmlns:a16="http://schemas.microsoft.com/office/drawing/2014/main" id="{B9D3550C-14F0-41BE-96F1-9396C790BC52}"/>
+              </a:ext>
+            </a:extLst>
+          </p:cNvPr>
+          <p:cNvSpPr/>
+          <p:nvPr/>
+        </p:nvSpPr>
+        <p:spPr>
+          <a:xfrm>
+            <a:off x="11496585" y="6453637"/>
+            <a:ext cx="356377" cy="276999"/>
+          </a:xfrm>
+          <a:prstGeom prst="rect">
+            <a:avLst/>
+          </a:prstGeom>
+        </p:spPr>
+        <p:txBody>
+          <a:bodyPr wrap="square">
+            <a:spAutoFit/>
+          </a:bodyPr>
+          <a:lstStyle/>
+          <a:p>
+            <a:pPr algn="r"/>
+            <a:r>
+              <a:rPr lang="it-IT" sz="1200" dirty="0">
+                <a:latin typeface="Roboto" panose="02000000000000000000" pitchFamily="2" charset="0"/>
+                <a:ea typeface="Roboto" panose="02000000000000000000" pitchFamily="2" charset="0"/>
+                <a:cs typeface="Roboto" panose="02000000000000000000" pitchFamily="2" charset="0"/>
+              </a:rPr>
+              <a:t>5</a:t>
+            </a:r>
+            <a:endParaRPr lang="it-IT" sz="1200" dirty="0">
+              <a:solidFill>
+                <a:srgbClr val="C00000"/>
+              </a:solidFill>
+              <a:latin typeface="Roboto" panose="02000000000000000000" pitchFamily="2" charset="0"/>
+              <a:ea typeface="Roboto" panose="02000000000000000000" pitchFamily="2" charset="0"/>
+              <a:cs typeface="Roboto" panose="02000000000000000000" pitchFamily="2" charset="0"/>
+            </a:endParaRPr>
+          </a:p>
+        </p:txBody>
+      </p:sp>
+      <p:pic>
+        <p:nvPicPr>
+          <p:cNvPr id="5" name="Immagine 4" descr="Immagine che contiene testo, mappa&#10;&#10;Descrizione generata automaticamente">
+            <a:extLst>
+              <a:ext uri="{FF2B5EF4-FFF2-40B4-BE49-F238E27FC236}">
+                <a16:creationId xmlns:a16="http://schemas.microsoft.com/office/drawing/2014/main" id="{EA60F6FC-ACA1-4CFA-992B-B83996A4BBAF}"/>
+              </a:ext>
+            </a:extLst>
+          </p:cNvPr>
+          <p:cNvPicPr>
+            <a:picLocks noChangeAspect="1"/>
+          </p:cNvPicPr>
+          <p:nvPr/>
+        </p:nvPicPr>
+        <p:blipFill>
+          <a:blip r:embed="rId2">
+            <a:extLst>
+              <a:ext uri="{28A0092B-C50C-407E-A947-70E740481C1C}">
+                <a14:useLocalDpi xmlns:a14="http://schemas.microsoft.com/office/drawing/2010/main" val="0"/>
+              </a:ext>
+            </a:extLst>
+          </a:blip>
+          <a:stretch>
+            <a:fillRect/>
+          </a:stretch>
+        </p:blipFill>
+        <p:spPr>
+          <a:xfrm>
+            <a:off x="1499763" y="1029816"/>
+            <a:ext cx="4453715" cy="2703250"/>
+          </a:xfrm>
+          <a:prstGeom prst="rect">
+            <a:avLst/>
+          </a:prstGeom>
+        </p:spPr>
+      </p:pic>
+      <p:pic>
+        <p:nvPicPr>
+          <p:cNvPr id="7" name="Immagine 6" descr="Immagine che contiene testo, mappa&#10;&#10;Descrizione generata automaticamente">
+            <a:extLst>
+              <a:ext uri="{FF2B5EF4-FFF2-40B4-BE49-F238E27FC236}">
+                <a16:creationId xmlns:a16="http://schemas.microsoft.com/office/drawing/2014/main" id="{5C71C01F-CB99-4473-A83B-97D74CB2B2B2}"/>
+              </a:ext>
+            </a:extLst>
+          </p:cNvPr>
+          <p:cNvPicPr>
+            <a:picLocks noChangeAspect="1"/>
+          </p:cNvPicPr>
+          <p:nvPr/>
+        </p:nvPicPr>
+        <p:blipFill>
+          <a:blip r:embed="rId3">
+            <a:extLst>
+              <a:ext uri="{28A0092B-C50C-407E-A947-70E740481C1C}">
+                <a14:useLocalDpi xmlns:a14="http://schemas.microsoft.com/office/drawing/2010/main" val="0"/>
+              </a:ext>
+            </a:extLst>
+          </a:blip>
+          <a:stretch>
+            <a:fillRect/>
+          </a:stretch>
+        </p:blipFill>
+        <p:spPr>
+          <a:xfrm>
+            <a:off x="6096000" y="1029816"/>
+            <a:ext cx="4365679" cy="2667715"/>
+          </a:xfrm>
+          <a:prstGeom prst="rect">
+            <a:avLst/>
+          </a:prstGeom>
+        </p:spPr>
+      </p:pic>
+      <p:pic>
+        <p:nvPicPr>
+          <p:cNvPr id="9" name="Immagine 8" descr="Immagine che contiene testo, mappa&#10;&#10;Descrizione generata automaticamente">
+            <a:extLst>
+              <a:ext uri="{FF2B5EF4-FFF2-40B4-BE49-F238E27FC236}">
+                <a16:creationId xmlns:a16="http://schemas.microsoft.com/office/drawing/2014/main" id="{53A196A3-177F-4467-8733-F788105B33F7}"/>
+              </a:ext>
+            </a:extLst>
+          </p:cNvPr>
+          <p:cNvPicPr>
+            <a:picLocks noChangeAspect="1"/>
+          </p:cNvPicPr>
+          <p:nvPr/>
+        </p:nvPicPr>
+        <p:blipFill>
+          <a:blip r:embed="rId4">
+            <a:extLst>
+              <a:ext uri="{28A0092B-C50C-407E-A947-70E740481C1C}">
+                <a14:useLocalDpi xmlns:a14="http://schemas.microsoft.com/office/drawing/2010/main" val="0"/>
+              </a:ext>
+            </a:extLst>
+          </a:blip>
+          <a:stretch>
+            <a:fillRect/>
+          </a:stretch>
+        </p:blipFill>
+        <p:spPr>
+          <a:xfrm>
+            <a:off x="1499764" y="3872953"/>
+            <a:ext cx="4453714" cy="2785421"/>
+          </a:xfrm>
+          <a:prstGeom prst="rect">
+            <a:avLst/>
+          </a:prstGeom>
+        </p:spPr>
+      </p:pic>
+      <p:pic>
+        <p:nvPicPr>
+          <p:cNvPr id="12" name="Immagine 11" descr="Immagine che contiene testo&#10;&#10;Descrizione generata automaticamente">
+            <a:extLst>
+              <a:ext uri="{FF2B5EF4-FFF2-40B4-BE49-F238E27FC236}">
+                <a16:creationId xmlns:a16="http://schemas.microsoft.com/office/drawing/2014/main" id="{34FD6EF9-D57F-4FC2-92A4-CAC9B7EBE209}"/>
+              </a:ext>
+            </a:extLst>
+          </p:cNvPr>
+          <p:cNvPicPr>
+            <a:picLocks noChangeAspect="1"/>
+          </p:cNvPicPr>
+          <p:nvPr/>
+        </p:nvPicPr>
+        <p:blipFill>
+          <a:blip r:embed="rId5">
+            <a:extLst>
+              <a:ext uri="{28A0092B-C50C-407E-A947-70E740481C1C}">
+                <a14:useLocalDpi xmlns:a14="http://schemas.microsoft.com/office/drawing/2010/main" val="0"/>
+              </a:ext>
+            </a:extLst>
+          </a:blip>
+          <a:stretch>
+            <a:fillRect/>
+          </a:stretch>
+        </p:blipFill>
+        <p:spPr>
+          <a:xfrm>
+            <a:off x="6096000" y="3824257"/>
+            <a:ext cx="4365679" cy="2789183"/>
+          </a:xfrm>
+          <a:prstGeom prst="rect">
+            <a:avLst/>
+          </a:prstGeom>
+        </p:spPr>
+      </p:pic>
+    </p:spTree>
+    <p:extLst>
+      <p:ext uri="{BB962C8B-B14F-4D97-AF65-F5344CB8AC3E}">
+        <p14:creationId xmlns:p14="http://schemas.microsoft.com/office/powerpoint/2010/main" val="1570536773"/>
+      </p:ext>
+    </p:extLst>
+  </p:cSld>
+  <p:clrMapOvr>
+    <a:masterClrMapping/>
+  </p:clrMapOvr>
+</p:sld>
+</file>
+
+<file path=ppt/slides/slide12.xml><?xml version="1.0" encoding="utf-8"?>
+<p:sld xmlns:a="http://schemas.openxmlformats.org/drawingml/2006/main" xmlns:r="http://schemas.openxmlformats.org/officeDocument/2006/relationships" xmlns:p="http://schemas.openxmlformats.org/presentationml/2006/main">
+  <p:cSld>
+    <p:spTree>
+      <p:nvGrpSpPr>
+        <p:cNvPr id="1" name=""/>
+        <p:cNvGrpSpPr/>
+        <p:nvPr/>
+      </p:nvGrpSpPr>
+      <p:grpSpPr>
+        <a:xfrm>
+          <a:off x="0" y="0"/>
+          <a:ext cx="0" cy="0"/>
+          <a:chOff x="0" y="0"/>
+          <a:chExt cx="0" cy="0"/>
+        </a:xfrm>
+      </p:grpSpPr>
+      <p:sp>
+        <p:nvSpPr>
+          <p:cNvPr id="2" name="Titolo 1">
+            <a:extLst>
+              <a:ext uri="{FF2B5EF4-FFF2-40B4-BE49-F238E27FC236}">
+                <a16:creationId xmlns:a16="http://schemas.microsoft.com/office/drawing/2014/main" id="{423E46DE-2AE3-44BE-963C-544CB7884F11}"/>
+              </a:ext>
+            </a:extLst>
+          </p:cNvPr>
+          <p:cNvSpPr>
+            <a:spLocks noGrp="1"/>
+          </p:cNvSpPr>
+          <p:nvPr>
+            <p:ph type="title" idx="4294967295"/>
+          </p:nvPr>
+        </p:nvSpPr>
+        <p:spPr>
+          <a:xfrm>
+            <a:off x="0" y="-63500"/>
+            <a:ext cx="12192000" cy="1325563"/>
+          </a:xfrm>
+        </p:spPr>
+        <p:txBody>
+          <a:bodyPr>
+            <a:normAutofit/>
+          </a:bodyPr>
+          <a:lstStyle/>
+          <a:p>
+            <a:pPr algn="ctr"/>
+            <a:r>
+              <a:rPr lang="it-IT" dirty="0"/>
+              <a:t>PRELIMINARY TESTS – NUMBER OF HOPS</a:t>
+            </a:r>
+          </a:p>
+        </p:txBody>
+      </p:sp>
+      <p:sp>
+        <p:nvSpPr>
+          <p:cNvPr id="10" name="Rettangolo 9">
+            <a:extLst>
+              <a:ext uri="{FF2B5EF4-FFF2-40B4-BE49-F238E27FC236}">
+                <a16:creationId xmlns:a16="http://schemas.microsoft.com/office/drawing/2014/main" id="{B9D3550C-14F0-41BE-96F1-9396C790BC52}"/>
+              </a:ext>
+            </a:extLst>
+          </p:cNvPr>
+          <p:cNvSpPr/>
+          <p:nvPr/>
+        </p:nvSpPr>
+        <p:spPr>
+          <a:xfrm>
+            <a:off x="11496585" y="6453637"/>
+            <a:ext cx="356377" cy="276999"/>
+          </a:xfrm>
+          <a:prstGeom prst="rect">
+            <a:avLst/>
+          </a:prstGeom>
+        </p:spPr>
+        <p:txBody>
+          <a:bodyPr wrap="square">
+            <a:spAutoFit/>
+          </a:bodyPr>
+          <a:lstStyle/>
+          <a:p>
+            <a:pPr algn="r"/>
+            <a:r>
+              <a:rPr lang="it-IT" sz="1200" dirty="0">
+                <a:latin typeface="Roboto" panose="02000000000000000000" pitchFamily="2" charset="0"/>
+                <a:ea typeface="Roboto" panose="02000000000000000000" pitchFamily="2" charset="0"/>
+                <a:cs typeface="Roboto" panose="02000000000000000000" pitchFamily="2" charset="0"/>
+              </a:rPr>
+              <a:t>5</a:t>
+            </a:r>
+            <a:endParaRPr lang="it-IT" sz="1200" dirty="0">
+              <a:solidFill>
+                <a:srgbClr val="C00000"/>
+              </a:solidFill>
+              <a:latin typeface="Roboto" panose="02000000000000000000" pitchFamily="2" charset="0"/>
+              <a:ea typeface="Roboto" panose="02000000000000000000" pitchFamily="2" charset="0"/>
+              <a:cs typeface="Roboto" panose="02000000000000000000" pitchFamily="2" charset="0"/>
+            </a:endParaRPr>
+          </a:p>
+        </p:txBody>
+      </p:sp>
+      <p:pic>
+        <p:nvPicPr>
+          <p:cNvPr id="4" name="Immagine 3" descr="Immagine che contiene testo&#10;&#10;Descrizione generata automaticamente">
+            <a:extLst>
+              <a:ext uri="{FF2B5EF4-FFF2-40B4-BE49-F238E27FC236}">
+                <a16:creationId xmlns:a16="http://schemas.microsoft.com/office/drawing/2014/main" id="{BA8E7AAC-48DB-4626-9498-928BB8384242}"/>
+              </a:ext>
+            </a:extLst>
+          </p:cNvPr>
+          <p:cNvPicPr>
+            <a:picLocks noChangeAspect="1"/>
+          </p:cNvPicPr>
+          <p:nvPr/>
+        </p:nvPicPr>
+        <p:blipFill>
+          <a:blip r:embed="rId2">
+            <a:extLst>
+              <a:ext uri="{28A0092B-C50C-407E-A947-70E740481C1C}">
+                <a14:useLocalDpi xmlns:a14="http://schemas.microsoft.com/office/drawing/2010/main" val="0"/>
+              </a:ext>
+            </a:extLst>
+          </a:blip>
+          <a:stretch>
+            <a:fillRect/>
+          </a:stretch>
+        </p:blipFill>
+        <p:spPr>
+          <a:xfrm>
+            <a:off x="393812" y="1633490"/>
+            <a:ext cx="5563187" cy="4106296"/>
+          </a:xfrm>
+          <a:prstGeom prst="rect">
+            <a:avLst/>
+          </a:prstGeom>
+        </p:spPr>
+      </p:pic>
+      <p:pic>
+        <p:nvPicPr>
+          <p:cNvPr id="8" name="Immagine 7" descr="Immagine che contiene testo&#10;&#10;Descrizione generata automaticamente">
+            <a:extLst>
+              <a:ext uri="{FF2B5EF4-FFF2-40B4-BE49-F238E27FC236}">
+                <a16:creationId xmlns:a16="http://schemas.microsoft.com/office/drawing/2014/main" id="{ECB022F4-50E3-4C1C-AB17-5E50237D300C}"/>
+              </a:ext>
+            </a:extLst>
+          </p:cNvPr>
+          <p:cNvPicPr>
+            <a:picLocks noChangeAspect="1"/>
+          </p:cNvPicPr>
+          <p:nvPr/>
+        </p:nvPicPr>
+        <p:blipFill>
+          <a:blip r:embed="rId3">
+            <a:extLst>
+              <a:ext uri="{28A0092B-C50C-407E-A947-70E740481C1C}">
+                <a14:useLocalDpi xmlns:a14="http://schemas.microsoft.com/office/drawing/2010/main" val="0"/>
+              </a:ext>
+            </a:extLst>
+          </a:blip>
+          <a:stretch>
+            <a:fillRect/>
+          </a:stretch>
+        </p:blipFill>
+        <p:spPr>
+          <a:xfrm>
+            <a:off x="6123537" y="1633490"/>
+            <a:ext cx="5666007" cy="4106296"/>
+          </a:xfrm>
+          <a:prstGeom prst="rect">
+            <a:avLst/>
+          </a:prstGeom>
+        </p:spPr>
+      </p:pic>
+    </p:spTree>
+    <p:extLst>
+      <p:ext uri="{BB962C8B-B14F-4D97-AF65-F5344CB8AC3E}">
+        <p14:creationId xmlns:p14="http://schemas.microsoft.com/office/powerpoint/2010/main" val="745894099"/>
+      </p:ext>
+    </p:extLst>
+  </p:cSld>
+  <p:clrMapOvr>
+    <a:masterClrMapping/>
+  </p:clrMapOvr>
+</p:sld>
+</file>
+
+<file path=ppt/slides/slide13.xml><?xml version="1.0" encoding="utf-8"?>
+<p:sld xmlns:a="http://schemas.openxmlformats.org/drawingml/2006/main" xmlns:r="http://schemas.openxmlformats.org/officeDocument/2006/relationships" xmlns:p="http://schemas.openxmlformats.org/presentationml/2006/main">
+  <p:cSld>
+    <p:spTree>
+      <p:nvGrpSpPr>
+        <p:cNvPr id="1" name=""/>
+        <p:cNvGrpSpPr/>
+        <p:nvPr/>
+      </p:nvGrpSpPr>
+      <p:grpSpPr>
+        <a:xfrm>
+          <a:off x="0" y="0"/>
+          <a:ext cx="0" cy="0"/>
+          <a:chOff x="0" y="0"/>
+          <a:chExt cx="0" cy="0"/>
+        </a:xfrm>
+      </p:grpSpPr>
+      <p:sp>
+        <p:nvSpPr>
+          <p:cNvPr id="2" name="Titolo 1">
+            <a:extLst>
+              <a:ext uri="{FF2B5EF4-FFF2-40B4-BE49-F238E27FC236}">
+                <a16:creationId xmlns:a16="http://schemas.microsoft.com/office/drawing/2014/main" id="{423E46DE-2AE3-44BE-963C-544CB7884F11}"/>
+              </a:ext>
+            </a:extLst>
+          </p:cNvPr>
+          <p:cNvSpPr>
+            <a:spLocks noGrp="1"/>
+          </p:cNvSpPr>
+          <p:nvPr>
+            <p:ph type="title" idx="4294967295"/>
+          </p:nvPr>
+        </p:nvSpPr>
+        <p:spPr>
+          <a:xfrm>
+            <a:off x="0" y="-63500"/>
+            <a:ext cx="12192000" cy="1325563"/>
+          </a:xfrm>
+        </p:spPr>
+        <p:txBody>
+          <a:bodyPr>
+            <a:normAutofit/>
+          </a:bodyPr>
+          <a:lstStyle/>
+          <a:p>
+            <a:pPr algn="ctr"/>
+            <a:r>
+              <a:rPr lang="it-IT" dirty="0"/>
+              <a:t>PRELIMINARY TESTS – NUMBER OF SLOTS</a:t>
+            </a:r>
+          </a:p>
+        </p:txBody>
+      </p:sp>
+      <p:sp>
+        <p:nvSpPr>
+          <p:cNvPr id="10" name="Rettangolo 9">
+            <a:extLst>
+              <a:ext uri="{FF2B5EF4-FFF2-40B4-BE49-F238E27FC236}">
+                <a16:creationId xmlns:a16="http://schemas.microsoft.com/office/drawing/2014/main" id="{B9D3550C-14F0-41BE-96F1-9396C790BC52}"/>
+              </a:ext>
+            </a:extLst>
+          </p:cNvPr>
+          <p:cNvSpPr/>
+          <p:nvPr/>
+        </p:nvSpPr>
+        <p:spPr>
+          <a:xfrm>
+            <a:off x="11496585" y="6453637"/>
+            <a:ext cx="356377" cy="276999"/>
+          </a:xfrm>
+          <a:prstGeom prst="rect">
+            <a:avLst/>
+          </a:prstGeom>
+        </p:spPr>
+        <p:txBody>
+          <a:bodyPr wrap="square">
+            <a:spAutoFit/>
+          </a:bodyPr>
+          <a:lstStyle/>
+          <a:p>
+            <a:pPr algn="r"/>
+            <a:r>
+              <a:rPr lang="it-IT" sz="1200" dirty="0">
+                <a:latin typeface="Roboto" panose="02000000000000000000" pitchFamily="2" charset="0"/>
+                <a:ea typeface="Roboto" panose="02000000000000000000" pitchFamily="2" charset="0"/>
+                <a:cs typeface="Roboto" panose="02000000000000000000" pitchFamily="2" charset="0"/>
+              </a:rPr>
+              <a:t>5</a:t>
+            </a:r>
+            <a:endParaRPr lang="it-IT" sz="1200" dirty="0">
+              <a:solidFill>
+                <a:srgbClr val="C00000"/>
+              </a:solidFill>
+              <a:latin typeface="Roboto" panose="02000000000000000000" pitchFamily="2" charset="0"/>
+              <a:ea typeface="Roboto" panose="02000000000000000000" pitchFamily="2" charset="0"/>
+              <a:cs typeface="Roboto" panose="02000000000000000000" pitchFamily="2" charset="0"/>
+            </a:endParaRPr>
+          </a:p>
+        </p:txBody>
+      </p:sp>
+      <p:pic>
+        <p:nvPicPr>
+          <p:cNvPr id="5" name="Immagine 4">
+            <a:extLst>
+              <a:ext uri="{FF2B5EF4-FFF2-40B4-BE49-F238E27FC236}">
+                <a16:creationId xmlns:a16="http://schemas.microsoft.com/office/drawing/2014/main" id="{89F155DD-BD98-43C1-B82A-AF18505D7EA8}"/>
+              </a:ext>
+            </a:extLst>
+          </p:cNvPr>
+          <p:cNvPicPr>
+            <a:picLocks noChangeAspect="1"/>
+          </p:cNvPicPr>
+          <p:nvPr/>
+        </p:nvPicPr>
+        <p:blipFill>
+          <a:blip r:embed="rId2">
+            <a:extLst>
+              <a:ext uri="{28A0092B-C50C-407E-A947-70E740481C1C}">
+                <a14:useLocalDpi xmlns:a14="http://schemas.microsoft.com/office/drawing/2010/main" val="0"/>
+              </a:ext>
+            </a:extLst>
+          </a:blip>
+          <a:stretch>
+            <a:fillRect/>
+          </a:stretch>
+        </p:blipFill>
+        <p:spPr>
+          <a:xfrm>
+            <a:off x="213064" y="1860172"/>
+            <a:ext cx="5526559" cy="3734431"/>
+          </a:xfrm>
+          <a:prstGeom prst="rect">
+            <a:avLst/>
+          </a:prstGeom>
+        </p:spPr>
+      </p:pic>
+      <p:pic>
+        <p:nvPicPr>
+          <p:cNvPr id="7" name="Immagine 6" descr="Immagine che contiene testo&#10;&#10;Descrizione generata automaticamente">
+            <a:extLst>
+              <a:ext uri="{FF2B5EF4-FFF2-40B4-BE49-F238E27FC236}">
+                <a16:creationId xmlns:a16="http://schemas.microsoft.com/office/drawing/2014/main" id="{AD081A32-9008-404F-8CED-A5640D2B5D58}"/>
+              </a:ext>
+            </a:extLst>
+          </p:cNvPr>
+          <p:cNvPicPr>
+            <a:picLocks noChangeAspect="1"/>
+          </p:cNvPicPr>
+          <p:nvPr/>
+        </p:nvPicPr>
+        <p:blipFill>
+          <a:blip r:embed="rId3">
+            <a:extLst>
+              <a:ext uri="{28A0092B-C50C-407E-A947-70E740481C1C}">
+                <a14:useLocalDpi xmlns:a14="http://schemas.microsoft.com/office/drawing/2010/main" val="0"/>
+              </a:ext>
+            </a:extLst>
+          </a:blip>
+          <a:stretch>
+            <a:fillRect/>
+          </a:stretch>
+        </p:blipFill>
+        <p:spPr>
+          <a:xfrm>
+            <a:off x="5902380" y="1860172"/>
+            <a:ext cx="5950582" cy="3758785"/>
+          </a:xfrm>
+          <a:prstGeom prst="rect">
+            <a:avLst/>
+          </a:prstGeom>
+        </p:spPr>
+      </p:pic>
+    </p:spTree>
+    <p:extLst>
+      <p:ext uri="{BB962C8B-B14F-4D97-AF65-F5344CB8AC3E}">
+        <p14:creationId xmlns:p14="http://schemas.microsoft.com/office/powerpoint/2010/main" val="598597786"/>
+      </p:ext>
+    </p:extLst>
+  </p:cSld>
+  <p:clrMapOvr>
+    <a:masterClrMapping/>
+  </p:clrMapOvr>
+</p:sld>
+</file>
+
+<file path=ppt/slides/slide14.xml><?xml version="1.0" encoding="utf-8"?>
+<p:sld xmlns:a="http://schemas.openxmlformats.org/drawingml/2006/main" xmlns:r="http://schemas.openxmlformats.org/officeDocument/2006/relationships" xmlns:p="http://schemas.openxmlformats.org/presentationml/2006/main">
+  <p:cSld>
+    <p:spTree>
+      <p:nvGrpSpPr>
+        <p:cNvPr id="1" name=""/>
+        <p:cNvGrpSpPr/>
+        <p:nvPr/>
+      </p:nvGrpSpPr>
+      <p:grpSpPr>
+        <a:xfrm>
+          <a:off x="0" y="0"/>
+          <a:ext cx="0" cy="0"/>
+          <a:chOff x="0" y="0"/>
+          <a:chExt cx="0" cy="0"/>
+        </a:xfrm>
+      </p:grpSpPr>
+      <p:sp>
+        <p:nvSpPr>
+          <p:cNvPr id="2" name="Titolo 1">
+            <a:extLst>
+              <a:ext uri="{FF2B5EF4-FFF2-40B4-BE49-F238E27FC236}">
+                <a16:creationId xmlns:a16="http://schemas.microsoft.com/office/drawing/2014/main" id="{423E46DE-2AE3-44BE-963C-544CB7884F11}"/>
+              </a:ext>
+            </a:extLst>
+          </p:cNvPr>
+          <p:cNvSpPr>
+            <a:spLocks noGrp="1"/>
+          </p:cNvSpPr>
+          <p:nvPr>
+            <p:ph type="title" idx="4294967295"/>
+          </p:nvPr>
+        </p:nvSpPr>
+        <p:spPr>
+          <a:xfrm>
+            <a:off x="0" y="-63500"/>
+            <a:ext cx="12192000" cy="1325563"/>
+          </a:xfrm>
+        </p:spPr>
+        <p:txBody>
+          <a:bodyPr>
+            <a:normAutofit/>
+          </a:bodyPr>
+          <a:lstStyle/>
+          <a:p>
+            <a:pPr algn="ctr"/>
+            <a:r>
+              <a:rPr lang="it-IT" dirty="0"/>
+              <a:t>FORWARDING NODE NUMBER</a:t>
+            </a:r>
+          </a:p>
+        </p:txBody>
+      </p:sp>
+      <p:sp>
+        <p:nvSpPr>
+          <p:cNvPr id="10" name="Rettangolo 9">
+            <a:extLst>
+              <a:ext uri="{FF2B5EF4-FFF2-40B4-BE49-F238E27FC236}">
+                <a16:creationId xmlns:a16="http://schemas.microsoft.com/office/drawing/2014/main" id="{B9D3550C-14F0-41BE-96F1-9396C790BC52}"/>
+              </a:ext>
+            </a:extLst>
+          </p:cNvPr>
+          <p:cNvSpPr/>
+          <p:nvPr/>
+        </p:nvSpPr>
+        <p:spPr>
+          <a:xfrm>
+            <a:off x="11496585" y="6453637"/>
+            <a:ext cx="356377" cy="276999"/>
+          </a:xfrm>
+          <a:prstGeom prst="rect">
+            <a:avLst/>
+          </a:prstGeom>
+        </p:spPr>
+        <p:txBody>
+          <a:bodyPr wrap="square">
+            <a:spAutoFit/>
+          </a:bodyPr>
+          <a:lstStyle/>
+          <a:p>
+            <a:pPr algn="r"/>
+            <a:r>
+              <a:rPr lang="it-IT" sz="1200" dirty="0">
+                <a:latin typeface="Roboto" panose="02000000000000000000" pitchFamily="2" charset="0"/>
+                <a:ea typeface="Roboto" panose="02000000000000000000" pitchFamily="2" charset="0"/>
+                <a:cs typeface="Roboto" panose="02000000000000000000" pitchFamily="2" charset="0"/>
+              </a:rPr>
+              <a:t>5</a:t>
+            </a:r>
+            <a:endParaRPr lang="it-IT" sz="1200" dirty="0">
+              <a:solidFill>
+                <a:srgbClr val="C00000"/>
+              </a:solidFill>
+              <a:latin typeface="Roboto" panose="02000000000000000000" pitchFamily="2" charset="0"/>
+              <a:ea typeface="Roboto" panose="02000000000000000000" pitchFamily="2" charset="0"/>
+              <a:cs typeface="Roboto" panose="02000000000000000000" pitchFamily="2" charset="0"/>
+            </a:endParaRPr>
+          </a:p>
+        </p:txBody>
+      </p:sp>
+      <p:pic>
+        <p:nvPicPr>
+          <p:cNvPr id="4" name="Immagine 3">
+            <a:extLst>
+              <a:ext uri="{FF2B5EF4-FFF2-40B4-BE49-F238E27FC236}">
+                <a16:creationId xmlns:a16="http://schemas.microsoft.com/office/drawing/2014/main" id="{30CFE12A-A66C-4EDA-9D28-594071197D00}"/>
+              </a:ext>
+            </a:extLst>
+          </p:cNvPr>
+          <p:cNvPicPr>
+            <a:picLocks noChangeAspect="1"/>
+          </p:cNvPicPr>
+          <p:nvPr/>
+        </p:nvPicPr>
+        <p:blipFill>
+          <a:blip r:embed="rId2">
+            <a:extLst>
+              <a:ext uri="{28A0092B-C50C-407E-A947-70E740481C1C}">
+                <a14:useLocalDpi xmlns:a14="http://schemas.microsoft.com/office/drawing/2010/main" val="0"/>
+              </a:ext>
+            </a:extLst>
+          </a:blip>
+          <a:stretch>
+            <a:fillRect/>
+          </a:stretch>
+        </p:blipFill>
+        <p:spPr>
+          <a:xfrm>
+            <a:off x="6214762" y="1581549"/>
+            <a:ext cx="5716826" cy="3875997"/>
+          </a:xfrm>
+          <a:prstGeom prst="rect">
+            <a:avLst/>
+          </a:prstGeom>
+        </p:spPr>
+      </p:pic>
+      <p:pic>
+        <p:nvPicPr>
+          <p:cNvPr id="8" name="Immagine 7" descr="Immagine che contiene testo&#10;&#10;Descrizione generata automaticamente">
+            <a:extLst>
+              <a:ext uri="{FF2B5EF4-FFF2-40B4-BE49-F238E27FC236}">
+                <a16:creationId xmlns:a16="http://schemas.microsoft.com/office/drawing/2014/main" id="{86607EEC-B21E-4A4C-B24E-8744CFD16304}"/>
+              </a:ext>
+            </a:extLst>
+          </p:cNvPr>
+          <p:cNvPicPr>
+            <a:picLocks noChangeAspect="1"/>
+          </p:cNvPicPr>
+          <p:nvPr/>
+        </p:nvPicPr>
+        <p:blipFill>
+          <a:blip r:embed="rId3">
+            <a:extLst>
+              <a:ext uri="{28A0092B-C50C-407E-A947-70E740481C1C}">
+                <a14:useLocalDpi xmlns:a14="http://schemas.microsoft.com/office/drawing/2010/main" val="0"/>
+              </a:ext>
+            </a:extLst>
+          </a:blip>
+          <a:stretch>
+            <a:fillRect/>
+          </a:stretch>
+        </p:blipFill>
+        <p:spPr>
+          <a:xfrm>
+            <a:off x="131260" y="1581548"/>
+            <a:ext cx="5816356" cy="3873974"/>
+          </a:xfrm>
+          <a:prstGeom prst="rect">
+            <a:avLst/>
+          </a:prstGeom>
+        </p:spPr>
+      </p:pic>
+    </p:spTree>
+    <p:extLst>
+      <p:ext uri="{BB962C8B-B14F-4D97-AF65-F5344CB8AC3E}">
+        <p14:creationId xmlns:p14="http://schemas.microsoft.com/office/powerpoint/2010/main" val="966460616"/>
+      </p:ext>
+    </p:extLst>
+  </p:cSld>
+  <p:clrMapOvr>
+    <a:masterClrMapping/>
+  </p:clrMapOvr>
+</p:sld>
+</file>
+
 <file path=ppt/slides/slide2.xml><?xml version="1.0" encoding="utf-8"?>
 <p:sld xmlns:a="http://schemas.openxmlformats.org/drawingml/2006/main" xmlns:r="http://schemas.openxmlformats.org/officeDocument/2006/relationships" xmlns:p="http://schemas.openxmlformats.org/presentationml/2006/main">
   <p:cSld>
@@ -5061,131 +5877,6 @@
           </a:p>
         </p:txBody>
       </p:sp>
-      <p:pic>
-        <p:nvPicPr>
-          <p:cNvPr id="4" name="Immagine 3">
-            <a:extLst>
-              <a:ext uri="{FF2B5EF4-FFF2-40B4-BE49-F238E27FC236}">
-                <a16:creationId xmlns:a16="http://schemas.microsoft.com/office/drawing/2014/main" id="{770C53BD-0941-45CE-B5C4-22A7B43FD700}"/>
-              </a:ext>
-            </a:extLst>
-          </p:cNvPr>
-          <p:cNvPicPr>
-            <a:picLocks noChangeAspect="1"/>
-          </p:cNvPicPr>
-          <p:nvPr/>
-        </p:nvPicPr>
-        <p:blipFill>
-          <a:blip r:embed="rId2">
-            <a:extLst>
-              <a:ext uri="{28A0092B-C50C-407E-A947-70E740481C1C}">
-                <a14:useLocalDpi xmlns:a14="http://schemas.microsoft.com/office/drawing/2010/main" val="0"/>
-              </a:ext>
-            </a:extLst>
-          </a:blip>
-          <a:stretch>
-            <a:fillRect/>
-          </a:stretch>
-        </p:blipFill>
-        <p:spPr>
-          <a:xfrm>
-            <a:off x="141090" y="6385178"/>
-            <a:ext cx="580511" cy="364564"/>
-          </a:xfrm>
-          <a:prstGeom prst="rect">
-            <a:avLst/>
-          </a:prstGeom>
-        </p:spPr>
-      </p:pic>
-      <p:sp>
-        <p:nvSpPr>
-          <p:cNvPr id="5" name="Rettangolo 4">
-            <a:extLst>
-              <a:ext uri="{FF2B5EF4-FFF2-40B4-BE49-F238E27FC236}">
-                <a16:creationId xmlns:a16="http://schemas.microsoft.com/office/drawing/2014/main" id="{E0F25984-38ED-414B-AEB2-984C030B2380}"/>
-              </a:ext>
-            </a:extLst>
-          </p:cNvPr>
-          <p:cNvSpPr/>
-          <p:nvPr/>
-        </p:nvSpPr>
-        <p:spPr>
-          <a:xfrm>
-            <a:off x="761291" y="6396859"/>
-            <a:ext cx="5810959" cy="430887"/>
-          </a:xfrm>
-          <a:prstGeom prst="rect">
-            <a:avLst/>
-          </a:prstGeom>
-        </p:spPr>
-        <p:txBody>
-          <a:bodyPr wrap="square">
-            <a:spAutoFit/>
-          </a:bodyPr>
-          <a:lstStyle/>
-          <a:p>
-            <a:r>
-              <a:rPr lang="it-IT" sz="1100" dirty="0">
-                <a:ea typeface="Roboto" panose="02000000000000000000" pitchFamily="2" charset="0"/>
-                <a:cs typeface="Roboto" panose="02000000000000000000" pitchFamily="2" charset="0"/>
-              </a:rPr>
-              <a:t>JORDAN GOTTARDO - 1179739</a:t>
-            </a:r>
-          </a:p>
-          <a:p>
-            <a:r>
-              <a:rPr lang="it-IT" sz="1100" dirty="0">
-                <a:ea typeface="Roboto" panose="02000000000000000000" pitchFamily="2" charset="0"/>
-                <a:cs typeface="Roboto" panose="02000000000000000000" pitchFamily="2" charset="0"/>
-              </a:rPr>
-              <a:t>FAST MESSAGE PROPAGATION OVER IOV SCENARIOS</a:t>
-            </a:r>
-          </a:p>
-        </p:txBody>
-      </p:sp>
-      <p:cxnSp>
-        <p:nvCxnSpPr>
-          <p:cNvPr id="6" name="Connettore diritto 5">
-            <a:extLst>
-              <a:ext uri="{FF2B5EF4-FFF2-40B4-BE49-F238E27FC236}">
-                <a16:creationId xmlns:a16="http://schemas.microsoft.com/office/drawing/2014/main" id="{9884F5E4-506B-4D6D-8F45-E8291948A113}"/>
-              </a:ext>
-            </a:extLst>
-          </p:cNvPr>
-          <p:cNvCxnSpPr>
-            <a:cxnSpLocks/>
-          </p:cNvCxnSpPr>
-          <p:nvPr/>
-        </p:nvCxnSpPr>
-        <p:spPr>
-          <a:xfrm>
-            <a:off x="74415" y="6270867"/>
-            <a:ext cx="5653288" cy="0"/>
-          </a:xfrm>
-          <a:prstGeom prst="line">
-            <a:avLst/>
-          </a:prstGeom>
-          <a:ln>
-            <a:solidFill>
-              <a:srgbClr val="C00000"/>
-            </a:solidFill>
-          </a:ln>
-        </p:spPr>
-        <p:style>
-          <a:lnRef idx="1">
-            <a:schemeClr val="accent2"/>
-          </a:lnRef>
-          <a:fillRef idx="0">
-            <a:schemeClr val="accent2"/>
-          </a:fillRef>
-          <a:effectRef idx="0">
-            <a:schemeClr val="accent2"/>
-          </a:effectRef>
-          <a:fontRef idx="minor">
-            <a:schemeClr val="tx1"/>
-          </a:fontRef>
-        </p:style>
-      </p:cxnSp>
     </p:spTree>
     <p:extLst>
       <p:ext uri="{BB962C8B-B14F-4D97-AF65-F5344CB8AC3E}">
@@ -5231,7 +5922,7 @@
         <p:spPr>
           <a:xfrm>
             <a:off x="2102216" y="0"/>
-            <a:ext cx="9971415" cy="8125301"/>
+            <a:ext cx="9971415" cy="8402300"/>
           </a:xfrm>
           <a:prstGeom prst="rect">
             <a:avLst/>
@@ -5326,6 +6017,63 @@
               <a:buAutoNum type="arabicPeriod"/>
             </a:pPr>
             <a:r>
+              <a:rPr lang="it-IT" dirty="0" err="1">
+                <a:solidFill>
+                  <a:schemeClr val="bg1">
+                    <a:lumMod val="65000"/>
+                  </a:schemeClr>
+                </a:solidFill>
+              </a:rPr>
+              <a:t>Context</a:t>
+            </a:r>
+            <a:r>
+              <a:rPr lang="it-IT" dirty="0">
+                <a:solidFill>
+                  <a:schemeClr val="bg1">
+                    <a:lumMod val="65000"/>
+                  </a:schemeClr>
+                </a:solidFill>
+              </a:rPr>
+              <a:t> 2 / Technologies, ns-3, </a:t>
+            </a:r>
+            <a:r>
+              <a:rPr lang="it-IT" dirty="0" err="1">
+                <a:solidFill>
+                  <a:schemeClr val="bg1">
+                    <a:lumMod val="65000"/>
+                  </a:schemeClr>
+                </a:solidFill>
+              </a:rPr>
+              <a:t>obstacle</a:t>
+            </a:r>
+            <a:r>
+              <a:rPr lang="it-IT" dirty="0">
+                <a:solidFill>
+                  <a:schemeClr val="bg1">
+                    <a:lumMod val="65000"/>
+                  </a:schemeClr>
+                </a:solidFill>
+              </a:rPr>
+              <a:t> model </a:t>
+            </a:r>
+            <a:r>
+              <a:rPr lang="it-IT" dirty="0"/>
+              <a:t>forse estendere a 2 slides</a:t>
+            </a:r>
+            <a:endParaRPr lang="it-IT" dirty="0">
+              <a:solidFill>
+                <a:schemeClr val="bg1">
+                  <a:lumMod val="65000"/>
+                </a:schemeClr>
+              </a:solidFill>
+            </a:endParaRPr>
+          </a:p>
+          <a:p>
+            <a:pPr marL="342900" indent="-342900">
+              <a:buFont typeface="+mj-lt"/>
+              <a:buAutoNum type="arabicPeriod"/>
+            </a:pPr>
+            <a:r>
               <a:rPr lang="it-IT" dirty="0">
                 <a:solidFill>
                   <a:schemeClr val="bg1">
@@ -5335,60 +6083,10 @@
               </a:rPr>
               <a:t>Miei contributi</a:t>
             </a:r>
-          </a:p>
-          <a:p>
-            <a:pPr marL="342900" indent="-342900">
-              <a:buFont typeface="+mj-lt"/>
-              <a:buAutoNum type="arabicPeriod"/>
-            </a:pPr>
-            <a:r>
-              <a:rPr lang="it-IT" dirty="0" err="1">
-                <a:solidFill>
-                  <a:schemeClr val="bg1">
-                    <a:lumMod val="65000"/>
-                  </a:schemeClr>
-                </a:solidFill>
-              </a:rPr>
-              <a:t>Context</a:t>
-            </a:r>
-            <a:r>
-              <a:rPr lang="it-IT" dirty="0">
-                <a:solidFill>
-                  <a:schemeClr val="bg1">
-                    <a:lumMod val="65000"/>
-                  </a:schemeClr>
-                </a:solidFill>
-              </a:rPr>
-              <a:t> 2 / Technologies, ns-3, </a:t>
-            </a:r>
-            <a:r>
-              <a:rPr lang="it-IT" dirty="0" err="1">
-                <a:solidFill>
-                  <a:schemeClr val="bg1">
-                    <a:lumMod val="65000"/>
-                  </a:schemeClr>
-                </a:solidFill>
-              </a:rPr>
-              <a:t>obstacle</a:t>
-            </a:r>
-            <a:r>
-              <a:rPr lang="it-IT" dirty="0">
-                <a:solidFill>
-                  <a:schemeClr val="bg1">
-                    <a:lumMod val="65000"/>
-                  </a:schemeClr>
-                </a:solidFill>
-              </a:rPr>
-              <a:t> model </a:t>
-            </a:r>
-            <a:r>
-              <a:rPr lang="it-IT" dirty="0"/>
-              <a:t>forse estendere a 2</a:t>
-            </a:r>
             <a:endParaRPr lang="it-IT" dirty="0">
               <a:solidFill>
                 <a:schemeClr val="bg1">
-                  <a:lumMod val="65000"/>
+                  <a:lumMod val="75000"/>
                 </a:schemeClr>
               </a:solidFill>
             </a:endParaRPr>
@@ -6050,323 +6748,6 @@
             <a:pPr algn="ctr"/>
             <a:r>
               <a:rPr lang="it-IT" dirty="0"/>
-              <a:t>MY CONTRIBUTIONS</a:t>
-            </a:r>
-          </a:p>
-        </p:txBody>
-      </p:sp>
-      <p:sp>
-        <p:nvSpPr>
-          <p:cNvPr id="10" name="Rettangolo 9">
-            <a:extLst>
-              <a:ext uri="{FF2B5EF4-FFF2-40B4-BE49-F238E27FC236}">
-                <a16:creationId xmlns:a16="http://schemas.microsoft.com/office/drawing/2014/main" id="{B9D3550C-14F0-41BE-96F1-9396C790BC52}"/>
-              </a:ext>
-            </a:extLst>
-          </p:cNvPr>
-          <p:cNvSpPr/>
-          <p:nvPr/>
-        </p:nvSpPr>
-        <p:spPr>
-          <a:xfrm>
-            <a:off x="11496585" y="6453637"/>
-            <a:ext cx="356377" cy="276999"/>
-          </a:xfrm>
-          <a:prstGeom prst="rect">
-            <a:avLst/>
-          </a:prstGeom>
-        </p:spPr>
-        <p:txBody>
-          <a:bodyPr wrap="square">
-            <a:spAutoFit/>
-          </a:bodyPr>
-          <a:lstStyle/>
-          <a:p>
-            <a:pPr algn="r"/>
-            <a:r>
-              <a:rPr lang="it-IT" sz="1200" dirty="0">
-                <a:latin typeface="Roboto" panose="02000000000000000000" pitchFamily="2" charset="0"/>
-                <a:ea typeface="Roboto" panose="02000000000000000000" pitchFamily="2" charset="0"/>
-                <a:cs typeface="Roboto" panose="02000000000000000000" pitchFamily="2" charset="0"/>
-              </a:rPr>
-              <a:t>5</a:t>
-            </a:r>
-            <a:endParaRPr lang="it-IT" sz="1200" dirty="0">
-              <a:solidFill>
-                <a:srgbClr val="C00000"/>
-              </a:solidFill>
-              <a:latin typeface="Roboto" panose="02000000000000000000" pitchFamily="2" charset="0"/>
-              <a:ea typeface="Roboto" panose="02000000000000000000" pitchFamily="2" charset="0"/>
-              <a:cs typeface="Roboto" panose="02000000000000000000" pitchFamily="2" charset="0"/>
-            </a:endParaRPr>
-          </a:p>
-        </p:txBody>
-      </p:sp>
-      <p:sp>
-        <p:nvSpPr>
-          <p:cNvPr id="11" name="Segnaposto contenuto 2">
-            <a:extLst>
-              <a:ext uri="{FF2B5EF4-FFF2-40B4-BE49-F238E27FC236}">
-                <a16:creationId xmlns:a16="http://schemas.microsoft.com/office/drawing/2014/main" id="{4A21C4C2-B9B3-4794-BE3E-0CF3C08716E6}"/>
-              </a:ext>
-            </a:extLst>
-          </p:cNvPr>
-          <p:cNvSpPr>
-            <a:spLocks noGrp="1"/>
-          </p:cNvSpPr>
-          <p:nvPr>
-            <p:ph idx="1"/>
-          </p:nvPr>
-        </p:nvSpPr>
-        <p:spPr>
-          <a:xfrm>
-            <a:off x="1336040" y="1059650"/>
-            <a:ext cx="10017760" cy="4589309"/>
-          </a:xfrm>
-        </p:spPr>
-        <p:txBody>
-          <a:bodyPr>
-            <a:normAutofit/>
-          </a:bodyPr>
-          <a:lstStyle/>
-          <a:p>
-            <a:r>
-              <a:rPr lang="it-IT" dirty="0" err="1"/>
-              <a:t>Improvements</a:t>
-            </a:r>
-            <a:r>
-              <a:rPr lang="it-IT" dirty="0"/>
-              <a:t> to Fast-Broadcast</a:t>
-            </a:r>
-          </a:p>
-          <a:p>
-            <a:r>
-              <a:rPr lang="it-IT" dirty="0" err="1"/>
-              <a:t>Implementation</a:t>
-            </a:r>
-            <a:r>
-              <a:rPr lang="it-IT" dirty="0"/>
-              <a:t> and extension to 2D and 3D </a:t>
-            </a:r>
-            <a:r>
-              <a:rPr lang="it-IT" dirty="0" err="1"/>
-              <a:t>scenarios</a:t>
-            </a:r>
-            <a:r>
-              <a:rPr lang="it-IT" dirty="0"/>
-              <a:t> of ROFF</a:t>
-            </a:r>
-          </a:p>
-          <a:p>
-            <a:r>
-              <a:rPr lang="it-IT" dirty="0"/>
-              <a:t>Evaluation and </a:t>
-            </a:r>
-            <a:r>
-              <a:rPr lang="it-IT" dirty="0" err="1"/>
-              <a:t>comparison</a:t>
-            </a:r>
-            <a:r>
-              <a:rPr lang="it-IT" dirty="0"/>
-              <a:t> of Fast-Broadcast </a:t>
-            </a:r>
-            <a:r>
-              <a:rPr lang="it-IT" dirty="0" err="1"/>
-              <a:t>through</a:t>
-            </a:r>
-            <a:r>
-              <a:rPr lang="it-IT" dirty="0"/>
-              <a:t> </a:t>
-            </a:r>
-            <a:r>
-              <a:rPr lang="it-IT" dirty="0" err="1"/>
-              <a:t>simulations</a:t>
-            </a:r>
-            <a:endParaRPr lang="it-IT" dirty="0"/>
-          </a:p>
-          <a:p>
-            <a:pPr lvl="1"/>
-            <a:r>
-              <a:rPr lang="it-IT" dirty="0" err="1"/>
-              <a:t>Scenarios</a:t>
-            </a:r>
-            <a:r>
-              <a:rPr lang="it-IT" dirty="0"/>
-              <a:t> with and </a:t>
-            </a:r>
-            <a:r>
-              <a:rPr lang="it-IT" dirty="0" err="1"/>
-              <a:t>without</a:t>
-            </a:r>
-            <a:r>
-              <a:rPr lang="it-IT" dirty="0"/>
-              <a:t> buildings</a:t>
-            </a:r>
-          </a:p>
-          <a:p>
-            <a:r>
-              <a:rPr lang="it-IT" dirty="0" err="1"/>
-              <a:t>Proposal</a:t>
-            </a:r>
-            <a:r>
-              <a:rPr lang="it-IT" dirty="0"/>
-              <a:t> of </a:t>
-            </a:r>
-            <a:r>
-              <a:rPr lang="it-IT" dirty="0" err="1"/>
-              <a:t>algorithm</a:t>
-            </a:r>
-            <a:r>
-              <a:rPr lang="it-IT" dirty="0"/>
-              <a:t> extension to exploit road </a:t>
-            </a:r>
-            <a:r>
-              <a:rPr lang="it-IT" dirty="0" err="1"/>
-              <a:t>junctions</a:t>
-            </a:r>
-            <a:r>
-              <a:rPr lang="it-IT" dirty="0"/>
-              <a:t> to </a:t>
-            </a:r>
-            <a:r>
-              <a:rPr lang="it-IT" dirty="0" err="1"/>
-              <a:t>increase</a:t>
-            </a:r>
-            <a:r>
-              <a:rPr lang="it-IT" dirty="0"/>
-              <a:t> </a:t>
-            </a:r>
-            <a:r>
-              <a:rPr lang="it-IT" dirty="0" err="1"/>
-              <a:t>message</a:t>
-            </a:r>
-            <a:r>
-              <a:rPr lang="it-IT" dirty="0"/>
-              <a:t> delivery </a:t>
-            </a:r>
-            <a:r>
-              <a:rPr lang="it-IT" dirty="0" err="1"/>
-              <a:t>ratios</a:t>
-            </a:r>
-            <a:endParaRPr lang="it-IT" dirty="0"/>
-          </a:p>
-          <a:p>
-            <a:pPr lvl="1"/>
-            <a:r>
-              <a:rPr lang="it-IT" b="1" dirty="0"/>
-              <a:t>SJ-Fast-Broadcast</a:t>
-            </a:r>
-            <a:r>
-              <a:rPr lang="it-IT" dirty="0"/>
-              <a:t> and </a:t>
-            </a:r>
-            <a:r>
-              <a:rPr lang="it-IT" b="1" dirty="0"/>
-              <a:t>SJ-ROFF </a:t>
-            </a:r>
-            <a:r>
-              <a:rPr lang="it-IT" dirty="0"/>
-              <a:t>(SJ=Smart Junction)</a:t>
-            </a:r>
-            <a:endParaRPr lang="it-IT" b="1" dirty="0"/>
-          </a:p>
-        </p:txBody>
-      </p:sp>
-      <p:pic>
-        <p:nvPicPr>
-          <p:cNvPr id="4" name="Immagine 3">
-            <a:extLst>
-              <a:ext uri="{FF2B5EF4-FFF2-40B4-BE49-F238E27FC236}">
-                <a16:creationId xmlns:a16="http://schemas.microsoft.com/office/drawing/2014/main" id="{3F53C64A-9FCE-4FE1-9042-DE9087F298E1}"/>
-              </a:ext>
-            </a:extLst>
-          </p:cNvPr>
-          <p:cNvPicPr>
-            <a:picLocks noChangeAspect="1"/>
-          </p:cNvPicPr>
-          <p:nvPr/>
-        </p:nvPicPr>
-        <p:blipFill>
-          <a:blip r:embed="rId2">
-            <a:extLst>
-              <a:ext uri="{28A0092B-C50C-407E-A947-70E740481C1C}">
-                <a14:useLocalDpi xmlns:a14="http://schemas.microsoft.com/office/drawing/2010/main" val="0"/>
-              </a:ext>
-            </a:extLst>
-          </a:blip>
-          <a:stretch>
-            <a:fillRect/>
-          </a:stretch>
-        </p:blipFill>
-        <p:spPr>
-          <a:xfrm flipH="1">
-            <a:off x="7513098" y="3667759"/>
-            <a:ext cx="2971430" cy="1980953"/>
-          </a:xfrm>
-          <a:prstGeom prst="rect">
-            <a:avLst/>
-          </a:prstGeom>
-        </p:spPr>
-      </p:pic>
-    </p:spTree>
-    <p:extLst>
-      <p:ext uri="{BB962C8B-B14F-4D97-AF65-F5344CB8AC3E}">
-        <p14:creationId xmlns:p14="http://schemas.microsoft.com/office/powerpoint/2010/main" val="2116223310"/>
-      </p:ext>
-    </p:extLst>
-  </p:cSld>
-  <p:clrMapOvr>
-    <a:masterClrMapping/>
-  </p:clrMapOvr>
-</p:sld>
-</file>
-
-<file path=ppt/slides/slide6.xml><?xml version="1.0" encoding="utf-8"?>
-<p:sld xmlns:a="http://schemas.openxmlformats.org/drawingml/2006/main" xmlns:r="http://schemas.openxmlformats.org/officeDocument/2006/relationships" xmlns:p="http://schemas.openxmlformats.org/presentationml/2006/main">
-  <p:cSld>
-    <p:spTree>
-      <p:nvGrpSpPr>
-        <p:cNvPr id="1" name=""/>
-        <p:cNvGrpSpPr/>
-        <p:nvPr/>
-      </p:nvGrpSpPr>
-      <p:grpSpPr>
-        <a:xfrm>
-          <a:off x="0" y="0"/>
-          <a:ext cx="0" cy="0"/>
-          <a:chOff x="0" y="0"/>
-          <a:chExt cx="0" cy="0"/>
-        </a:xfrm>
-      </p:grpSpPr>
-      <p:sp>
-        <p:nvSpPr>
-          <p:cNvPr id="2" name="Titolo 1">
-            <a:extLst>
-              <a:ext uri="{FF2B5EF4-FFF2-40B4-BE49-F238E27FC236}">
-                <a16:creationId xmlns:a16="http://schemas.microsoft.com/office/drawing/2014/main" id="{423E46DE-2AE3-44BE-963C-544CB7884F11}"/>
-              </a:ext>
-            </a:extLst>
-          </p:cNvPr>
-          <p:cNvSpPr>
-            <a:spLocks noGrp="1"/>
-          </p:cNvSpPr>
-          <p:nvPr>
-            <p:ph type="title"/>
-          </p:nvPr>
-        </p:nvSpPr>
-        <p:spPr>
-          <a:xfrm>
-            <a:off x="838200" y="-62711"/>
-            <a:ext cx="10515600" cy="1325562"/>
-          </a:xfrm>
-        </p:spPr>
-        <p:txBody>
-          <a:bodyPr/>
-          <a:lstStyle/>
-          <a:p>
-            <a:pPr algn="ctr"/>
-            <a:r>
-              <a:rPr lang="it-IT" dirty="0"/>
               <a:t>CONTEXT 2 </a:t>
             </a:r>
           </a:p>
@@ -6641,7 +7022,7 @@
         </p:blipFill>
         <p:spPr>
           <a:xfrm>
-            <a:off x="4708126" y="1754175"/>
+            <a:off x="4962676" y="1566958"/>
             <a:ext cx="2050692" cy="2050692"/>
           </a:xfrm>
           <a:prstGeom prst="rect">
@@ -6998,7 +7379,7 @@
 </p:sld>
 </file>
 
-<file path=ppt/slides/slide7.xml><?xml version="1.0" encoding="utf-8"?>
+<file path=ppt/slides/slide6.xml><?xml version="1.0" encoding="utf-8"?>
 <p:sld xmlns:a="http://schemas.openxmlformats.org/drawingml/2006/main" xmlns:r="http://schemas.openxmlformats.org/officeDocument/2006/relationships" xmlns:p="http://schemas.openxmlformats.org/presentationml/2006/main">
   <p:cSld>
     <p:spTree>
@@ -7527,7 +7908,7 @@
 </p:sld>
 </file>
 
-<file path=ppt/slides/slide8.xml><?xml version="1.0" encoding="utf-8"?>
+<file path=ppt/slides/slide7.xml><?xml version="1.0" encoding="utf-8"?>
 <p:sld xmlns:a="http://schemas.openxmlformats.org/drawingml/2006/main" xmlns:r="http://schemas.openxmlformats.org/officeDocument/2006/relationships" xmlns:p="http://schemas.openxmlformats.org/presentationml/2006/main">
   <p:cSld>
     <p:spTree>
@@ -7674,15 +8055,31 @@
           <a:p>
             <a:r>
               <a:rPr lang="it-IT" dirty="0" err="1"/>
-              <a:t>Tries</a:t>
-            </a:r>
-            <a:r>
-              <a:rPr lang="it-IT" dirty="0"/>
-              <a:t> to </a:t>
-            </a:r>
-            <a:r>
-              <a:rPr lang="it-IT" dirty="0" err="1"/>
-              <a:t>overcome</a:t>
+              <a:t>Deterministically</a:t>
+            </a:r>
+            <a:r>
+              <a:rPr lang="it-IT" dirty="0"/>
+              <a:t> </a:t>
+            </a:r>
+            <a:r>
+              <a:rPr lang="it-IT" dirty="0" err="1"/>
+              <a:t>determines</a:t>
+            </a:r>
+            <a:r>
+              <a:rPr lang="it-IT" dirty="0"/>
+              <a:t> the </a:t>
+            </a:r>
+            <a:r>
+              <a:rPr lang="it-IT" dirty="0" err="1"/>
+              <a:t>farthest</a:t>
+            </a:r>
+            <a:r>
+              <a:rPr lang="it-IT" dirty="0"/>
+              <a:t> </a:t>
+            </a:r>
+            <a:r>
+              <a:rPr lang="it-IT" dirty="0" err="1"/>
+              <a:t>forwarder</a:t>
             </a:r>
             <a:endParaRPr lang="it-IT" dirty="0"/>
           </a:p>
@@ -7733,6 +8130,14 @@
             <a:r>
               <a:rPr lang="it-IT" dirty="0" err="1"/>
               <a:t>their</a:t>
+            </a:r>
+            <a:r>
+              <a:rPr lang="it-IT" dirty="0"/>
+              <a:t> </a:t>
+            </a:r>
+            <a:r>
+              <a:rPr lang="it-IT" dirty="0" err="1"/>
+              <a:t>entire</a:t>
             </a:r>
             <a:r>
               <a:rPr lang="it-IT" dirty="0"/>
@@ -8013,6 +8418,315 @@
     <p:extLst>
       <p:ext uri="{BB962C8B-B14F-4D97-AF65-F5344CB8AC3E}">
         <p14:creationId xmlns:p14="http://schemas.microsoft.com/office/powerpoint/2010/main" val="866787183"/>
+      </p:ext>
+    </p:extLst>
+  </p:cSld>
+  <p:clrMapOvr>
+    <a:masterClrMapping/>
+  </p:clrMapOvr>
+</p:sld>
+</file>
+
+<file path=ppt/slides/slide8.xml><?xml version="1.0" encoding="utf-8"?>
+<p:sld xmlns:a="http://schemas.openxmlformats.org/drawingml/2006/main" xmlns:r="http://schemas.openxmlformats.org/officeDocument/2006/relationships" xmlns:p="http://schemas.openxmlformats.org/presentationml/2006/main">
+  <p:cSld>
+    <p:spTree>
+      <p:nvGrpSpPr>
+        <p:cNvPr id="1" name=""/>
+        <p:cNvGrpSpPr/>
+        <p:nvPr/>
+      </p:nvGrpSpPr>
+      <p:grpSpPr>
+        <a:xfrm>
+          <a:off x="0" y="0"/>
+          <a:ext cx="0" cy="0"/>
+          <a:chOff x="0" y="0"/>
+          <a:chExt cx="0" cy="0"/>
+        </a:xfrm>
+      </p:grpSpPr>
+      <p:sp>
+        <p:nvSpPr>
+          <p:cNvPr id="2" name="Titolo 1">
+            <a:extLst>
+              <a:ext uri="{FF2B5EF4-FFF2-40B4-BE49-F238E27FC236}">
+                <a16:creationId xmlns:a16="http://schemas.microsoft.com/office/drawing/2014/main" id="{423E46DE-2AE3-44BE-963C-544CB7884F11}"/>
+              </a:ext>
+            </a:extLst>
+          </p:cNvPr>
+          <p:cNvSpPr>
+            <a:spLocks noGrp="1"/>
+          </p:cNvSpPr>
+          <p:nvPr>
+            <p:ph type="title"/>
+          </p:nvPr>
+        </p:nvSpPr>
+        <p:spPr>
+          <a:xfrm>
+            <a:off x="838200" y="-62711"/>
+            <a:ext cx="10515600" cy="1325562"/>
+          </a:xfrm>
+        </p:spPr>
+        <p:txBody>
+          <a:bodyPr/>
+          <a:lstStyle/>
+          <a:p>
+            <a:pPr algn="ctr"/>
+            <a:r>
+              <a:rPr lang="it-IT" dirty="0"/>
+              <a:t>MY CONTRIBUTIONS</a:t>
+            </a:r>
+          </a:p>
+        </p:txBody>
+      </p:sp>
+      <p:sp>
+        <p:nvSpPr>
+          <p:cNvPr id="10" name="Rettangolo 9">
+            <a:extLst>
+              <a:ext uri="{FF2B5EF4-FFF2-40B4-BE49-F238E27FC236}">
+                <a16:creationId xmlns:a16="http://schemas.microsoft.com/office/drawing/2014/main" id="{B9D3550C-14F0-41BE-96F1-9396C790BC52}"/>
+              </a:ext>
+            </a:extLst>
+          </p:cNvPr>
+          <p:cNvSpPr/>
+          <p:nvPr/>
+        </p:nvSpPr>
+        <p:spPr>
+          <a:xfrm>
+            <a:off x="11496585" y="6453637"/>
+            <a:ext cx="356377" cy="276999"/>
+          </a:xfrm>
+          <a:prstGeom prst="rect">
+            <a:avLst/>
+          </a:prstGeom>
+        </p:spPr>
+        <p:txBody>
+          <a:bodyPr wrap="square">
+            <a:spAutoFit/>
+          </a:bodyPr>
+          <a:lstStyle/>
+          <a:p>
+            <a:pPr algn="r"/>
+            <a:r>
+              <a:rPr lang="it-IT" sz="1200" dirty="0">
+                <a:latin typeface="Roboto" panose="02000000000000000000" pitchFamily="2" charset="0"/>
+                <a:ea typeface="Roboto" panose="02000000000000000000" pitchFamily="2" charset="0"/>
+                <a:cs typeface="Roboto" panose="02000000000000000000" pitchFamily="2" charset="0"/>
+              </a:rPr>
+              <a:t>5</a:t>
+            </a:r>
+            <a:endParaRPr lang="it-IT" sz="1200" dirty="0">
+              <a:solidFill>
+                <a:srgbClr val="C00000"/>
+              </a:solidFill>
+              <a:latin typeface="Roboto" panose="02000000000000000000" pitchFamily="2" charset="0"/>
+              <a:ea typeface="Roboto" panose="02000000000000000000" pitchFamily="2" charset="0"/>
+              <a:cs typeface="Roboto" panose="02000000000000000000" pitchFamily="2" charset="0"/>
+            </a:endParaRPr>
+          </a:p>
+        </p:txBody>
+      </p:sp>
+      <p:sp>
+        <p:nvSpPr>
+          <p:cNvPr id="11" name="Segnaposto contenuto 2">
+            <a:extLst>
+              <a:ext uri="{FF2B5EF4-FFF2-40B4-BE49-F238E27FC236}">
+                <a16:creationId xmlns:a16="http://schemas.microsoft.com/office/drawing/2014/main" id="{4A21C4C2-B9B3-4794-BE3E-0CF3C08716E6}"/>
+              </a:ext>
+            </a:extLst>
+          </p:cNvPr>
+          <p:cNvSpPr>
+            <a:spLocks noGrp="1"/>
+          </p:cNvSpPr>
+          <p:nvPr>
+            <p:ph idx="1"/>
+          </p:nvPr>
+        </p:nvSpPr>
+        <p:spPr>
+          <a:xfrm>
+            <a:off x="1091953" y="1059650"/>
+            <a:ext cx="10261847" cy="4589309"/>
+          </a:xfrm>
+        </p:spPr>
+        <p:txBody>
+          <a:bodyPr>
+            <a:normAutofit/>
+          </a:bodyPr>
+          <a:lstStyle/>
+          <a:p>
+            <a:r>
+              <a:rPr lang="it-IT" dirty="0" err="1"/>
+              <a:t>Improvements</a:t>
+            </a:r>
+            <a:r>
+              <a:rPr lang="it-IT" dirty="0"/>
+              <a:t> to Fast-Broadcast</a:t>
+            </a:r>
+          </a:p>
+          <a:p>
+            <a:r>
+              <a:rPr lang="it-IT" dirty="0" err="1"/>
+              <a:t>Implementation</a:t>
+            </a:r>
+            <a:r>
+              <a:rPr lang="it-IT" dirty="0"/>
+              <a:t> and extension to 2D and 3D </a:t>
+            </a:r>
+            <a:r>
+              <a:rPr lang="it-IT" dirty="0" err="1"/>
+              <a:t>scenarios</a:t>
+            </a:r>
+            <a:r>
+              <a:rPr lang="it-IT" dirty="0"/>
+              <a:t> of ROFF</a:t>
+            </a:r>
+          </a:p>
+          <a:p>
+            <a:r>
+              <a:rPr lang="it-IT" dirty="0"/>
+              <a:t>Evaluation and </a:t>
+            </a:r>
+            <a:r>
+              <a:rPr lang="it-IT" dirty="0" err="1"/>
+              <a:t>comparison</a:t>
+            </a:r>
+            <a:r>
+              <a:rPr lang="it-IT" dirty="0"/>
+              <a:t> of Fast-Broadcast and ROFF </a:t>
+            </a:r>
+            <a:r>
+              <a:rPr lang="it-IT" dirty="0" err="1"/>
+              <a:t>through</a:t>
+            </a:r>
+            <a:r>
+              <a:rPr lang="it-IT" dirty="0"/>
+              <a:t> </a:t>
+            </a:r>
+            <a:r>
+              <a:rPr lang="it-IT" dirty="0" err="1"/>
+              <a:t>simulations</a:t>
+            </a:r>
+            <a:endParaRPr lang="it-IT" dirty="0"/>
+          </a:p>
+          <a:p>
+            <a:pPr lvl="1"/>
+            <a:r>
+              <a:rPr lang="it-IT" dirty="0" err="1"/>
+              <a:t>Scenarios</a:t>
+            </a:r>
+            <a:r>
+              <a:rPr lang="it-IT" dirty="0"/>
+              <a:t> with and </a:t>
+            </a:r>
+            <a:r>
+              <a:rPr lang="it-IT" dirty="0" err="1"/>
+              <a:t>without</a:t>
+            </a:r>
+            <a:r>
+              <a:rPr lang="it-IT" dirty="0"/>
+              <a:t> buildings</a:t>
+            </a:r>
+          </a:p>
+          <a:p>
+            <a:r>
+              <a:rPr lang="it-IT" dirty="0" err="1"/>
+              <a:t>Proposal</a:t>
+            </a:r>
+            <a:r>
+              <a:rPr lang="it-IT" dirty="0"/>
+              <a:t> of extension to exploit road </a:t>
+            </a:r>
+            <a:r>
+              <a:rPr lang="it-IT" dirty="0" err="1"/>
+              <a:t>junctions</a:t>
+            </a:r>
+            <a:r>
+              <a:rPr lang="it-IT" dirty="0"/>
+              <a:t> to </a:t>
+            </a:r>
+            <a:r>
+              <a:rPr lang="it-IT" dirty="0" err="1"/>
+              <a:t>increase</a:t>
+            </a:r>
+            <a:r>
+              <a:rPr lang="it-IT" dirty="0"/>
+              <a:t> </a:t>
+            </a:r>
+            <a:r>
+              <a:rPr lang="it-IT" dirty="0" err="1"/>
+              <a:t>message</a:t>
+            </a:r>
+            <a:r>
+              <a:rPr lang="it-IT" dirty="0"/>
+              <a:t> delivery </a:t>
+            </a:r>
+            <a:r>
+              <a:rPr lang="it-IT" dirty="0" err="1"/>
+              <a:t>ratios</a:t>
+            </a:r>
+            <a:endParaRPr lang="it-IT" dirty="0"/>
+          </a:p>
+          <a:p>
+            <a:pPr lvl="1"/>
+            <a:r>
+              <a:rPr lang="it-IT" b="1" dirty="0"/>
+              <a:t>SJ-Fast-Broadcast</a:t>
+            </a:r>
+            <a:r>
+              <a:rPr lang="it-IT" dirty="0"/>
+              <a:t> and </a:t>
+            </a:r>
+            <a:r>
+              <a:rPr lang="it-IT" b="1" dirty="0"/>
+              <a:t>SJ-ROFF </a:t>
+            </a:r>
+            <a:r>
+              <a:rPr lang="it-IT" dirty="0"/>
+              <a:t>(SJ=Smart Junction)</a:t>
+            </a:r>
+            <a:endParaRPr lang="it-IT" b="1" dirty="0"/>
+          </a:p>
+        </p:txBody>
+      </p:sp>
+      <p:pic>
+        <p:nvPicPr>
+          <p:cNvPr id="4" name="Immagine 3">
+            <a:extLst>
+              <a:ext uri="{FF2B5EF4-FFF2-40B4-BE49-F238E27FC236}">
+                <a16:creationId xmlns:a16="http://schemas.microsoft.com/office/drawing/2014/main" id="{3F53C64A-9FCE-4FE1-9042-DE9087F298E1}"/>
+              </a:ext>
+            </a:extLst>
+          </p:cNvPr>
+          <p:cNvPicPr>
+            <a:picLocks noChangeAspect="1"/>
+          </p:cNvPicPr>
+          <p:nvPr/>
+        </p:nvPicPr>
+        <p:blipFill>
+          <a:blip r:embed="rId2">
+            <a:extLst>
+              <a:ext uri="{28A0092B-C50C-407E-A947-70E740481C1C}">
+                <a14:useLocalDpi xmlns:a14="http://schemas.microsoft.com/office/drawing/2010/main" val="0"/>
+              </a:ext>
+            </a:extLst>
+          </a:blip>
+          <a:stretch>
+            <a:fillRect/>
+          </a:stretch>
+        </p:blipFill>
+        <p:spPr>
+          <a:xfrm flipH="1">
+            <a:off x="7513098" y="3667759"/>
+            <a:ext cx="2971430" cy="1980953"/>
+          </a:xfrm>
+          <a:prstGeom prst="rect">
+            <a:avLst/>
+          </a:prstGeom>
+        </p:spPr>
+      </p:pic>
+    </p:spTree>
+    <p:extLst>
+      <p:ext uri="{BB962C8B-B14F-4D97-AF65-F5344CB8AC3E}">
+        <p14:creationId xmlns:p14="http://schemas.microsoft.com/office/powerpoint/2010/main" val="2116223310"/>
       </p:ext>
     </p:extLst>
   </p:cSld>

--- a/Presentazioni/Presentazione Magistrale/Presentazione Magistrale.pptx
+++ b/Presentazioni/Presentazione Magistrale/Presentazione Magistrale.pptx
@@ -5,7 +5,7 @@
     <p:sldMasterId id="2147483750" r:id="rId1"/>
   </p:sldMasterIdLst>
   <p:notesMasterIdLst>
-    <p:notesMasterId r:id="rId16"/>
+    <p:notesMasterId r:id="rId23"/>
   </p:notesMasterIdLst>
   <p:sldIdLst>
     <p:sldId id="256" r:id="rId2"/>
@@ -22,6 +22,13 @@
     <p:sldId id="270" r:id="rId13"/>
     <p:sldId id="271" r:id="rId14"/>
     <p:sldId id="272" r:id="rId15"/>
+    <p:sldId id="273" r:id="rId16"/>
+    <p:sldId id="274" r:id="rId17"/>
+    <p:sldId id="275" r:id="rId18"/>
+    <p:sldId id="276" r:id="rId19"/>
+    <p:sldId id="277" r:id="rId20"/>
+    <p:sldId id="278" r:id="rId21"/>
+    <p:sldId id="279" r:id="rId22"/>
   </p:sldIdLst>
   <p:sldSz cx="12192000" cy="6858000"/>
   <p:notesSz cx="6858000" cy="9144000"/>
@@ -210,7 +217,7 @@
           <a:p>
             <a:fld id="{1A578250-5579-4797-8B18-F36A6FF46076}" type="datetimeFigureOut">
               <a:rPr lang="it-IT" smtClean="0"/>
-              <a:t>07/07/2019</a:t>
+              <a:t>08/07/2019</a:t>
             </a:fld>
             <a:endParaRPr lang="it-IT"/>
           </a:p>
@@ -608,7 +615,7 @@
           <a:p>
             <a:fld id="{1A03AB17-A341-48A5-AD52-E4D16CDFE3B7}" type="datetimeFigureOut">
               <a:rPr lang="it-IT" smtClean="0"/>
-              <a:t>07/07/2019</a:t>
+              <a:t>08/07/2019</a:t>
             </a:fld>
             <a:endParaRPr lang="it-IT"/>
           </a:p>
@@ -778,7 +785,7 @@
           <a:p>
             <a:fld id="{1A03AB17-A341-48A5-AD52-E4D16CDFE3B7}" type="datetimeFigureOut">
               <a:rPr lang="it-IT" smtClean="0"/>
-              <a:t>07/07/2019</a:t>
+              <a:t>08/07/2019</a:t>
             </a:fld>
             <a:endParaRPr lang="it-IT"/>
           </a:p>
@@ -958,7 +965,7 @@
           <a:p>
             <a:fld id="{1A03AB17-A341-48A5-AD52-E4D16CDFE3B7}" type="datetimeFigureOut">
               <a:rPr lang="it-IT" smtClean="0"/>
-              <a:t>07/07/2019</a:t>
+              <a:t>08/07/2019</a:t>
             </a:fld>
             <a:endParaRPr lang="it-IT"/>
           </a:p>
@@ -1159,7 +1166,7 @@
           <a:p>
             <a:fld id="{1A03AB17-A341-48A5-AD52-E4D16CDFE3B7}" type="datetimeFigureOut">
               <a:rPr lang="it-IT" smtClean="0"/>
-              <a:t>07/07/2019</a:t>
+              <a:t>08/07/2019</a:t>
             </a:fld>
             <a:endParaRPr lang="it-IT"/>
           </a:p>
@@ -1574,7 +1581,7 @@
           <a:p>
             <a:fld id="{1A03AB17-A341-48A5-AD52-E4D16CDFE3B7}" type="datetimeFigureOut">
               <a:rPr lang="it-IT" smtClean="0"/>
-              <a:t>07/07/2019</a:t>
+              <a:t>08/07/2019</a:t>
             </a:fld>
             <a:endParaRPr lang="it-IT"/>
           </a:p>
@@ -1862,7 +1869,7 @@
           <a:p>
             <a:fld id="{1A03AB17-A341-48A5-AD52-E4D16CDFE3B7}" type="datetimeFigureOut">
               <a:rPr lang="it-IT" smtClean="0"/>
-              <a:t>07/07/2019</a:t>
+              <a:t>08/07/2019</a:t>
             </a:fld>
             <a:endParaRPr lang="it-IT"/>
           </a:p>
@@ -2285,7 +2292,7 @@
           <a:p>
             <a:fld id="{1A03AB17-A341-48A5-AD52-E4D16CDFE3B7}" type="datetimeFigureOut">
               <a:rPr lang="it-IT" smtClean="0"/>
-              <a:t>07/07/2019</a:t>
+              <a:t>08/07/2019</a:t>
             </a:fld>
             <a:endParaRPr lang="it-IT"/>
           </a:p>
@@ -2403,7 +2410,7 @@
           <a:p>
             <a:fld id="{1A03AB17-A341-48A5-AD52-E4D16CDFE3B7}" type="datetimeFigureOut">
               <a:rPr lang="it-IT" smtClean="0"/>
-              <a:t>07/07/2019</a:t>
+              <a:t>08/07/2019</a:t>
             </a:fld>
             <a:endParaRPr lang="it-IT"/>
           </a:p>
@@ -2498,7 +2505,7 @@
           <a:p>
             <a:fld id="{1A03AB17-A341-48A5-AD52-E4D16CDFE3B7}" type="datetimeFigureOut">
               <a:rPr lang="it-IT" smtClean="0"/>
-              <a:t>07/07/2019</a:t>
+              <a:t>08/07/2019</a:t>
             </a:fld>
             <a:endParaRPr lang="it-IT"/>
           </a:p>
@@ -2775,7 +2782,7 @@
           <a:p>
             <a:fld id="{1A03AB17-A341-48A5-AD52-E4D16CDFE3B7}" type="datetimeFigureOut">
               <a:rPr lang="it-IT" smtClean="0"/>
-              <a:t>07/07/2019</a:t>
+              <a:t>08/07/2019</a:t>
             </a:fld>
             <a:endParaRPr lang="it-IT"/>
           </a:p>
@@ -3032,7 +3039,7 @@
           <a:p>
             <a:fld id="{1A03AB17-A341-48A5-AD52-E4D16CDFE3B7}" type="datetimeFigureOut">
               <a:rPr lang="it-IT" smtClean="0"/>
-              <a:t>07/07/2019</a:t>
+              <a:t>08/07/2019</a:t>
             </a:fld>
             <a:endParaRPr lang="it-IT"/>
           </a:p>
@@ -3259,7 +3266,7 @@
           <a:p>
             <a:fld id="{1A03AB17-A341-48A5-AD52-E4D16CDFE3B7}" type="datetimeFigureOut">
               <a:rPr lang="it-IT" smtClean="0"/>
-              <a:t>07/07/2019</a:t>
+              <a:t>08/07/2019</a:t>
             </a:fld>
             <a:endParaRPr lang="it-IT"/>
           </a:p>
@@ -4030,7 +4037,7 @@
           <p:nvPr>
             <p:extLst>
               <p:ext uri="{D42A27DB-BD31-4B8C-83A1-F6EECF244321}">
-                <p14:modId xmlns:p14="http://schemas.microsoft.com/office/powerpoint/2010/main" val="2407746718"/>
+                <p14:modId xmlns:p14="http://schemas.microsoft.com/office/powerpoint/2010/main" val="2017825886"/>
               </p:ext>
             </p:extLst>
           </p:nvPr>
@@ -4324,14 +4331,21 @@
                     <a:lstStyle/>
                     <a:p>
                       <a:r>
+                        <a:rPr lang="it-IT" sz="1800" dirty="0" err="1"/>
+                        <a:t>Circumference</a:t>
+                      </a:r>
+                      <a:r>
                         <a:rPr lang="it-IT" sz="1800" dirty="0"/>
-                        <a:t>Road </a:t>
+                        <a:t> </a:t>
                       </a:r>
                       <a:r>
                         <a:rPr lang="it-IT" sz="1800" dirty="0" err="1"/>
-                        <a:t>length</a:t>
-                      </a:r>
-                      <a:endParaRPr lang="it-IT" sz="1800" dirty="0"/>
+                        <a:t>radius</a:t>
+                      </a:r>
+                      <a:r>
+                        <a:rPr lang="it-IT" sz="1800" dirty="0"/>
+                        <a:t> [m]</a:t>
+                      </a:r>
                     </a:p>
                   </a:txBody>
                   <a:tcPr/>
@@ -4344,7 +4358,7 @@
                       <a:pPr algn="ctr"/>
                       <a:r>
                         <a:rPr lang="it-IT" sz="1800" dirty="0"/>
-                        <a:t>1200</a:t>
+                        <a:t>1000</a:t>
                       </a:r>
                     </a:p>
                   </a:txBody>
@@ -4352,7 +4366,7 @@
                 </a:tc>
                 <a:extLst>
                   <a:ext uri="{0D108BD9-81ED-4DB2-BD59-A6C34878D82A}">
-                    <a16:rowId xmlns:a16="http://schemas.microsoft.com/office/drawing/2014/main" val="2962713516"/>
+                    <a16:rowId xmlns:a16="http://schemas.microsoft.com/office/drawing/2014/main" val="3577349626"/>
                   </a:ext>
                 </a:extLst>
               </a:tr>
@@ -4382,7 +4396,10 @@
                         <a:rPr lang="it-IT" sz="1800" dirty="0" err="1"/>
                         <a:t>vehicles</a:t>
                       </a:r>
-                      <a:endParaRPr lang="it-IT" sz="1800" dirty="0"/>
+                      <a:r>
+                        <a:rPr lang="it-IT" sz="1800" dirty="0"/>
+                        <a:t> [m]</a:t>
+                      </a:r>
                     </a:p>
                   </a:txBody>
                   <a:tcPr/>
@@ -4445,7 +4462,7 @@
                           <a:ea typeface="+mn-ea"/>
                           <a:cs typeface="+mn-cs"/>
                         </a:rPr>
-                        <a:t>4975, 2856, 1776, 1318, 1072</a:t>
+                        <a:t>4975, 2856, 1775, 1318, 1072</a:t>
                       </a:r>
                       <a:endParaRPr lang="it-IT" sz="1700" dirty="0"/>
                     </a:p>
@@ -5826,6 +5843,1818 @@
 </p:sld>
 </file>
 
+<file path=ppt/slides/slide15.xml><?xml version="1.0" encoding="utf-8"?>
+<p:sld xmlns:a="http://schemas.openxmlformats.org/drawingml/2006/main" xmlns:r="http://schemas.openxmlformats.org/officeDocument/2006/relationships" xmlns:p="http://schemas.openxmlformats.org/presentationml/2006/main">
+  <p:cSld>
+    <p:spTree>
+      <p:nvGrpSpPr>
+        <p:cNvPr id="1" name=""/>
+        <p:cNvGrpSpPr/>
+        <p:nvPr/>
+      </p:nvGrpSpPr>
+      <p:grpSpPr>
+        <a:xfrm>
+          <a:off x="0" y="0"/>
+          <a:ext cx="0" cy="0"/>
+          <a:chOff x="0" y="0"/>
+          <a:chExt cx="0" cy="0"/>
+        </a:xfrm>
+      </p:grpSpPr>
+      <p:sp>
+        <p:nvSpPr>
+          <p:cNvPr id="2" name="Titolo 1">
+            <a:extLst>
+              <a:ext uri="{FF2B5EF4-FFF2-40B4-BE49-F238E27FC236}">
+                <a16:creationId xmlns:a16="http://schemas.microsoft.com/office/drawing/2014/main" id="{423E46DE-2AE3-44BE-963C-544CB7884F11}"/>
+              </a:ext>
+            </a:extLst>
+          </p:cNvPr>
+          <p:cNvSpPr>
+            <a:spLocks noGrp="1"/>
+          </p:cNvSpPr>
+          <p:nvPr>
+            <p:ph type="title"/>
+          </p:nvPr>
+        </p:nvSpPr>
+        <p:spPr>
+          <a:xfrm>
+            <a:off x="838200" y="-62711"/>
+            <a:ext cx="10515600" cy="1325562"/>
+          </a:xfrm>
+        </p:spPr>
+        <p:txBody>
+          <a:bodyPr>
+            <a:normAutofit/>
+          </a:bodyPr>
+          <a:lstStyle/>
+          <a:p>
+            <a:pPr algn="ctr"/>
+            <a:r>
+              <a:rPr lang="it-IT" dirty="0"/>
+              <a:t>PADUA URBAN SCENARIO</a:t>
+            </a:r>
+          </a:p>
+        </p:txBody>
+      </p:sp>
+      <p:sp>
+        <p:nvSpPr>
+          <p:cNvPr id="10" name="Rettangolo 9">
+            <a:extLst>
+              <a:ext uri="{FF2B5EF4-FFF2-40B4-BE49-F238E27FC236}">
+                <a16:creationId xmlns:a16="http://schemas.microsoft.com/office/drawing/2014/main" id="{B9D3550C-14F0-41BE-96F1-9396C790BC52}"/>
+              </a:ext>
+            </a:extLst>
+          </p:cNvPr>
+          <p:cNvSpPr/>
+          <p:nvPr/>
+        </p:nvSpPr>
+        <p:spPr>
+          <a:xfrm>
+            <a:off x="11496585" y="6453637"/>
+            <a:ext cx="356377" cy="276999"/>
+          </a:xfrm>
+          <a:prstGeom prst="rect">
+            <a:avLst/>
+          </a:prstGeom>
+        </p:spPr>
+        <p:txBody>
+          <a:bodyPr wrap="square">
+            <a:spAutoFit/>
+          </a:bodyPr>
+          <a:lstStyle/>
+          <a:p>
+            <a:pPr algn="r"/>
+            <a:r>
+              <a:rPr lang="it-IT" sz="1200" dirty="0">
+                <a:latin typeface="Roboto" panose="02000000000000000000" pitchFamily="2" charset="0"/>
+                <a:ea typeface="Roboto" panose="02000000000000000000" pitchFamily="2" charset="0"/>
+                <a:cs typeface="Roboto" panose="02000000000000000000" pitchFamily="2" charset="0"/>
+              </a:rPr>
+              <a:t>5</a:t>
+            </a:r>
+            <a:endParaRPr lang="it-IT" sz="1200" dirty="0">
+              <a:solidFill>
+                <a:srgbClr val="C00000"/>
+              </a:solidFill>
+              <a:latin typeface="Roboto" panose="02000000000000000000" pitchFamily="2" charset="0"/>
+              <a:ea typeface="Roboto" panose="02000000000000000000" pitchFamily="2" charset="0"/>
+              <a:cs typeface="Roboto" panose="02000000000000000000" pitchFamily="2" charset="0"/>
+            </a:endParaRPr>
+          </a:p>
+        </p:txBody>
+      </p:sp>
+      <p:graphicFrame>
+        <p:nvGraphicFramePr>
+          <p:cNvPr id="3" name="Tabella 2">
+            <a:extLst>
+              <a:ext uri="{FF2B5EF4-FFF2-40B4-BE49-F238E27FC236}">
+                <a16:creationId xmlns:a16="http://schemas.microsoft.com/office/drawing/2014/main" id="{61DF1502-5565-4FDF-B45B-D421FDFBCB5C}"/>
+              </a:ext>
+            </a:extLst>
+          </p:cNvPr>
+          <p:cNvGraphicFramePr>
+            <a:graphicFrameLocks noGrp="1"/>
+          </p:cNvGraphicFramePr>
+          <p:nvPr>
+            <p:extLst>
+              <p:ext uri="{D42A27DB-BD31-4B8C-83A1-F6EECF244321}">
+                <p14:modId xmlns:p14="http://schemas.microsoft.com/office/powerpoint/2010/main" val="3950571580"/>
+              </p:ext>
+            </p:extLst>
+          </p:nvPr>
+        </p:nvGraphicFramePr>
+        <p:xfrm>
+          <a:off x="137990" y="1197896"/>
+          <a:ext cx="5711699" cy="5089845"/>
+        </p:xfrm>
+        <a:graphic>
+          <a:graphicData uri="http://schemas.openxmlformats.org/drawingml/2006/table">
+            <a:tbl>
+              <a:tblPr firstRow="1" bandRow="1">
+                <a:tableStyleId>{93296810-A885-4BE3-A3E7-6D5BEEA58F35}</a:tableStyleId>
+              </a:tblPr>
+              <a:tblGrid>
+                <a:gridCol w="2733231">
+                  <a:extLst>
+                    <a:ext uri="{9D8B030D-6E8A-4147-A177-3AD203B41FA5}">
+                      <a16:colId xmlns:a16="http://schemas.microsoft.com/office/drawing/2014/main" val="2431431013"/>
+                    </a:ext>
+                  </a:extLst>
+                </a:gridCol>
+                <a:gridCol w="2978468">
+                  <a:extLst>
+                    <a:ext uri="{9D8B030D-6E8A-4147-A177-3AD203B41FA5}">
+                      <a16:colId xmlns:a16="http://schemas.microsoft.com/office/drawing/2014/main" val="2147857952"/>
+                    </a:ext>
+                  </a:extLst>
+                </a:gridCol>
+              </a:tblGrid>
+              <a:tr h="465790">
+                <a:tc gridSpan="2">
+                  <a:txBody>
+                    <a:bodyPr/>
+                    <a:lstStyle/>
+                    <a:p>
+                      <a:pPr algn="ctr"/>
+                      <a:r>
+                        <a:rPr lang="it-IT" dirty="0"/>
+                        <a:t>Scenario </a:t>
+                      </a:r>
+                      <a:r>
+                        <a:rPr lang="it-IT" dirty="0" err="1"/>
+                        <a:t>configuration</a:t>
+                      </a:r>
+                      <a:endParaRPr lang="it-IT" dirty="0"/>
+                    </a:p>
+                  </a:txBody>
+                  <a:tcPr/>
+                </a:tc>
+                <a:tc hMerge="1">
+                  <a:txBody>
+                    <a:bodyPr/>
+                    <a:lstStyle/>
+                    <a:p>
+                      <a:endParaRPr lang="it-IT" dirty="0"/>
+                    </a:p>
+                  </a:txBody>
+                  <a:tcPr/>
+                </a:tc>
+                <a:extLst>
+                  <a:ext uri="{0D108BD9-81ED-4DB2-BD59-A6C34878D82A}">
+                    <a16:rowId xmlns:a16="http://schemas.microsoft.com/office/drawing/2014/main" val="4073864477"/>
+                  </a:ext>
+                </a:extLst>
+              </a:tr>
+              <a:tr h="465790">
+                <a:tc>
+                  <a:txBody>
+                    <a:bodyPr/>
+                    <a:lstStyle/>
+                    <a:p>
+                      <a:r>
+                        <a:rPr lang="it-IT" sz="1800"/>
+                        <a:t>Scenario name</a:t>
+                      </a:r>
+                      <a:endParaRPr lang="it-IT" sz="1800" dirty="0"/>
+                    </a:p>
+                  </a:txBody>
+                  <a:tcPr/>
+                </a:tc>
+                <a:tc>
+                  <a:txBody>
+                    <a:bodyPr/>
+                    <a:lstStyle/>
+                    <a:p>
+                      <a:pPr algn="ctr"/>
+                      <a:r>
+                        <a:rPr lang="it-IT" sz="1800" dirty="0" err="1"/>
+                        <a:t>Padua</a:t>
+                      </a:r>
+                      <a:endParaRPr lang="it-IT" sz="1800" dirty="0"/>
+                    </a:p>
+                  </a:txBody>
+                  <a:tcPr/>
+                </a:tc>
+                <a:extLst>
+                  <a:ext uri="{0D108BD9-81ED-4DB2-BD59-A6C34878D82A}">
+                    <a16:rowId xmlns:a16="http://schemas.microsoft.com/office/drawing/2014/main" val="3671550637"/>
+                  </a:ext>
+                </a:extLst>
+              </a:tr>
+              <a:tr h="465790">
+                <a:tc>
+                  <a:txBody>
+                    <a:bodyPr/>
+                    <a:lstStyle/>
+                    <a:p>
+                      <a:r>
+                        <a:rPr lang="it-IT" sz="1800" dirty="0" err="1"/>
+                        <a:t>Latitude</a:t>
+                      </a:r>
+                      <a:r>
+                        <a:rPr lang="it-IT" sz="1800" dirty="0"/>
+                        <a:t> N</a:t>
+                      </a:r>
+                    </a:p>
+                  </a:txBody>
+                  <a:tcPr/>
+                </a:tc>
+                <a:tc>
+                  <a:txBody>
+                    <a:bodyPr/>
+                    <a:lstStyle/>
+                    <a:p>
+                      <a:pPr algn="ctr"/>
+                      <a:r>
+                        <a:rPr lang="it-IT" sz="1800" b="0" i="0" u="none" strike="noStrike" kern="1200" baseline="0">
+                          <a:solidFill>
+                            <a:schemeClr val="dk1"/>
+                          </a:solidFill>
+                          <a:latin typeface="+mn-lt"/>
+                          <a:ea typeface="+mn-ea"/>
+                          <a:cs typeface="+mn-cs"/>
+                        </a:rPr>
+                        <a:t>45.4171</a:t>
+                      </a:r>
+                      <a:endParaRPr lang="it-IT" sz="1800" dirty="0"/>
+                    </a:p>
+                  </a:txBody>
+                  <a:tcPr/>
+                </a:tc>
+                <a:extLst>
+                  <a:ext uri="{0D108BD9-81ED-4DB2-BD59-A6C34878D82A}">
+                    <a16:rowId xmlns:a16="http://schemas.microsoft.com/office/drawing/2014/main" val="3479011623"/>
+                  </a:ext>
+                </a:extLst>
+              </a:tr>
+              <a:tr h="465790">
+                <a:tc>
+                  <a:txBody>
+                    <a:bodyPr/>
+                    <a:lstStyle/>
+                    <a:p>
+                      <a:r>
+                        <a:rPr lang="it-IT" sz="1800" dirty="0" err="1"/>
+                        <a:t>Latitude</a:t>
+                      </a:r>
+                      <a:r>
+                        <a:rPr lang="it-IT" sz="1800" dirty="0"/>
+                        <a:t> N</a:t>
+                      </a:r>
+                    </a:p>
+                  </a:txBody>
+                  <a:tcPr/>
+                </a:tc>
+                <a:tc>
+                  <a:txBody>
+                    <a:bodyPr/>
+                    <a:lstStyle/>
+                    <a:p>
+                      <a:pPr algn="ctr"/>
+                      <a:r>
+                        <a:rPr lang="it-IT" sz="1800" b="0" i="0" u="none" strike="noStrike" kern="1200" baseline="0" dirty="0">
+                          <a:solidFill>
+                            <a:schemeClr val="dk1"/>
+                          </a:solidFill>
+                          <a:latin typeface="+mn-lt"/>
+                          <a:ea typeface="+mn-ea"/>
+                          <a:cs typeface="+mn-cs"/>
+                        </a:rPr>
+                        <a:t>45.3981</a:t>
+                      </a:r>
+                      <a:endParaRPr lang="it-IT" sz="1800" dirty="0"/>
+                    </a:p>
+                  </a:txBody>
+                  <a:tcPr/>
+                </a:tc>
+                <a:extLst>
+                  <a:ext uri="{0D108BD9-81ED-4DB2-BD59-A6C34878D82A}">
+                    <a16:rowId xmlns:a16="http://schemas.microsoft.com/office/drawing/2014/main" val="2940363005"/>
+                  </a:ext>
+                </a:extLst>
+              </a:tr>
+              <a:tr h="465790">
+                <a:tc>
+                  <a:txBody>
+                    <a:bodyPr/>
+                    <a:lstStyle/>
+                    <a:p>
+                      <a:r>
+                        <a:rPr lang="it-IT" sz="1800" dirty="0" err="1"/>
+                        <a:t>Longitude</a:t>
+                      </a:r>
+                      <a:r>
+                        <a:rPr lang="it-IT" sz="1800" dirty="0"/>
+                        <a:t> W</a:t>
+                      </a:r>
+                    </a:p>
+                  </a:txBody>
+                  <a:tcPr/>
+                </a:tc>
+                <a:tc>
+                  <a:txBody>
+                    <a:bodyPr/>
+                    <a:lstStyle/>
+                    <a:p>
+                      <a:pPr algn="ctr"/>
+                      <a:r>
+                        <a:rPr lang="it-IT" sz="1800" b="0" i="0" u="none" strike="noStrike" kern="1200" baseline="0" dirty="0">
+                          <a:solidFill>
+                            <a:schemeClr val="dk1"/>
+                          </a:solidFill>
+                          <a:latin typeface="+mn-lt"/>
+                          <a:ea typeface="+mn-ea"/>
+                          <a:cs typeface="+mn-cs"/>
+                        </a:rPr>
+                        <a:t>11.8654</a:t>
+                      </a:r>
+                      <a:endParaRPr lang="it-IT" sz="1800" dirty="0"/>
+                    </a:p>
+                  </a:txBody>
+                  <a:tcPr/>
+                </a:tc>
+                <a:extLst>
+                  <a:ext uri="{0D108BD9-81ED-4DB2-BD59-A6C34878D82A}">
+                    <a16:rowId xmlns:a16="http://schemas.microsoft.com/office/drawing/2014/main" val="518483290"/>
+                  </a:ext>
+                </a:extLst>
+              </a:tr>
+              <a:tr h="424163">
+                <a:tc>
+                  <a:txBody>
+                    <a:bodyPr/>
+                    <a:lstStyle/>
+                    <a:p>
+                      <a:r>
+                        <a:rPr lang="it-IT" sz="1800" dirty="0" err="1"/>
+                        <a:t>Longitude</a:t>
+                      </a:r>
+                      <a:r>
+                        <a:rPr lang="it-IT" sz="1800" dirty="0"/>
+                        <a:t> E</a:t>
+                      </a:r>
+                    </a:p>
+                  </a:txBody>
+                  <a:tcPr/>
+                </a:tc>
+                <a:tc>
+                  <a:txBody>
+                    <a:bodyPr/>
+                    <a:lstStyle/>
+                    <a:p>
+                      <a:pPr algn="ctr"/>
+                      <a:r>
+                        <a:rPr lang="it-IT" sz="1800" b="0" i="0" u="none" strike="noStrike" kern="1200" baseline="0" dirty="0">
+                          <a:solidFill>
+                            <a:schemeClr val="dk1"/>
+                          </a:solidFill>
+                          <a:latin typeface="+mn-lt"/>
+                          <a:ea typeface="+mn-ea"/>
+                          <a:cs typeface="+mn-cs"/>
+                        </a:rPr>
+                        <a:t>11.8923</a:t>
+                      </a:r>
+                      <a:endParaRPr lang="it-IT" sz="1800" dirty="0"/>
+                    </a:p>
+                  </a:txBody>
+                  <a:tcPr/>
+                </a:tc>
+                <a:extLst>
+                  <a:ext uri="{0D108BD9-81ED-4DB2-BD59-A6C34878D82A}">
+                    <a16:rowId xmlns:a16="http://schemas.microsoft.com/office/drawing/2014/main" val="2443031818"/>
+                  </a:ext>
+                </a:extLst>
+              </a:tr>
+              <a:tr h="424163">
+                <a:tc>
+                  <a:txBody>
+                    <a:bodyPr/>
+                    <a:lstStyle/>
+                    <a:p>
+                      <a:r>
+                        <a:rPr lang="it-IT" sz="1800" dirty="0" err="1"/>
+                        <a:t>Circumference</a:t>
+                      </a:r>
+                      <a:r>
+                        <a:rPr lang="it-IT" sz="1800" dirty="0"/>
+                        <a:t> </a:t>
+                      </a:r>
+                      <a:r>
+                        <a:rPr lang="it-IT" sz="1800" dirty="0" err="1"/>
+                        <a:t>radius</a:t>
+                      </a:r>
+                      <a:r>
+                        <a:rPr lang="it-IT" sz="1800" dirty="0"/>
+                        <a:t> [m]</a:t>
+                      </a:r>
+                    </a:p>
+                  </a:txBody>
+                  <a:tcPr/>
+                </a:tc>
+                <a:tc>
+                  <a:txBody>
+                    <a:bodyPr/>
+                    <a:lstStyle/>
+                    <a:p>
+                      <a:pPr algn="ctr"/>
+                      <a:r>
+                        <a:rPr lang="it-IT" sz="1800" dirty="0"/>
+                        <a:t>1000</a:t>
+                      </a:r>
+                    </a:p>
+                  </a:txBody>
+                  <a:tcPr/>
+                </a:tc>
+                <a:extLst>
+                  <a:ext uri="{0D108BD9-81ED-4DB2-BD59-A6C34878D82A}">
+                    <a16:rowId xmlns:a16="http://schemas.microsoft.com/office/drawing/2014/main" val="2505295210"/>
+                  </a:ext>
+                </a:extLst>
+              </a:tr>
+              <a:tr h="424163">
+                <a:tc>
+                  <a:txBody>
+                    <a:bodyPr/>
+                    <a:lstStyle/>
+                    <a:p>
+                      <a:r>
+                        <a:rPr lang="it-IT" sz="1800" dirty="0" err="1"/>
+                        <a:t>Distance</a:t>
+                      </a:r>
+                      <a:r>
+                        <a:rPr lang="it-IT" sz="1800" dirty="0"/>
+                        <a:t> </a:t>
+                      </a:r>
+                      <a:r>
+                        <a:rPr lang="it-IT" sz="1800" dirty="0" err="1"/>
+                        <a:t>between</a:t>
+                      </a:r>
+                      <a:r>
+                        <a:rPr lang="it-IT" sz="1800" dirty="0"/>
+                        <a:t> </a:t>
+                      </a:r>
+                      <a:r>
+                        <a:rPr lang="it-IT" sz="1800" dirty="0" err="1"/>
+                        <a:t>vehicles</a:t>
+                      </a:r>
+                      <a:r>
+                        <a:rPr lang="it-IT" sz="1800" dirty="0"/>
+                        <a:t> [m]</a:t>
+                      </a:r>
+                    </a:p>
+                  </a:txBody>
+                  <a:tcPr/>
+                </a:tc>
+                <a:tc>
+                  <a:txBody>
+                    <a:bodyPr/>
+                    <a:lstStyle/>
+                    <a:p>
+                      <a:pPr algn="ctr"/>
+                      <a:r>
+                        <a:rPr lang="it-IT" sz="1800" dirty="0"/>
+                        <a:t>25</a:t>
+                      </a:r>
+                    </a:p>
+                  </a:txBody>
+                  <a:tcPr/>
+                </a:tc>
+                <a:extLst>
+                  <a:ext uri="{0D108BD9-81ED-4DB2-BD59-A6C34878D82A}">
+                    <a16:rowId xmlns:a16="http://schemas.microsoft.com/office/drawing/2014/main" val="1800392706"/>
+                  </a:ext>
+                </a:extLst>
+              </a:tr>
+              <a:tr h="424163">
+                <a:tc>
+                  <a:txBody>
+                    <a:bodyPr/>
+                    <a:lstStyle/>
+                    <a:p>
+                      <a:r>
+                        <a:rPr lang="it-IT" sz="1800" dirty="0" err="1"/>
+                        <a:t>Number</a:t>
+                      </a:r>
+                      <a:r>
+                        <a:rPr lang="it-IT" sz="1800" dirty="0"/>
+                        <a:t> of </a:t>
+                      </a:r>
+                      <a:r>
+                        <a:rPr lang="it-IT" sz="1800" dirty="0" err="1"/>
+                        <a:t>vehicles</a:t>
+                      </a:r>
+                      <a:endParaRPr lang="it-IT" sz="1800" dirty="0"/>
+                    </a:p>
+                  </a:txBody>
+                  <a:tcPr/>
+                </a:tc>
+                <a:tc>
+                  <a:txBody>
+                    <a:bodyPr/>
+                    <a:lstStyle/>
+                    <a:p>
+                      <a:pPr algn="ctr"/>
+                      <a:r>
+                        <a:rPr lang="it-IT" sz="1700" b="0" i="0" u="none" strike="noStrike" kern="1200" baseline="0" dirty="0">
+                          <a:solidFill>
+                            <a:schemeClr val="dk1"/>
+                          </a:solidFill>
+                          <a:latin typeface="+mn-lt"/>
+                          <a:ea typeface="+mn-ea"/>
+                          <a:cs typeface="+mn-cs"/>
+                        </a:rPr>
+                        <a:t>1775</a:t>
+                      </a:r>
+                      <a:endParaRPr lang="it-IT" sz="1700" dirty="0"/>
+                    </a:p>
+                  </a:txBody>
+                  <a:tcPr/>
+                </a:tc>
+                <a:extLst>
+                  <a:ext uri="{0D108BD9-81ED-4DB2-BD59-A6C34878D82A}">
+                    <a16:rowId xmlns:a16="http://schemas.microsoft.com/office/drawing/2014/main" val="2715072907"/>
+                  </a:ext>
+                </a:extLst>
+              </a:tr>
+              <a:tr h="424163">
+                <a:tc>
+                  <a:txBody>
+                    <a:bodyPr/>
+                    <a:lstStyle/>
+                    <a:p>
+                      <a:r>
+                        <a:rPr lang="it-IT" sz="1800" b="1" dirty="0" err="1"/>
+                        <a:t>Number</a:t>
+                      </a:r>
+                      <a:r>
+                        <a:rPr lang="it-IT" sz="1800" b="1" dirty="0"/>
+                        <a:t> of buildings</a:t>
+                      </a:r>
+                    </a:p>
+                  </a:txBody>
+                  <a:tcPr/>
+                </a:tc>
+                <a:tc>
+                  <a:txBody>
+                    <a:bodyPr/>
+                    <a:lstStyle/>
+                    <a:p>
+                      <a:pPr algn="ctr"/>
+                      <a:r>
+                        <a:rPr lang="it-IT" sz="1700" b="1" dirty="0"/>
+                        <a:t>6322</a:t>
+                      </a:r>
+                    </a:p>
+                  </a:txBody>
+                  <a:tcPr/>
+                </a:tc>
+                <a:extLst>
+                  <a:ext uri="{0D108BD9-81ED-4DB2-BD59-A6C34878D82A}">
+                    <a16:rowId xmlns:a16="http://schemas.microsoft.com/office/drawing/2014/main" val="3130201454"/>
+                  </a:ext>
+                </a:extLst>
+              </a:tr>
+              <a:tr h="424163">
+                <a:tc>
+                  <a:txBody>
+                    <a:bodyPr/>
+                    <a:lstStyle/>
+                    <a:p>
+                      <a:r>
+                        <a:rPr lang="it-IT" sz="1800" dirty="0" err="1"/>
+                        <a:t>Number</a:t>
+                      </a:r>
+                      <a:r>
+                        <a:rPr lang="it-IT" sz="1800" dirty="0"/>
+                        <a:t> of </a:t>
+                      </a:r>
+                      <a:r>
+                        <a:rPr lang="it-IT" sz="1800" dirty="0" err="1"/>
+                        <a:t>simulations</a:t>
+                      </a:r>
+                      <a:endParaRPr lang="it-IT" sz="1800" dirty="0"/>
+                    </a:p>
+                  </a:txBody>
+                  <a:tcPr/>
+                </a:tc>
+                <a:tc>
+                  <a:txBody>
+                    <a:bodyPr/>
+                    <a:lstStyle/>
+                    <a:p>
+                      <a:pPr algn="ctr"/>
+                      <a:r>
+                        <a:rPr lang="it-IT" sz="1800" dirty="0"/>
+                        <a:t>4500</a:t>
+                      </a:r>
+                    </a:p>
+                  </a:txBody>
+                  <a:tcPr/>
+                </a:tc>
+                <a:extLst>
+                  <a:ext uri="{0D108BD9-81ED-4DB2-BD59-A6C34878D82A}">
+                    <a16:rowId xmlns:a16="http://schemas.microsoft.com/office/drawing/2014/main" val="2909756033"/>
+                  </a:ext>
+                </a:extLst>
+              </a:tr>
+            </a:tbl>
+          </a:graphicData>
+        </a:graphic>
+      </p:graphicFrame>
+      <p:graphicFrame>
+        <p:nvGraphicFramePr>
+          <p:cNvPr id="23" name="Tabella 22">
+            <a:extLst>
+              <a:ext uri="{FF2B5EF4-FFF2-40B4-BE49-F238E27FC236}">
+                <a16:creationId xmlns:a16="http://schemas.microsoft.com/office/drawing/2014/main" id="{059621E8-BFC3-4ADC-B180-1EE96A571E94}"/>
+              </a:ext>
+            </a:extLst>
+          </p:cNvPr>
+          <p:cNvGraphicFramePr>
+            <a:graphicFrameLocks noGrp="1"/>
+          </p:cNvGraphicFramePr>
+          <p:nvPr/>
+        </p:nvGraphicFramePr>
+        <p:xfrm>
+          <a:off x="5965794" y="1197896"/>
+          <a:ext cx="5841905" cy="4449765"/>
+        </p:xfrm>
+        <a:graphic>
+          <a:graphicData uri="http://schemas.openxmlformats.org/drawingml/2006/table">
+            <a:tbl>
+              <a:tblPr firstRow="1" bandRow="1">
+                <a:tableStyleId>{93296810-A885-4BE3-A3E7-6D5BEEA58F35}</a:tableStyleId>
+              </a:tblPr>
+              <a:tblGrid>
+                <a:gridCol w="2982897">
+                  <a:extLst>
+                    <a:ext uri="{9D8B030D-6E8A-4147-A177-3AD203B41FA5}">
+                      <a16:colId xmlns:a16="http://schemas.microsoft.com/office/drawing/2014/main" val="2431431013"/>
+                    </a:ext>
+                  </a:extLst>
+                </a:gridCol>
+                <a:gridCol w="2859008">
+                  <a:extLst>
+                    <a:ext uri="{9D8B030D-6E8A-4147-A177-3AD203B41FA5}">
+                      <a16:colId xmlns:a16="http://schemas.microsoft.com/office/drawing/2014/main" val="2147857952"/>
+                    </a:ext>
+                  </a:extLst>
+                </a:gridCol>
+              </a:tblGrid>
+              <a:tr h="465790">
+                <a:tc gridSpan="2">
+                  <a:txBody>
+                    <a:bodyPr/>
+                    <a:lstStyle/>
+                    <a:p>
+                      <a:pPr algn="ctr"/>
+                      <a:r>
+                        <a:rPr lang="it-IT" dirty="0"/>
+                        <a:t>Simulator </a:t>
+                      </a:r>
+                      <a:r>
+                        <a:rPr lang="it-IT" dirty="0" err="1"/>
+                        <a:t>configuration</a:t>
+                      </a:r>
+                      <a:endParaRPr lang="it-IT" dirty="0"/>
+                    </a:p>
+                  </a:txBody>
+                  <a:tcPr/>
+                </a:tc>
+                <a:tc hMerge="1">
+                  <a:txBody>
+                    <a:bodyPr/>
+                    <a:lstStyle/>
+                    <a:p>
+                      <a:endParaRPr lang="it-IT" dirty="0"/>
+                    </a:p>
+                  </a:txBody>
+                  <a:tcPr/>
+                </a:tc>
+                <a:extLst>
+                  <a:ext uri="{0D108BD9-81ED-4DB2-BD59-A6C34878D82A}">
+                    <a16:rowId xmlns:a16="http://schemas.microsoft.com/office/drawing/2014/main" val="4073864477"/>
+                  </a:ext>
+                </a:extLst>
+              </a:tr>
+              <a:tr h="465790">
+                <a:tc>
+                  <a:txBody>
+                    <a:bodyPr/>
+                    <a:lstStyle/>
+                    <a:p>
+                      <a:r>
+                        <a:rPr lang="it-IT" sz="1800" dirty="0" err="1"/>
+                        <a:t>Packet</a:t>
+                      </a:r>
+                      <a:r>
+                        <a:rPr lang="it-IT" sz="1800" dirty="0"/>
+                        <a:t> payload size </a:t>
+                      </a:r>
+                    </a:p>
+                  </a:txBody>
+                  <a:tcPr/>
+                </a:tc>
+                <a:tc>
+                  <a:txBody>
+                    <a:bodyPr/>
+                    <a:lstStyle/>
+                    <a:p>
+                      <a:pPr algn="ctr"/>
+                      <a:r>
+                        <a:rPr lang="it-IT" sz="1800" dirty="0"/>
+                        <a:t>100 byte</a:t>
+                      </a:r>
+                    </a:p>
+                  </a:txBody>
+                  <a:tcPr/>
+                </a:tc>
+                <a:extLst>
+                  <a:ext uri="{0D108BD9-81ED-4DB2-BD59-A6C34878D82A}">
+                    <a16:rowId xmlns:a16="http://schemas.microsoft.com/office/drawing/2014/main" val="3671550637"/>
+                  </a:ext>
+                </a:extLst>
+              </a:tr>
+              <a:tr h="465790">
+                <a:tc>
+                  <a:txBody>
+                    <a:bodyPr/>
+                    <a:lstStyle/>
+                    <a:p>
+                      <a:r>
+                        <a:rPr lang="it-IT" sz="1800" dirty="0"/>
+                        <a:t>Frequency [GHz]</a:t>
+                      </a:r>
+                    </a:p>
+                  </a:txBody>
+                  <a:tcPr/>
+                </a:tc>
+                <a:tc>
+                  <a:txBody>
+                    <a:bodyPr/>
+                    <a:lstStyle/>
+                    <a:p>
+                      <a:pPr algn="ctr"/>
+                      <a:r>
+                        <a:rPr lang="it-IT" sz="1800" b="0" i="0" u="none" strike="noStrike" kern="1200" baseline="0" dirty="0">
+                          <a:solidFill>
+                            <a:schemeClr val="dk1"/>
+                          </a:solidFill>
+                          <a:latin typeface="+mn-lt"/>
+                          <a:ea typeface="+mn-ea"/>
+                          <a:cs typeface="+mn-cs"/>
+                        </a:rPr>
+                        <a:t>2.4</a:t>
+                      </a:r>
+                      <a:endParaRPr lang="it-IT" sz="1800" dirty="0"/>
+                    </a:p>
+                  </a:txBody>
+                  <a:tcPr/>
+                </a:tc>
+                <a:extLst>
+                  <a:ext uri="{0D108BD9-81ED-4DB2-BD59-A6C34878D82A}">
+                    <a16:rowId xmlns:a16="http://schemas.microsoft.com/office/drawing/2014/main" val="3479011623"/>
+                  </a:ext>
+                </a:extLst>
+              </a:tr>
+              <a:tr h="465790">
+                <a:tc>
+                  <a:txBody>
+                    <a:bodyPr/>
+                    <a:lstStyle/>
+                    <a:p>
+                      <a:r>
+                        <a:rPr lang="it-IT" sz="1800" dirty="0"/>
+                        <a:t>Channel </a:t>
+                      </a:r>
+                      <a:r>
+                        <a:rPr lang="it-IT" sz="1800" dirty="0" err="1"/>
+                        <a:t>bandwidth</a:t>
+                      </a:r>
+                      <a:r>
+                        <a:rPr lang="it-IT" sz="1800" dirty="0"/>
+                        <a:t> [MHz]</a:t>
+                      </a:r>
+                    </a:p>
+                  </a:txBody>
+                  <a:tcPr/>
+                </a:tc>
+                <a:tc>
+                  <a:txBody>
+                    <a:bodyPr/>
+                    <a:lstStyle/>
+                    <a:p>
+                      <a:pPr algn="ctr"/>
+                      <a:r>
+                        <a:rPr lang="it-IT" sz="1800" b="0" i="0" u="none" strike="noStrike" kern="1200" baseline="0" dirty="0">
+                          <a:solidFill>
+                            <a:schemeClr val="dk1"/>
+                          </a:solidFill>
+                          <a:latin typeface="+mn-lt"/>
+                          <a:ea typeface="+mn-ea"/>
+                          <a:cs typeface="+mn-cs"/>
+                        </a:rPr>
+                        <a:t>22</a:t>
+                      </a:r>
+                      <a:endParaRPr lang="it-IT" sz="1800" dirty="0"/>
+                    </a:p>
+                  </a:txBody>
+                  <a:tcPr/>
+                </a:tc>
+                <a:extLst>
+                  <a:ext uri="{0D108BD9-81ED-4DB2-BD59-A6C34878D82A}">
+                    <a16:rowId xmlns:a16="http://schemas.microsoft.com/office/drawing/2014/main" val="2940363005"/>
+                  </a:ext>
+                </a:extLst>
+              </a:tr>
+              <a:tr h="465790">
+                <a:tc>
+                  <a:txBody>
+                    <a:bodyPr/>
+                    <a:lstStyle/>
+                    <a:p>
+                      <a:r>
+                        <a:rPr lang="it-IT" sz="1800" dirty="0"/>
+                        <a:t>Transmission speed [Mbps]</a:t>
+                      </a:r>
+                    </a:p>
+                  </a:txBody>
+                  <a:tcPr/>
+                </a:tc>
+                <a:tc>
+                  <a:txBody>
+                    <a:bodyPr/>
+                    <a:lstStyle/>
+                    <a:p>
+                      <a:pPr algn="ctr"/>
+                      <a:r>
+                        <a:rPr lang="it-IT" sz="1800" b="0" i="0" u="none" strike="noStrike" kern="1200" baseline="0" dirty="0">
+                          <a:solidFill>
+                            <a:schemeClr val="dk1"/>
+                          </a:solidFill>
+                          <a:latin typeface="+mn-lt"/>
+                          <a:ea typeface="+mn-ea"/>
+                          <a:cs typeface="+mn-cs"/>
+                        </a:rPr>
+                        <a:t>11</a:t>
+                      </a:r>
+                      <a:endParaRPr lang="it-IT" sz="1800" dirty="0"/>
+                    </a:p>
+                  </a:txBody>
+                  <a:tcPr/>
+                </a:tc>
+                <a:extLst>
+                  <a:ext uri="{0D108BD9-81ED-4DB2-BD59-A6C34878D82A}">
+                    <a16:rowId xmlns:a16="http://schemas.microsoft.com/office/drawing/2014/main" val="518483290"/>
+                  </a:ext>
+                </a:extLst>
+              </a:tr>
+              <a:tr h="424163">
+                <a:tc>
+                  <a:txBody>
+                    <a:bodyPr/>
+                    <a:lstStyle/>
+                    <a:p>
+                      <a:r>
+                        <a:rPr lang="it-IT" sz="1800" b="0" i="0" u="none" strike="noStrike" kern="1200" baseline="0" dirty="0">
+                          <a:solidFill>
+                            <a:schemeClr val="dk1"/>
+                          </a:solidFill>
+                          <a:latin typeface="+mn-lt"/>
+                          <a:ea typeface="+mn-ea"/>
+                          <a:cs typeface="+mn-cs"/>
+                        </a:rPr>
+                        <a:t>Transmission powers </a:t>
+                      </a:r>
+                      <a:r>
+                        <a:rPr lang="it-IT" sz="1800" dirty="0"/>
+                        <a:t>[</a:t>
+                      </a:r>
+                      <a:r>
+                        <a:rPr lang="it-IT" sz="1800" dirty="0" err="1"/>
+                        <a:t>dBm</a:t>
+                      </a:r>
+                      <a:r>
+                        <a:rPr lang="it-IT" sz="1800" dirty="0"/>
+                        <a:t>]</a:t>
+                      </a:r>
+                    </a:p>
+                  </a:txBody>
+                  <a:tcPr/>
+                </a:tc>
+                <a:tc>
+                  <a:txBody>
+                    <a:bodyPr/>
+                    <a:lstStyle/>
+                    <a:p>
+                      <a:pPr algn="ctr"/>
+                      <a:r>
+                        <a:rPr lang="it-IT" sz="1800" b="0" i="0" u="none" strike="noStrike" kern="1200" baseline="0" dirty="0">
+                          <a:solidFill>
+                            <a:schemeClr val="dk1"/>
+                          </a:solidFill>
+                          <a:latin typeface="+mn-lt"/>
+                          <a:ea typeface="+mn-ea"/>
+                          <a:cs typeface="+mn-cs"/>
+                        </a:rPr>
+                        <a:t>-7.0, 4.6, 13.4</a:t>
+                      </a:r>
+                      <a:endParaRPr lang="it-IT" sz="1800" dirty="0"/>
+                    </a:p>
+                  </a:txBody>
+                  <a:tcPr/>
+                </a:tc>
+                <a:extLst>
+                  <a:ext uri="{0D108BD9-81ED-4DB2-BD59-A6C34878D82A}">
+                    <a16:rowId xmlns:a16="http://schemas.microsoft.com/office/drawing/2014/main" val="2443031818"/>
+                  </a:ext>
+                </a:extLst>
+              </a:tr>
+              <a:tr h="424163">
+                <a:tc>
+                  <a:txBody>
+                    <a:bodyPr/>
+                    <a:lstStyle/>
+                    <a:p>
+                      <a:r>
+                        <a:rPr lang="it-IT" sz="1800" dirty="0"/>
+                        <a:t>Transmission ranges [m]</a:t>
+                      </a:r>
+                    </a:p>
+                  </a:txBody>
+                  <a:tcPr/>
+                </a:tc>
+                <a:tc>
+                  <a:txBody>
+                    <a:bodyPr/>
+                    <a:lstStyle/>
+                    <a:p>
+                      <a:pPr algn="ctr"/>
+                      <a:r>
+                        <a:rPr lang="it-IT" sz="1800" dirty="0"/>
+                        <a:t>100, 300, 500</a:t>
+                      </a:r>
+                    </a:p>
+                  </a:txBody>
+                  <a:tcPr/>
+                </a:tc>
+                <a:extLst>
+                  <a:ext uri="{0D108BD9-81ED-4DB2-BD59-A6C34878D82A}">
+                    <a16:rowId xmlns:a16="http://schemas.microsoft.com/office/drawing/2014/main" val="2962713516"/>
+                  </a:ext>
+                </a:extLst>
+              </a:tr>
+              <a:tr h="424163">
+                <a:tc>
+                  <a:txBody>
+                    <a:bodyPr/>
+                    <a:lstStyle/>
+                    <a:p>
+                      <a:r>
+                        <a:rPr lang="it-IT" sz="1800" dirty="0" err="1"/>
+                        <a:t>Modulation</a:t>
+                      </a:r>
+                      <a:endParaRPr lang="it-IT" sz="1800" dirty="0"/>
+                    </a:p>
+                  </a:txBody>
+                  <a:tcPr/>
+                </a:tc>
+                <a:tc>
+                  <a:txBody>
+                    <a:bodyPr/>
+                    <a:lstStyle/>
+                    <a:p>
+                      <a:pPr algn="ctr"/>
+                      <a:r>
+                        <a:rPr lang="it-IT" sz="1800" dirty="0"/>
+                        <a:t>DSSS</a:t>
+                      </a:r>
+                    </a:p>
+                  </a:txBody>
+                  <a:tcPr/>
+                </a:tc>
+                <a:extLst>
+                  <a:ext uri="{0D108BD9-81ED-4DB2-BD59-A6C34878D82A}">
+                    <a16:rowId xmlns:a16="http://schemas.microsoft.com/office/drawing/2014/main" val="1800392706"/>
+                  </a:ext>
+                </a:extLst>
+              </a:tr>
+              <a:tr h="424163">
+                <a:tc>
+                  <a:txBody>
+                    <a:bodyPr/>
+                    <a:lstStyle/>
+                    <a:p>
+                      <a:r>
+                        <a:rPr lang="it-IT" sz="1800" dirty="0" err="1"/>
+                        <a:t>Propagation</a:t>
+                      </a:r>
+                      <a:r>
+                        <a:rPr lang="it-IT" sz="1800" dirty="0"/>
+                        <a:t> </a:t>
+                      </a:r>
+                      <a:r>
+                        <a:rPr lang="it-IT" sz="1800" dirty="0" err="1"/>
+                        <a:t>loss</a:t>
+                      </a:r>
+                      <a:r>
+                        <a:rPr lang="it-IT" sz="1800" dirty="0"/>
+                        <a:t> model</a:t>
+                      </a:r>
+                    </a:p>
+                  </a:txBody>
+                  <a:tcPr/>
+                </a:tc>
+                <a:tc>
+                  <a:txBody>
+                    <a:bodyPr/>
+                    <a:lstStyle/>
+                    <a:p>
+                      <a:pPr algn="ctr"/>
+                      <a:r>
+                        <a:rPr lang="it-IT" sz="1800" b="0" i="0" u="none" strike="noStrike" kern="1200" baseline="0" dirty="0">
+                          <a:solidFill>
+                            <a:schemeClr val="dk1"/>
+                          </a:solidFill>
+                          <a:latin typeface="+mn-lt"/>
+                          <a:ea typeface="+mn-ea"/>
+                          <a:cs typeface="+mn-cs"/>
+                        </a:rPr>
+                        <a:t>ns3::</a:t>
+                      </a:r>
+                      <a:r>
+                        <a:rPr lang="it-IT" sz="1800" b="0" i="0" u="none" strike="noStrike" kern="1200" baseline="0" dirty="0" err="1">
+                          <a:solidFill>
+                            <a:schemeClr val="dk1"/>
+                          </a:solidFill>
+                          <a:latin typeface="+mn-lt"/>
+                          <a:ea typeface="+mn-ea"/>
+                          <a:cs typeface="+mn-cs"/>
+                        </a:rPr>
+                        <a:t>TwoRayGround</a:t>
+                      </a:r>
+                      <a:endParaRPr lang="it-IT" sz="1800" dirty="0"/>
+                    </a:p>
+                  </a:txBody>
+                  <a:tcPr/>
+                </a:tc>
+                <a:extLst>
+                  <a:ext uri="{0D108BD9-81ED-4DB2-BD59-A6C34878D82A}">
+                    <a16:rowId xmlns:a16="http://schemas.microsoft.com/office/drawing/2014/main" val="2715072907"/>
+                  </a:ext>
+                </a:extLst>
+              </a:tr>
+              <a:tr h="424163">
+                <a:tc>
+                  <a:txBody>
+                    <a:bodyPr/>
+                    <a:lstStyle/>
+                    <a:p>
+                      <a:r>
+                        <a:rPr lang="it-IT" sz="1800" dirty="0" err="1"/>
+                        <a:t>Propagation</a:t>
+                      </a:r>
+                      <a:r>
+                        <a:rPr lang="it-IT" sz="1800" dirty="0"/>
+                        <a:t> delay model</a:t>
+                      </a:r>
+                    </a:p>
+                  </a:txBody>
+                  <a:tcPr/>
+                </a:tc>
+                <a:tc>
+                  <a:txBody>
+                    <a:bodyPr/>
+                    <a:lstStyle/>
+                    <a:p>
+                      <a:pPr algn="ctr"/>
+                      <a:r>
+                        <a:rPr lang="it-IT" sz="1800" dirty="0"/>
+                        <a:t>ns3::</a:t>
+                      </a:r>
+                      <a:r>
+                        <a:rPr lang="it-IT" sz="1800" dirty="0" err="1"/>
+                        <a:t>ConstantSpeed</a:t>
+                      </a:r>
+                      <a:endParaRPr lang="it-IT" sz="1800" dirty="0"/>
+                    </a:p>
+                  </a:txBody>
+                  <a:tcPr/>
+                </a:tc>
+                <a:extLst>
+                  <a:ext uri="{0D108BD9-81ED-4DB2-BD59-A6C34878D82A}">
+                    <a16:rowId xmlns:a16="http://schemas.microsoft.com/office/drawing/2014/main" val="2909756033"/>
+                  </a:ext>
+                </a:extLst>
+              </a:tr>
+            </a:tbl>
+          </a:graphicData>
+        </a:graphic>
+      </p:graphicFrame>
+    </p:spTree>
+    <p:extLst>
+      <p:ext uri="{BB962C8B-B14F-4D97-AF65-F5344CB8AC3E}">
+        <p14:creationId xmlns:p14="http://schemas.microsoft.com/office/powerpoint/2010/main" val="113744749"/>
+      </p:ext>
+    </p:extLst>
+  </p:cSld>
+  <p:clrMapOvr>
+    <a:masterClrMapping/>
+  </p:clrMapOvr>
+</p:sld>
+</file>
+
+<file path=ppt/slides/slide16.xml><?xml version="1.0" encoding="utf-8"?>
+<p:sld xmlns:a="http://schemas.openxmlformats.org/drawingml/2006/main" xmlns:r="http://schemas.openxmlformats.org/officeDocument/2006/relationships" xmlns:p="http://schemas.openxmlformats.org/presentationml/2006/main">
+  <p:cSld>
+    <p:spTree>
+      <p:nvGrpSpPr>
+        <p:cNvPr id="1" name=""/>
+        <p:cNvGrpSpPr/>
+        <p:nvPr/>
+      </p:nvGrpSpPr>
+      <p:grpSpPr>
+        <a:xfrm>
+          <a:off x="0" y="0"/>
+          <a:ext cx="0" cy="0"/>
+          <a:chOff x="0" y="0"/>
+          <a:chExt cx="0" cy="0"/>
+        </a:xfrm>
+      </p:grpSpPr>
+      <p:sp>
+        <p:nvSpPr>
+          <p:cNvPr id="2" name="Titolo 1">
+            <a:extLst>
+              <a:ext uri="{FF2B5EF4-FFF2-40B4-BE49-F238E27FC236}">
+                <a16:creationId xmlns:a16="http://schemas.microsoft.com/office/drawing/2014/main" id="{423E46DE-2AE3-44BE-963C-544CB7884F11}"/>
+              </a:ext>
+            </a:extLst>
+          </p:cNvPr>
+          <p:cNvSpPr>
+            <a:spLocks noGrp="1"/>
+          </p:cNvSpPr>
+          <p:nvPr>
+            <p:ph type="title" idx="4294967295"/>
+          </p:nvPr>
+        </p:nvSpPr>
+        <p:spPr>
+          <a:xfrm>
+            <a:off x="0" y="-99010"/>
+            <a:ext cx="12192000" cy="1325563"/>
+          </a:xfrm>
+        </p:spPr>
+        <p:txBody>
+          <a:bodyPr>
+            <a:normAutofit/>
+          </a:bodyPr>
+          <a:lstStyle/>
+          <a:p>
+            <a:pPr algn="ctr"/>
+            <a:r>
+              <a:rPr lang="it-IT" dirty="0"/>
+              <a:t>FORWARDING NODE NUMBER</a:t>
+            </a:r>
+          </a:p>
+        </p:txBody>
+      </p:sp>
+      <p:sp>
+        <p:nvSpPr>
+          <p:cNvPr id="10" name="Rettangolo 9">
+            <a:extLst>
+              <a:ext uri="{FF2B5EF4-FFF2-40B4-BE49-F238E27FC236}">
+                <a16:creationId xmlns:a16="http://schemas.microsoft.com/office/drawing/2014/main" id="{B9D3550C-14F0-41BE-96F1-9396C790BC52}"/>
+              </a:ext>
+            </a:extLst>
+          </p:cNvPr>
+          <p:cNvSpPr/>
+          <p:nvPr/>
+        </p:nvSpPr>
+        <p:spPr>
+          <a:xfrm>
+            <a:off x="11496585" y="6453637"/>
+            <a:ext cx="356377" cy="276999"/>
+          </a:xfrm>
+          <a:prstGeom prst="rect">
+            <a:avLst/>
+          </a:prstGeom>
+        </p:spPr>
+        <p:txBody>
+          <a:bodyPr wrap="square">
+            <a:spAutoFit/>
+          </a:bodyPr>
+          <a:lstStyle/>
+          <a:p>
+            <a:pPr algn="r"/>
+            <a:r>
+              <a:rPr lang="it-IT" sz="1200" dirty="0">
+                <a:latin typeface="Roboto" panose="02000000000000000000" pitchFamily="2" charset="0"/>
+                <a:ea typeface="Roboto" panose="02000000000000000000" pitchFamily="2" charset="0"/>
+                <a:cs typeface="Roboto" panose="02000000000000000000" pitchFamily="2" charset="0"/>
+              </a:rPr>
+              <a:t>5</a:t>
+            </a:r>
+            <a:endParaRPr lang="it-IT" sz="1200" dirty="0">
+              <a:solidFill>
+                <a:srgbClr val="C00000"/>
+              </a:solidFill>
+              <a:latin typeface="Roboto" panose="02000000000000000000" pitchFamily="2" charset="0"/>
+              <a:ea typeface="Roboto" panose="02000000000000000000" pitchFamily="2" charset="0"/>
+              <a:cs typeface="Roboto" panose="02000000000000000000" pitchFamily="2" charset="0"/>
+            </a:endParaRPr>
+          </a:p>
+        </p:txBody>
+      </p:sp>
+      <p:pic>
+        <p:nvPicPr>
+          <p:cNvPr id="5" name="Immagine 4">
+            <a:extLst>
+              <a:ext uri="{FF2B5EF4-FFF2-40B4-BE49-F238E27FC236}">
+                <a16:creationId xmlns:a16="http://schemas.microsoft.com/office/drawing/2014/main" id="{EA730388-4E3A-43D2-9F6B-4E548010A384}"/>
+              </a:ext>
+            </a:extLst>
+          </p:cNvPr>
+          <p:cNvPicPr>
+            <a:picLocks noChangeAspect="1"/>
+          </p:cNvPicPr>
+          <p:nvPr/>
+        </p:nvPicPr>
+        <p:blipFill>
+          <a:blip r:embed="rId2"/>
+          <a:stretch>
+            <a:fillRect/>
+          </a:stretch>
+        </p:blipFill>
+        <p:spPr>
+          <a:xfrm>
+            <a:off x="275207" y="915834"/>
+            <a:ext cx="7336768" cy="3299375"/>
+          </a:xfrm>
+          <a:prstGeom prst="rect">
+            <a:avLst/>
+          </a:prstGeom>
+        </p:spPr>
+      </p:pic>
+    </p:spTree>
+    <p:extLst>
+      <p:ext uri="{BB962C8B-B14F-4D97-AF65-F5344CB8AC3E}">
+        <p14:creationId xmlns:p14="http://schemas.microsoft.com/office/powerpoint/2010/main" val="1467697150"/>
+      </p:ext>
+    </p:extLst>
+  </p:cSld>
+  <p:clrMapOvr>
+    <a:masterClrMapping/>
+  </p:clrMapOvr>
+</p:sld>
+</file>
+
+<file path=ppt/slides/slide17.xml><?xml version="1.0" encoding="utf-8"?>
+<p:sld xmlns:a="http://schemas.openxmlformats.org/drawingml/2006/main" xmlns:r="http://schemas.openxmlformats.org/officeDocument/2006/relationships" xmlns:p="http://schemas.openxmlformats.org/presentationml/2006/main">
+  <p:cSld>
+    <p:spTree>
+      <p:nvGrpSpPr>
+        <p:cNvPr id="1" name=""/>
+        <p:cNvGrpSpPr/>
+        <p:nvPr/>
+      </p:nvGrpSpPr>
+      <p:grpSpPr>
+        <a:xfrm>
+          <a:off x="0" y="0"/>
+          <a:ext cx="0" cy="0"/>
+          <a:chOff x="0" y="0"/>
+          <a:chExt cx="0" cy="0"/>
+        </a:xfrm>
+      </p:grpSpPr>
+      <p:sp>
+        <p:nvSpPr>
+          <p:cNvPr id="2" name="Titolo 1">
+            <a:extLst>
+              <a:ext uri="{FF2B5EF4-FFF2-40B4-BE49-F238E27FC236}">
+                <a16:creationId xmlns:a16="http://schemas.microsoft.com/office/drawing/2014/main" id="{423E46DE-2AE3-44BE-963C-544CB7884F11}"/>
+              </a:ext>
+            </a:extLst>
+          </p:cNvPr>
+          <p:cNvSpPr>
+            <a:spLocks noGrp="1"/>
+          </p:cNvSpPr>
+          <p:nvPr>
+            <p:ph type="title" idx="4294967295"/>
+          </p:nvPr>
+        </p:nvSpPr>
+        <p:spPr>
+          <a:xfrm>
+            <a:off x="0" y="-99010"/>
+            <a:ext cx="12192000" cy="1325563"/>
+          </a:xfrm>
+        </p:spPr>
+        <p:txBody>
+          <a:bodyPr>
+            <a:normAutofit/>
+          </a:bodyPr>
+          <a:lstStyle/>
+          <a:p>
+            <a:pPr algn="ctr"/>
+            <a:r>
+              <a:rPr lang="it-IT" dirty="0"/>
+              <a:t>FORWARDING NODE NUMBER</a:t>
+            </a:r>
+          </a:p>
+        </p:txBody>
+      </p:sp>
+      <p:sp>
+        <p:nvSpPr>
+          <p:cNvPr id="10" name="Rettangolo 9">
+            <a:extLst>
+              <a:ext uri="{FF2B5EF4-FFF2-40B4-BE49-F238E27FC236}">
+                <a16:creationId xmlns:a16="http://schemas.microsoft.com/office/drawing/2014/main" id="{B9D3550C-14F0-41BE-96F1-9396C790BC52}"/>
+              </a:ext>
+            </a:extLst>
+          </p:cNvPr>
+          <p:cNvSpPr/>
+          <p:nvPr/>
+        </p:nvSpPr>
+        <p:spPr>
+          <a:xfrm>
+            <a:off x="11496585" y="6453637"/>
+            <a:ext cx="356377" cy="276999"/>
+          </a:xfrm>
+          <a:prstGeom prst="rect">
+            <a:avLst/>
+          </a:prstGeom>
+        </p:spPr>
+        <p:txBody>
+          <a:bodyPr wrap="square">
+            <a:spAutoFit/>
+          </a:bodyPr>
+          <a:lstStyle/>
+          <a:p>
+            <a:pPr algn="r"/>
+            <a:r>
+              <a:rPr lang="it-IT" sz="1200" dirty="0">
+                <a:latin typeface="Roboto" panose="02000000000000000000" pitchFamily="2" charset="0"/>
+                <a:ea typeface="Roboto" panose="02000000000000000000" pitchFamily="2" charset="0"/>
+                <a:cs typeface="Roboto" panose="02000000000000000000" pitchFamily="2" charset="0"/>
+              </a:rPr>
+              <a:t>5</a:t>
+            </a:r>
+            <a:endParaRPr lang="it-IT" sz="1200" dirty="0">
+              <a:solidFill>
+                <a:srgbClr val="C00000"/>
+              </a:solidFill>
+              <a:latin typeface="Roboto" panose="02000000000000000000" pitchFamily="2" charset="0"/>
+              <a:ea typeface="Roboto" panose="02000000000000000000" pitchFamily="2" charset="0"/>
+              <a:cs typeface="Roboto" panose="02000000000000000000" pitchFamily="2" charset="0"/>
+            </a:endParaRPr>
+          </a:p>
+        </p:txBody>
+      </p:sp>
+      <p:graphicFrame>
+        <p:nvGraphicFramePr>
+          <p:cNvPr id="3" name="Oggetto 2">
+            <a:extLst>
+              <a:ext uri="{FF2B5EF4-FFF2-40B4-BE49-F238E27FC236}">
+                <a16:creationId xmlns:a16="http://schemas.microsoft.com/office/drawing/2014/main" id="{CED9178B-763A-40D5-908C-E907FFEDA2FD}"/>
+              </a:ext>
+            </a:extLst>
+          </p:cNvPr>
+          <p:cNvGraphicFramePr>
+            <a:graphicFrameLocks noChangeAspect="1"/>
+          </p:cNvGraphicFramePr>
+          <p:nvPr>
+            <p:extLst>
+              <p:ext uri="{D42A27DB-BD31-4B8C-83A1-F6EECF244321}">
+                <p14:modId xmlns:p14="http://schemas.microsoft.com/office/powerpoint/2010/main" val="3249247203"/>
+              </p:ext>
+            </p:extLst>
+          </p:nvPr>
+        </p:nvGraphicFramePr>
+        <p:xfrm>
+          <a:off x="633661" y="961994"/>
+          <a:ext cx="9875837" cy="3292475"/>
+        </p:xfrm>
+        <a:graphic>
+          <a:graphicData uri="http://schemas.openxmlformats.org/presentationml/2006/ole">
+            <mc:AlternateContent xmlns:mc="http://schemas.openxmlformats.org/markup-compatibility/2006">
+              <mc:Choice xmlns:v="urn:schemas-microsoft-com:vml" Requires="v">
+                <p:oleObj spid="_x0000_s1029" name="Acrobat Document" r:id="rId3" imgW="9875520" imgH="3291840" progId="AcroExch.Document.DC">
+                  <p:embed/>
+                </p:oleObj>
+              </mc:Choice>
+              <mc:Fallback>
+                <p:oleObj name="Acrobat Document" r:id="rId3" imgW="9875520" imgH="3291840" progId="AcroExch.Document.DC">
+                  <p:embed/>
+                  <p:pic>
+                    <p:nvPicPr>
+                      <p:cNvPr id="0" name=""/>
+                      <p:cNvPicPr/>
+                      <p:nvPr/>
+                    </p:nvPicPr>
+                    <p:blipFill>
+                      <a:blip r:embed="rId4"/>
+                      <a:stretch>
+                        <a:fillRect/>
+                      </a:stretch>
+                    </p:blipFill>
+                    <p:spPr>
+                      <a:xfrm>
+                        <a:off x="633661" y="961994"/>
+                        <a:ext cx="9875837" cy="3292475"/>
+                      </a:xfrm>
+                      <a:prstGeom prst="rect">
+                        <a:avLst/>
+                      </a:prstGeom>
+                    </p:spPr>
+                  </p:pic>
+                </p:oleObj>
+              </mc:Fallback>
+            </mc:AlternateContent>
+          </a:graphicData>
+        </a:graphic>
+      </p:graphicFrame>
+    </p:spTree>
+    <p:extLst>
+      <p:ext uri="{BB962C8B-B14F-4D97-AF65-F5344CB8AC3E}">
+        <p14:creationId xmlns:p14="http://schemas.microsoft.com/office/powerpoint/2010/main" val="4017919336"/>
+      </p:ext>
+    </p:extLst>
+  </p:cSld>
+  <p:clrMapOvr>
+    <a:masterClrMapping/>
+  </p:clrMapOvr>
+</p:sld>
+</file>
+
+<file path=ppt/slides/slide18.xml><?xml version="1.0" encoding="utf-8"?>
+<p:sld xmlns:a="http://schemas.openxmlformats.org/drawingml/2006/main" xmlns:r="http://schemas.openxmlformats.org/officeDocument/2006/relationships" xmlns:p="http://schemas.openxmlformats.org/presentationml/2006/main">
+  <p:cSld>
+    <p:spTree>
+      <p:nvGrpSpPr>
+        <p:cNvPr id="1" name=""/>
+        <p:cNvGrpSpPr/>
+        <p:nvPr/>
+      </p:nvGrpSpPr>
+      <p:grpSpPr>
+        <a:xfrm>
+          <a:off x="0" y="0"/>
+          <a:ext cx="0" cy="0"/>
+          <a:chOff x="0" y="0"/>
+          <a:chExt cx="0" cy="0"/>
+        </a:xfrm>
+      </p:grpSpPr>
+      <p:sp>
+        <p:nvSpPr>
+          <p:cNvPr id="2" name="Titolo 1">
+            <a:extLst>
+              <a:ext uri="{FF2B5EF4-FFF2-40B4-BE49-F238E27FC236}">
+                <a16:creationId xmlns:a16="http://schemas.microsoft.com/office/drawing/2014/main" id="{423E46DE-2AE3-44BE-963C-544CB7884F11}"/>
+              </a:ext>
+            </a:extLst>
+          </p:cNvPr>
+          <p:cNvSpPr>
+            <a:spLocks noGrp="1"/>
+          </p:cNvSpPr>
+          <p:nvPr>
+            <p:ph type="title" idx="4294967295"/>
+          </p:nvPr>
+        </p:nvSpPr>
+        <p:spPr>
+          <a:xfrm>
+            <a:off x="0" y="-99010"/>
+            <a:ext cx="12192000" cy="1325563"/>
+          </a:xfrm>
+        </p:spPr>
+        <p:txBody>
+          <a:bodyPr>
+            <a:normAutofit/>
+          </a:bodyPr>
+          <a:lstStyle/>
+          <a:p>
+            <a:pPr algn="ctr"/>
+            <a:r>
+              <a:rPr lang="it-IT" dirty="0"/>
+              <a:t>FORWARDING NODE NUMBER</a:t>
+            </a:r>
+          </a:p>
+        </p:txBody>
+      </p:sp>
+      <p:sp>
+        <p:nvSpPr>
+          <p:cNvPr id="10" name="Rettangolo 9">
+            <a:extLst>
+              <a:ext uri="{FF2B5EF4-FFF2-40B4-BE49-F238E27FC236}">
+                <a16:creationId xmlns:a16="http://schemas.microsoft.com/office/drawing/2014/main" id="{B9D3550C-14F0-41BE-96F1-9396C790BC52}"/>
+              </a:ext>
+            </a:extLst>
+          </p:cNvPr>
+          <p:cNvSpPr/>
+          <p:nvPr/>
+        </p:nvSpPr>
+        <p:spPr>
+          <a:xfrm>
+            <a:off x="11496585" y="6453637"/>
+            <a:ext cx="356377" cy="276999"/>
+          </a:xfrm>
+          <a:prstGeom prst="rect">
+            <a:avLst/>
+          </a:prstGeom>
+        </p:spPr>
+        <p:txBody>
+          <a:bodyPr wrap="square">
+            <a:spAutoFit/>
+          </a:bodyPr>
+          <a:lstStyle/>
+          <a:p>
+            <a:pPr algn="r"/>
+            <a:r>
+              <a:rPr lang="it-IT" sz="1200" dirty="0">
+                <a:latin typeface="Roboto" panose="02000000000000000000" pitchFamily="2" charset="0"/>
+                <a:ea typeface="Roboto" panose="02000000000000000000" pitchFamily="2" charset="0"/>
+                <a:cs typeface="Roboto" panose="02000000000000000000" pitchFamily="2" charset="0"/>
+              </a:rPr>
+              <a:t>5</a:t>
+            </a:r>
+            <a:endParaRPr lang="it-IT" sz="1200" dirty="0">
+              <a:solidFill>
+                <a:srgbClr val="C00000"/>
+              </a:solidFill>
+              <a:latin typeface="Roboto" panose="02000000000000000000" pitchFamily="2" charset="0"/>
+              <a:ea typeface="Roboto" panose="02000000000000000000" pitchFamily="2" charset="0"/>
+              <a:cs typeface="Roboto" panose="02000000000000000000" pitchFamily="2" charset="0"/>
+            </a:endParaRPr>
+          </a:p>
+        </p:txBody>
+      </p:sp>
+      <p:graphicFrame>
+        <p:nvGraphicFramePr>
+          <p:cNvPr id="3" name="Oggetto 2">
+            <a:extLst>
+              <a:ext uri="{FF2B5EF4-FFF2-40B4-BE49-F238E27FC236}">
+                <a16:creationId xmlns:a16="http://schemas.microsoft.com/office/drawing/2014/main" id="{9997AED0-721B-4D69-AB34-AC2FF78BAA62}"/>
+              </a:ext>
+            </a:extLst>
+          </p:cNvPr>
+          <p:cNvGraphicFramePr>
+            <a:graphicFrameLocks noChangeAspect="1"/>
+          </p:cNvGraphicFramePr>
+          <p:nvPr>
+            <p:extLst>
+              <p:ext uri="{D42A27DB-BD31-4B8C-83A1-F6EECF244321}">
+                <p14:modId xmlns:p14="http://schemas.microsoft.com/office/powerpoint/2010/main" val="3734238952"/>
+              </p:ext>
+            </p:extLst>
+          </p:nvPr>
+        </p:nvGraphicFramePr>
+        <p:xfrm>
+          <a:off x="767333" y="900236"/>
+          <a:ext cx="9875838" cy="4389437"/>
+        </p:xfrm>
+        <a:graphic>
+          <a:graphicData uri="http://schemas.openxmlformats.org/presentationml/2006/ole">
+            <mc:AlternateContent xmlns:mc="http://schemas.openxmlformats.org/markup-compatibility/2006">
+              <mc:Choice xmlns:v="urn:schemas-microsoft-com:vml" Requires="v">
+                <p:oleObj spid="_x0000_s2053" name="Acrobat Document" r:id="rId3" imgW="9875520" imgH="4388837" progId="AcroExch.Document.DC">
+                  <p:embed/>
+                </p:oleObj>
+              </mc:Choice>
+              <mc:Fallback>
+                <p:oleObj name="Acrobat Document" r:id="rId3" imgW="9875520" imgH="4388837" progId="AcroExch.Document.DC">
+                  <p:embed/>
+                  <p:pic>
+                    <p:nvPicPr>
+                      <p:cNvPr id="0" name=""/>
+                      <p:cNvPicPr/>
+                      <p:nvPr/>
+                    </p:nvPicPr>
+                    <p:blipFill>
+                      <a:blip r:embed="rId4"/>
+                      <a:stretch>
+                        <a:fillRect/>
+                      </a:stretch>
+                    </p:blipFill>
+                    <p:spPr>
+                      <a:xfrm>
+                        <a:off x="767333" y="900236"/>
+                        <a:ext cx="9875838" cy="4389437"/>
+                      </a:xfrm>
+                      <a:prstGeom prst="rect">
+                        <a:avLst/>
+                      </a:prstGeom>
+                    </p:spPr>
+                  </p:pic>
+                </p:oleObj>
+              </mc:Fallback>
+            </mc:AlternateContent>
+          </a:graphicData>
+        </a:graphic>
+      </p:graphicFrame>
+    </p:spTree>
+    <p:extLst>
+      <p:ext uri="{BB962C8B-B14F-4D97-AF65-F5344CB8AC3E}">
+        <p14:creationId xmlns:p14="http://schemas.microsoft.com/office/powerpoint/2010/main" val="588569104"/>
+      </p:ext>
+    </p:extLst>
+  </p:cSld>
+  <p:clrMapOvr>
+    <a:masterClrMapping/>
+  </p:clrMapOvr>
+</p:sld>
+</file>
+
+<file path=ppt/slides/slide19.xml><?xml version="1.0" encoding="utf-8"?>
+<p:sld xmlns:a="http://schemas.openxmlformats.org/drawingml/2006/main" xmlns:r="http://schemas.openxmlformats.org/officeDocument/2006/relationships" xmlns:p="http://schemas.openxmlformats.org/presentationml/2006/main">
+  <p:cSld>
+    <p:spTree>
+      <p:nvGrpSpPr>
+        <p:cNvPr id="1" name=""/>
+        <p:cNvGrpSpPr/>
+        <p:nvPr/>
+      </p:nvGrpSpPr>
+      <p:grpSpPr>
+        <a:xfrm>
+          <a:off x="0" y="0"/>
+          <a:ext cx="0" cy="0"/>
+          <a:chOff x="0" y="0"/>
+          <a:chExt cx="0" cy="0"/>
+        </a:xfrm>
+      </p:grpSpPr>
+      <p:sp>
+        <p:nvSpPr>
+          <p:cNvPr id="2" name="Titolo 1">
+            <a:extLst>
+              <a:ext uri="{FF2B5EF4-FFF2-40B4-BE49-F238E27FC236}">
+                <a16:creationId xmlns:a16="http://schemas.microsoft.com/office/drawing/2014/main" id="{423E46DE-2AE3-44BE-963C-544CB7884F11}"/>
+              </a:ext>
+            </a:extLst>
+          </p:cNvPr>
+          <p:cNvSpPr>
+            <a:spLocks noGrp="1"/>
+          </p:cNvSpPr>
+          <p:nvPr>
+            <p:ph type="title" idx="4294967295"/>
+          </p:nvPr>
+        </p:nvSpPr>
+        <p:spPr>
+          <a:xfrm>
+            <a:off x="0" y="-99010"/>
+            <a:ext cx="12192000" cy="1325563"/>
+          </a:xfrm>
+        </p:spPr>
+        <p:txBody>
+          <a:bodyPr>
+            <a:normAutofit/>
+          </a:bodyPr>
+          <a:lstStyle/>
+          <a:p>
+            <a:pPr algn="ctr"/>
+            <a:r>
+              <a:rPr lang="it-IT" dirty="0"/>
+              <a:t>FORWARDING NODE NUMBER</a:t>
+            </a:r>
+          </a:p>
+        </p:txBody>
+      </p:sp>
+      <p:sp>
+        <p:nvSpPr>
+          <p:cNvPr id="10" name="Rettangolo 9">
+            <a:extLst>
+              <a:ext uri="{FF2B5EF4-FFF2-40B4-BE49-F238E27FC236}">
+                <a16:creationId xmlns:a16="http://schemas.microsoft.com/office/drawing/2014/main" id="{B9D3550C-14F0-41BE-96F1-9396C790BC52}"/>
+              </a:ext>
+            </a:extLst>
+          </p:cNvPr>
+          <p:cNvSpPr/>
+          <p:nvPr/>
+        </p:nvSpPr>
+        <p:spPr>
+          <a:xfrm>
+            <a:off x="11496585" y="6453637"/>
+            <a:ext cx="356377" cy="276999"/>
+          </a:xfrm>
+          <a:prstGeom prst="rect">
+            <a:avLst/>
+          </a:prstGeom>
+        </p:spPr>
+        <p:txBody>
+          <a:bodyPr wrap="square">
+            <a:spAutoFit/>
+          </a:bodyPr>
+          <a:lstStyle/>
+          <a:p>
+            <a:pPr algn="r"/>
+            <a:r>
+              <a:rPr lang="it-IT" sz="1200" dirty="0">
+                <a:latin typeface="Roboto" panose="02000000000000000000" pitchFamily="2" charset="0"/>
+                <a:ea typeface="Roboto" panose="02000000000000000000" pitchFamily="2" charset="0"/>
+                <a:cs typeface="Roboto" panose="02000000000000000000" pitchFamily="2" charset="0"/>
+              </a:rPr>
+              <a:t>5</a:t>
+            </a:r>
+            <a:endParaRPr lang="it-IT" sz="1200" dirty="0">
+              <a:solidFill>
+                <a:srgbClr val="C00000"/>
+              </a:solidFill>
+              <a:latin typeface="Roboto" panose="02000000000000000000" pitchFamily="2" charset="0"/>
+              <a:ea typeface="Roboto" panose="02000000000000000000" pitchFamily="2" charset="0"/>
+              <a:cs typeface="Roboto" panose="02000000000000000000" pitchFamily="2" charset="0"/>
+            </a:endParaRPr>
+          </a:p>
+        </p:txBody>
+      </p:sp>
+      <p:graphicFrame>
+        <p:nvGraphicFramePr>
+          <p:cNvPr id="3" name="Oggetto 2">
+            <a:extLst>
+              <a:ext uri="{FF2B5EF4-FFF2-40B4-BE49-F238E27FC236}">
+                <a16:creationId xmlns:a16="http://schemas.microsoft.com/office/drawing/2014/main" id="{C72557B5-8B6F-4E3C-8259-05AE3D8AE114}"/>
+              </a:ext>
+            </a:extLst>
+          </p:cNvPr>
+          <p:cNvGraphicFramePr>
+            <a:graphicFrameLocks noChangeAspect="1"/>
+          </p:cNvGraphicFramePr>
+          <p:nvPr>
+            <p:extLst>
+              <p:ext uri="{D42A27DB-BD31-4B8C-83A1-F6EECF244321}">
+                <p14:modId xmlns:p14="http://schemas.microsoft.com/office/powerpoint/2010/main" val="3030735463"/>
+              </p:ext>
+            </p:extLst>
+          </p:nvPr>
+        </p:nvGraphicFramePr>
+        <p:xfrm>
+          <a:off x="252105" y="1060528"/>
+          <a:ext cx="9875837" cy="3292475"/>
+        </p:xfrm>
+        <a:graphic>
+          <a:graphicData uri="http://schemas.openxmlformats.org/presentationml/2006/ole">
+            <mc:AlternateContent xmlns:mc="http://schemas.openxmlformats.org/markup-compatibility/2006">
+              <mc:Choice xmlns:v="urn:schemas-microsoft-com:vml" Requires="v">
+                <p:oleObj spid="_x0000_s3077" name="Acrobat Document" r:id="rId3" imgW="9875520" imgH="3291840" progId="AcroExch.Document.DC">
+                  <p:embed/>
+                </p:oleObj>
+              </mc:Choice>
+              <mc:Fallback>
+                <p:oleObj name="Acrobat Document" r:id="rId3" imgW="9875520" imgH="3291840" progId="AcroExch.Document.DC">
+                  <p:embed/>
+                  <p:pic>
+                    <p:nvPicPr>
+                      <p:cNvPr id="0" name=""/>
+                      <p:cNvPicPr/>
+                      <p:nvPr/>
+                    </p:nvPicPr>
+                    <p:blipFill>
+                      <a:blip r:embed="rId4"/>
+                      <a:stretch>
+                        <a:fillRect/>
+                      </a:stretch>
+                    </p:blipFill>
+                    <p:spPr>
+                      <a:xfrm>
+                        <a:off x="252105" y="1060528"/>
+                        <a:ext cx="9875837" cy="3292475"/>
+                      </a:xfrm>
+                      <a:prstGeom prst="rect">
+                        <a:avLst/>
+                      </a:prstGeom>
+                    </p:spPr>
+                  </p:pic>
+                </p:oleObj>
+              </mc:Fallback>
+            </mc:AlternateContent>
+          </a:graphicData>
+        </a:graphic>
+      </p:graphicFrame>
+    </p:spTree>
+    <p:extLst>
+      <p:ext uri="{BB962C8B-B14F-4D97-AF65-F5344CB8AC3E}">
+        <p14:creationId xmlns:p14="http://schemas.microsoft.com/office/powerpoint/2010/main" val="1639147304"/>
+      </p:ext>
+    </p:extLst>
+  </p:cSld>
+  <p:clrMapOvr>
+    <a:masterClrMapping/>
+  </p:clrMapOvr>
+</p:sld>
+</file>
+
 <file path=ppt/slides/slide2.xml><?xml version="1.0" encoding="utf-8"?>
 <p:sld xmlns:a="http://schemas.openxmlformats.org/drawingml/2006/main" xmlns:r="http://schemas.openxmlformats.org/officeDocument/2006/relationships" xmlns:p="http://schemas.openxmlformats.org/presentationml/2006/main">
   <p:cSld>
@@ -5881,6 +7710,526 @@
     <p:extLst>
       <p:ext uri="{BB962C8B-B14F-4D97-AF65-F5344CB8AC3E}">
         <p14:creationId xmlns:p14="http://schemas.microsoft.com/office/powerpoint/2010/main" val="342162128"/>
+      </p:ext>
+    </p:extLst>
+  </p:cSld>
+  <p:clrMapOvr>
+    <a:masterClrMapping/>
+  </p:clrMapOvr>
+</p:sld>
+</file>
+
+<file path=ppt/slides/slide20.xml><?xml version="1.0" encoding="utf-8"?>
+<p:sld xmlns:a="http://schemas.openxmlformats.org/drawingml/2006/main" xmlns:r="http://schemas.openxmlformats.org/officeDocument/2006/relationships" xmlns:p="http://schemas.openxmlformats.org/presentationml/2006/main">
+  <p:cSld>
+    <p:spTree>
+      <p:nvGrpSpPr>
+        <p:cNvPr id="1" name=""/>
+        <p:cNvGrpSpPr/>
+        <p:nvPr/>
+      </p:nvGrpSpPr>
+      <p:grpSpPr>
+        <a:xfrm>
+          <a:off x="0" y="0"/>
+          <a:ext cx="0" cy="0"/>
+          <a:chOff x="0" y="0"/>
+          <a:chExt cx="0" cy="0"/>
+        </a:xfrm>
+      </p:grpSpPr>
+      <p:sp>
+        <p:nvSpPr>
+          <p:cNvPr id="2" name="Titolo 1">
+            <a:extLst>
+              <a:ext uri="{FF2B5EF4-FFF2-40B4-BE49-F238E27FC236}">
+                <a16:creationId xmlns:a16="http://schemas.microsoft.com/office/drawing/2014/main" id="{423E46DE-2AE3-44BE-963C-544CB7884F11}"/>
+              </a:ext>
+            </a:extLst>
+          </p:cNvPr>
+          <p:cNvSpPr>
+            <a:spLocks noGrp="1"/>
+          </p:cNvSpPr>
+          <p:nvPr>
+            <p:ph type="title" idx="4294967295"/>
+          </p:nvPr>
+        </p:nvSpPr>
+        <p:spPr>
+          <a:xfrm>
+            <a:off x="0" y="-99010"/>
+            <a:ext cx="12192000" cy="1325563"/>
+          </a:xfrm>
+        </p:spPr>
+        <p:txBody>
+          <a:bodyPr>
+            <a:normAutofit/>
+          </a:bodyPr>
+          <a:lstStyle/>
+          <a:p>
+            <a:pPr algn="ctr"/>
+            <a:r>
+              <a:rPr lang="it-IT" dirty="0"/>
+              <a:t>FORWARDING NODE NUMBER</a:t>
+            </a:r>
+          </a:p>
+        </p:txBody>
+      </p:sp>
+      <p:sp>
+        <p:nvSpPr>
+          <p:cNvPr id="10" name="Rettangolo 9">
+            <a:extLst>
+              <a:ext uri="{FF2B5EF4-FFF2-40B4-BE49-F238E27FC236}">
+                <a16:creationId xmlns:a16="http://schemas.microsoft.com/office/drawing/2014/main" id="{B9D3550C-14F0-41BE-96F1-9396C790BC52}"/>
+              </a:ext>
+            </a:extLst>
+          </p:cNvPr>
+          <p:cNvSpPr/>
+          <p:nvPr/>
+        </p:nvSpPr>
+        <p:spPr>
+          <a:xfrm>
+            <a:off x="11496585" y="6453637"/>
+            <a:ext cx="356377" cy="276999"/>
+          </a:xfrm>
+          <a:prstGeom prst="rect">
+            <a:avLst/>
+          </a:prstGeom>
+        </p:spPr>
+        <p:txBody>
+          <a:bodyPr wrap="square">
+            <a:spAutoFit/>
+          </a:bodyPr>
+          <a:lstStyle/>
+          <a:p>
+            <a:pPr algn="r"/>
+            <a:r>
+              <a:rPr lang="it-IT" sz="1200" dirty="0">
+                <a:latin typeface="Roboto" panose="02000000000000000000" pitchFamily="2" charset="0"/>
+                <a:ea typeface="Roboto" panose="02000000000000000000" pitchFamily="2" charset="0"/>
+                <a:cs typeface="Roboto" panose="02000000000000000000" pitchFamily="2" charset="0"/>
+              </a:rPr>
+              <a:t>5</a:t>
+            </a:r>
+            <a:endParaRPr lang="it-IT" sz="1200" dirty="0">
+              <a:solidFill>
+                <a:srgbClr val="C00000"/>
+              </a:solidFill>
+              <a:latin typeface="Roboto" panose="02000000000000000000" pitchFamily="2" charset="0"/>
+              <a:ea typeface="Roboto" panose="02000000000000000000" pitchFamily="2" charset="0"/>
+              <a:cs typeface="Roboto" panose="02000000000000000000" pitchFamily="2" charset="0"/>
+            </a:endParaRPr>
+          </a:p>
+        </p:txBody>
+      </p:sp>
+      <p:graphicFrame>
+        <p:nvGraphicFramePr>
+          <p:cNvPr id="7" name="Oggetto 6">
+            <a:extLst>
+              <a:ext uri="{FF2B5EF4-FFF2-40B4-BE49-F238E27FC236}">
+                <a16:creationId xmlns:a16="http://schemas.microsoft.com/office/drawing/2014/main" id="{47784536-490E-4FD6-BDA7-7681B6256F90}"/>
+              </a:ext>
+            </a:extLst>
+          </p:cNvPr>
+          <p:cNvGraphicFramePr>
+            <a:graphicFrameLocks noChangeAspect="1"/>
+          </p:cNvGraphicFramePr>
+          <p:nvPr>
+            <p:extLst>
+              <p:ext uri="{D42A27DB-BD31-4B8C-83A1-F6EECF244321}">
+                <p14:modId xmlns:p14="http://schemas.microsoft.com/office/powerpoint/2010/main" val="4090099317"/>
+              </p:ext>
+            </p:extLst>
+          </p:nvPr>
+        </p:nvGraphicFramePr>
+        <p:xfrm>
+          <a:off x="5588169" y="1477056"/>
+          <a:ext cx="6603831" cy="2935153"/>
+        </p:xfrm>
+        <a:graphic>
+          <a:graphicData uri="http://schemas.openxmlformats.org/presentationml/2006/ole">
+            <mc:AlternateContent xmlns:mc="http://schemas.openxmlformats.org/markup-compatibility/2006">
+              <mc:Choice xmlns:v="urn:schemas-microsoft-com:vml" Requires="v">
+                <p:oleObj spid="_x0000_s4104" name="Acrobat Document" r:id="rId3" imgW="9875520" imgH="4388837" progId="AcroExch.Document.DC">
+                  <p:embed/>
+                </p:oleObj>
+              </mc:Choice>
+              <mc:Fallback>
+                <p:oleObj name="Acrobat Document" r:id="rId3" imgW="9875520" imgH="4388837" progId="AcroExch.Document.DC">
+                  <p:embed/>
+                  <p:pic>
+                    <p:nvPicPr>
+                      <p:cNvPr id="3" name="Oggetto 2">
+                        <a:extLst>
+                          <a:ext uri="{FF2B5EF4-FFF2-40B4-BE49-F238E27FC236}">
+                            <a16:creationId xmlns:a16="http://schemas.microsoft.com/office/drawing/2014/main" id="{9997AED0-721B-4D69-AB34-AC2FF78BAA62}"/>
+                          </a:ext>
+                        </a:extLst>
+                      </p:cNvPr>
+                      <p:cNvPicPr/>
+                      <p:nvPr/>
+                    </p:nvPicPr>
+                    <p:blipFill>
+                      <a:blip r:embed="rId4"/>
+                      <a:stretch>
+                        <a:fillRect/>
+                      </a:stretch>
+                    </p:blipFill>
+                    <p:spPr>
+                      <a:xfrm>
+                        <a:off x="5588169" y="1477056"/>
+                        <a:ext cx="6603831" cy="2935153"/>
+                      </a:xfrm>
+                      <a:prstGeom prst="rect">
+                        <a:avLst/>
+                      </a:prstGeom>
+                    </p:spPr>
+                  </p:pic>
+                </p:oleObj>
+              </mc:Fallback>
+            </mc:AlternateContent>
+          </a:graphicData>
+        </a:graphic>
+      </p:graphicFrame>
+      <p:pic>
+        <p:nvPicPr>
+          <p:cNvPr id="6" name="Immagine 5">
+            <a:extLst>
+              <a:ext uri="{FF2B5EF4-FFF2-40B4-BE49-F238E27FC236}">
+                <a16:creationId xmlns:a16="http://schemas.microsoft.com/office/drawing/2014/main" id="{ECB7F802-A301-408E-9D77-FB5CC3CD32B6}"/>
+              </a:ext>
+            </a:extLst>
+          </p:cNvPr>
+          <p:cNvPicPr>
+            <a:picLocks noChangeAspect="1"/>
+          </p:cNvPicPr>
+          <p:nvPr/>
+        </p:nvPicPr>
+        <p:blipFill>
+          <a:blip r:embed="rId5"/>
+          <a:stretch>
+            <a:fillRect/>
+          </a:stretch>
+        </p:blipFill>
+        <p:spPr>
+          <a:xfrm>
+            <a:off x="-65104" y="1517773"/>
+            <a:ext cx="6436311" cy="2894436"/>
+          </a:xfrm>
+          <a:prstGeom prst="rect">
+            <a:avLst/>
+          </a:prstGeom>
+        </p:spPr>
+      </p:pic>
+      <p:graphicFrame>
+        <p:nvGraphicFramePr>
+          <p:cNvPr id="8" name="Oggetto 7">
+            <a:extLst>
+              <a:ext uri="{FF2B5EF4-FFF2-40B4-BE49-F238E27FC236}">
+                <a16:creationId xmlns:a16="http://schemas.microsoft.com/office/drawing/2014/main" id="{F28285EF-AC0B-45EA-98B1-60416E4E8B70}"/>
+              </a:ext>
+            </a:extLst>
+          </p:cNvPr>
+          <p:cNvGraphicFramePr>
+            <a:graphicFrameLocks noChangeAspect="1"/>
+          </p:cNvGraphicFramePr>
+          <p:nvPr>
+            <p:extLst>
+              <p:ext uri="{D42A27DB-BD31-4B8C-83A1-F6EECF244321}">
+                <p14:modId xmlns:p14="http://schemas.microsoft.com/office/powerpoint/2010/main" val="2404251867"/>
+              </p:ext>
+            </p:extLst>
+          </p:nvPr>
+        </p:nvGraphicFramePr>
+        <p:xfrm>
+          <a:off x="2272683" y="4452926"/>
+          <a:ext cx="7979546" cy="2660276"/>
+        </p:xfrm>
+        <a:graphic>
+          <a:graphicData uri="http://schemas.openxmlformats.org/presentationml/2006/ole">
+            <mc:AlternateContent xmlns:mc="http://schemas.openxmlformats.org/markup-compatibility/2006">
+              <mc:Choice xmlns:v="urn:schemas-microsoft-com:vml" Requires="v">
+                <p:oleObj spid="_x0000_s4105" name="Acrobat Document" r:id="rId6" imgW="9875520" imgH="3291840" progId="AcroExch.Document.DC">
+                  <p:embed/>
+                </p:oleObj>
+              </mc:Choice>
+              <mc:Fallback>
+                <p:oleObj name="Acrobat Document" r:id="rId6" imgW="9875520" imgH="3291840" progId="AcroExch.Document.DC">
+                  <p:embed/>
+                  <p:pic>
+                    <p:nvPicPr>
+                      <p:cNvPr id="3" name="Oggetto 2">
+                        <a:extLst>
+                          <a:ext uri="{FF2B5EF4-FFF2-40B4-BE49-F238E27FC236}">
+                            <a16:creationId xmlns:a16="http://schemas.microsoft.com/office/drawing/2014/main" id="{C72557B5-8B6F-4E3C-8259-05AE3D8AE114}"/>
+                          </a:ext>
+                        </a:extLst>
+                      </p:cNvPr>
+                      <p:cNvPicPr/>
+                      <p:nvPr/>
+                    </p:nvPicPr>
+                    <p:blipFill>
+                      <a:blip r:embed="rId7"/>
+                      <a:stretch>
+                        <a:fillRect/>
+                      </a:stretch>
+                    </p:blipFill>
+                    <p:spPr>
+                      <a:xfrm>
+                        <a:off x="2272683" y="4452926"/>
+                        <a:ext cx="7979546" cy="2660276"/>
+                      </a:xfrm>
+                      <a:prstGeom prst="rect">
+                        <a:avLst/>
+                      </a:prstGeom>
+                    </p:spPr>
+                  </p:pic>
+                </p:oleObj>
+              </mc:Fallback>
+            </mc:AlternateContent>
+          </a:graphicData>
+        </a:graphic>
+      </p:graphicFrame>
+    </p:spTree>
+    <p:extLst>
+      <p:ext uri="{BB962C8B-B14F-4D97-AF65-F5344CB8AC3E}">
+        <p14:creationId xmlns:p14="http://schemas.microsoft.com/office/powerpoint/2010/main" val="1280567271"/>
+      </p:ext>
+    </p:extLst>
+  </p:cSld>
+  <p:clrMapOvr>
+    <a:masterClrMapping/>
+  </p:clrMapOvr>
+</p:sld>
+</file>
+
+<file path=ppt/slides/slide21.xml><?xml version="1.0" encoding="utf-8"?>
+<p:sld xmlns:a="http://schemas.openxmlformats.org/drawingml/2006/main" xmlns:r="http://schemas.openxmlformats.org/officeDocument/2006/relationships" xmlns:p="http://schemas.openxmlformats.org/presentationml/2006/main">
+  <p:cSld>
+    <p:spTree>
+      <p:nvGrpSpPr>
+        <p:cNvPr id="1" name=""/>
+        <p:cNvGrpSpPr/>
+        <p:nvPr/>
+      </p:nvGrpSpPr>
+      <p:grpSpPr>
+        <a:xfrm>
+          <a:off x="0" y="0"/>
+          <a:ext cx="0" cy="0"/>
+          <a:chOff x="0" y="0"/>
+          <a:chExt cx="0" cy="0"/>
+        </a:xfrm>
+      </p:grpSpPr>
+      <p:sp>
+        <p:nvSpPr>
+          <p:cNvPr id="2" name="Titolo 1">
+            <a:extLst>
+              <a:ext uri="{FF2B5EF4-FFF2-40B4-BE49-F238E27FC236}">
+                <a16:creationId xmlns:a16="http://schemas.microsoft.com/office/drawing/2014/main" id="{423E46DE-2AE3-44BE-963C-544CB7884F11}"/>
+              </a:ext>
+            </a:extLst>
+          </p:cNvPr>
+          <p:cNvSpPr>
+            <a:spLocks noGrp="1"/>
+          </p:cNvSpPr>
+          <p:nvPr>
+            <p:ph type="title" idx="4294967295"/>
+          </p:nvPr>
+        </p:nvSpPr>
+        <p:spPr>
+          <a:xfrm>
+            <a:off x="0" y="-99010"/>
+            <a:ext cx="12192000" cy="1325563"/>
+          </a:xfrm>
+        </p:spPr>
+        <p:txBody>
+          <a:bodyPr>
+            <a:normAutofit/>
+          </a:bodyPr>
+          <a:lstStyle/>
+          <a:p>
+            <a:pPr algn="ctr"/>
+            <a:r>
+              <a:rPr lang="it-IT" dirty="0"/>
+              <a:t>FORWARDING NODE NUMBER</a:t>
+            </a:r>
+          </a:p>
+        </p:txBody>
+      </p:sp>
+      <p:sp>
+        <p:nvSpPr>
+          <p:cNvPr id="10" name="Rettangolo 9">
+            <a:extLst>
+              <a:ext uri="{FF2B5EF4-FFF2-40B4-BE49-F238E27FC236}">
+                <a16:creationId xmlns:a16="http://schemas.microsoft.com/office/drawing/2014/main" id="{B9D3550C-14F0-41BE-96F1-9396C790BC52}"/>
+              </a:ext>
+            </a:extLst>
+          </p:cNvPr>
+          <p:cNvSpPr/>
+          <p:nvPr/>
+        </p:nvSpPr>
+        <p:spPr>
+          <a:xfrm>
+            <a:off x="11496585" y="6453637"/>
+            <a:ext cx="356377" cy="276999"/>
+          </a:xfrm>
+          <a:prstGeom prst="rect">
+            <a:avLst/>
+          </a:prstGeom>
+        </p:spPr>
+        <p:txBody>
+          <a:bodyPr wrap="square">
+            <a:spAutoFit/>
+          </a:bodyPr>
+          <a:lstStyle/>
+          <a:p>
+            <a:pPr algn="r"/>
+            <a:r>
+              <a:rPr lang="it-IT" sz="1200" dirty="0">
+                <a:latin typeface="Roboto" panose="02000000000000000000" pitchFamily="2" charset="0"/>
+                <a:ea typeface="Roboto" panose="02000000000000000000" pitchFamily="2" charset="0"/>
+                <a:cs typeface="Roboto" panose="02000000000000000000" pitchFamily="2" charset="0"/>
+              </a:rPr>
+              <a:t>5</a:t>
+            </a:r>
+            <a:endParaRPr lang="it-IT" sz="1200" dirty="0">
+              <a:solidFill>
+                <a:srgbClr val="C00000"/>
+              </a:solidFill>
+              <a:latin typeface="Roboto" panose="02000000000000000000" pitchFamily="2" charset="0"/>
+              <a:ea typeface="Roboto" panose="02000000000000000000" pitchFamily="2" charset="0"/>
+              <a:cs typeface="Roboto" panose="02000000000000000000" pitchFamily="2" charset="0"/>
+            </a:endParaRPr>
+          </a:p>
+        </p:txBody>
+      </p:sp>
+      <p:graphicFrame>
+        <p:nvGraphicFramePr>
+          <p:cNvPr id="5" name="Oggetto 4">
+            <a:extLst>
+              <a:ext uri="{FF2B5EF4-FFF2-40B4-BE49-F238E27FC236}">
+                <a16:creationId xmlns:a16="http://schemas.microsoft.com/office/drawing/2014/main" id="{AE579569-4534-48F1-9C5A-2F6FFA878F64}"/>
+              </a:ext>
+            </a:extLst>
+          </p:cNvPr>
+          <p:cNvGraphicFramePr>
+            <a:graphicFrameLocks noChangeAspect="1"/>
+          </p:cNvGraphicFramePr>
+          <p:nvPr>
+            <p:extLst>
+              <p:ext uri="{D42A27DB-BD31-4B8C-83A1-F6EECF244321}">
+                <p14:modId xmlns:p14="http://schemas.microsoft.com/office/powerpoint/2010/main" val="259339546"/>
+              </p:ext>
+            </p:extLst>
+          </p:nvPr>
+        </p:nvGraphicFramePr>
+        <p:xfrm>
+          <a:off x="-221942" y="1402170"/>
+          <a:ext cx="6812321" cy="3784501"/>
+        </p:xfrm>
+        <a:graphic>
+          <a:graphicData uri="http://schemas.openxmlformats.org/presentationml/2006/ole">
+            <mc:AlternateContent xmlns:mc="http://schemas.openxmlformats.org/markup-compatibility/2006">
+              <mc:Choice xmlns:v="urn:schemas-microsoft-com:vml" Requires="v">
+                <p:oleObj spid="_x0000_s5128" name="Acrobat Document" r:id="rId3" imgW="9875520" imgH="5486259" progId="AcroExch.Document.DC">
+                  <p:embed/>
+                </p:oleObj>
+              </mc:Choice>
+              <mc:Fallback>
+                <p:oleObj name="Acrobat Document" r:id="rId3" imgW="9875520" imgH="5486259" progId="AcroExch.Document.DC">
+                  <p:embed/>
+                  <p:pic>
+                    <p:nvPicPr>
+                      <p:cNvPr id="0" name=""/>
+                      <p:cNvPicPr/>
+                      <p:nvPr/>
+                    </p:nvPicPr>
+                    <p:blipFill>
+                      <a:blip r:embed="rId4"/>
+                      <a:stretch>
+                        <a:fillRect/>
+                      </a:stretch>
+                    </p:blipFill>
+                    <p:spPr>
+                      <a:xfrm>
+                        <a:off x="-221942" y="1402170"/>
+                        <a:ext cx="6812321" cy="3784501"/>
+                      </a:xfrm>
+                      <a:prstGeom prst="rect">
+                        <a:avLst/>
+                      </a:prstGeom>
+                    </p:spPr>
+                  </p:pic>
+                </p:oleObj>
+              </mc:Fallback>
+            </mc:AlternateContent>
+          </a:graphicData>
+        </a:graphic>
+      </p:graphicFrame>
+      <p:graphicFrame>
+        <p:nvGraphicFramePr>
+          <p:cNvPr id="9" name="Oggetto 8">
+            <a:extLst>
+              <a:ext uri="{FF2B5EF4-FFF2-40B4-BE49-F238E27FC236}">
+                <a16:creationId xmlns:a16="http://schemas.microsoft.com/office/drawing/2014/main" id="{F469650F-701F-4FF0-8216-80B5E52BCA86}"/>
+              </a:ext>
+            </a:extLst>
+          </p:cNvPr>
+          <p:cNvGraphicFramePr>
+            <a:graphicFrameLocks noChangeAspect="1"/>
+          </p:cNvGraphicFramePr>
+          <p:nvPr>
+            <p:extLst>
+              <p:ext uri="{D42A27DB-BD31-4B8C-83A1-F6EECF244321}">
+                <p14:modId xmlns:p14="http://schemas.microsoft.com/office/powerpoint/2010/main" val="1385971765"/>
+              </p:ext>
+            </p:extLst>
+          </p:nvPr>
+        </p:nvGraphicFramePr>
+        <p:xfrm>
+          <a:off x="6212352" y="1766394"/>
+          <a:ext cx="6812320" cy="3784500"/>
+        </p:xfrm>
+        <a:graphic>
+          <a:graphicData uri="http://schemas.openxmlformats.org/presentationml/2006/ole">
+            <mc:AlternateContent xmlns:mc="http://schemas.openxmlformats.org/markup-compatibility/2006">
+              <mc:Choice xmlns:v="urn:schemas-microsoft-com:vml" Requires="v">
+                <p:oleObj spid="_x0000_s5129" name="Acrobat Document" r:id="rId5" imgW="9875520" imgH="5486259" progId="AcroExch.Document.DC">
+                  <p:embed/>
+                </p:oleObj>
+              </mc:Choice>
+              <mc:Fallback>
+                <p:oleObj name="Acrobat Document" r:id="rId5" imgW="9875520" imgH="5486259" progId="AcroExch.Document.DC">
+                  <p:embed/>
+                  <p:pic>
+                    <p:nvPicPr>
+                      <p:cNvPr id="0" name=""/>
+                      <p:cNvPicPr/>
+                      <p:nvPr/>
+                    </p:nvPicPr>
+                    <p:blipFill>
+                      <a:blip r:embed="rId6"/>
+                      <a:stretch>
+                        <a:fillRect/>
+                      </a:stretch>
+                    </p:blipFill>
+                    <p:spPr>
+                      <a:xfrm>
+                        <a:off x="6212352" y="1766394"/>
+                        <a:ext cx="6812320" cy="3784500"/>
+                      </a:xfrm>
+                      <a:prstGeom prst="rect">
+                        <a:avLst/>
+                      </a:prstGeom>
+                    </p:spPr>
+                  </p:pic>
+                </p:oleObj>
+              </mc:Fallback>
+            </mc:AlternateContent>
+          </a:graphicData>
+        </a:graphic>
+      </p:graphicFrame>
+    </p:spTree>
+    <p:extLst>
+      <p:ext uri="{BB962C8B-B14F-4D97-AF65-F5344CB8AC3E}">
+        <p14:creationId xmlns:p14="http://schemas.microsoft.com/office/powerpoint/2010/main" val="1584690559"/>
       </p:ext>
     </p:extLst>
   </p:cSld>

--- a/Presentazioni/Presentazione Magistrale/Presentazione Magistrale.pptx
+++ b/Presentazioni/Presentazione Magistrale/Presentazione Magistrale.pptx
@@ -5,7 +5,7 @@
     <p:sldMasterId id="2147483750" r:id="rId1"/>
   </p:sldMasterIdLst>
   <p:notesMasterIdLst>
-    <p:notesMasterId r:id="rId23"/>
+    <p:notesMasterId r:id="rId25"/>
   </p:notesMasterIdLst>
   <p:sldIdLst>
     <p:sldId id="256" r:id="rId2"/>
@@ -29,6 +29,8 @@
     <p:sldId id="285" r:id="rId20"/>
     <p:sldId id="286" r:id="rId21"/>
     <p:sldId id="287" r:id="rId22"/>
+    <p:sldId id="288" r:id="rId23"/>
+    <p:sldId id="289" r:id="rId24"/>
   </p:sldIdLst>
   <p:sldSz cx="12192000" cy="6858000"/>
   <p:notesSz cx="6858000" cy="9144000"/>
@@ -3378,7 +3380,7 @@
           <a:spcPct val="0"/>
         </a:spcBef>
         <a:buNone/>
-        <a:defRPr sz="4000" kern="1200">
+        <a:defRPr sz="4000" b="0" kern="1200">
           <a:solidFill>
             <a:schemeClr val="tx1"/>
           </a:solidFill>
@@ -11437,60 +11439,6 @@
       </p:sp>
       <p:sp>
         <p:nvSpPr>
-          <p:cNvPr id="28" name="Rettangolo 27">
-            <a:extLst>
-              <a:ext uri="{FF2B5EF4-FFF2-40B4-BE49-F238E27FC236}">
-                <a16:creationId xmlns:a16="http://schemas.microsoft.com/office/drawing/2014/main" id="{337B651D-1A07-4799-9C44-4DE35E4AD019}"/>
-              </a:ext>
-            </a:extLst>
-          </p:cNvPr>
-          <p:cNvSpPr/>
-          <p:nvPr/>
-        </p:nvSpPr>
-        <p:spPr>
-          <a:xfrm>
-            <a:off x="6513126" y="5317725"/>
-            <a:ext cx="5015785" cy="392956"/>
-          </a:xfrm>
-          <a:prstGeom prst="rect">
-            <a:avLst/>
-          </a:prstGeom>
-          <a:solidFill>
-            <a:schemeClr val="bg1"/>
-          </a:solidFill>
-          <a:ln>
-            <a:solidFill>
-              <a:schemeClr val="bg1"/>
-            </a:solidFill>
-          </a:ln>
-        </p:spPr>
-        <p:style>
-          <a:lnRef idx="2">
-            <a:schemeClr val="accent1">
-              <a:shade val="50000"/>
-            </a:schemeClr>
-          </a:lnRef>
-          <a:fillRef idx="1">
-            <a:schemeClr val="accent1"/>
-          </a:fillRef>
-          <a:effectRef idx="0">
-            <a:schemeClr val="accent1"/>
-          </a:effectRef>
-          <a:fontRef idx="minor">
-            <a:schemeClr val="lt1"/>
-          </a:fontRef>
-        </p:style>
-        <p:txBody>
-          <a:bodyPr rtlCol="0" anchor="ctr"/>
-          <a:lstStyle/>
-          <a:p>
-            <a:pPr algn="ctr"/>
-            <a:endParaRPr lang="it-IT"/>
-          </a:p>
-        </p:txBody>
-      </p:sp>
-      <p:sp>
-        <p:nvSpPr>
           <p:cNvPr id="24" name="Titolo 1">
             <a:extLst>
               <a:ext uri="{FF2B5EF4-FFF2-40B4-BE49-F238E27FC236}">
@@ -11762,6 +11710,60 @@
           </a:prstGeom>
         </p:spPr>
       </p:pic>
+      <p:sp>
+        <p:nvSpPr>
+          <p:cNvPr id="28" name="Rettangolo 27">
+            <a:extLst>
+              <a:ext uri="{FF2B5EF4-FFF2-40B4-BE49-F238E27FC236}">
+                <a16:creationId xmlns:a16="http://schemas.microsoft.com/office/drawing/2014/main" id="{337B651D-1A07-4799-9C44-4DE35E4AD019}"/>
+              </a:ext>
+            </a:extLst>
+          </p:cNvPr>
+          <p:cNvSpPr/>
+          <p:nvPr/>
+        </p:nvSpPr>
+        <p:spPr>
+          <a:xfrm>
+            <a:off x="6513126" y="5283200"/>
+            <a:ext cx="5015785" cy="427481"/>
+          </a:xfrm>
+          <a:prstGeom prst="rect">
+            <a:avLst/>
+          </a:prstGeom>
+          <a:solidFill>
+            <a:schemeClr val="bg1"/>
+          </a:solidFill>
+          <a:ln>
+            <a:solidFill>
+              <a:schemeClr val="bg1"/>
+            </a:solidFill>
+          </a:ln>
+        </p:spPr>
+        <p:style>
+          <a:lnRef idx="2">
+            <a:schemeClr val="accent1">
+              <a:shade val="50000"/>
+            </a:schemeClr>
+          </a:lnRef>
+          <a:fillRef idx="1">
+            <a:schemeClr val="accent1"/>
+          </a:fillRef>
+          <a:effectRef idx="0">
+            <a:schemeClr val="accent1"/>
+          </a:effectRef>
+          <a:fontRef idx="minor">
+            <a:schemeClr val="lt1"/>
+          </a:fontRef>
+        </p:style>
+        <p:txBody>
+          <a:bodyPr rtlCol="0" anchor="ctr"/>
+          <a:lstStyle/>
+          <a:p>
+            <a:pPr algn="ctr"/>
+            <a:endParaRPr lang="it-IT"/>
+          </a:p>
+        </p:txBody>
+      </p:sp>
       <p:pic>
         <p:nvPicPr>
           <p:cNvPr id="38" name="Immagine 37">
@@ -12000,13 +12002,13 @@
               </a:ext>
             </a:extLst>
           </a:blip>
-          <a:srcRect b="1652"/>
+          <a:srcRect b="616"/>
           <a:stretch/>
         </p:blipFill>
         <p:spPr>
           <a:xfrm>
-            <a:off x="6513126" y="1194124"/>
-            <a:ext cx="4983459" cy="4122577"/>
+            <a:off x="6513126" y="1194125"/>
+            <a:ext cx="4983459" cy="4094156"/>
           </a:xfrm>
           <a:prstGeom prst="rect">
             <a:avLst/>
@@ -12389,7 +12391,7 @@
         <p:spPr>
           <a:xfrm>
             <a:off x="6513126" y="5317725"/>
-            <a:ext cx="5015785" cy="392956"/>
+            <a:ext cx="4953495" cy="392956"/>
           </a:xfrm>
           <a:prstGeom prst="rect">
             <a:avLst/>
@@ -12668,10 +12670,10 @@
       </p:sp>
       <p:pic>
         <p:nvPicPr>
-          <p:cNvPr id="3" name="Immagine 2" descr="Immagine che contiene testo&#10;&#10;Descrizione generata automaticamente">
+          <p:cNvPr id="38" name="Immagine 37">
             <a:extLst>
               <a:ext uri="{FF2B5EF4-FFF2-40B4-BE49-F238E27FC236}">
-                <a16:creationId xmlns:a16="http://schemas.microsoft.com/office/drawing/2014/main" id="{337B82F0-59BE-4AD7-885C-657FA3F6753C}"/>
+                <a16:creationId xmlns:a16="http://schemas.microsoft.com/office/drawing/2014/main" id="{E5EECDC6-D716-4D60-8B06-AA44FE402DFF}"/>
               </a:ext>
             </a:extLst>
           </p:cNvPr>
@@ -12680,7 +12682,7 @@
           </p:cNvPicPr>
           <p:nvPr/>
         </p:nvPicPr>
-        <p:blipFill rotWithShape="1">
+        <p:blipFill>
           <a:blip r:embed="rId2">
             <a:extLst>
               <a:ext uri="{28A0092B-C50C-407E-A947-70E740481C1C}">
@@ -12688,13 +12690,14 @@
               </a:ext>
             </a:extLst>
           </a:blip>
-          <a:srcRect b="1509"/>
-          <a:stretch/>
+          <a:stretch>
+            <a:fillRect/>
+          </a:stretch>
         </p:blipFill>
         <p:spPr>
           <a:xfrm>
-            <a:off x="684057" y="1195148"/>
-            <a:ext cx="5554017" cy="4122577"/>
+            <a:off x="6980564" y="5472202"/>
+            <a:ext cx="1039395" cy="145973"/>
           </a:xfrm>
           <a:prstGeom prst="rect">
             <a:avLst/>
@@ -12703,10 +12706,10 @@
       </p:pic>
       <p:pic>
         <p:nvPicPr>
-          <p:cNvPr id="13" name="Immagine 12">
+          <p:cNvPr id="39" name="Immagine 38">
             <a:extLst>
               <a:ext uri="{FF2B5EF4-FFF2-40B4-BE49-F238E27FC236}">
-                <a16:creationId xmlns:a16="http://schemas.microsoft.com/office/drawing/2014/main" id="{AC5D93F8-CA18-4DA5-B6CD-95278C87B2CA}"/>
+                <a16:creationId xmlns:a16="http://schemas.microsoft.com/office/drawing/2014/main" id="{DBFE66B5-423B-450E-8745-7CC9F04F5807}"/>
               </a:ext>
             </a:extLst>
           </p:cNvPr>
@@ -12715,7 +12718,7 @@
           </p:cNvPicPr>
           <p:nvPr/>
         </p:nvPicPr>
-        <p:blipFill rotWithShape="1">
+        <p:blipFill>
           <a:blip r:embed="rId3">
             <a:extLst>
               <a:ext uri="{28A0092B-C50C-407E-A947-70E740481C1C}">
@@ -12723,13 +12726,14 @@
               </a:ext>
             </a:extLst>
           </a:blip>
-          <a:srcRect b="1726"/>
-          <a:stretch/>
+          <a:stretch>
+            <a:fillRect/>
+          </a:stretch>
         </p:blipFill>
         <p:spPr>
           <a:xfrm>
-            <a:off x="6513126" y="1194124"/>
-            <a:ext cx="4988046" cy="4104518"/>
+            <a:off x="3180037" y="5473924"/>
+            <a:ext cx="1058170" cy="142529"/>
           </a:xfrm>
           <a:prstGeom prst="rect">
             <a:avLst/>
@@ -12738,10 +12742,10 @@
       </p:pic>
       <p:pic>
         <p:nvPicPr>
-          <p:cNvPr id="38" name="Immagine 37">
+          <p:cNvPr id="40" name="Immagine 39">
             <a:extLst>
               <a:ext uri="{FF2B5EF4-FFF2-40B4-BE49-F238E27FC236}">
-                <a16:creationId xmlns:a16="http://schemas.microsoft.com/office/drawing/2014/main" id="{E5EECDC6-D716-4D60-8B06-AA44FE402DFF}"/>
+                <a16:creationId xmlns:a16="http://schemas.microsoft.com/office/drawing/2014/main" id="{D6816098-2D96-42C1-91C7-5DF9DC91E4AA}"/>
               </a:ext>
             </a:extLst>
           </p:cNvPr>
@@ -12764,8 +12768,8 @@
         </p:blipFill>
         <p:spPr>
           <a:xfrm>
-            <a:off x="6980564" y="5472202"/>
-            <a:ext cx="1039395" cy="145973"/>
+            <a:off x="4677923" y="5473411"/>
+            <a:ext cx="1052260" cy="143555"/>
           </a:xfrm>
           <a:prstGeom prst="rect">
             <a:avLst/>
@@ -12774,10 +12778,10 @@
       </p:pic>
       <p:pic>
         <p:nvPicPr>
-          <p:cNvPr id="39" name="Immagine 38">
+          <p:cNvPr id="41" name="Immagine 40" descr="Immagine che contiene arredamento, tavolo&#10;&#10;Descrizione generata automaticamente">
             <a:extLst>
               <a:ext uri="{FF2B5EF4-FFF2-40B4-BE49-F238E27FC236}">
-                <a16:creationId xmlns:a16="http://schemas.microsoft.com/office/drawing/2014/main" id="{DBFE66B5-423B-450E-8745-7CC9F04F5807}"/>
+                <a16:creationId xmlns:a16="http://schemas.microsoft.com/office/drawing/2014/main" id="{9F34CB1D-B975-4AAA-8B85-4BED3AC47D10}"/>
               </a:ext>
             </a:extLst>
           </p:cNvPr>
@@ -12800,8 +12804,8 @@
         </p:blipFill>
         <p:spPr>
           <a:xfrm>
-            <a:off x="3180037" y="5473924"/>
-            <a:ext cx="1058170" cy="142529"/>
+            <a:off x="1694037" y="5473715"/>
+            <a:ext cx="1050651" cy="142946"/>
           </a:xfrm>
           <a:prstGeom prst="rect">
             <a:avLst/>
@@ -12810,10 +12814,10 @@
       </p:pic>
       <p:pic>
         <p:nvPicPr>
-          <p:cNvPr id="40" name="Immagine 39">
+          <p:cNvPr id="43" name="Immagine 42">
             <a:extLst>
               <a:ext uri="{FF2B5EF4-FFF2-40B4-BE49-F238E27FC236}">
-                <a16:creationId xmlns:a16="http://schemas.microsoft.com/office/drawing/2014/main" id="{D6816098-2D96-42C1-91C7-5DF9DC91E4AA}"/>
+                <a16:creationId xmlns:a16="http://schemas.microsoft.com/office/drawing/2014/main" id="{074699A6-40F0-4553-AC1B-29B4B6E6DCCC}"/>
               </a:ext>
             </a:extLst>
           </p:cNvPr>
@@ -12836,8 +12840,8 @@
         </p:blipFill>
         <p:spPr>
           <a:xfrm>
-            <a:off x="4677923" y="5473411"/>
-            <a:ext cx="1052260" cy="143555"/>
+            <a:off x="8487397" y="5471779"/>
+            <a:ext cx="1058169" cy="146819"/>
           </a:xfrm>
           <a:prstGeom prst="rect">
             <a:avLst/>
@@ -12846,10 +12850,10 @@
       </p:pic>
       <p:pic>
         <p:nvPicPr>
-          <p:cNvPr id="41" name="Immagine 40" descr="Immagine che contiene arredamento, tavolo&#10;&#10;Descrizione generata automaticamente">
+          <p:cNvPr id="45" name="Immagine 44">
             <a:extLst>
               <a:ext uri="{FF2B5EF4-FFF2-40B4-BE49-F238E27FC236}">
-                <a16:creationId xmlns:a16="http://schemas.microsoft.com/office/drawing/2014/main" id="{9F34CB1D-B975-4AAA-8B85-4BED3AC47D10}"/>
+                <a16:creationId xmlns:a16="http://schemas.microsoft.com/office/drawing/2014/main" id="{52D705DA-2707-4CE0-9090-934BAEC3746F}"/>
               </a:ext>
             </a:extLst>
           </p:cNvPr>
@@ -12872,8 +12876,8 @@
         </p:blipFill>
         <p:spPr>
           <a:xfrm>
-            <a:off x="1694037" y="5473715"/>
-            <a:ext cx="1050651" cy="142946"/>
+            <a:off x="9968878" y="5472551"/>
+            <a:ext cx="1058169" cy="145274"/>
           </a:xfrm>
           <a:prstGeom prst="rect">
             <a:avLst/>
@@ -12882,10 +12886,10 @@
       </p:pic>
       <p:pic>
         <p:nvPicPr>
-          <p:cNvPr id="43" name="Immagine 42">
+          <p:cNvPr id="4" name="Immagine 3" descr="Immagine che contiene screenshot&#10;&#10;Descrizione generata automaticamente">
             <a:extLst>
               <a:ext uri="{FF2B5EF4-FFF2-40B4-BE49-F238E27FC236}">
-                <a16:creationId xmlns:a16="http://schemas.microsoft.com/office/drawing/2014/main" id="{074699A6-40F0-4553-AC1B-29B4B6E6DCCC}"/>
+                <a16:creationId xmlns:a16="http://schemas.microsoft.com/office/drawing/2014/main" id="{C0F6A5B1-CF1B-4688-8C5B-3B3CB2829A6E}"/>
               </a:ext>
             </a:extLst>
           </p:cNvPr>
@@ -12908,6 +12912,838 @@
         </p:blipFill>
         <p:spPr>
           <a:xfrm>
+            <a:off x="688267" y="1167489"/>
+            <a:ext cx="5536942" cy="4173045"/>
+          </a:xfrm>
+          <a:prstGeom prst="rect">
+            <a:avLst/>
+          </a:prstGeom>
+        </p:spPr>
+      </p:pic>
+      <p:pic>
+        <p:nvPicPr>
+          <p:cNvPr id="7" name="Immagine 6" descr="Immagine che contiene screenshot&#10;&#10;Descrizione generata automaticamente">
+            <a:extLst>
+              <a:ext uri="{FF2B5EF4-FFF2-40B4-BE49-F238E27FC236}">
+                <a16:creationId xmlns:a16="http://schemas.microsoft.com/office/drawing/2014/main" id="{2A61F8D8-E0F5-4F53-8953-59DA0A6B031D}"/>
+              </a:ext>
+            </a:extLst>
+          </p:cNvPr>
+          <p:cNvPicPr>
+            <a:picLocks noChangeAspect="1"/>
+          </p:cNvPicPr>
+          <p:nvPr/>
+        </p:nvPicPr>
+        <p:blipFill rotWithShape="1">
+          <a:blip r:embed="rId9">
+            <a:extLst>
+              <a:ext uri="{28A0092B-C50C-407E-A947-70E740481C1C}">
+                <a14:useLocalDpi xmlns:a14="http://schemas.microsoft.com/office/drawing/2010/main" val="0"/>
+              </a:ext>
+            </a:extLst>
+          </a:blip>
+          <a:srcRect b="343"/>
+          <a:stretch/>
+        </p:blipFill>
+        <p:spPr>
+          <a:xfrm>
+            <a:off x="6513126" y="1167490"/>
+            <a:ext cx="4953495" cy="4196990"/>
+          </a:xfrm>
+          <a:prstGeom prst="rect">
+            <a:avLst/>
+          </a:prstGeom>
+        </p:spPr>
+      </p:pic>
+    </p:spTree>
+    <p:extLst>
+      <p:ext uri="{BB962C8B-B14F-4D97-AF65-F5344CB8AC3E}">
+        <p14:creationId xmlns:p14="http://schemas.microsoft.com/office/powerpoint/2010/main" val="1160738301"/>
+      </p:ext>
+    </p:extLst>
+  </p:cSld>
+  <p:clrMapOvr>
+    <a:masterClrMapping/>
+  </p:clrMapOvr>
+</p:sld>
+</file>
+
+<file path=ppt/slides/slide22.xml><?xml version="1.0" encoding="utf-8"?>
+<p:sld xmlns:a="http://schemas.openxmlformats.org/drawingml/2006/main" xmlns:r="http://schemas.openxmlformats.org/officeDocument/2006/relationships" xmlns:p="http://schemas.openxmlformats.org/presentationml/2006/main">
+  <p:cSld>
+    <p:spTree>
+      <p:nvGrpSpPr>
+        <p:cNvPr id="1" name=""/>
+        <p:cNvGrpSpPr/>
+        <p:nvPr/>
+      </p:nvGrpSpPr>
+      <p:grpSpPr>
+        <a:xfrm>
+          <a:off x="0" y="0"/>
+          <a:ext cx="0" cy="0"/>
+          <a:chOff x="0" y="0"/>
+          <a:chExt cx="0" cy="0"/>
+        </a:xfrm>
+      </p:grpSpPr>
+      <p:sp>
+        <p:nvSpPr>
+          <p:cNvPr id="10" name="Rettangolo 9">
+            <a:extLst>
+              <a:ext uri="{FF2B5EF4-FFF2-40B4-BE49-F238E27FC236}">
+                <a16:creationId xmlns:a16="http://schemas.microsoft.com/office/drawing/2014/main" id="{B9D3550C-14F0-41BE-96F1-9396C790BC52}"/>
+              </a:ext>
+            </a:extLst>
+          </p:cNvPr>
+          <p:cNvSpPr/>
+          <p:nvPr/>
+        </p:nvSpPr>
+        <p:spPr>
+          <a:xfrm>
+            <a:off x="11496585" y="6453637"/>
+            <a:ext cx="356377" cy="276999"/>
+          </a:xfrm>
+          <a:prstGeom prst="rect">
+            <a:avLst/>
+          </a:prstGeom>
+        </p:spPr>
+        <p:txBody>
+          <a:bodyPr wrap="square">
+            <a:spAutoFit/>
+          </a:bodyPr>
+          <a:lstStyle/>
+          <a:p>
+            <a:pPr algn="r"/>
+            <a:r>
+              <a:rPr lang="it-IT" sz="1200" dirty="0">
+                <a:latin typeface="Roboto" panose="02000000000000000000" pitchFamily="2" charset="0"/>
+                <a:ea typeface="Roboto" panose="02000000000000000000" pitchFamily="2" charset="0"/>
+                <a:cs typeface="Roboto" panose="02000000000000000000" pitchFamily="2" charset="0"/>
+              </a:rPr>
+              <a:t>5</a:t>
+            </a:r>
+            <a:endParaRPr lang="it-IT" sz="1200" dirty="0">
+              <a:solidFill>
+                <a:srgbClr val="C00000"/>
+              </a:solidFill>
+              <a:latin typeface="Roboto" panose="02000000000000000000" pitchFamily="2" charset="0"/>
+              <a:ea typeface="Roboto" panose="02000000000000000000" pitchFamily="2" charset="0"/>
+              <a:cs typeface="Roboto" panose="02000000000000000000" pitchFamily="2" charset="0"/>
+            </a:endParaRPr>
+          </a:p>
+        </p:txBody>
+      </p:sp>
+      <p:sp>
+        <p:nvSpPr>
+          <p:cNvPr id="8" name="Segnaposto contenuto 2">
+            <a:extLst>
+              <a:ext uri="{FF2B5EF4-FFF2-40B4-BE49-F238E27FC236}">
+                <a16:creationId xmlns:a16="http://schemas.microsoft.com/office/drawing/2014/main" id="{404FF6F9-50C9-47F5-9A59-7E20DCAFA408}"/>
+              </a:ext>
+            </a:extLst>
+          </p:cNvPr>
+          <p:cNvSpPr txBox="1">
+            <a:spLocks/>
+          </p:cNvSpPr>
+          <p:nvPr/>
+        </p:nvSpPr>
+        <p:spPr>
+          <a:xfrm>
+            <a:off x="1615737" y="5780377"/>
+            <a:ext cx="3994950" cy="416242"/>
+          </a:xfrm>
+          <a:prstGeom prst="rect">
+            <a:avLst/>
+          </a:prstGeom>
+        </p:spPr>
+        <p:txBody>
+          <a:bodyPr>
+            <a:normAutofit/>
+          </a:bodyPr>
+          <a:lstStyle>
+            <a:lvl1pPr marL="342900" indent="-342900" algn="l" defTabSz="914400" rtl="0" eaLnBrk="1" latinLnBrk="0" hangingPunct="1">
+              <a:spcBef>
+                <a:spcPct val="20000"/>
+              </a:spcBef>
+              <a:buClr>
+                <a:schemeClr val="accent6"/>
+              </a:buClr>
+              <a:buFont typeface="Arial" pitchFamily="34" charset="0"/>
+              <a:buChar char="•"/>
+              <a:defRPr sz="3200" kern="1200">
+                <a:solidFill>
+                  <a:schemeClr val="tx1"/>
+                </a:solidFill>
+                <a:latin typeface="+mn-lt"/>
+                <a:ea typeface="+mn-ea"/>
+                <a:cs typeface="+mn-cs"/>
+              </a:defRPr>
+            </a:lvl1pPr>
+            <a:lvl2pPr marL="742950" indent="-285750" algn="l" defTabSz="914400" rtl="0" eaLnBrk="1" latinLnBrk="0" hangingPunct="1">
+              <a:spcBef>
+                <a:spcPct val="20000"/>
+              </a:spcBef>
+              <a:buClr>
+                <a:schemeClr val="accent6"/>
+              </a:buClr>
+              <a:buFont typeface="Courier New" panose="02070309020205020404" pitchFamily="49" charset="0"/>
+              <a:buChar char="o"/>
+              <a:defRPr sz="2800" kern="1200">
+                <a:solidFill>
+                  <a:schemeClr val="tx1"/>
+                </a:solidFill>
+                <a:latin typeface="+mn-lt"/>
+                <a:ea typeface="+mn-ea"/>
+                <a:cs typeface="+mn-cs"/>
+              </a:defRPr>
+            </a:lvl2pPr>
+            <a:lvl3pPr marL="1143000" indent="-228600" algn="l" defTabSz="914400" rtl="0" eaLnBrk="1" latinLnBrk="0" hangingPunct="1">
+              <a:spcBef>
+                <a:spcPct val="20000"/>
+              </a:spcBef>
+              <a:buFont typeface="Arial" pitchFamily="34" charset="0"/>
+              <a:buChar char="•"/>
+              <a:defRPr sz="2400" kern="1200">
+                <a:solidFill>
+                  <a:schemeClr val="tx1"/>
+                </a:solidFill>
+                <a:latin typeface="+mn-lt"/>
+                <a:ea typeface="+mn-ea"/>
+                <a:cs typeface="+mn-cs"/>
+              </a:defRPr>
+            </a:lvl3pPr>
+            <a:lvl4pPr marL="1600200" indent="-228600" algn="l" defTabSz="914400" rtl="0" eaLnBrk="1" latinLnBrk="0" hangingPunct="1">
+              <a:spcBef>
+                <a:spcPct val="20000"/>
+              </a:spcBef>
+              <a:buFont typeface="Arial" pitchFamily="34" charset="0"/>
+              <a:buChar char="–"/>
+              <a:defRPr sz="2000" kern="1200">
+                <a:solidFill>
+                  <a:schemeClr val="tx1"/>
+                </a:solidFill>
+                <a:latin typeface="+mn-lt"/>
+                <a:ea typeface="+mn-ea"/>
+                <a:cs typeface="+mn-cs"/>
+              </a:defRPr>
+            </a:lvl4pPr>
+            <a:lvl5pPr marL="2057400" indent="-228600" algn="l" defTabSz="914400" rtl="0" eaLnBrk="1" latinLnBrk="0" hangingPunct="1">
+              <a:spcBef>
+                <a:spcPct val="20000"/>
+              </a:spcBef>
+              <a:buFont typeface="Arial" pitchFamily="34" charset="0"/>
+              <a:buChar char="»"/>
+              <a:defRPr sz="2000" kern="1200">
+                <a:solidFill>
+                  <a:schemeClr val="tx1"/>
+                </a:solidFill>
+                <a:latin typeface="+mn-lt"/>
+                <a:ea typeface="+mn-ea"/>
+                <a:cs typeface="+mn-cs"/>
+              </a:defRPr>
+            </a:lvl5pPr>
+            <a:lvl6pPr marL="2514600" indent="-228600" algn="l" defTabSz="914400" rtl="0" eaLnBrk="1" latinLnBrk="0" hangingPunct="1">
+              <a:spcBef>
+                <a:spcPct val="20000"/>
+              </a:spcBef>
+              <a:buFont typeface="Arial" pitchFamily="34" charset="0"/>
+              <a:buChar char="•"/>
+              <a:defRPr sz="2000" kern="1200">
+                <a:solidFill>
+                  <a:schemeClr val="tx1"/>
+                </a:solidFill>
+                <a:latin typeface="+mn-lt"/>
+                <a:ea typeface="+mn-ea"/>
+                <a:cs typeface="+mn-cs"/>
+              </a:defRPr>
+            </a:lvl6pPr>
+            <a:lvl7pPr marL="2971800" indent="-228600" algn="l" defTabSz="914400" rtl="0" eaLnBrk="1" latinLnBrk="0" hangingPunct="1">
+              <a:spcBef>
+                <a:spcPct val="20000"/>
+              </a:spcBef>
+              <a:buFont typeface="Arial" pitchFamily="34" charset="0"/>
+              <a:buChar char="•"/>
+              <a:defRPr sz="2000" kern="1200">
+                <a:solidFill>
+                  <a:schemeClr val="tx1"/>
+                </a:solidFill>
+                <a:latin typeface="+mn-lt"/>
+                <a:ea typeface="+mn-ea"/>
+                <a:cs typeface="+mn-cs"/>
+              </a:defRPr>
+            </a:lvl7pPr>
+            <a:lvl8pPr marL="3429000" indent="-228600" algn="l" defTabSz="914400" rtl="0" eaLnBrk="1" latinLnBrk="0" hangingPunct="1">
+              <a:spcBef>
+                <a:spcPct val="20000"/>
+              </a:spcBef>
+              <a:buFont typeface="Arial" pitchFamily="34" charset="0"/>
+              <a:buChar char="•"/>
+              <a:defRPr sz="2000" kern="1200">
+                <a:solidFill>
+                  <a:schemeClr val="tx1"/>
+                </a:solidFill>
+                <a:latin typeface="+mn-lt"/>
+                <a:ea typeface="+mn-ea"/>
+                <a:cs typeface="+mn-cs"/>
+              </a:defRPr>
+            </a:lvl8pPr>
+            <a:lvl9pPr marL="3886200" indent="-228600" algn="l" defTabSz="914400" rtl="0" eaLnBrk="1" latinLnBrk="0" hangingPunct="1">
+              <a:spcBef>
+                <a:spcPct val="20000"/>
+              </a:spcBef>
+              <a:buFont typeface="Arial" pitchFamily="34" charset="0"/>
+              <a:buChar char="•"/>
+              <a:defRPr sz="2000" kern="1200">
+                <a:solidFill>
+                  <a:schemeClr val="tx1"/>
+                </a:solidFill>
+                <a:latin typeface="+mn-lt"/>
+                <a:ea typeface="+mn-ea"/>
+                <a:cs typeface="+mn-cs"/>
+              </a:defRPr>
+            </a:lvl9pPr>
+          </a:lstStyle>
+          <a:p>
+            <a:pPr marL="0" indent="0">
+              <a:buNone/>
+            </a:pPr>
+            <a:r>
+              <a:rPr lang="it-IT" sz="2000" dirty="0"/>
+              <a:t>With buildings, </a:t>
+            </a:r>
+            <a:r>
+              <a:rPr lang="it-IT" sz="2000" dirty="0" err="1"/>
+              <a:t>without</a:t>
+            </a:r>
+            <a:r>
+              <a:rPr lang="it-IT" sz="2000" dirty="0"/>
+              <a:t> </a:t>
+            </a:r>
+            <a:r>
+              <a:rPr lang="it-IT" sz="2000" dirty="0" err="1"/>
+              <a:t>junctions</a:t>
+            </a:r>
+            <a:endParaRPr lang="it-IT" sz="2000" dirty="0"/>
+          </a:p>
+        </p:txBody>
+      </p:sp>
+      <p:sp>
+        <p:nvSpPr>
+          <p:cNvPr id="27" name="Rettangolo 26">
+            <a:extLst>
+              <a:ext uri="{FF2B5EF4-FFF2-40B4-BE49-F238E27FC236}">
+                <a16:creationId xmlns:a16="http://schemas.microsoft.com/office/drawing/2014/main" id="{5FAEBFEB-1E89-4E24-8E28-830974169D18}"/>
+              </a:ext>
+            </a:extLst>
+          </p:cNvPr>
+          <p:cNvSpPr/>
+          <p:nvPr/>
+        </p:nvSpPr>
+        <p:spPr>
+          <a:xfrm>
+            <a:off x="688267" y="5298642"/>
+            <a:ext cx="5536942" cy="392956"/>
+          </a:xfrm>
+          <a:prstGeom prst="rect">
+            <a:avLst/>
+          </a:prstGeom>
+          <a:solidFill>
+            <a:schemeClr val="bg1"/>
+          </a:solidFill>
+          <a:ln>
+            <a:solidFill>
+              <a:schemeClr val="bg1"/>
+            </a:solidFill>
+          </a:ln>
+        </p:spPr>
+        <p:style>
+          <a:lnRef idx="2">
+            <a:schemeClr val="accent1">
+              <a:shade val="50000"/>
+            </a:schemeClr>
+          </a:lnRef>
+          <a:fillRef idx="1">
+            <a:schemeClr val="accent1"/>
+          </a:fillRef>
+          <a:effectRef idx="0">
+            <a:schemeClr val="accent1"/>
+          </a:effectRef>
+          <a:fontRef idx="minor">
+            <a:schemeClr val="lt1"/>
+          </a:fontRef>
+        </p:style>
+        <p:txBody>
+          <a:bodyPr rtlCol="0" anchor="ctr"/>
+          <a:lstStyle/>
+          <a:p>
+            <a:pPr algn="ctr"/>
+            <a:endParaRPr lang="it-IT"/>
+          </a:p>
+        </p:txBody>
+      </p:sp>
+      <p:sp>
+        <p:nvSpPr>
+          <p:cNvPr id="28" name="Rettangolo 27">
+            <a:extLst>
+              <a:ext uri="{FF2B5EF4-FFF2-40B4-BE49-F238E27FC236}">
+                <a16:creationId xmlns:a16="http://schemas.microsoft.com/office/drawing/2014/main" id="{337B651D-1A07-4799-9C44-4DE35E4AD019}"/>
+              </a:ext>
+            </a:extLst>
+          </p:cNvPr>
+          <p:cNvSpPr/>
+          <p:nvPr/>
+        </p:nvSpPr>
+        <p:spPr>
+          <a:xfrm>
+            <a:off x="6513126" y="5317725"/>
+            <a:ext cx="4953495" cy="392956"/>
+          </a:xfrm>
+          <a:prstGeom prst="rect">
+            <a:avLst/>
+          </a:prstGeom>
+          <a:solidFill>
+            <a:schemeClr val="bg1"/>
+          </a:solidFill>
+          <a:ln>
+            <a:solidFill>
+              <a:schemeClr val="bg1"/>
+            </a:solidFill>
+          </a:ln>
+        </p:spPr>
+        <p:style>
+          <a:lnRef idx="2">
+            <a:schemeClr val="accent1">
+              <a:shade val="50000"/>
+            </a:schemeClr>
+          </a:lnRef>
+          <a:fillRef idx="1">
+            <a:schemeClr val="accent1"/>
+          </a:fillRef>
+          <a:effectRef idx="0">
+            <a:schemeClr val="accent1"/>
+          </a:effectRef>
+          <a:fontRef idx="minor">
+            <a:schemeClr val="lt1"/>
+          </a:fontRef>
+        </p:style>
+        <p:txBody>
+          <a:bodyPr rtlCol="0" anchor="ctr"/>
+          <a:lstStyle/>
+          <a:p>
+            <a:pPr algn="ctr"/>
+            <a:endParaRPr lang="it-IT"/>
+          </a:p>
+        </p:txBody>
+      </p:sp>
+      <p:sp>
+        <p:nvSpPr>
+          <p:cNvPr id="24" name="Titolo 1">
+            <a:extLst>
+              <a:ext uri="{FF2B5EF4-FFF2-40B4-BE49-F238E27FC236}">
+                <a16:creationId xmlns:a16="http://schemas.microsoft.com/office/drawing/2014/main" id="{BF6B0CE0-A167-4F8F-82ED-A3F598A03960}"/>
+              </a:ext>
+            </a:extLst>
+          </p:cNvPr>
+          <p:cNvSpPr txBox="1">
+            <a:spLocks/>
+          </p:cNvSpPr>
+          <p:nvPr/>
+        </p:nvSpPr>
+        <p:spPr>
+          <a:xfrm>
+            <a:off x="0" y="-62711"/>
+            <a:ext cx="12192000" cy="1325562"/>
+          </a:xfrm>
+          <a:prstGeom prst="rect">
+            <a:avLst/>
+          </a:prstGeom>
+        </p:spPr>
+        <p:txBody>
+          <a:bodyPr vert="horz" lIns="91440" tIns="45720" rIns="91440" bIns="45720" rtlCol="0" anchor="ctr">
+            <a:normAutofit/>
+          </a:bodyPr>
+          <a:lstStyle>
+            <a:lvl1pPr algn="l" defTabSz="914400" rtl="0" eaLnBrk="1" latinLnBrk="0" hangingPunct="1">
+              <a:spcBef>
+                <a:spcPct val="0"/>
+              </a:spcBef>
+              <a:buNone/>
+              <a:defRPr sz="4400" kern="1200">
+                <a:solidFill>
+                  <a:schemeClr val="tx1"/>
+                </a:solidFill>
+                <a:latin typeface="+mj-lt"/>
+                <a:ea typeface="+mj-ea"/>
+                <a:cs typeface="+mj-cs"/>
+              </a:defRPr>
+            </a:lvl1pPr>
+          </a:lstStyle>
+          <a:p>
+            <a:pPr algn="ctr"/>
+            <a:r>
+              <a:rPr lang="it-IT" dirty="0"/>
+              <a:t>PADUA – NUMBER OF HOPS</a:t>
+            </a:r>
+          </a:p>
+        </p:txBody>
+      </p:sp>
+      <p:sp>
+        <p:nvSpPr>
+          <p:cNvPr id="17" name="Segnaposto contenuto 2">
+            <a:extLst>
+              <a:ext uri="{FF2B5EF4-FFF2-40B4-BE49-F238E27FC236}">
+                <a16:creationId xmlns:a16="http://schemas.microsoft.com/office/drawing/2014/main" id="{BEB6CD24-17DB-41B9-A6F1-475DECA26F41}"/>
+              </a:ext>
+            </a:extLst>
+          </p:cNvPr>
+          <p:cNvSpPr txBox="1">
+            <a:spLocks/>
+          </p:cNvSpPr>
+          <p:nvPr/>
+        </p:nvSpPr>
+        <p:spPr>
+          <a:xfrm>
+            <a:off x="7201272" y="5780382"/>
+            <a:ext cx="3994950" cy="416242"/>
+          </a:xfrm>
+          <a:prstGeom prst="rect">
+            <a:avLst/>
+          </a:prstGeom>
+        </p:spPr>
+        <p:txBody>
+          <a:bodyPr>
+            <a:normAutofit/>
+          </a:bodyPr>
+          <a:lstStyle>
+            <a:lvl1pPr marL="342900" indent="-342900" algn="l" defTabSz="914400" rtl="0" eaLnBrk="1" latinLnBrk="0" hangingPunct="1">
+              <a:spcBef>
+                <a:spcPct val="20000"/>
+              </a:spcBef>
+              <a:buClr>
+                <a:schemeClr val="accent6"/>
+              </a:buClr>
+              <a:buFont typeface="Arial" pitchFamily="34" charset="0"/>
+              <a:buChar char="•"/>
+              <a:defRPr sz="3200" kern="1200">
+                <a:solidFill>
+                  <a:schemeClr val="tx1"/>
+                </a:solidFill>
+                <a:latin typeface="+mn-lt"/>
+                <a:ea typeface="+mn-ea"/>
+                <a:cs typeface="+mn-cs"/>
+              </a:defRPr>
+            </a:lvl1pPr>
+            <a:lvl2pPr marL="742950" indent="-285750" algn="l" defTabSz="914400" rtl="0" eaLnBrk="1" latinLnBrk="0" hangingPunct="1">
+              <a:spcBef>
+                <a:spcPct val="20000"/>
+              </a:spcBef>
+              <a:buClr>
+                <a:schemeClr val="accent6"/>
+              </a:buClr>
+              <a:buFont typeface="Courier New" panose="02070309020205020404" pitchFamily="49" charset="0"/>
+              <a:buChar char="o"/>
+              <a:defRPr sz="2800" kern="1200">
+                <a:solidFill>
+                  <a:schemeClr val="tx1"/>
+                </a:solidFill>
+                <a:latin typeface="+mn-lt"/>
+                <a:ea typeface="+mn-ea"/>
+                <a:cs typeface="+mn-cs"/>
+              </a:defRPr>
+            </a:lvl2pPr>
+            <a:lvl3pPr marL="1143000" indent="-228600" algn="l" defTabSz="914400" rtl="0" eaLnBrk="1" latinLnBrk="0" hangingPunct="1">
+              <a:spcBef>
+                <a:spcPct val="20000"/>
+              </a:spcBef>
+              <a:buFont typeface="Arial" pitchFamily="34" charset="0"/>
+              <a:buChar char="•"/>
+              <a:defRPr sz="2400" kern="1200">
+                <a:solidFill>
+                  <a:schemeClr val="tx1"/>
+                </a:solidFill>
+                <a:latin typeface="+mn-lt"/>
+                <a:ea typeface="+mn-ea"/>
+                <a:cs typeface="+mn-cs"/>
+              </a:defRPr>
+            </a:lvl3pPr>
+            <a:lvl4pPr marL="1600200" indent="-228600" algn="l" defTabSz="914400" rtl="0" eaLnBrk="1" latinLnBrk="0" hangingPunct="1">
+              <a:spcBef>
+                <a:spcPct val="20000"/>
+              </a:spcBef>
+              <a:buFont typeface="Arial" pitchFamily="34" charset="0"/>
+              <a:buChar char="–"/>
+              <a:defRPr sz="2000" kern="1200">
+                <a:solidFill>
+                  <a:schemeClr val="tx1"/>
+                </a:solidFill>
+                <a:latin typeface="+mn-lt"/>
+                <a:ea typeface="+mn-ea"/>
+                <a:cs typeface="+mn-cs"/>
+              </a:defRPr>
+            </a:lvl4pPr>
+            <a:lvl5pPr marL="2057400" indent="-228600" algn="l" defTabSz="914400" rtl="0" eaLnBrk="1" latinLnBrk="0" hangingPunct="1">
+              <a:spcBef>
+                <a:spcPct val="20000"/>
+              </a:spcBef>
+              <a:buFont typeface="Arial" pitchFamily="34" charset="0"/>
+              <a:buChar char="»"/>
+              <a:defRPr sz="2000" kern="1200">
+                <a:solidFill>
+                  <a:schemeClr val="tx1"/>
+                </a:solidFill>
+                <a:latin typeface="+mn-lt"/>
+                <a:ea typeface="+mn-ea"/>
+                <a:cs typeface="+mn-cs"/>
+              </a:defRPr>
+            </a:lvl5pPr>
+            <a:lvl6pPr marL="2514600" indent="-228600" algn="l" defTabSz="914400" rtl="0" eaLnBrk="1" latinLnBrk="0" hangingPunct="1">
+              <a:spcBef>
+                <a:spcPct val="20000"/>
+              </a:spcBef>
+              <a:buFont typeface="Arial" pitchFamily="34" charset="0"/>
+              <a:buChar char="•"/>
+              <a:defRPr sz="2000" kern="1200">
+                <a:solidFill>
+                  <a:schemeClr val="tx1"/>
+                </a:solidFill>
+                <a:latin typeface="+mn-lt"/>
+                <a:ea typeface="+mn-ea"/>
+                <a:cs typeface="+mn-cs"/>
+              </a:defRPr>
+            </a:lvl6pPr>
+            <a:lvl7pPr marL="2971800" indent="-228600" algn="l" defTabSz="914400" rtl="0" eaLnBrk="1" latinLnBrk="0" hangingPunct="1">
+              <a:spcBef>
+                <a:spcPct val="20000"/>
+              </a:spcBef>
+              <a:buFont typeface="Arial" pitchFamily="34" charset="0"/>
+              <a:buChar char="•"/>
+              <a:defRPr sz="2000" kern="1200">
+                <a:solidFill>
+                  <a:schemeClr val="tx1"/>
+                </a:solidFill>
+                <a:latin typeface="+mn-lt"/>
+                <a:ea typeface="+mn-ea"/>
+                <a:cs typeface="+mn-cs"/>
+              </a:defRPr>
+            </a:lvl7pPr>
+            <a:lvl8pPr marL="3429000" indent="-228600" algn="l" defTabSz="914400" rtl="0" eaLnBrk="1" latinLnBrk="0" hangingPunct="1">
+              <a:spcBef>
+                <a:spcPct val="20000"/>
+              </a:spcBef>
+              <a:buFont typeface="Arial" pitchFamily="34" charset="0"/>
+              <a:buChar char="•"/>
+              <a:defRPr sz="2000" kern="1200">
+                <a:solidFill>
+                  <a:schemeClr val="tx1"/>
+                </a:solidFill>
+                <a:latin typeface="+mn-lt"/>
+                <a:ea typeface="+mn-ea"/>
+                <a:cs typeface="+mn-cs"/>
+              </a:defRPr>
+            </a:lvl8pPr>
+            <a:lvl9pPr marL="3886200" indent="-228600" algn="l" defTabSz="914400" rtl="0" eaLnBrk="1" latinLnBrk="0" hangingPunct="1">
+              <a:spcBef>
+                <a:spcPct val="20000"/>
+              </a:spcBef>
+              <a:buFont typeface="Arial" pitchFamily="34" charset="0"/>
+              <a:buChar char="•"/>
+              <a:defRPr sz="2000" kern="1200">
+                <a:solidFill>
+                  <a:schemeClr val="tx1"/>
+                </a:solidFill>
+                <a:latin typeface="+mn-lt"/>
+                <a:ea typeface="+mn-ea"/>
+                <a:cs typeface="+mn-cs"/>
+              </a:defRPr>
+            </a:lvl9pPr>
+          </a:lstStyle>
+          <a:p>
+            <a:pPr marL="0" indent="0">
+              <a:buNone/>
+            </a:pPr>
+            <a:r>
+              <a:rPr lang="it-IT" sz="2000" dirty="0"/>
+              <a:t>With buildings, with </a:t>
+            </a:r>
+            <a:r>
+              <a:rPr lang="it-IT" sz="2000" dirty="0" err="1"/>
+              <a:t>junctions</a:t>
+            </a:r>
+            <a:endParaRPr lang="it-IT" sz="2000" dirty="0"/>
+          </a:p>
+        </p:txBody>
+      </p:sp>
+      <p:pic>
+        <p:nvPicPr>
+          <p:cNvPr id="38" name="Immagine 37">
+            <a:extLst>
+              <a:ext uri="{FF2B5EF4-FFF2-40B4-BE49-F238E27FC236}">
+                <a16:creationId xmlns:a16="http://schemas.microsoft.com/office/drawing/2014/main" id="{E5EECDC6-D716-4D60-8B06-AA44FE402DFF}"/>
+              </a:ext>
+            </a:extLst>
+          </p:cNvPr>
+          <p:cNvPicPr>
+            <a:picLocks noChangeAspect="1"/>
+          </p:cNvPicPr>
+          <p:nvPr/>
+        </p:nvPicPr>
+        <p:blipFill>
+          <a:blip r:embed="rId2">
+            <a:extLst>
+              <a:ext uri="{28A0092B-C50C-407E-A947-70E740481C1C}">
+                <a14:useLocalDpi xmlns:a14="http://schemas.microsoft.com/office/drawing/2010/main" val="0"/>
+              </a:ext>
+            </a:extLst>
+          </a:blip>
+          <a:stretch>
+            <a:fillRect/>
+          </a:stretch>
+        </p:blipFill>
+        <p:spPr>
+          <a:xfrm>
+            <a:off x="6980564" y="5472202"/>
+            <a:ext cx="1039395" cy="145973"/>
+          </a:xfrm>
+          <a:prstGeom prst="rect">
+            <a:avLst/>
+          </a:prstGeom>
+        </p:spPr>
+      </p:pic>
+      <p:pic>
+        <p:nvPicPr>
+          <p:cNvPr id="39" name="Immagine 38">
+            <a:extLst>
+              <a:ext uri="{FF2B5EF4-FFF2-40B4-BE49-F238E27FC236}">
+                <a16:creationId xmlns:a16="http://schemas.microsoft.com/office/drawing/2014/main" id="{DBFE66B5-423B-450E-8745-7CC9F04F5807}"/>
+              </a:ext>
+            </a:extLst>
+          </p:cNvPr>
+          <p:cNvPicPr>
+            <a:picLocks noChangeAspect="1"/>
+          </p:cNvPicPr>
+          <p:nvPr/>
+        </p:nvPicPr>
+        <p:blipFill>
+          <a:blip r:embed="rId3">
+            <a:extLst>
+              <a:ext uri="{28A0092B-C50C-407E-A947-70E740481C1C}">
+                <a14:useLocalDpi xmlns:a14="http://schemas.microsoft.com/office/drawing/2010/main" val="0"/>
+              </a:ext>
+            </a:extLst>
+          </a:blip>
+          <a:stretch>
+            <a:fillRect/>
+          </a:stretch>
+        </p:blipFill>
+        <p:spPr>
+          <a:xfrm>
+            <a:off x="3180037" y="5473924"/>
+            <a:ext cx="1058170" cy="142529"/>
+          </a:xfrm>
+          <a:prstGeom prst="rect">
+            <a:avLst/>
+          </a:prstGeom>
+        </p:spPr>
+      </p:pic>
+      <p:pic>
+        <p:nvPicPr>
+          <p:cNvPr id="40" name="Immagine 39">
+            <a:extLst>
+              <a:ext uri="{FF2B5EF4-FFF2-40B4-BE49-F238E27FC236}">
+                <a16:creationId xmlns:a16="http://schemas.microsoft.com/office/drawing/2014/main" id="{D6816098-2D96-42C1-91C7-5DF9DC91E4AA}"/>
+              </a:ext>
+            </a:extLst>
+          </p:cNvPr>
+          <p:cNvPicPr>
+            <a:picLocks noChangeAspect="1"/>
+          </p:cNvPicPr>
+          <p:nvPr/>
+        </p:nvPicPr>
+        <p:blipFill>
+          <a:blip r:embed="rId4">
+            <a:extLst>
+              <a:ext uri="{28A0092B-C50C-407E-A947-70E740481C1C}">
+                <a14:useLocalDpi xmlns:a14="http://schemas.microsoft.com/office/drawing/2010/main" val="0"/>
+              </a:ext>
+            </a:extLst>
+          </a:blip>
+          <a:stretch>
+            <a:fillRect/>
+          </a:stretch>
+        </p:blipFill>
+        <p:spPr>
+          <a:xfrm>
+            <a:off x="4677923" y="5473411"/>
+            <a:ext cx="1052260" cy="143555"/>
+          </a:xfrm>
+          <a:prstGeom prst="rect">
+            <a:avLst/>
+          </a:prstGeom>
+        </p:spPr>
+      </p:pic>
+      <p:pic>
+        <p:nvPicPr>
+          <p:cNvPr id="41" name="Immagine 40" descr="Immagine che contiene arredamento, tavolo&#10;&#10;Descrizione generata automaticamente">
+            <a:extLst>
+              <a:ext uri="{FF2B5EF4-FFF2-40B4-BE49-F238E27FC236}">
+                <a16:creationId xmlns:a16="http://schemas.microsoft.com/office/drawing/2014/main" id="{9F34CB1D-B975-4AAA-8B85-4BED3AC47D10}"/>
+              </a:ext>
+            </a:extLst>
+          </p:cNvPr>
+          <p:cNvPicPr>
+            <a:picLocks noChangeAspect="1"/>
+          </p:cNvPicPr>
+          <p:nvPr/>
+        </p:nvPicPr>
+        <p:blipFill>
+          <a:blip r:embed="rId5">
+            <a:extLst>
+              <a:ext uri="{28A0092B-C50C-407E-A947-70E740481C1C}">
+                <a14:useLocalDpi xmlns:a14="http://schemas.microsoft.com/office/drawing/2010/main" val="0"/>
+              </a:ext>
+            </a:extLst>
+          </a:blip>
+          <a:stretch>
+            <a:fillRect/>
+          </a:stretch>
+        </p:blipFill>
+        <p:spPr>
+          <a:xfrm>
+            <a:off x="1694037" y="5473715"/>
+            <a:ext cx="1050651" cy="142946"/>
+          </a:xfrm>
+          <a:prstGeom prst="rect">
+            <a:avLst/>
+          </a:prstGeom>
+        </p:spPr>
+      </p:pic>
+      <p:pic>
+        <p:nvPicPr>
+          <p:cNvPr id="43" name="Immagine 42">
+            <a:extLst>
+              <a:ext uri="{FF2B5EF4-FFF2-40B4-BE49-F238E27FC236}">
+                <a16:creationId xmlns:a16="http://schemas.microsoft.com/office/drawing/2014/main" id="{074699A6-40F0-4553-AC1B-29B4B6E6DCCC}"/>
+              </a:ext>
+            </a:extLst>
+          </p:cNvPr>
+          <p:cNvPicPr>
+            <a:picLocks noChangeAspect="1"/>
+          </p:cNvPicPr>
+          <p:nvPr/>
+        </p:nvPicPr>
+        <p:blipFill>
+          <a:blip r:embed="rId6">
+            <a:extLst>
+              <a:ext uri="{28A0092B-C50C-407E-A947-70E740481C1C}">
+                <a14:useLocalDpi xmlns:a14="http://schemas.microsoft.com/office/drawing/2010/main" val="0"/>
+              </a:ext>
+            </a:extLst>
+          </a:blip>
+          <a:stretch>
+            <a:fillRect/>
+          </a:stretch>
+        </p:blipFill>
+        <p:spPr>
+          <a:xfrm>
             <a:off x="8487397" y="5471779"/>
             <a:ext cx="1058169" cy="146819"/>
           </a:xfrm>
@@ -12922,6 +13758,982 @@
             <a:extLst>
               <a:ext uri="{FF2B5EF4-FFF2-40B4-BE49-F238E27FC236}">
                 <a16:creationId xmlns:a16="http://schemas.microsoft.com/office/drawing/2014/main" id="{52D705DA-2707-4CE0-9090-934BAEC3746F}"/>
+              </a:ext>
+            </a:extLst>
+          </p:cNvPr>
+          <p:cNvPicPr>
+            <a:picLocks noChangeAspect="1"/>
+          </p:cNvPicPr>
+          <p:nvPr/>
+        </p:nvPicPr>
+        <p:blipFill>
+          <a:blip r:embed="rId7">
+            <a:extLst>
+              <a:ext uri="{28A0092B-C50C-407E-A947-70E740481C1C}">
+                <a14:useLocalDpi xmlns:a14="http://schemas.microsoft.com/office/drawing/2010/main" val="0"/>
+              </a:ext>
+            </a:extLst>
+          </a:blip>
+          <a:stretch>
+            <a:fillRect/>
+          </a:stretch>
+        </p:blipFill>
+        <p:spPr>
+          <a:xfrm>
+            <a:off x="9968878" y="5472551"/>
+            <a:ext cx="1058169" cy="145274"/>
+          </a:xfrm>
+          <a:prstGeom prst="rect">
+            <a:avLst/>
+          </a:prstGeom>
+        </p:spPr>
+      </p:pic>
+      <p:pic>
+        <p:nvPicPr>
+          <p:cNvPr id="4" name="Immagine 3" descr="Immagine che contiene screenshot&#10;&#10;Descrizione generata automaticamente">
+            <a:extLst>
+              <a:ext uri="{FF2B5EF4-FFF2-40B4-BE49-F238E27FC236}">
+                <a16:creationId xmlns:a16="http://schemas.microsoft.com/office/drawing/2014/main" id="{C0F6A5B1-CF1B-4688-8C5B-3B3CB2829A6E}"/>
+              </a:ext>
+            </a:extLst>
+          </p:cNvPr>
+          <p:cNvPicPr>
+            <a:picLocks noChangeAspect="1"/>
+          </p:cNvPicPr>
+          <p:nvPr/>
+        </p:nvPicPr>
+        <p:blipFill>
+          <a:blip r:embed="rId8">
+            <a:extLst>
+              <a:ext uri="{28A0092B-C50C-407E-A947-70E740481C1C}">
+                <a14:useLocalDpi xmlns:a14="http://schemas.microsoft.com/office/drawing/2010/main" val="0"/>
+              </a:ext>
+            </a:extLst>
+          </a:blip>
+          <a:stretch>
+            <a:fillRect/>
+          </a:stretch>
+        </p:blipFill>
+        <p:spPr>
+          <a:xfrm>
+            <a:off x="688267" y="1167489"/>
+            <a:ext cx="5536942" cy="4173045"/>
+          </a:xfrm>
+          <a:prstGeom prst="rect">
+            <a:avLst/>
+          </a:prstGeom>
+        </p:spPr>
+      </p:pic>
+      <p:pic>
+        <p:nvPicPr>
+          <p:cNvPr id="7" name="Immagine 6" descr="Immagine che contiene screenshot&#10;&#10;Descrizione generata automaticamente">
+            <a:extLst>
+              <a:ext uri="{FF2B5EF4-FFF2-40B4-BE49-F238E27FC236}">
+                <a16:creationId xmlns:a16="http://schemas.microsoft.com/office/drawing/2014/main" id="{2A61F8D8-E0F5-4F53-8953-59DA0A6B031D}"/>
+              </a:ext>
+            </a:extLst>
+          </p:cNvPr>
+          <p:cNvPicPr>
+            <a:picLocks noChangeAspect="1"/>
+          </p:cNvPicPr>
+          <p:nvPr/>
+        </p:nvPicPr>
+        <p:blipFill rotWithShape="1">
+          <a:blip r:embed="rId9">
+            <a:extLst>
+              <a:ext uri="{28A0092B-C50C-407E-A947-70E740481C1C}">
+                <a14:useLocalDpi xmlns:a14="http://schemas.microsoft.com/office/drawing/2010/main" val="0"/>
+              </a:ext>
+            </a:extLst>
+          </a:blip>
+          <a:srcRect b="343"/>
+          <a:stretch/>
+        </p:blipFill>
+        <p:spPr>
+          <a:xfrm>
+            <a:off x="6513126" y="1167490"/>
+            <a:ext cx="4953495" cy="4196990"/>
+          </a:xfrm>
+          <a:prstGeom prst="rect">
+            <a:avLst/>
+          </a:prstGeom>
+        </p:spPr>
+      </p:pic>
+    </p:spTree>
+    <p:extLst>
+      <p:ext uri="{BB962C8B-B14F-4D97-AF65-F5344CB8AC3E}">
+        <p14:creationId xmlns:p14="http://schemas.microsoft.com/office/powerpoint/2010/main" val="3525029945"/>
+      </p:ext>
+    </p:extLst>
+  </p:cSld>
+  <p:clrMapOvr>
+    <a:masterClrMapping/>
+  </p:clrMapOvr>
+</p:sld>
+</file>
+
+<file path=ppt/slides/slide23.xml><?xml version="1.0" encoding="utf-8"?>
+<p:sld xmlns:a="http://schemas.openxmlformats.org/drawingml/2006/main" xmlns:r="http://schemas.openxmlformats.org/officeDocument/2006/relationships" xmlns:p="http://schemas.openxmlformats.org/presentationml/2006/main">
+  <p:cSld>
+    <p:spTree>
+      <p:nvGrpSpPr>
+        <p:cNvPr id="1" name=""/>
+        <p:cNvGrpSpPr/>
+        <p:nvPr/>
+      </p:nvGrpSpPr>
+      <p:grpSpPr>
+        <a:xfrm>
+          <a:off x="0" y="0"/>
+          <a:ext cx="0" cy="0"/>
+          <a:chOff x="0" y="0"/>
+          <a:chExt cx="0" cy="0"/>
+        </a:xfrm>
+      </p:grpSpPr>
+      <p:sp>
+        <p:nvSpPr>
+          <p:cNvPr id="10" name="Rettangolo 9">
+            <a:extLst>
+              <a:ext uri="{FF2B5EF4-FFF2-40B4-BE49-F238E27FC236}">
+                <a16:creationId xmlns:a16="http://schemas.microsoft.com/office/drawing/2014/main" id="{B9D3550C-14F0-41BE-96F1-9396C790BC52}"/>
+              </a:ext>
+            </a:extLst>
+          </p:cNvPr>
+          <p:cNvSpPr/>
+          <p:nvPr/>
+        </p:nvSpPr>
+        <p:spPr>
+          <a:xfrm>
+            <a:off x="11496585" y="6453637"/>
+            <a:ext cx="356377" cy="276999"/>
+          </a:xfrm>
+          <a:prstGeom prst="rect">
+            <a:avLst/>
+          </a:prstGeom>
+        </p:spPr>
+        <p:txBody>
+          <a:bodyPr wrap="square">
+            <a:spAutoFit/>
+          </a:bodyPr>
+          <a:lstStyle/>
+          <a:p>
+            <a:pPr algn="r"/>
+            <a:r>
+              <a:rPr lang="it-IT" sz="1200" dirty="0">
+                <a:latin typeface="Roboto" panose="02000000000000000000" pitchFamily="2" charset="0"/>
+                <a:ea typeface="Roboto" panose="02000000000000000000" pitchFamily="2" charset="0"/>
+                <a:cs typeface="Roboto" panose="02000000000000000000" pitchFamily="2" charset="0"/>
+              </a:rPr>
+              <a:t>5</a:t>
+            </a:r>
+            <a:endParaRPr lang="it-IT" sz="1200" dirty="0">
+              <a:solidFill>
+                <a:srgbClr val="C00000"/>
+              </a:solidFill>
+              <a:latin typeface="Roboto" panose="02000000000000000000" pitchFamily="2" charset="0"/>
+              <a:ea typeface="Roboto" panose="02000000000000000000" pitchFamily="2" charset="0"/>
+              <a:cs typeface="Roboto" panose="02000000000000000000" pitchFamily="2" charset="0"/>
+            </a:endParaRPr>
+          </a:p>
+        </p:txBody>
+      </p:sp>
+      <p:sp>
+        <p:nvSpPr>
+          <p:cNvPr id="8" name="Segnaposto contenuto 2">
+            <a:extLst>
+              <a:ext uri="{FF2B5EF4-FFF2-40B4-BE49-F238E27FC236}">
+                <a16:creationId xmlns:a16="http://schemas.microsoft.com/office/drawing/2014/main" id="{404FF6F9-50C9-47F5-9A59-7E20DCAFA408}"/>
+              </a:ext>
+            </a:extLst>
+          </p:cNvPr>
+          <p:cNvSpPr txBox="1">
+            <a:spLocks/>
+          </p:cNvSpPr>
+          <p:nvPr/>
+        </p:nvSpPr>
+        <p:spPr>
+          <a:xfrm>
+            <a:off x="1615737" y="5780377"/>
+            <a:ext cx="3994950" cy="416242"/>
+          </a:xfrm>
+          <a:prstGeom prst="rect">
+            <a:avLst/>
+          </a:prstGeom>
+        </p:spPr>
+        <p:txBody>
+          <a:bodyPr>
+            <a:normAutofit/>
+          </a:bodyPr>
+          <a:lstStyle>
+            <a:lvl1pPr marL="342900" indent="-342900" algn="l" defTabSz="914400" rtl="0" eaLnBrk="1" latinLnBrk="0" hangingPunct="1">
+              <a:spcBef>
+                <a:spcPct val="20000"/>
+              </a:spcBef>
+              <a:buClr>
+                <a:schemeClr val="accent6"/>
+              </a:buClr>
+              <a:buFont typeface="Arial" pitchFamily="34" charset="0"/>
+              <a:buChar char="•"/>
+              <a:defRPr sz="3200" kern="1200">
+                <a:solidFill>
+                  <a:schemeClr val="tx1"/>
+                </a:solidFill>
+                <a:latin typeface="+mn-lt"/>
+                <a:ea typeface="+mn-ea"/>
+                <a:cs typeface="+mn-cs"/>
+              </a:defRPr>
+            </a:lvl1pPr>
+            <a:lvl2pPr marL="742950" indent="-285750" algn="l" defTabSz="914400" rtl="0" eaLnBrk="1" latinLnBrk="0" hangingPunct="1">
+              <a:spcBef>
+                <a:spcPct val="20000"/>
+              </a:spcBef>
+              <a:buClr>
+                <a:schemeClr val="accent6"/>
+              </a:buClr>
+              <a:buFont typeface="Courier New" panose="02070309020205020404" pitchFamily="49" charset="0"/>
+              <a:buChar char="o"/>
+              <a:defRPr sz="2800" kern="1200">
+                <a:solidFill>
+                  <a:schemeClr val="tx1"/>
+                </a:solidFill>
+                <a:latin typeface="+mn-lt"/>
+                <a:ea typeface="+mn-ea"/>
+                <a:cs typeface="+mn-cs"/>
+              </a:defRPr>
+            </a:lvl2pPr>
+            <a:lvl3pPr marL="1143000" indent="-228600" algn="l" defTabSz="914400" rtl="0" eaLnBrk="1" latinLnBrk="0" hangingPunct="1">
+              <a:spcBef>
+                <a:spcPct val="20000"/>
+              </a:spcBef>
+              <a:buFont typeface="Arial" pitchFamily="34" charset="0"/>
+              <a:buChar char="•"/>
+              <a:defRPr sz="2400" kern="1200">
+                <a:solidFill>
+                  <a:schemeClr val="tx1"/>
+                </a:solidFill>
+                <a:latin typeface="+mn-lt"/>
+                <a:ea typeface="+mn-ea"/>
+                <a:cs typeface="+mn-cs"/>
+              </a:defRPr>
+            </a:lvl3pPr>
+            <a:lvl4pPr marL="1600200" indent="-228600" algn="l" defTabSz="914400" rtl="0" eaLnBrk="1" latinLnBrk="0" hangingPunct="1">
+              <a:spcBef>
+                <a:spcPct val="20000"/>
+              </a:spcBef>
+              <a:buFont typeface="Arial" pitchFamily="34" charset="0"/>
+              <a:buChar char="–"/>
+              <a:defRPr sz="2000" kern="1200">
+                <a:solidFill>
+                  <a:schemeClr val="tx1"/>
+                </a:solidFill>
+                <a:latin typeface="+mn-lt"/>
+                <a:ea typeface="+mn-ea"/>
+                <a:cs typeface="+mn-cs"/>
+              </a:defRPr>
+            </a:lvl4pPr>
+            <a:lvl5pPr marL="2057400" indent="-228600" algn="l" defTabSz="914400" rtl="0" eaLnBrk="1" latinLnBrk="0" hangingPunct="1">
+              <a:spcBef>
+                <a:spcPct val="20000"/>
+              </a:spcBef>
+              <a:buFont typeface="Arial" pitchFamily="34" charset="0"/>
+              <a:buChar char="»"/>
+              <a:defRPr sz="2000" kern="1200">
+                <a:solidFill>
+                  <a:schemeClr val="tx1"/>
+                </a:solidFill>
+                <a:latin typeface="+mn-lt"/>
+                <a:ea typeface="+mn-ea"/>
+                <a:cs typeface="+mn-cs"/>
+              </a:defRPr>
+            </a:lvl5pPr>
+            <a:lvl6pPr marL="2514600" indent="-228600" algn="l" defTabSz="914400" rtl="0" eaLnBrk="1" latinLnBrk="0" hangingPunct="1">
+              <a:spcBef>
+                <a:spcPct val="20000"/>
+              </a:spcBef>
+              <a:buFont typeface="Arial" pitchFamily="34" charset="0"/>
+              <a:buChar char="•"/>
+              <a:defRPr sz="2000" kern="1200">
+                <a:solidFill>
+                  <a:schemeClr val="tx1"/>
+                </a:solidFill>
+                <a:latin typeface="+mn-lt"/>
+                <a:ea typeface="+mn-ea"/>
+                <a:cs typeface="+mn-cs"/>
+              </a:defRPr>
+            </a:lvl6pPr>
+            <a:lvl7pPr marL="2971800" indent="-228600" algn="l" defTabSz="914400" rtl="0" eaLnBrk="1" latinLnBrk="0" hangingPunct="1">
+              <a:spcBef>
+                <a:spcPct val="20000"/>
+              </a:spcBef>
+              <a:buFont typeface="Arial" pitchFamily="34" charset="0"/>
+              <a:buChar char="•"/>
+              <a:defRPr sz="2000" kern="1200">
+                <a:solidFill>
+                  <a:schemeClr val="tx1"/>
+                </a:solidFill>
+                <a:latin typeface="+mn-lt"/>
+                <a:ea typeface="+mn-ea"/>
+                <a:cs typeface="+mn-cs"/>
+              </a:defRPr>
+            </a:lvl7pPr>
+            <a:lvl8pPr marL="3429000" indent="-228600" algn="l" defTabSz="914400" rtl="0" eaLnBrk="1" latinLnBrk="0" hangingPunct="1">
+              <a:spcBef>
+                <a:spcPct val="20000"/>
+              </a:spcBef>
+              <a:buFont typeface="Arial" pitchFamily="34" charset="0"/>
+              <a:buChar char="•"/>
+              <a:defRPr sz="2000" kern="1200">
+                <a:solidFill>
+                  <a:schemeClr val="tx1"/>
+                </a:solidFill>
+                <a:latin typeface="+mn-lt"/>
+                <a:ea typeface="+mn-ea"/>
+                <a:cs typeface="+mn-cs"/>
+              </a:defRPr>
+            </a:lvl8pPr>
+            <a:lvl9pPr marL="3886200" indent="-228600" algn="l" defTabSz="914400" rtl="0" eaLnBrk="1" latinLnBrk="0" hangingPunct="1">
+              <a:spcBef>
+                <a:spcPct val="20000"/>
+              </a:spcBef>
+              <a:buFont typeface="Arial" pitchFamily="34" charset="0"/>
+              <a:buChar char="•"/>
+              <a:defRPr sz="2000" kern="1200">
+                <a:solidFill>
+                  <a:schemeClr val="tx1"/>
+                </a:solidFill>
+                <a:latin typeface="+mn-lt"/>
+                <a:ea typeface="+mn-ea"/>
+                <a:cs typeface="+mn-cs"/>
+              </a:defRPr>
+            </a:lvl9pPr>
+          </a:lstStyle>
+          <a:p>
+            <a:pPr marL="0" indent="0">
+              <a:buNone/>
+            </a:pPr>
+            <a:r>
+              <a:rPr lang="it-IT" sz="2000" dirty="0"/>
+              <a:t>With buildings, </a:t>
+            </a:r>
+            <a:r>
+              <a:rPr lang="it-IT" sz="2000" dirty="0" err="1"/>
+              <a:t>without</a:t>
+            </a:r>
+            <a:r>
+              <a:rPr lang="it-IT" sz="2000" dirty="0"/>
+              <a:t> </a:t>
+            </a:r>
+            <a:r>
+              <a:rPr lang="it-IT" sz="2000" dirty="0" err="1"/>
+              <a:t>junctions</a:t>
+            </a:r>
+            <a:endParaRPr lang="it-IT" sz="2000" dirty="0"/>
+          </a:p>
+        </p:txBody>
+      </p:sp>
+      <p:sp>
+        <p:nvSpPr>
+          <p:cNvPr id="27" name="Rettangolo 26">
+            <a:extLst>
+              <a:ext uri="{FF2B5EF4-FFF2-40B4-BE49-F238E27FC236}">
+                <a16:creationId xmlns:a16="http://schemas.microsoft.com/office/drawing/2014/main" id="{5FAEBFEB-1E89-4E24-8E28-830974169D18}"/>
+              </a:ext>
+            </a:extLst>
+          </p:cNvPr>
+          <p:cNvSpPr/>
+          <p:nvPr/>
+        </p:nvSpPr>
+        <p:spPr>
+          <a:xfrm>
+            <a:off x="514568" y="5298642"/>
+            <a:ext cx="5682046" cy="392956"/>
+          </a:xfrm>
+          <a:prstGeom prst="rect">
+            <a:avLst/>
+          </a:prstGeom>
+          <a:solidFill>
+            <a:schemeClr val="bg1"/>
+          </a:solidFill>
+          <a:ln>
+            <a:solidFill>
+              <a:schemeClr val="bg1"/>
+            </a:solidFill>
+          </a:ln>
+        </p:spPr>
+        <p:style>
+          <a:lnRef idx="2">
+            <a:schemeClr val="accent1">
+              <a:shade val="50000"/>
+            </a:schemeClr>
+          </a:lnRef>
+          <a:fillRef idx="1">
+            <a:schemeClr val="accent1"/>
+          </a:fillRef>
+          <a:effectRef idx="0">
+            <a:schemeClr val="accent1"/>
+          </a:effectRef>
+          <a:fontRef idx="minor">
+            <a:schemeClr val="lt1"/>
+          </a:fontRef>
+        </p:style>
+        <p:txBody>
+          <a:bodyPr rtlCol="0" anchor="ctr"/>
+          <a:lstStyle/>
+          <a:p>
+            <a:pPr algn="ctr"/>
+            <a:endParaRPr lang="it-IT"/>
+          </a:p>
+        </p:txBody>
+      </p:sp>
+      <p:sp>
+        <p:nvSpPr>
+          <p:cNvPr id="28" name="Rettangolo 27">
+            <a:extLst>
+              <a:ext uri="{FF2B5EF4-FFF2-40B4-BE49-F238E27FC236}">
+                <a16:creationId xmlns:a16="http://schemas.microsoft.com/office/drawing/2014/main" id="{337B651D-1A07-4799-9C44-4DE35E4AD019}"/>
+              </a:ext>
+            </a:extLst>
+          </p:cNvPr>
+          <p:cNvSpPr/>
+          <p:nvPr/>
+        </p:nvSpPr>
+        <p:spPr>
+          <a:xfrm>
+            <a:off x="6513126" y="5317725"/>
+            <a:ext cx="4953495" cy="392956"/>
+          </a:xfrm>
+          <a:prstGeom prst="rect">
+            <a:avLst/>
+          </a:prstGeom>
+          <a:solidFill>
+            <a:schemeClr val="bg1"/>
+          </a:solidFill>
+          <a:ln>
+            <a:solidFill>
+              <a:schemeClr val="bg1"/>
+            </a:solidFill>
+          </a:ln>
+        </p:spPr>
+        <p:style>
+          <a:lnRef idx="2">
+            <a:schemeClr val="accent1">
+              <a:shade val="50000"/>
+            </a:schemeClr>
+          </a:lnRef>
+          <a:fillRef idx="1">
+            <a:schemeClr val="accent1"/>
+          </a:fillRef>
+          <a:effectRef idx="0">
+            <a:schemeClr val="accent1"/>
+          </a:effectRef>
+          <a:fontRef idx="minor">
+            <a:schemeClr val="lt1"/>
+          </a:fontRef>
+        </p:style>
+        <p:txBody>
+          <a:bodyPr rtlCol="0" anchor="ctr"/>
+          <a:lstStyle/>
+          <a:p>
+            <a:pPr algn="ctr"/>
+            <a:endParaRPr lang="it-IT"/>
+          </a:p>
+        </p:txBody>
+      </p:sp>
+      <p:sp>
+        <p:nvSpPr>
+          <p:cNvPr id="24" name="Titolo 1">
+            <a:extLst>
+              <a:ext uri="{FF2B5EF4-FFF2-40B4-BE49-F238E27FC236}">
+                <a16:creationId xmlns:a16="http://schemas.microsoft.com/office/drawing/2014/main" id="{BF6B0CE0-A167-4F8F-82ED-A3F598A03960}"/>
+              </a:ext>
+            </a:extLst>
+          </p:cNvPr>
+          <p:cNvSpPr txBox="1">
+            <a:spLocks/>
+          </p:cNvSpPr>
+          <p:nvPr/>
+        </p:nvSpPr>
+        <p:spPr>
+          <a:xfrm>
+            <a:off x="0" y="-62711"/>
+            <a:ext cx="12192000" cy="1325562"/>
+          </a:xfrm>
+          <a:prstGeom prst="rect">
+            <a:avLst/>
+          </a:prstGeom>
+        </p:spPr>
+        <p:txBody>
+          <a:bodyPr vert="horz" lIns="91440" tIns="45720" rIns="91440" bIns="45720" rtlCol="0" anchor="ctr">
+            <a:normAutofit/>
+          </a:bodyPr>
+          <a:lstStyle>
+            <a:lvl1pPr algn="l" defTabSz="914400" rtl="0" eaLnBrk="1" latinLnBrk="0" hangingPunct="1">
+              <a:spcBef>
+                <a:spcPct val="0"/>
+              </a:spcBef>
+              <a:buNone/>
+              <a:defRPr sz="4400" kern="1200">
+                <a:solidFill>
+                  <a:schemeClr val="tx1"/>
+                </a:solidFill>
+                <a:latin typeface="+mj-lt"/>
+                <a:ea typeface="+mj-ea"/>
+                <a:cs typeface="+mj-cs"/>
+              </a:defRPr>
+            </a:lvl1pPr>
+          </a:lstStyle>
+          <a:p>
+            <a:pPr algn="ctr"/>
+            <a:r>
+              <a:rPr lang="it-IT" dirty="0"/>
+              <a:t>PADUA – FORWARDING NODE NUMBER</a:t>
+            </a:r>
+          </a:p>
+        </p:txBody>
+      </p:sp>
+      <p:sp>
+        <p:nvSpPr>
+          <p:cNvPr id="17" name="Segnaposto contenuto 2">
+            <a:extLst>
+              <a:ext uri="{FF2B5EF4-FFF2-40B4-BE49-F238E27FC236}">
+                <a16:creationId xmlns:a16="http://schemas.microsoft.com/office/drawing/2014/main" id="{BEB6CD24-17DB-41B9-A6F1-475DECA26F41}"/>
+              </a:ext>
+            </a:extLst>
+          </p:cNvPr>
+          <p:cNvSpPr txBox="1">
+            <a:spLocks/>
+          </p:cNvSpPr>
+          <p:nvPr/>
+        </p:nvSpPr>
+        <p:spPr>
+          <a:xfrm>
+            <a:off x="7201272" y="5780382"/>
+            <a:ext cx="3994950" cy="416242"/>
+          </a:xfrm>
+          <a:prstGeom prst="rect">
+            <a:avLst/>
+          </a:prstGeom>
+        </p:spPr>
+        <p:txBody>
+          <a:bodyPr>
+            <a:normAutofit/>
+          </a:bodyPr>
+          <a:lstStyle>
+            <a:lvl1pPr marL="342900" indent="-342900" algn="l" defTabSz="914400" rtl="0" eaLnBrk="1" latinLnBrk="0" hangingPunct="1">
+              <a:spcBef>
+                <a:spcPct val="20000"/>
+              </a:spcBef>
+              <a:buClr>
+                <a:schemeClr val="accent6"/>
+              </a:buClr>
+              <a:buFont typeface="Arial" pitchFamily="34" charset="0"/>
+              <a:buChar char="•"/>
+              <a:defRPr sz="3200" kern="1200">
+                <a:solidFill>
+                  <a:schemeClr val="tx1"/>
+                </a:solidFill>
+                <a:latin typeface="+mn-lt"/>
+                <a:ea typeface="+mn-ea"/>
+                <a:cs typeface="+mn-cs"/>
+              </a:defRPr>
+            </a:lvl1pPr>
+            <a:lvl2pPr marL="742950" indent="-285750" algn="l" defTabSz="914400" rtl="0" eaLnBrk="1" latinLnBrk="0" hangingPunct="1">
+              <a:spcBef>
+                <a:spcPct val="20000"/>
+              </a:spcBef>
+              <a:buClr>
+                <a:schemeClr val="accent6"/>
+              </a:buClr>
+              <a:buFont typeface="Courier New" panose="02070309020205020404" pitchFamily="49" charset="0"/>
+              <a:buChar char="o"/>
+              <a:defRPr sz="2800" kern="1200">
+                <a:solidFill>
+                  <a:schemeClr val="tx1"/>
+                </a:solidFill>
+                <a:latin typeface="+mn-lt"/>
+                <a:ea typeface="+mn-ea"/>
+                <a:cs typeface="+mn-cs"/>
+              </a:defRPr>
+            </a:lvl2pPr>
+            <a:lvl3pPr marL="1143000" indent="-228600" algn="l" defTabSz="914400" rtl="0" eaLnBrk="1" latinLnBrk="0" hangingPunct="1">
+              <a:spcBef>
+                <a:spcPct val="20000"/>
+              </a:spcBef>
+              <a:buFont typeface="Arial" pitchFamily="34" charset="0"/>
+              <a:buChar char="•"/>
+              <a:defRPr sz="2400" kern="1200">
+                <a:solidFill>
+                  <a:schemeClr val="tx1"/>
+                </a:solidFill>
+                <a:latin typeface="+mn-lt"/>
+                <a:ea typeface="+mn-ea"/>
+                <a:cs typeface="+mn-cs"/>
+              </a:defRPr>
+            </a:lvl3pPr>
+            <a:lvl4pPr marL="1600200" indent="-228600" algn="l" defTabSz="914400" rtl="0" eaLnBrk="1" latinLnBrk="0" hangingPunct="1">
+              <a:spcBef>
+                <a:spcPct val="20000"/>
+              </a:spcBef>
+              <a:buFont typeface="Arial" pitchFamily="34" charset="0"/>
+              <a:buChar char="–"/>
+              <a:defRPr sz="2000" kern="1200">
+                <a:solidFill>
+                  <a:schemeClr val="tx1"/>
+                </a:solidFill>
+                <a:latin typeface="+mn-lt"/>
+                <a:ea typeface="+mn-ea"/>
+                <a:cs typeface="+mn-cs"/>
+              </a:defRPr>
+            </a:lvl4pPr>
+            <a:lvl5pPr marL="2057400" indent="-228600" algn="l" defTabSz="914400" rtl="0" eaLnBrk="1" latinLnBrk="0" hangingPunct="1">
+              <a:spcBef>
+                <a:spcPct val="20000"/>
+              </a:spcBef>
+              <a:buFont typeface="Arial" pitchFamily="34" charset="0"/>
+              <a:buChar char="»"/>
+              <a:defRPr sz="2000" kern="1200">
+                <a:solidFill>
+                  <a:schemeClr val="tx1"/>
+                </a:solidFill>
+                <a:latin typeface="+mn-lt"/>
+                <a:ea typeface="+mn-ea"/>
+                <a:cs typeface="+mn-cs"/>
+              </a:defRPr>
+            </a:lvl5pPr>
+            <a:lvl6pPr marL="2514600" indent="-228600" algn="l" defTabSz="914400" rtl="0" eaLnBrk="1" latinLnBrk="0" hangingPunct="1">
+              <a:spcBef>
+                <a:spcPct val="20000"/>
+              </a:spcBef>
+              <a:buFont typeface="Arial" pitchFamily="34" charset="0"/>
+              <a:buChar char="•"/>
+              <a:defRPr sz="2000" kern="1200">
+                <a:solidFill>
+                  <a:schemeClr val="tx1"/>
+                </a:solidFill>
+                <a:latin typeface="+mn-lt"/>
+                <a:ea typeface="+mn-ea"/>
+                <a:cs typeface="+mn-cs"/>
+              </a:defRPr>
+            </a:lvl6pPr>
+            <a:lvl7pPr marL="2971800" indent="-228600" algn="l" defTabSz="914400" rtl="0" eaLnBrk="1" latinLnBrk="0" hangingPunct="1">
+              <a:spcBef>
+                <a:spcPct val="20000"/>
+              </a:spcBef>
+              <a:buFont typeface="Arial" pitchFamily="34" charset="0"/>
+              <a:buChar char="•"/>
+              <a:defRPr sz="2000" kern="1200">
+                <a:solidFill>
+                  <a:schemeClr val="tx1"/>
+                </a:solidFill>
+                <a:latin typeface="+mn-lt"/>
+                <a:ea typeface="+mn-ea"/>
+                <a:cs typeface="+mn-cs"/>
+              </a:defRPr>
+            </a:lvl7pPr>
+            <a:lvl8pPr marL="3429000" indent="-228600" algn="l" defTabSz="914400" rtl="0" eaLnBrk="1" latinLnBrk="0" hangingPunct="1">
+              <a:spcBef>
+                <a:spcPct val="20000"/>
+              </a:spcBef>
+              <a:buFont typeface="Arial" pitchFamily="34" charset="0"/>
+              <a:buChar char="•"/>
+              <a:defRPr sz="2000" kern="1200">
+                <a:solidFill>
+                  <a:schemeClr val="tx1"/>
+                </a:solidFill>
+                <a:latin typeface="+mn-lt"/>
+                <a:ea typeface="+mn-ea"/>
+                <a:cs typeface="+mn-cs"/>
+              </a:defRPr>
+            </a:lvl8pPr>
+            <a:lvl9pPr marL="3886200" indent="-228600" algn="l" defTabSz="914400" rtl="0" eaLnBrk="1" latinLnBrk="0" hangingPunct="1">
+              <a:spcBef>
+                <a:spcPct val="20000"/>
+              </a:spcBef>
+              <a:buFont typeface="Arial" pitchFamily="34" charset="0"/>
+              <a:buChar char="•"/>
+              <a:defRPr sz="2000" kern="1200">
+                <a:solidFill>
+                  <a:schemeClr val="tx1"/>
+                </a:solidFill>
+                <a:latin typeface="+mn-lt"/>
+                <a:ea typeface="+mn-ea"/>
+                <a:cs typeface="+mn-cs"/>
+              </a:defRPr>
+            </a:lvl9pPr>
+          </a:lstStyle>
+          <a:p>
+            <a:pPr marL="0" indent="0">
+              <a:buNone/>
+            </a:pPr>
+            <a:r>
+              <a:rPr lang="it-IT" sz="2000" dirty="0"/>
+              <a:t>With buildings, with </a:t>
+            </a:r>
+            <a:r>
+              <a:rPr lang="it-IT" sz="2000" dirty="0" err="1"/>
+              <a:t>junctions</a:t>
+            </a:r>
+            <a:endParaRPr lang="it-IT" sz="2000" dirty="0"/>
+          </a:p>
+        </p:txBody>
+      </p:sp>
+      <p:pic>
+        <p:nvPicPr>
+          <p:cNvPr id="38" name="Immagine 37">
+            <a:extLst>
+              <a:ext uri="{FF2B5EF4-FFF2-40B4-BE49-F238E27FC236}">
+                <a16:creationId xmlns:a16="http://schemas.microsoft.com/office/drawing/2014/main" id="{E5EECDC6-D716-4D60-8B06-AA44FE402DFF}"/>
+              </a:ext>
+            </a:extLst>
+          </p:cNvPr>
+          <p:cNvPicPr>
+            <a:picLocks noChangeAspect="1"/>
+          </p:cNvPicPr>
+          <p:nvPr/>
+        </p:nvPicPr>
+        <p:blipFill>
+          <a:blip r:embed="rId2">
+            <a:extLst>
+              <a:ext uri="{28A0092B-C50C-407E-A947-70E740481C1C}">
+                <a14:useLocalDpi xmlns:a14="http://schemas.microsoft.com/office/drawing/2010/main" val="0"/>
+              </a:ext>
+            </a:extLst>
+          </a:blip>
+          <a:stretch>
+            <a:fillRect/>
+          </a:stretch>
+        </p:blipFill>
+        <p:spPr>
+          <a:xfrm>
+            <a:off x="6980564" y="5472202"/>
+            <a:ext cx="1039395" cy="145973"/>
+          </a:xfrm>
+          <a:prstGeom prst="rect">
+            <a:avLst/>
+          </a:prstGeom>
+        </p:spPr>
+      </p:pic>
+      <p:pic>
+        <p:nvPicPr>
+          <p:cNvPr id="39" name="Immagine 38">
+            <a:extLst>
+              <a:ext uri="{FF2B5EF4-FFF2-40B4-BE49-F238E27FC236}">
+                <a16:creationId xmlns:a16="http://schemas.microsoft.com/office/drawing/2014/main" id="{DBFE66B5-423B-450E-8745-7CC9F04F5807}"/>
+              </a:ext>
+            </a:extLst>
+          </p:cNvPr>
+          <p:cNvPicPr>
+            <a:picLocks noChangeAspect="1"/>
+          </p:cNvPicPr>
+          <p:nvPr/>
+        </p:nvPicPr>
+        <p:blipFill>
+          <a:blip r:embed="rId3">
+            <a:extLst>
+              <a:ext uri="{28A0092B-C50C-407E-A947-70E740481C1C}">
+                <a14:useLocalDpi xmlns:a14="http://schemas.microsoft.com/office/drawing/2010/main" val="0"/>
+              </a:ext>
+            </a:extLst>
+          </a:blip>
+          <a:stretch>
+            <a:fillRect/>
+          </a:stretch>
+        </p:blipFill>
+        <p:spPr>
+          <a:xfrm>
+            <a:off x="3180037" y="5473924"/>
+            <a:ext cx="1058170" cy="142529"/>
+          </a:xfrm>
+          <a:prstGeom prst="rect">
+            <a:avLst/>
+          </a:prstGeom>
+        </p:spPr>
+      </p:pic>
+      <p:pic>
+        <p:nvPicPr>
+          <p:cNvPr id="40" name="Immagine 39">
+            <a:extLst>
+              <a:ext uri="{FF2B5EF4-FFF2-40B4-BE49-F238E27FC236}">
+                <a16:creationId xmlns:a16="http://schemas.microsoft.com/office/drawing/2014/main" id="{D6816098-2D96-42C1-91C7-5DF9DC91E4AA}"/>
+              </a:ext>
+            </a:extLst>
+          </p:cNvPr>
+          <p:cNvPicPr>
+            <a:picLocks noChangeAspect="1"/>
+          </p:cNvPicPr>
+          <p:nvPr/>
+        </p:nvPicPr>
+        <p:blipFill>
+          <a:blip r:embed="rId4">
+            <a:extLst>
+              <a:ext uri="{28A0092B-C50C-407E-A947-70E740481C1C}">
+                <a14:useLocalDpi xmlns:a14="http://schemas.microsoft.com/office/drawing/2010/main" val="0"/>
+              </a:ext>
+            </a:extLst>
+          </a:blip>
+          <a:stretch>
+            <a:fillRect/>
+          </a:stretch>
+        </p:blipFill>
+        <p:spPr>
+          <a:xfrm>
+            <a:off x="4677923" y="5473411"/>
+            <a:ext cx="1052260" cy="143555"/>
+          </a:xfrm>
+          <a:prstGeom prst="rect">
+            <a:avLst/>
+          </a:prstGeom>
+        </p:spPr>
+      </p:pic>
+      <p:pic>
+        <p:nvPicPr>
+          <p:cNvPr id="41" name="Immagine 40" descr="Immagine che contiene arredamento, tavolo&#10;&#10;Descrizione generata automaticamente">
+            <a:extLst>
+              <a:ext uri="{FF2B5EF4-FFF2-40B4-BE49-F238E27FC236}">
+                <a16:creationId xmlns:a16="http://schemas.microsoft.com/office/drawing/2014/main" id="{9F34CB1D-B975-4AAA-8B85-4BED3AC47D10}"/>
+              </a:ext>
+            </a:extLst>
+          </p:cNvPr>
+          <p:cNvPicPr>
+            <a:picLocks noChangeAspect="1"/>
+          </p:cNvPicPr>
+          <p:nvPr/>
+        </p:nvPicPr>
+        <p:blipFill>
+          <a:blip r:embed="rId5">
+            <a:extLst>
+              <a:ext uri="{28A0092B-C50C-407E-A947-70E740481C1C}">
+                <a14:useLocalDpi xmlns:a14="http://schemas.microsoft.com/office/drawing/2010/main" val="0"/>
+              </a:ext>
+            </a:extLst>
+          </a:blip>
+          <a:stretch>
+            <a:fillRect/>
+          </a:stretch>
+        </p:blipFill>
+        <p:spPr>
+          <a:xfrm>
+            <a:off x="1694037" y="5473715"/>
+            <a:ext cx="1050651" cy="142946"/>
+          </a:xfrm>
+          <a:prstGeom prst="rect">
+            <a:avLst/>
+          </a:prstGeom>
+        </p:spPr>
+      </p:pic>
+      <p:pic>
+        <p:nvPicPr>
+          <p:cNvPr id="43" name="Immagine 42">
+            <a:extLst>
+              <a:ext uri="{FF2B5EF4-FFF2-40B4-BE49-F238E27FC236}">
+                <a16:creationId xmlns:a16="http://schemas.microsoft.com/office/drawing/2014/main" id="{074699A6-40F0-4553-AC1B-29B4B6E6DCCC}"/>
+              </a:ext>
+            </a:extLst>
+          </p:cNvPr>
+          <p:cNvPicPr>
+            <a:picLocks noChangeAspect="1"/>
+          </p:cNvPicPr>
+          <p:nvPr/>
+        </p:nvPicPr>
+        <p:blipFill>
+          <a:blip r:embed="rId6">
+            <a:extLst>
+              <a:ext uri="{28A0092B-C50C-407E-A947-70E740481C1C}">
+                <a14:useLocalDpi xmlns:a14="http://schemas.microsoft.com/office/drawing/2010/main" val="0"/>
+              </a:ext>
+            </a:extLst>
+          </a:blip>
+          <a:stretch>
+            <a:fillRect/>
+          </a:stretch>
+        </p:blipFill>
+        <p:spPr>
+          <a:xfrm>
+            <a:off x="8487397" y="5471779"/>
+            <a:ext cx="1058169" cy="146819"/>
+          </a:xfrm>
+          <a:prstGeom prst="rect">
+            <a:avLst/>
+          </a:prstGeom>
+        </p:spPr>
+      </p:pic>
+      <p:pic>
+        <p:nvPicPr>
+          <p:cNvPr id="45" name="Immagine 44">
+            <a:extLst>
+              <a:ext uri="{FF2B5EF4-FFF2-40B4-BE49-F238E27FC236}">
+                <a16:creationId xmlns:a16="http://schemas.microsoft.com/office/drawing/2014/main" id="{52D705DA-2707-4CE0-9090-934BAEC3746F}"/>
+              </a:ext>
+            </a:extLst>
+          </p:cNvPr>
+          <p:cNvPicPr>
+            <a:picLocks noChangeAspect="1"/>
+          </p:cNvPicPr>
+          <p:nvPr/>
+        </p:nvPicPr>
+        <p:blipFill>
+          <a:blip r:embed="rId7">
+            <a:extLst>
+              <a:ext uri="{28A0092B-C50C-407E-A947-70E740481C1C}">
+                <a14:useLocalDpi xmlns:a14="http://schemas.microsoft.com/office/drawing/2010/main" val="0"/>
+              </a:ext>
+            </a:extLst>
+          </a:blip>
+          <a:stretch>
+            <a:fillRect/>
+          </a:stretch>
+        </p:blipFill>
+        <p:spPr>
+          <a:xfrm>
+            <a:off x="9968878" y="5472551"/>
+            <a:ext cx="1058169" cy="145274"/>
+          </a:xfrm>
+          <a:prstGeom prst="rect">
+            <a:avLst/>
+          </a:prstGeom>
+        </p:spPr>
+      </p:pic>
+      <p:pic>
+        <p:nvPicPr>
+          <p:cNvPr id="11" name="Immagine 10" descr="Immagine che contiene screenshot, testo&#10;&#10;Descrizione generata automaticamente">
+            <a:extLst>
+              <a:ext uri="{FF2B5EF4-FFF2-40B4-BE49-F238E27FC236}">
+                <a16:creationId xmlns:a16="http://schemas.microsoft.com/office/drawing/2014/main" id="{D1D668D4-15D5-4575-99F0-AE6807A19A49}"/>
+              </a:ext>
+            </a:extLst>
+          </p:cNvPr>
+          <p:cNvPicPr>
+            <a:picLocks noChangeAspect="1"/>
+          </p:cNvPicPr>
+          <p:nvPr/>
+        </p:nvPicPr>
+        <p:blipFill>
+          <a:blip r:embed="rId8">
+            <a:extLst>
+              <a:ext uri="{28A0092B-C50C-407E-A947-70E740481C1C}">
+                <a14:useLocalDpi xmlns:a14="http://schemas.microsoft.com/office/drawing/2010/main" val="0"/>
+              </a:ext>
+            </a:extLst>
+          </a:blip>
+          <a:stretch>
+            <a:fillRect/>
+          </a:stretch>
+        </p:blipFill>
+        <p:spPr>
+          <a:xfrm>
+            <a:off x="514568" y="1166402"/>
+            <a:ext cx="5682046" cy="4177124"/>
+          </a:xfrm>
+          <a:prstGeom prst="rect">
+            <a:avLst/>
+          </a:prstGeom>
+        </p:spPr>
+      </p:pic>
+      <p:pic>
+        <p:nvPicPr>
+          <p:cNvPr id="13" name="Immagine 12">
+            <a:extLst>
+              <a:ext uri="{FF2B5EF4-FFF2-40B4-BE49-F238E27FC236}">
+                <a16:creationId xmlns:a16="http://schemas.microsoft.com/office/drawing/2014/main" id="{ECA3E423-07F3-4781-B4A0-92FD78887200}"/>
               </a:ext>
             </a:extLst>
           </p:cNvPr>
@@ -12944,43 +14756,8 @@
         </p:blipFill>
         <p:spPr>
           <a:xfrm>
-            <a:off x="9968878" y="5472551"/>
-            <a:ext cx="1058169" cy="145274"/>
-          </a:xfrm>
-          <a:prstGeom prst="rect">
-            <a:avLst/>
-          </a:prstGeom>
-        </p:spPr>
-      </p:pic>
-      <p:pic>
-        <p:nvPicPr>
-          <p:cNvPr id="6" name="Immagine 5">
-            <a:extLst>
-              <a:ext uri="{FF2B5EF4-FFF2-40B4-BE49-F238E27FC236}">
-                <a16:creationId xmlns:a16="http://schemas.microsoft.com/office/drawing/2014/main" id="{C65CEAEB-84D9-4F71-BA69-630F1D43F7D0}"/>
-              </a:ext>
-            </a:extLst>
-          </p:cNvPr>
-          <p:cNvPicPr>
-            <a:picLocks noChangeAspect="1"/>
-          </p:cNvPicPr>
-          <p:nvPr/>
-        </p:nvPicPr>
-        <p:blipFill rotWithShape="1">
-          <a:blip r:embed="rId10">
-            <a:extLst>
-              <a:ext uri="{28A0092B-C50C-407E-A947-70E740481C1C}">
-                <a14:useLocalDpi xmlns:a14="http://schemas.microsoft.com/office/drawing/2010/main" val="0"/>
-              </a:ext>
-            </a:extLst>
-          </a:blip>
-          <a:srcRect b="1652"/>
-          <a:stretch/>
-        </p:blipFill>
-        <p:spPr>
-          <a:xfrm>
-            <a:off x="6513126" y="1194124"/>
-            <a:ext cx="4983459" cy="4122577"/>
+            <a:off x="6513126" y="1166403"/>
+            <a:ext cx="4934236" cy="4157418"/>
           </a:xfrm>
           <a:prstGeom prst="rect">
             <a:avLst/>
@@ -12990,7 +14767,7 @@
     </p:spTree>
     <p:extLst>
       <p:ext uri="{BB962C8B-B14F-4D97-AF65-F5344CB8AC3E}">
-        <p14:creationId xmlns:p14="http://schemas.microsoft.com/office/powerpoint/2010/main" val="1160738301"/>
+        <p14:creationId xmlns:p14="http://schemas.microsoft.com/office/powerpoint/2010/main" val="2973869396"/>
       </p:ext>
     </p:extLst>
   </p:cSld>

--- a/Presentazioni/Presentazione Magistrale/Presentazione Magistrale.pptx
+++ b/Presentazioni/Presentazione Magistrale/Presentazione Magistrale.pptx
@@ -23,12 +23,12 @@
     <p:sldId id="271" r:id="rId14"/>
     <p:sldId id="272" r:id="rId15"/>
     <p:sldId id="273" r:id="rId16"/>
-    <p:sldId id="274" r:id="rId17"/>
-    <p:sldId id="275" r:id="rId18"/>
-    <p:sldId id="276" r:id="rId19"/>
-    <p:sldId id="277" r:id="rId20"/>
-    <p:sldId id="278" r:id="rId21"/>
-    <p:sldId id="279" r:id="rId22"/>
+    <p:sldId id="280" r:id="rId17"/>
+    <p:sldId id="282" r:id="rId18"/>
+    <p:sldId id="284" r:id="rId19"/>
+    <p:sldId id="285" r:id="rId20"/>
+    <p:sldId id="286" r:id="rId21"/>
+    <p:sldId id="287" r:id="rId22"/>
   </p:sldIdLst>
   <p:sldSz cx="12192000" cy="6858000"/>
   <p:notesSz cx="6858000" cy="9144000"/>
@@ -217,7 +217,7 @@
           <a:p>
             <a:fld id="{1A578250-5579-4797-8B18-F36A6FF46076}" type="datetimeFigureOut">
               <a:rPr lang="it-IT" smtClean="0"/>
-              <a:t>08/07/2019</a:t>
+              <a:t>09/07/2019</a:t>
             </a:fld>
             <a:endParaRPr lang="it-IT"/>
           </a:p>
@@ -615,7 +615,7 @@
           <a:p>
             <a:fld id="{1A03AB17-A341-48A5-AD52-E4D16CDFE3B7}" type="datetimeFigureOut">
               <a:rPr lang="it-IT" smtClean="0"/>
-              <a:t>08/07/2019</a:t>
+              <a:t>09/07/2019</a:t>
             </a:fld>
             <a:endParaRPr lang="it-IT"/>
           </a:p>
@@ -785,7 +785,7 @@
           <a:p>
             <a:fld id="{1A03AB17-A341-48A5-AD52-E4D16CDFE3B7}" type="datetimeFigureOut">
               <a:rPr lang="it-IT" smtClean="0"/>
-              <a:t>08/07/2019</a:t>
+              <a:t>09/07/2019</a:t>
             </a:fld>
             <a:endParaRPr lang="it-IT"/>
           </a:p>
@@ -965,7 +965,7 @@
           <a:p>
             <a:fld id="{1A03AB17-A341-48A5-AD52-E4D16CDFE3B7}" type="datetimeFigureOut">
               <a:rPr lang="it-IT" smtClean="0"/>
-              <a:t>08/07/2019</a:t>
+              <a:t>09/07/2019</a:t>
             </a:fld>
             <a:endParaRPr lang="it-IT"/>
           </a:p>
@@ -1166,7 +1166,7 @@
           <a:p>
             <a:fld id="{1A03AB17-A341-48A5-AD52-E4D16CDFE3B7}" type="datetimeFigureOut">
               <a:rPr lang="it-IT" smtClean="0"/>
-              <a:t>08/07/2019</a:t>
+              <a:t>09/07/2019</a:t>
             </a:fld>
             <a:endParaRPr lang="it-IT"/>
           </a:p>
@@ -1581,7 +1581,7 @@
           <a:p>
             <a:fld id="{1A03AB17-A341-48A5-AD52-E4D16CDFE3B7}" type="datetimeFigureOut">
               <a:rPr lang="it-IT" smtClean="0"/>
-              <a:t>08/07/2019</a:t>
+              <a:t>09/07/2019</a:t>
             </a:fld>
             <a:endParaRPr lang="it-IT"/>
           </a:p>
@@ -1869,7 +1869,7 @@
           <a:p>
             <a:fld id="{1A03AB17-A341-48A5-AD52-E4D16CDFE3B7}" type="datetimeFigureOut">
               <a:rPr lang="it-IT" smtClean="0"/>
-              <a:t>08/07/2019</a:t>
+              <a:t>09/07/2019</a:t>
             </a:fld>
             <a:endParaRPr lang="it-IT"/>
           </a:p>
@@ -2292,7 +2292,7 @@
           <a:p>
             <a:fld id="{1A03AB17-A341-48A5-AD52-E4D16CDFE3B7}" type="datetimeFigureOut">
               <a:rPr lang="it-IT" smtClean="0"/>
-              <a:t>08/07/2019</a:t>
+              <a:t>09/07/2019</a:t>
             </a:fld>
             <a:endParaRPr lang="it-IT"/>
           </a:p>
@@ -2410,7 +2410,7 @@
           <a:p>
             <a:fld id="{1A03AB17-A341-48A5-AD52-E4D16CDFE3B7}" type="datetimeFigureOut">
               <a:rPr lang="it-IT" smtClean="0"/>
-              <a:t>08/07/2019</a:t>
+              <a:t>09/07/2019</a:t>
             </a:fld>
             <a:endParaRPr lang="it-IT"/>
           </a:p>
@@ -2505,7 +2505,7 @@
           <a:p>
             <a:fld id="{1A03AB17-A341-48A5-AD52-E4D16CDFE3B7}" type="datetimeFigureOut">
               <a:rPr lang="it-IT" smtClean="0"/>
-              <a:t>08/07/2019</a:t>
+              <a:t>09/07/2019</a:t>
             </a:fld>
             <a:endParaRPr lang="it-IT"/>
           </a:p>
@@ -2782,7 +2782,7 @@
           <a:p>
             <a:fld id="{1A03AB17-A341-48A5-AD52-E4D16CDFE3B7}" type="datetimeFigureOut">
               <a:rPr lang="it-IT" smtClean="0"/>
-              <a:t>08/07/2019</a:t>
+              <a:t>09/07/2019</a:t>
             </a:fld>
             <a:endParaRPr lang="it-IT"/>
           </a:p>
@@ -3039,7 +3039,7 @@
           <a:p>
             <a:fld id="{1A03AB17-A341-48A5-AD52-E4D16CDFE3B7}" type="datetimeFigureOut">
               <a:rPr lang="it-IT" smtClean="0"/>
-              <a:t>08/07/2019</a:t>
+              <a:t>09/07/2019</a:t>
             </a:fld>
             <a:endParaRPr lang="it-IT"/>
           </a:p>
@@ -3148,8 +3148,8 @@
         </p:nvSpPr>
         <p:spPr>
           <a:xfrm>
-            <a:off x="838200" y="274638"/>
-            <a:ext cx="10515600" cy="1325562"/>
+            <a:off x="0" y="274638"/>
+            <a:ext cx="12192000" cy="1325562"/>
           </a:xfrm>
           <a:prstGeom prst="rect">
             <a:avLst/>
@@ -3162,10 +3162,10 @@
           <a:lstStyle/>
           <a:p>
             <a:r>
-              <a:rPr lang="it-IT"/>
+              <a:rPr lang="it-IT" dirty="0"/>
               <a:t>Fare clic per modificare lo stile del titolo dello schema</a:t>
             </a:r>
-            <a:endParaRPr lang="en-US"/>
+            <a:endParaRPr lang="en-US" dirty="0"/>
           </a:p>
         </p:txBody>
       </p:sp>
@@ -3266,7 +3266,7 @@
           <a:p>
             <a:fld id="{1A03AB17-A341-48A5-AD52-E4D16CDFE3B7}" type="datetimeFigureOut">
               <a:rPr lang="it-IT" smtClean="0"/>
-              <a:t>08/07/2019</a:t>
+              <a:t>09/07/2019</a:t>
             </a:fld>
             <a:endParaRPr lang="it-IT"/>
           </a:p>
@@ -3378,7 +3378,7 @@
           <a:spcPct val="0"/>
         </a:spcBef>
         <a:buNone/>
-        <a:defRPr sz="4400" kern="1200">
+        <a:defRPr sz="4000" kern="1200">
           <a:solidFill>
             <a:schemeClr val="tx1"/>
           </a:solidFill>
@@ -3909,6 +3909,83 @@
           </a:p>
         </p:txBody>
       </p:sp>
+      <p:sp>
+        <p:nvSpPr>
+          <p:cNvPr id="7" name="Rettangolo 6">
+            <a:extLst>
+              <a:ext uri="{FF2B5EF4-FFF2-40B4-BE49-F238E27FC236}">
+                <a16:creationId xmlns:a16="http://schemas.microsoft.com/office/drawing/2014/main" id="{859EBE77-18FE-4C3A-B926-4FB1E3442AC6}"/>
+              </a:ext>
+            </a:extLst>
+          </p:cNvPr>
+          <p:cNvSpPr/>
+          <p:nvPr/>
+        </p:nvSpPr>
+        <p:spPr>
+          <a:xfrm>
+            <a:off x="4607401" y="4984378"/>
+            <a:ext cx="2977198" cy="508088"/>
+          </a:xfrm>
+          <a:prstGeom prst="rect">
+            <a:avLst/>
+          </a:prstGeom>
+        </p:spPr>
+        <p:txBody>
+          <a:bodyPr wrap="square">
+            <a:spAutoFit/>
+          </a:bodyPr>
+          <a:lstStyle/>
+          <a:p>
+            <a:r>
+              <a:rPr lang="it-IT" sz="1351" dirty="0">
+                <a:latin typeface="Segoe UI" panose="020B0502040204020203" pitchFamily="34" charset="0"/>
+                <a:ea typeface="Roboto" panose="02000000000000000000" pitchFamily="2" charset="0"/>
+                <a:cs typeface="Segoe UI" panose="020B0502040204020203" pitchFamily="34" charset="0"/>
+              </a:rPr>
+              <a:t>Relatore: Prof. Claudio Enrico Palazzi</a:t>
+            </a:r>
+          </a:p>
+          <a:p>
+            <a:r>
+              <a:rPr lang="it-IT" sz="1351" dirty="0">
+                <a:latin typeface="Segoe UI" panose="020B0502040204020203" pitchFamily="34" charset="0"/>
+                <a:ea typeface="Roboto" panose="02000000000000000000" pitchFamily="2" charset="0"/>
+                <a:cs typeface="Segoe UI" panose="020B0502040204020203" pitchFamily="34" charset="0"/>
+              </a:rPr>
+              <a:t>Co-relatore: Dott. </a:t>
+            </a:r>
+            <a:r>
+              <a:rPr lang="it-IT" sz="1351" dirty="0" err="1">
+                <a:latin typeface="Segoe UI" panose="020B0502040204020203" pitchFamily="34" charset="0"/>
+                <a:ea typeface="Roboto" panose="02000000000000000000" pitchFamily="2" charset="0"/>
+                <a:cs typeface="Segoe UI" panose="020B0502040204020203" pitchFamily="34" charset="0"/>
+              </a:rPr>
+              <a:t>Armir</a:t>
+            </a:r>
+            <a:r>
+              <a:rPr lang="it-IT" sz="1351" dirty="0">
+                <a:latin typeface="Segoe UI" panose="020B0502040204020203" pitchFamily="34" charset="0"/>
+                <a:ea typeface="Roboto" panose="02000000000000000000" pitchFamily="2" charset="0"/>
+                <a:cs typeface="Segoe UI" panose="020B0502040204020203" pitchFamily="34" charset="0"/>
+              </a:rPr>
+              <a:t> </a:t>
+            </a:r>
+            <a:r>
+              <a:rPr lang="it-IT" sz="1351" dirty="0" err="1">
+                <a:latin typeface="Segoe UI" panose="020B0502040204020203" pitchFamily="34" charset="0"/>
+                <a:ea typeface="Roboto" panose="02000000000000000000" pitchFamily="2" charset="0"/>
+                <a:cs typeface="Segoe UI" panose="020B0502040204020203" pitchFamily="34" charset="0"/>
+              </a:rPr>
+              <a:t>Bujari</a:t>
+            </a:r>
+            <a:endParaRPr lang="it-IT" sz="1351" dirty="0">
+              <a:latin typeface="Segoe UI" panose="020B0502040204020203" pitchFamily="34" charset="0"/>
+              <a:ea typeface="Roboto" panose="02000000000000000000" pitchFamily="2" charset="0"/>
+              <a:cs typeface="Segoe UI" panose="020B0502040204020203" pitchFamily="34" charset="0"/>
+            </a:endParaRPr>
+          </a:p>
+        </p:txBody>
+      </p:sp>
     </p:spTree>
     <p:extLst>
       <p:ext uri="{BB962C8B-B14F-4D97-AF65-F5344CB8AC3E}">
@@ -4037,14 +4114,14 @@
           <p:nvPr>
             <p:extLst>
               <p:ext uri="{D42A27DB-BD31-4B8C-83A1-F6EECF244321}">
-                <p14:modId xmlns:p14="http://schemas.microsoft.com/office/powerpoint/2010/main" val="2017825886"/>
+                <p14:modId xmlns:p14="http://schemas.microsoft.com/office/powerpoint/2010/main" val="964365935"/>
               </p:ext>
             </p:extLst>
           </p:nvPr>
         </p:nvGraphicFramePr>
         <p:xfrm>
           <a:off x="164623" y="1197896"/>
-          <a:ext cx="5711699" cy="4665682"/>
+          <a:ext cx="5711699" cy="4029790"/>
         </p:xfrm>
         <a:graphic>
           <a:graphicData uri="http://schemas.openxmlformats.org/drawingml/2006/table">
@@ -4053,14 +4130,14 @@
                 <a:tableStyleId>{93296810-A885-4BE3-A3E7-6D5BEEA58F35}</a:tableStyleId>
               </a:tblPr>
               <a:tblGrid>
-                <a:gridCol w="2733231">
+                <a:gridCol w="2889295">
                   <a:extLst>
                     <a:ext uri="{9D8B030D-6E8A-4147-A177-3AD203B41FA5}">
                       <a16:colId xmlns:a16="http://schemas.microsoft.com/office/drawing/2014/main" val="2431431013"/>
                     </a:ext>
                   </a:extLst>
                 </a:gridCol>
-                <a:gridCol w="2978468">
+                <a:gridCol w="2822404">
                   <a:extLst>
                     <a:ext uri="{9D8B030D-6E8A-4147-A177-3AD203B41FA5}">
                       <a16:colId xmlns:a16="http://schemas.microsoft.com/office/drawing/2014/main" val="2147857952"/>
@@ -4104,17 +4181,16 @@
                   </a:ext>
                 </a:extLst>
               </a:tr>
-              <a:tr h="465790">
+              <a:tr h="396000">
                 <a:tc>
                   <a:txBody>
                     <a:bodyPr/>
                     <a:lstStyle/>
                     <a:p>
                       <a:r>
-                        <a:rPr lang="it-IT" sz="1800"/>
+                        <a:rPr lang="it-IT" sz="1600" dirty="0"/>
                         <a:t>Scenario name</a:t>
                       </a:r>
-                      <a:endParaRPr lang="it-IT" sz="1800" dirty="0"/>
                     </a:p>
                   </a:txBody>
                   <a:tcPr/>
@@ -4126,10 +4202,10 @@
                     <a:p>
                       <a:pPr algn="ctr"/>
                       <a:r>
-                        <a:rPr lang="it-IT" sz="1800" dirty="0" err="1"/>
+                        <a:rPr lang="it-IT" sz="1600" dirty="0" err="1"/>
                         <a:t>Padua</a:t>
                       </a:r>
-                      <a:endParaRPr lang="it-IT" sz="1800" dirty="0"/>
+                      <a:endParaRPr lang="it-IT" sz="1600" dirty="0"/>
                     </a:p>
                   </a:txBody>
                   <a:tcPr/>
@@ -4140,19 +4216,19 @@
                   </a:ext>
                 </a:extLst>
               </a:tr>
-              <a:tr h="465790">
+              <a:tr h="396000">
                 <a:tc>
                   <a:txBody>
                     <a:bodyPr/>
                     <a:lstStyle/>
                     <a:p>
                       <a:r>
-                        <a:rPr lang="it-IT" sz="1800" dirty="0" err="1"/>
+                        <a:rPr lang="it-IT" sz="1600" dirty="0" err="1"/>
                         <a:t>Latitude</a:t>
                       </a:r>
                       <a:r>
-                        <a:rPr lang="it-IT" sz="1800" dirty="0"/>
-                        <a:t> N</a:t>
+                        <a:rPr lang="it-IT" sz="1600" dirty="0"/>
+                        <a:t> N [°]</a:t>
                       </a:r>
                     </a:p>
                   </a:txBody>
@@ -4165,7 +4241,7 @@
                     <a:p>
                       <a:pPr algn="ctr"/>
                       <a:r>
-                        <a:rPr lang="it-IT" sz="1800" b="0" i="0" u="none" strike="noStrike" kern="1200" baseline="0">
+                        <a:rPr lang="it-IT" sz="1600" b="0" i="0" u="none" strike="noStrike" kern="1200" baseline="0" dirty="0">
                           <a:solidFill>
                             <a:schemeClr val="dk1"/>
                           </a:solidFill>
@@ -4175,7 +4251,7 @@
                         </a:rPr>
                         <a:t>45.4171</a:t>
                       </a:r>
-                      <a:endParaRPr lang="it-IT" sz="1800" dirty="0"/>
+                      <a:endParaRPr lang="it-IT" sz="1600" dirty="0"/>
                     </a:p>
                   </a:txBody>
                   <a:tcPr/>
@@ -4186,19 +4262,19 @@
                   </a:ext>
                 </a:extLst>
               </a:tr>
-              <a:tr h="465790">
+              <a:tr h="396000">
                 <a:tc>
                   <a:txBody>
                     <a:bodyPr/>
                     <a:lstStyle/>
                     <a:p>
                       <a:r>
-                        <a:rPr lang="it-IT" sz="1800" dirty="0" err="1"/>
+                        <a:rPr lang="it-IT" sz="1600" dirty="0" err="1"/>
                         <a:t>Latitude</a:t>
                       </a:r>
                       <a:r>
-                        <a:rPr lang="it-IT" sz="1800" dirty="0"/>
-                        <a:t> N</a:t>
+                        <a:rPr lang="it-IT" sz="1600" dirty="0"/>
+                        <a:t> S [°]</a:t>
                       </a:r>
                     </a:p>
                   </a:txBody>
@@ -4211,7 +4287,7 @@
                     <a:p>
                       <a:pPr algn="ctr"/>
                       <a:r>
-                        <a:rPr lang="it-IT" sz="1800" b="0" i="0" u="none" strike="noStrike" kern="1200" baseline="0" dirty="0">
+                        <a:rPr lang="it-IT" sz="1600" b="0" i="0" u="none" strike="noStrike" kern="1200" baseline="0" dirty="0">
                           <a:solidFill>
                             <a:schemeClr val="dk1"/>
                           </a:solidFill>
@@ -4221,7 +4297,7 @@
                         </a:rPr>
                         <a:t>45.3981</a:t>
                       </a:r>
-                      <a:endParaRPr lang="it-IT" sz="1800" dirty="0"/>
+                      <a:endParaRPr lang="it-IT" sz="1600" dirty="0"/>
                     </a:p>
                   </a:txBody>
                   <a:tcPr/>
@@ -4232,19 +4308,19 @@
                   </a:ext>
                 </a:extLst>
               </a:tr>
-              <a:tr h="465790">
+              <a:tr h="396000">
                 <a:tc>
                   <a:txBody>
                     <a:bodyPr/>
                     <a:lstStyle/>
                     <a:p>
                       <a:r>
-                        <a:rPr lang="it-IT" sz="1800" dirty="0" err="1"/>
+                        <a:rPr lang="it-IT" sz="1600" dirty="0" err="1"/>
                         <a:t>Longitude</a:t>
                       </a:r>
                       <a:r>
-                        <a:rPr lang="it-IT" sz="1800" dirty="0"/>
-                        <a:t> W</a:t>
+                        <a:rPr lang="it-IT" sz="1600" dirty="0"/>
+                        <a:t> W [°]</a:t>
                       </a:r>
                     </a:p>
                   </a:txBody>
@@ -4257,7 +4333,7 @@
                     <a:p>
                       <a:pPr algn="ctr"/>
                       <a:r>
-                        <a:rPr lang="it-IT" sz="1800" b="0" i="0" u="none" strike="noStrike" kern="1200" baseline="0" dirty="0">
+                        <a:rPr lang="it-IT" sz="1600" b="0" i="0" u="none" strike="noStrike" kern="1200" baseline="0" dirty="0">
                           <a:solidFill>
                             <a:schemeClr val="dk1"/>
                           </a:solidFill>
@@ -4267,7 +4343,7 @@
                         </a:rPr>
                         <a:t>11.8654</a:t>
                       </a:r>
-                      <a:endParaRPr lang="it-IT" sz="1800" dirty="0"/>
+                      <a:endParaRPr lang="it-IT" sz="1600" dirty="0"/>
                     </a:p>
                   </a:txBody>
                   <a:tcPr/>
@@ -4278,19 +4354,19 @@
                   </a:ext>
                 </a:extLst>
               </a:tr>
-              <a:tr h="424163">
+              <a:tr h="396000">
                 <a:tc>
                   <a:txBody>
                     <a:bodyPr/>
                     <a:lstStyle/>
                     <a:p>
                       <a:r>
-                        <a:rPr lang="it-IT" sz="1800" dirty="0" err="1"/>
+                        <a:rPr lang="it-IT" sz="1600" dirty="0" err="1"/>
                         <a:t>Longitude</a:t>
                       </a:r>
                       <a:r>
-                        <a:rPr lang="it-IT" sz="1800" dirty="0"/>
-                        <a:t> E</a:t>
+                        <a:rPr lang="it-IT" sz="1600" dirty="0"/>
+                        <a:t> E [°]</a:t>
                       </a:r>
                     </a:p>
                   </a:txBody>
@@ -4303,7 +4379,7 @@
                     <a:p>
                       <a:pPr algn="ctr"/>
                       <a:r>
-                        <a:rPr lang="it-IT" sz="1800" b="0" i="0" u="none" strike="noStrike" kern="1200" baseline="0" dirty="0">
+                        <a:rPr lang="it-IT" sz="1600" b="0" i="0" u="none" strike="noStrike" kern="1200" baseline="0" dirty="0">
                           <a:solidFill>
                             <a:schemeClr val="dk1"/>
                           </a:solidFill>
@@ -4313,7 +4389,7 @@
                         </a:rPr>
                         <a:t>11.8923</a:t>
                       </a:r>
-                      <a:endParaRPr lang="it-IT" sz="1800" dirty="0"/>
+                      <a:endParaRPr lang="it-IT" sz="1600" dirty="0"/>
                     </a:p>
                   </a:txBody>
                   <a:tcPr/>
@@ -4324,26 +4400,26 @@
                   </a:ext>
                 </a:extLst>
               </a:tr>
-              <a:tr h="424163">
+              <a:tr h="396000">
                 <a:tc>
                   <a:txBody>
                     <a:bodyPr/>
                     <a:lstStyle/>
                     <a:p>
                       <a:r>
-                        <a:rPr lang="it-IT" sz="1800" dirty="0" err="1"/>
+                        <a:rPr lang="it-IT" sz="1600" dirty="0" err="1"/>
                         <a:t>Circumference</a:t>
                       </a:r>
                       <a:r>
-                        <a:rPr lang="it-IT" sz="1800" dirty="0"/>
+                        <a:rPr lang="it-IT" sz="1600" dirty="0"/>
                         <a:t> </a:t>
                       </a:r>
                       <a:r>
-                        <a:rPr lang="it-IT" sz="1800" dirty="0" err="1"/>
+                        <a:rPr lang="it-IT" sz="1600" dirty="0" err="1"/>
                         <a:t>radius</a:t>
                       </a:r>
                       <a:r>
-                        <a:rPr lang="it-IT" sz="1800" dirty="0"/>
+                        <a:rPr lang="it-IT" sz="1600" dirty="0"/>
                         <a:t> [m]</a:t>
                       </a:r>
                     </a:p>
@@ -4357,7 +4433,7 @@
                     <a:p>
                       <a:pPr algn="ctr"/>
                       <a:r>
-                        <a:rPr lang="it-IT" sz="1800" dirty="0"/>
+                        <a:rPr lang="it-IT" sz="1600" dirty="0"/>
                         <a:t>1000</a:t>
                       </a:r>
                     </a:p>
@@ -4370,34 +4446,34 @@
                   </a:ext>
                 </a:extLst>
               </a:tr>
-              <a:tr h="424163">
+              <a:tr h="396000">
                 <a:tc>
                   <a:txBody>
                     <a:bodyPr/>
                     <a:lstStyle/>
                     <a:p>
                       <a:r>
-                        <a:rPr lang="it-IT" sz="1800" dirty="0" err="1"/>
+                        <a:rPr lang="it-IT" sz="1600" dirty="0" err="1"/>
                         <a:t>Distance</a:t>
                       </a:r>
                       <a:r>
-                        <a:rPr lang="it-IT" sz="1800" dirty="0"/>
+                        <a:rPr lang="it-IT" sz="1600" dirty="0"/>
                         <a:t> </a:t>
                       </a:r>
                       <a:r>
-                        <a:rPr lang="it-IT" sz="1800" dirty="0" err="1"/>
+                        <a:rPr lang="it-IT" sz="1600" dirty="0" err="1"/>
                         <a:t>between</a:t>
                       </a:r>
                       <a:r>
-                        <a:rPr lang="it-IT" sz="1800" dirty="0"/>
+                        <a:rPr lang="it-IT" sz="1600" dirty="0"/>
                         <a:t> </a:t>
                       </a:r>
                       <a:r>
-                        <a:rPr lang="it-IT" sz="1800" dirty="0" err="1"/>
+                        <a:rPr lang="it-IT" sz="1600" dirty="0" err="1"/>
                         <a:t>vehicles</a:t>
                       </a:r>
                       <a:r>
-                        <a:rPr lang="it-IT" sz="1800" dirty="0"/>
+                        <a:rPr lang="it-IT" sz="1600" dirty="0"/>
                         <a:t> [m]</a:t>
                       </a:r>
                     </a:p>
@@ -4411,7 +4487,7 @@
                     <a:p>
                       <a:pPr algn="ctr"/>
                       <a:r>
-                        <a:rPr lang="it-IT" sz="1800" dirty="0"/>
+                        <a:rPr lang="it-IT" sz="1600" dirty="0"/>
                         <a:t>5, 15, 25, 35, 45</a:t>
                       </a:r>
                     </a:p>
@@ -4424,25 +4500,25 @@
                   </a:ext>
                 </a:extLst>
               </a:tr>
-              <a:tr h="424163">
+              <a:tr h="396000">
                 <a:tc>
                   <a:txBody>
                     <a:bodyPr/>
                     <a:lstStyle/>
                     <a:p>
                       <a:r>
-                        <a:rPr lang="it-IT" sz="1800" dirty="0" err="1"/>
+                        <a:rPr lang="it-IT" sz="1600" dirty="0" err="1"/>
                         <a:t>Number</a:t>
                       </a:r>
                       <a:r>
-                        <a:rPr lang="it-IT" sz="1800" dirty="0"/>
+                        <a:rPr lang="it-IT" sz="1600" dirty="0"/>
                         <a:t> of </a:t>
                       </a:r>
                       <a:r>
-                        <a:rPr lang="it-IT" sz="1800" dirty="0" err="1"/>
+                        <a:rPr lang="it-IT" sz="1600" dirty="0" err="1"/>
                         <a:t>vehicles</a:t>
                       </a:r>
-                      <a:endParaRPr lang="it-IT" sz="1800" dirty="0"/>
+                      <a:endParaRPr lang="it-IT" sz="1600" dirty="0"/>
                     </a:p>
                   </a:txBody>
                   <a:tcPr/>
@@ -4454,7 +4530,7 @@
                     <a:p>
                       <a:pPr algn="ctr"/>
                       <a:r>
-                        <a:rPr lang="it-IT" sz="1700" b="0" i="0" u="none" strike="noStrike" kern="1200" baseline="0" dirty="0">
+                        <a:rPr lang="it-IT" sz="1600" b="0" i="0" u="none" strike="noStrike" kern="1200" baseline="0" dirty="0">
                           <a:solidFill>
                             <a:schemeClr val="dk1"/>
                           </a:solidFill>
@@ -4464,7 +4540,7 @@
                         </a:rPr>
                         <a:t>4975, 2856, 1775, 1318, 1072</a:t>
                       </a:r>
-                      <a:endParaRPr lang="it-IT" sz="1700" dirty="0"/>
+                      <a:endParaRPr lang="it-IT" sz="1600" dirty="0"/>
                     </a:p>
                   </a:txBody>
                   <a:tcPr/>
@@ -4475,25 +4551,25 @@
                   </a:ext>
                 </a:extLst>
               </a:tr>
-              <a:tr h="424163">
+              <a:tr h="396000">
                 <a:tc>
                   <a:txBody>
                     <a:bodyPr/>
                     <a:lstStyle/>
                     <a:p>
                       <a:r>
-                        <a:rPr lang="it-IT" sz="1800" dirty="0" err="1"/>
+                        <a:rPr lang="it-IT" sz="1600" dirty="0" err="1"/>
                         <a:t>Number</a:t>
                       </a:r>
                       <a:r>
-                        <a:rPr lang="it-IT" sz="1800" dirty="0"/>
+                        <a:rPr lang="it-IT" sz="1600" dirty="0"/>
                         <a:t> of </a:t>
                       </a:r>
                       <a:r>
-                        <a:rPr lang="it-IT" sz="1800" dirty="0" err="1"/>
+                        <a:rPr lang="it-IT" sz="1600" dirty="0" err="1"/>
                         <a:t>simulations</a:t>
                       </a:r>
-                      <a:endParaRPr lang="it-IT" sz="1800" dirty="0"/>
+                      <a:endParaRPr lang="it-IT" sz="1600" dirty="0"/>
                     </a:p>
                   </a:txBody>
                   <a:tcPr/>
@@ -4505,7 +4581,7 @@
                     <a:p>
                       <a:pPr algn="ctr"/>
                       <a:r>
-                        <a:rPr lang="it-IT" sz="1800" dirty="0"/>
+                        <a:rPr lang="it-IT" sz="1600" dirty="0"/>
                         <a:t>4500</a:t>
                       </a:r>
                     </a:p>
@@ -4537,14 +4613,14 @@
           <p:nvPr>
             <p:extLst>
               <p:ext uri="{D42A27DB-BD31-4B8C-83A1-F6EECF244321}">
-                <p14:modId xmlns:p14="http://schemas.microsoft.com/office/powerpoint/2010/main" val="3893946283"/>
+                <p14:modId xmlns:p14="http://schemas.microsoft.com/office/powerpoint/2010/main" val="757796808"/>
               </p:ext>
             </p:extLst>
           </p:nvPr>
         </p:nvGraphicFramePr>
         <p:xfrm>
           <a:off x="5965794" y="1197896"/>
-          <a:ext cx="5841905" cy="4449765"/>
+          <a:ext cx="5840270" cy="4029790"/>
         </p:xfrm>
         <a:graphic>
           <a:graphicData uri="http://schemas.openxmlformats.org/drawingml/2006/table">
@@ -4553,7 +4629,7 @@
                 <a:tableStyleId>{93296810-A885-4BE3-A3E7-6D5BEEA58F35}</a:tableStyleId>
               </a:tblPr>
               <a:tblGrid>
-                <a:gridCol w="2982897">
+                <a:gridCol w="2981262">
                   <a:extLst>
                     <a:ext uri="{9D8B030D-6E8A-4147-A177-3AD203B41FA5}">
                       <a16:colId xmlns:a16="http://schemas.microsoft.com/office/drawing/2014/main" val="2431431013"/>
@@ -4604,18 +4680,18 @@
                   </a:ext>
                 </a:extLst>
               </a:tr>
-              <a:tr h="465790">
+              <a:tr h="396000">
                 <a:tc>
                   <a:txBody>
                     <a:bodyPr/>
                     <a:lstStyle/>
                     <a:p>
                       <a:r>
-                        <a:rPr lang="it-IT" sz="1800" dirty="0" err="1"/>
+                        <a:rPr lang="it-IT" sz="1600" dirty="0" err="1"/>
                         <a:t>Packet</a:t>
                       </a:r>
                       <a:r>
-                        <a:rPr lang="it-IT" sz="1800" dirty="0"/>
+                        <a:rPr lang="it-IT" sz="1600" dirty="0"/>
                         <a:t> payload size </a:t>
                       </a:r>
                     </a:p>
@@ -4629,7 +4705,7 @@
                     <a:p>
                       <a:pPr algn="ctr"/>
                       <a:r>
-                        <a:rPr lang="it-IT" sz="1800" dirty="0"/>
+                        <a:rPr lang="it-IT" sz="1600" dirty="0"/>
                         <a:t>100 byte</a:t>
                       </a:r>
                     </a:p>
@@ -4642,14 +4718,14 @@
                   </a:ext>
                 </a:extLst>
               </a:tr>
-              <a:tr h="465790">
+              <a:tr h="396000">
                 <a:tc>
                   <a:txBody>
                     <a:bodyPr/>
                     <a:lstStyle/>
                     <a:p>
                       <a:r>
-                        <a:rPr lang="it-IT" sz="1800" dirty="0"/>
+                        <a:rPr lang="it-IT" sz="1600" dirty="0"/>
                         <a:t>Frequency [GHz]</a:t>
                       </a:r>
                     </a:p>
@@ -4663,7 +4739,7 @@
                     <a:p>
                       <a:pPr algn="ctr"/>
                       <a:r>
-                        <a:rPr lang="it-IT" sz="1800" b="0" i="0" u="none" strike="noStrike" kern="1200" baseline="0" dirty="0">
+                        <a:rPr lang="it-IT" sz="1600" b="0" i="0" u="none" strike="noStrike" kern="1200" baseline="0" dirty="0">
                           <a:solidFill>
                             <a:schemeClr val="dk1"/>
                           </a:solidFill>
@@ -4673,7 +4749,7 @@
                         </a:rPr>
                         <a:t>2.4</a:t>
                       </a:r>
-                      <a:endParaRPr lang="it-IT" sz="1800" dirty="0"/>
+                      <a:endParaRPr lang="it-IT" sz="1600" dirty="0"/>
                     </a:p>
                   </a:txBody>
                   <a:tcPr/>
@@ -4684,22 +4760,22 @@
                   </a:ext>
                 </a:extLst>
               </a:tr>
-              <a:tr h="465790">
+              <a:tr h="396000">
                 <a:tc>
                   <a:txBody>
                     <a:bodyPr/>
                     <a:lstStyle/>
                     <a:p>
                       <a:r>
-                        <a:rPr lang="it-IT" sz="1800" dirty="0"/>
+                        <a:rPr lang="it-IT" sz="1600" dirty="0"/>
                         <a:t>Channel </a:t>
                       </a:r>
                       <a:r>
-                        <a:rPr lang="it-IT" sz="1800" dirty="0" err="1"/>
+                        <a:rPr lang="it-IT" sz="1600" dirty="0" err="1"/>
                         <a:t>bandwidth</a:t>
                       </a:r>
                       <a:r>
-                        <a:rPr lang="it-IT" sz="1800" dirty="0"/>
+                        <a:rPr lang="it-IT" sz="1600" dirty="0"/>
                         <a:t> [MHz]</a:t>
                       </a:r>
                     </a:p>
@@ -4713,7 +4789,7 @@
                     <a:p>
                       <a:pPr algn="ctr"/>
                       <a:r>
-                        <a:rPr lang="it-IT" sz="1800" b="0" i="0" u="none" strike="noStrike" kern="1200" baseline="0" dirty="0">
+                        <a:rPr lang="it-IT" sz="1600" b="0" i="0" u="none" strike="noStrike" kern="1200" baseline="0" dirty="0">
                           <a:solidFill>
                             <a:schemeClr val="dk1"/>
                           </a:solidFill>
@@ -4723,7 +4799,7 @@
                         </a:rPr>
                         <a:t>22</a:t>
                       </a:r>
-                      <a:endParaRPr lang="it-IT" sz="1800" dirty="0"/>
+                      <a:endParaRPr lang="it-IT" sz="1600" dirty="0"/>
                     </a:p>
                   </a:txBody>
                   <a:tcPr/>
@@ -4734,14 +4810,14 @@
                   </a:ext>
                 </a:extLst>
               </a:tr>
-              <a:tr h="465790">
+              <a:tr h="396000">
                 <a:tc>
                   <a:txBody>
                     <a:bodyPr/>
                     <a:lstStyle/>
                     <a:p>
                       <a:r>
-                        <a:rPr lang="it-IT" sz="1800" dirty="0"/>
+                        <a:rPr lang="it-IT" sz="1600" dirty="0"/>
                         <a:t>Transmission speed [Mbps]</a:t>
                       </a:r>
                     </a:p>
@@ -4755,7 +4831,7 @@
                     <a:p>
                       <a:pPr algn="ctr"/>
                       <a:r>
-                        <a:rPr lang="it-IT" sz="1800" b="0" i="0" u="none" strike="noStrike" kern="1200" baseline="0" dirty="0">
+                        <a:rPr lang="it-IT" sz="1600" b="0" i="0" u="none" strike="noStrike" kern="1200" baseline="0" dirty="0">
                           <a:solidFill>
                             <a:schemeClr val="dk1"/>
                           </a:solidFill>
@@ -4765,7 +4841,7 @@
                         </a:rPr>
                         <a:t>11</a:t>
                       </a:r>
-                      <a:endParaRPr lang="it-IT" sz="1800" dirty="0"/>
+                      <a:endParaRPr lang="it-IT" sz="1600" dirty="0"/>
                     </a:p>
                   </a:txBody>
                   <a:tcPr/>
@@ -4776,14 +4852,14 @@
                   </a:ext>
                 </a:extLst>
               </a:tr>
-              <a:tr h="424163">
+              <a:tr h="396000">
                 <a:tc>
                   <a:txBody>
                     <a:bodyPr/>
                     <a:lstStyle/>
                     <a:p>
                       <a:r>
-                        <a:rPr lang="it-IT" sz="1800" b="0" i="0" u="none" strike="noStrike" kern="1200" baseline="0" dirty="0">
+                        <a:rPr lang="it-IT" sz="1600" b="0" i="0" u="none" strike="noStrike" kern="1200" baseline="0" dirty="0">
                           <a:solidFill>
                             <a:schemeClr val="dk1"/>
                           </a:solidFill>
@@ -4794,15 +4870,15 @@
                         <a:t>Transmission powers </a:t>
                       </a:r>
                       <a:r>
-                        <a:rPr lang="it-IT" sz="1800" dirty="0"/>
+                        <a:rPr lang="it-IT" sz="1600" dirty="0"/>
                         <a:t>[</a:t>
                       </a:r>
                       <a:r>
-                        <a:rPr lang="it-IT" sz="1800" dirty="0" err="1"/>
+                        <a:rPr lang="it-IT" sz="1600" dirty="0" err="1"/>
                         <a:t>dBm</a:t>
                       </a:r>
                       <a:r>
-                        <a:rPr lang="it-IT" sz="1800" dirty="0"/>
+                        <a:rPr lang="it-IT" sz="1600" dirty="0"/>
                         <a:t>]</a:t>
                       </a:r>
                     </a:p>
@@ -4816,7 +4892,7 @@
                     <a:p>
                       <a:pPr algn="ctr"/>
                       <a:r>
-                        <a:rPr lang="it-IT" sz="1800" b="0" i="0" u="none" strike="noStrike" kern="1200" baseline="0" dirty="0">
+                        <a:rPr lang="it-IT" sz="1600" b="0" i="0" u="none" strike="noStrike" kern="1200" baseline="0" dirty="0">
                           <a:solidFill>
                             <a:schemeClr val="dk1"/>
                           </a:solidFill>
@@ -4826,7 +4902,7 @@
                         </a:rPr>
                         <a:t>-7.0, 4.6, 13.4</a:t>
                       </a:r>
-                      <a:endParaRPr lang="it-IT" sz="1800" dirty="0"/>
+                      <a:endParaRPr lang="it-IT" sz="1600" dirty="0"/>
                     </a:p>
                   </a:txBody>
                   <a:tcPr/>
@@ -4837,14 +4913,14 @@
                   </a:ext>
                 </a:extLst>
               </a:tr>
-              <a:tr h="424163">
+              <a:tr h="396000">
                 <a:tc>
                   <a:txBody>
                     <a:bodyPr/>
                     <a:lstStyle/>
                     <a:p>
                       <a:r>
-                        <a:rPr lang="it-IT" sz="1800" dirty="0"/>
+                        <a:rPr lang="it-IT" sz="1600" dirty="0"/>
                         <a:t>Transmission ranges [m]</a:t>
                       </a:r>
                     </a:p>
@@ -4858,7 +4934,7 @@
                     <a:p>
                       <a:pPr algn="ctr"/>
                       <a:r>
-                        <a:rPr lang="it-IT" sz="1800" dirty="0"/>
+                        <a:rPr lang="it-IT" sz="1600" dirty="0"/>
                         <a:t>100, 300, 500</a:t>
                       </a:r>
                     </a:p>
@@ -4871,17 +4947,17 @@
                   </a:ext>
                 </a:extLst>
               </a:tr>
-              <a:tr h="424163">
+              <a:tr h="396000">
                 <a:tc>
                   <a:txBody>
                     <a:bodyPr/>
                     <a:lstStyle/>
                     <a:p>
                       <a:r>
-                        <a:rPr lang="it-IT" sz="1800" dirty="0" err="1"/>
+                        <a:rPr lang="it-IT" sz="1600" dirty="0" err="1"/>
                         <a:t>Modulation</a:t>
                       </a:r>
-                      <a:endParaRPr lang="it-IT" sz="1800" dirty="0"/>
+                      <a:endParaRPr lang="it-IT" sz="1600" dirty="0"/>
                     </a:p>
                   </a:txBody>
                   <a:tcPr/>
@@ -4893,7 +4969,7 @@
                     <a:p>
                       <a:pPr algn="ctr"/>
                       <a:r>
-                        <a:rPr lang="it-IT" sz="1800" dirty="0"/>
+                        <a:rPr lang="it-IT" sz="1600" dirty="0"/>
                         <a:t>DSSS</a:t>
                       </a:r>
                     </a:p>
@@ -4906,26 +4982,26 @@
                   </a:ext>
                 </a:extLst>
               </a:tr>
-              <a:tr h="424163">
+              <a:tr h="396000">
                 <a:tc>
                   <a:txBody>
                     <a:bodyPr/>
                     <a:lstStyle/>
                     <a:p>
                       <a:r>
-                        <a:rPr lang="it-IT" sz="1800" dirty="0" err="1"/>
+                        <a:rPr lang="it-IT" sz="1600" dirty="0" err="1"/>
                         <a:t>Propagation</a:t>
                       </a:r>
                       <a:r>
-                        <a:rPr lang="it-IT" sz="1800" dirty="0"/>
+                        <a:rPr lang="it-IT" sz="1600" dirty="0"/>
                         <a:t> </a:t>
                       </a:r>
                       <a:r>
-                        <a:rPr lang="it-IT" sz="1800" dirty="0" err="1"/>
+                        <a:rPr lang="it-IT" sz="1600" dirty="0" err="1"/>
                         <a:t>loss</a:t>
                       </a:r>
                       <a:r>
-                        <a:rPr lang="it-IT" sz="1800" dirty="0"/>
+                        <a:rPr lang="it-IT" sz="1600" dirty="0"/>
                         <a:t> model</a:t>
                       </a:r>
                     </a:p>
@@ -4939,7 +5015,7 @@
                     <a:p>
                       <a:pPr algn="ctr"/>
                       <a:r>
-                        <a:rPr lang="it-IT" sz="1800" b="0" i="0" u="none" strike="noStrike" kern="1200" baseline="0" dirty="0">
+                        <a:rPr lang="it-IT" sz="1600" b="0" i="0" u="none" strike="noStrike" kern="1200" baseline="0" dirty="0">
                           <a:solidFill>
                             <a:schemeClr val="dk1"/>
                           </a:solidFill>
@@ -4950,7 +5026,7 @@
                         <a:t>ns3::</a:t>
                       </a:r>
                       <a:r>
-                        <a:rPr lang="it-IT" sz="1800" b="0" i="0" u="none" strike="noStrike" kern="1200" baseline="0" dirty="0" err="1">
+                        <a:rPr lang="it-IT" sz="1600" b="0" i="0" u="none" strike="noStrike" kern="1200" baseline="0" dirty="0" err="1">
                           <a:solidFill>
                             <a:schemeClr val="dk1"/>
                           </a:solidFill>
@@ -4960,7 +5036,7 @@
                         </a:rPr>
                         <a:t>TwoRayGround</a:t>
                       </a:r>
-                      <a:endParaRPr lang="it-IT" sz="1800" dirty="0"/>
+                      <a:endParaRPr lang="it-IT" sz="1600" dirty="0"/>
                     </a:p>
                   </a:txBody>
                   <a:tcPr/>
@@ -4971,18 +5047,18 @@
                   </a:ext>
                 </a:extLst>
               </a:tr>
-              <a:tr h="424163">
+              <a:tr h="396000">
                 <a:tc>
                   <a:txBody>
                     <a:bodyPr/>
                     <a:lstStyle/>
                     <a:p>
                       <a:r>
-                        <a:rPr lang="it-IT" sz="1800" dirty="0" err="1"/>
+                        <a:rPr lang="it-IT" sz="1600" dirty="0" err="1"/>
                         <a:t>Propagation</a:t>
                       </a:r>
                       <a:r>
-                        <a:rPr lang="it-IT" sz="1800" dirty="0"/>
+                        <a:rPr lang="it-IT" sz="1600" dirty="0"/>
                         <a:t> delay model</a:t>
                       </a:r>
                     </a:p>
@@ -4996,14 +5072,14 @@
                     <a:p>
                       <a:pPr algn="ctr"/>
                       <a:r>
-                        <a:rPr lang="it-IT" sz="1800" dirty="0"/>
+                        <a:rPr lang="it-IT" sz="1600" dirty="0"/>
                         <a:t>ns3::</a:t>
                       </a:r>
                       <a:r>
-                        <a:rPr lang="it-IT" sz="1800" dirty="0" err="1"/>
+                        <a:rPr lang="it-IT" sz="1600" dirty="0" err="1"/>
                         <a:t>ConstantSpeed</a:t>
                       </a:r>
-                      <a:endParaRPr lang="it-IT" sz="1800" dirty="0"/>
+                      <a:endParaRPr lang="it-IT" sz="1600" dirty="0"/>
                     </a:p>
                   </a:txBody>
                   <a:tcPr/>
@@ -5958,14 +6034,14 @@
           <p:nvPr>
             <p:extLst>
               <p:ext uri="{D42A27DB-BD31-4B8C-83A1-F6EECF244321}">
-                <p14:modId xmlns:p14="http://schemas.microsoft.com/office/powerpoint/2010/main" val="3950571580"/>
+                <p14:modId xmlns:p14="http://schemas.microsoft.com/office/powerpoint/2010/main" val="851365559"/>
               </p:ext>
             </p:extLst>
           </p:nvPr>
         </p:nvGraphicFramePr>
         <p:xfrm>
           <a:off x="137990" y="1197896"/>
-          <a:ext cx="5711699" cy="5089845"/>
+          <a:ext cx="5711699" cy="4403084"/>
         </p:xfrm>
         <a:graphic>
           <a:graphicData uri="http://schemas.openxmlformats.org/drawingml/2006/table">
@@ -5974,14 +6050,14 @@
                 <a:tableStyleId>{93296810-A885-4BE3-A3E7-6D5BEEA58F35}</a:tableStyleId>
               </a:tblPr>
               <a:tblGrid>
-                <a:gridCol w="2733231">
+                <a:gridCol w="3315424">
                   <a:extLst>
                     <a:ext uri="{9D8B030D-6E8A-4147-A177-3AD203B41FA5}">
                       <a16:colId xmlns:a16="http://schemas.microsoft.com/office/drawing/2014/main" val="2431431013"/>
                     </a:ext>
                   </a:extLst>
                 </a:gridCol>
-                <a:gridCol w="2978468">
+                <a:gridCol w="2396275">
                   <a:extLst>
                     <a:ext uri="{9D8B030D-6E8A-4147-A177-3AD203B41FA5}">
                       <a16:colId xmlns:a16="http://schemas.microsoft.com/office/drawing/2014/main" val="2147857952"/>
@@ -5989,7 +6065,7 @@
                   </a:extLst>
                 </a:gridCol>
               </a:tblGrid>
-              <a:tr h="465790">
+              <a:tr h="443084">
                 <a:tc gridSpan="2">
                   <a:txBody>
                     <a:bodyPr/>
@@ -5997,14 +6073,14 @@
                     <a:p>
                       <a:pPr algn="ctr"/>
                       <a:r>
-                        <a:rPr lang="it-IT" dirty="0"/>
+                        <a:rPr lang="it-IT" sz="1600" dirty="0"/>
                         <a:t>Scenario </a:t>
                       </a:r>
                       <a:r>
-                        <a:rPr lang="it-IT" dirty="0" err="1"/>
+                        <a:rPr lang="it-IT" sz="1600" dirty="0" err="1"/>
                         <a:t>configuration</a:t>
                       </a:r>
-                      <a:endParaRPr lang="it-IT" dirty="0"/>
+                      <a:endParaRPr lang="it-IT" sz="1600" dirty="0"/>
                     </a:p>
                   </a:txBody>
                   <a:tcPr/>
@@ -6025,17 +6101,16 @@
                   </a:ext>
                 </a:extLst>
               </a:tr>
-              <a:tr h="465790">
+              <a:tr h="396000">
                 <a:tc>
                   <a:txBody>
                     <a:bodyPr/>
                     <a:lstStyle/>
                     <a:p>
                       <a:r>
-                        <a:rPr lang="it-IT" sz="1800"/>
+                        <a:rPr lang="it-IT" sz="1600" dirty="0"/>
                         <a:t>Scenario name</a:t>
                       </a:r>
-                      <a:endParaRPr lang="it-IT" sz="1800" dirty="0"/>
                     </a:p>
                   </a:txBody>
                   <a:tcPr/>
@@ -6047,10 +6122,10 @@
                     <a:p>
                       <a:pPr algn="ctr"/>
                       <a:r>
-                        <a:rPr lang="it-IT" sz="1800" dirty="0" err="1"/>
+                        <a:rPr lang="it-IT" sz="1600" dirty="0" err="1"/>
                         <a:t>Padua</a:t>
                       </a:r>
-                      <a:endParaRPr lang="it-IT" sz="1800" dirty="0"/>
+                      <a:endParaRPr lang="it-IT" sz="1600" dirty="0"/>
                     </a:p>
                   </a:txBody>
                   <a:tcPr/>
@@ -6061,19 +6136,36 @@
                   </a:ext>
                 </a:extLst>
               </a:tr>
-              <a:tr h="465790">
+              <a:tr h="396000">
                 <a:tc>
                   <a:txBody>
                     <a:bodyPr/>
                     <a:lstStyle/>
                     <a:p>
-                      <a:r>
-                        <a:rPr lang="it-IT" sz="1800" dirty="0" err="1"/>
+                      <a:pPr marL="0" marR="0" lvl="0" indent="0" algn="l" defTabSz="914400" rtl="0" eaLnBrk="1" fontAlgn="auto" latinLnBrk="0" hangingPunct="1">
+                        <a:lnSpc>
+                          <a:spcPct val="100000"/>
+                        </a:lnSpc>
+                        <a:spcBef>
+                          <a:spcPts val="0"/>
+                        </a:spcBef>
+                        <a:spcAft>
+                          <a:spcPts val="0"/>
+                        </a:spcAft>
+                        <a:buClrTx/>
+                        <a:buSzTx/>
+                        <a:buFontTx/>
+                        <a:buNone/>
+                        <a:tabLst/>
+                        <a:defRPr/>
+                      </a:pPr>
+                      <a:r>
+                        <a:rPr lang="it-IT" sz="1600" dirty="0" err="1"/>
                         <a:t>Latitude</a:t>
                       </a:r>
                       <a:r>
-                        <a:rPr lang="it-IT" sz="1800" dirty="0"/>
-                        <a:t> N</a:t>
+                        <a:rPr lang="it-IT" sz="1600" dirty="0"/>
+                        <a:t> N [°]</a:t>
                       </a:r>
                     </a:p>
                   </a:txBody>
@@ -6086,7 +6178,7 @@
                     <a:p>
                       <a:pPr algn="ctr"/>
                       <a:r>
-                        <a:rPr lang="it-IT" sz="1800" b="0" i="0" u="none" strike="noStrike" kern="1200" baseline="0">
+                        <a:rPr lang="it-IT" sz="1600" b="0" i="0" u="none" strike="noStrike" kern="1200" baseline="0">
                           <a:solidFill>
                             <a:schemeClr val="dk1"/>
                           </a:solidFill>
@@ -6096,7 +6188,7 @@
                         </a:rPr>
                         <a:t>45.4171</a:t>
                       </a:r>
-                      <a:endParaRPr lang="it-IT" sz="1800" dirty="0"/>
+                      <a:endParaRPr lang="it-IT" sz="1600" dirty="0"/>
                     </a:p>
                   </a:txBody>
                   <a:tcPr/>
@@ -6107,19 +6199,19 @@
                   </a:ext>
                 </a:extLst>
               </a:tr>
-              <a:tr h="465790">
+              <a:tr h="396000">
                 <a:tc>
                   <a:txBody>
                     <a:bodyPr/>
                     <a:lstStyle/>
                     <a:p>
                       <a:r>
-                        <a:rPr lang="it-IT" sz="1800" dirty="0" err="1"/>
+                        <a:rPr lang="it-IT" sz="1600" dirty="0" err="1"/>
                         <a:t>Latitude</a:t>
                       </a:r>
                       <a:r>
-                        <a:rPr lang="it-IT" sz="1800" dirty="0"/>
-                        <a:t> N</a:t>
+                        <a:rPr lang="it-IT" sz="1600" dirty="0"/>
+                        <a:t> S [°]</a:t>
                       </a:r>
                     </a:p>
                   </a:txBody>
@@ -6132,7 +6224,7 @@
                     <a:p>
                       <a:pPr algn="ctr"/>
                       <a:r>
-                        <a:rPr lang="it-IT" sz="1800" b="0" i="0" u="none" strike="noStrike" kern="1200" baseline="0" dirty="0">
+                        <a:rPr lang="it-IT" sz="1600" b="0" i="0" u="none" strike="noStrike" kern="1200" baseline="0" dirty="0">
                           <a:solidFill>
                             <a:schemeClr val="dk1"/>
                           </a:solidFill>
@@ -6142,7 +6234,7 @@
                         </a:rPr>
                         <a:t>45.3981</a:t>
                       </a:r>
-                      <a:endParaRPr lang="it-IT" sz="1800" dirty="0"/>
+                      <a:endParaRPr lang="it-IT" sz="1600" dirty="0"/>
                     </a:p>
                   </a:txBody>
                   <a:tcPr/>
@@ -6153,19 +6245,19 @@
                   </a:ext>
                 </a:extLst>
               </a:tr>
-              <a:tr h="465790">
+              <a:tr h="396000">
                 <a:tc>
                   <a:txBody>
                     <a:bodyPr/>
                     <a:lstStyle/>
                     <a:p>
                       <a:r>
-                        <a:rPr lang="it-IT" sz="1800" dirty="0" err="1"/>
+                        <a:rPr lang="it-IT" sz="1600" dirty="0" err="1"/>
                         <a:t>Longitude</a:t>
                       </a:r>
                       <a:r>
-                        <a:rPr lang="it-IT" sz="1800" dirty="0"/>
-                        <a:t> W</a:t>
+                        <a:rPr lang="it-IT" sz="1600" dirty="0"/>
+                        <a:t> W [°]</a:t>
                       </a:r>
                     </a:p>
                   </a:txBody>
@@ -6178,7 +6270,7 @@
                     <a:p>
                       <a:pPr algn="ctr"/>
                       <a:r>
-                        <a:rPr lang="it-IT" sz="1800" b="0" i="0" u="none" strike="noStrike" kern="1200" baseline="0" dirty="0">
+                        <a:rPr lang="it-IT" sz="1600" b="0" i="0" u="none" strike="noStrike" kern="1200" baseline="0" dirty="0">
                           <a:solidFill>
                             <a:schemeClr val="dk1"/>
                           </a:solidFill>
@@ -6188,7 +6280,7 @@
                         </a:rPr>
                         <a:t>11.8654</a:t>
                       </a:r>
-                      <a:endParaRPr lang="it-IT" sz="1800" dirty="0"/>
+                      <a:endParaRPr lang="it-IT" sz="1600" dirty="0"/>
                     </a:p>
                   </a:txBody>
                   <a:tcPr/>
@@ -6199,19 +6291,19 @@
                   </a:ext>
                 </a:extLst>
               </a:tr>
-              <a:tr h="424163">
+              <a:tr h="396000">
                 <a:tc>
                   <a:txBody>
                     <a:bodyPr/>
                     <a:lstStyle/>
                     <a:p>
                       <a:r>
-                        <a:rPr lang="it-IT" sz="1800" dirty="0" err="1"/>
+                        <a:rPr lang="it-IT" sz="1600" dirty="0" err="1"/>
                         <a:t>Longitude</a:t>
                       </a:r>
                       <a:r>
-                        <a:rPr lang="it-IT" sz="1800" dirty="0"/>
-                        <a:t> E</a:t>
+                        <a:rPr lang="it-IT" sz="1600" dirty="0"/>
+                        <a:t> E [°]</a:t>
                       </a:r>
                     </a:p>
                   </a:txBody>
@@ -6224,7 +6316,7 @@
                     <a:p>
                       <a:pPr algn="ctr"/>
                       <a:r>
-                        <a:rPr lang="it-IT" sz="1800" b="0" i="0" u="none" strike="noStrike" kern="1200" baseline="0" dirty="0">
+                        <a:rPr lang="it-IT" sz="1600" b="0" i="0" u="none" strike="noStrike" kern="1200" baseline="0" dirty="0">
                           <a:solidFill>
                             <a:schemeClr val="dk1"/>
                           </a:solidFill>
@@ -6234,7 +6326,7 @@
                         </a:rPr>
                         <a:t>11.8923</a:t>
                       </a:r>
-                      <a:endParaRPr lang="it-IT" sz="1800" dirty="0"/>
+                      <a:endParaRPr lang="it-IT" sz="1600" dirty="0"/>
                     </a:p>
                   </a:txBody>
                   <a:tcPr/>
@@ -6245,26 +6337,26 @@
                   </a:ext>
                 </a:extLst>
               </a:tr>
-              <a:tr h="424163">
+              <a:tr h="396000">
                 <a:tc>
                   <a:txBody>
                     <a:bodyPr/>
                     <a:lstStyle/>
                     <a:p>
                       <a:r>
-                        <a:rPr lang="it-IT" sz="1800" dirty="0" err="1"/>
+                        <a:rPr lang="it-IT" sz="1600" dirty="0" err="1"/>
                         <a:t>Circumference</a:t>
                       </a:r>
                       <a:r>
-                        <a:rPr lang="it-IT" sz="1800" dirty="0"/>
+                        <a:rPr lang="it-IT" sz="1600" dirty="0"/>
                         <a:t> </a:t>
                       </a:r>
                       <a:r>
-                        <a:rPr lang="it-IT" sz="1800" dirty="0" err="1"/>
+                        <a:rPr lang="it-IT" sz="1600" dirty="0" err="1"/>
                         <a:t>radius</a:t>
                       </a:r>
                       <a:r>
-                        <a:rPr lang="it-IT" sz="1800" dirty="0"/>
+                        <a:rPr lang="it-IT" sz="1600" dirty="0"/>
                         <a:t> [m]</a:t>
                       </a:r>
                     </a:p>
@@ -6278,7 +6370,7 @@
                     <a:p>
                       <a:pPr algn="ctr"/>
                       <a:r>
-                        <a:rPr lang="it-IT" sz="1800" dirty="0"/>
+                        <a:rPr lang="it-IT" sz="1600" dirty="0"/>
                         <a:t>1000</a:t>
                       </a:r>
                     </a:p>
@@ -6291,34 +6383,34 @@
                   </a:ext>
                 </a:extLst>
               </a:tr>
-              <a:tr h="424163">
+              <a:tr h="396000">
                 <a:tc>
                   <a:txBody>
                     <a:bodyPr/>
                     <a:lstStyle/>
                     <a:p>
                       <a:r>
-                        <a:rPr lang="it-IT" sz="1800" dirty="0" err="1"/>
+                        <a:rPr lang="it-IT" sz="1600" dirty="0" err="1"/>
                         <a:t>Distance</a:t>
                       </a:r>
                       <a:r>
-                        <a:rPr lang="it-IT" sz="1800" dirty="0"/>
+                        <a:rPr lang="it-IT" sz="1600" dirty="0"/>
                         <a:t> </a:t>
                       </a:r>
                       <a:r>
-                        <a:rPr lang="it-IT" sz="1800" dirty="0" err="1"/>
+                        <a:rPr lang="it-IT" sz="1600" dirty="0" err="1"/>
                         <a:t>between</a:t>
                       </a:r>
                       <a:r>
-                        <a:rPr lang="it-IT" sz="1800" dirty="0"/>
+                        <a:rPr lang="it-IT" sz="1600" dirty="0"/>
                         <a:t> </a:t>
                       </a:r>
                       <a:r>
-                        <a:rPr lang="it-IT" sz="1800" dirty="0" err="1"/>
+                        <a:rPr lang="it-IT" sz="1600" dirty="0" err="1"/>
                         <a:t>vehicles</a:t>
                       </a:r>
                       <a:r>
-                        <a:rPr lang="it-IT" sz="1800" dirty="0"/>
+                        <a:rPr lang="it-IT" sz="1600" dirty="0"/>
                         <a:t> [m]</a:t>
                       </a:r>
                     </a:p>
@@ -6332,7 +6424,7 @@
                     <a:p>
                       <a:pPr algn="ctr"/>
                       <a:r>
-                        <a:rPr lang="it-IT" sz="1800" dirty="0"/>
+                        <a:rPr lang="it-IT" sz="1600" dirty="0"/>
                         <a:t>25</a:t>
                       </a:r>
                     </a:p>
@@ -6345,25 +6437,25 @@
                   </a:ext>
                 </a:extLst>
               </a:tr>
-              <a:tr h="424163">
+              <a:tr h="396000">
                 <a:tc>
                   <a:txBody>
                     <a:bodyPr/>
                     <a:lstStyle/>
                     <a:p>
                       <a:r>
-                        <a:rPr lang="it-IT" sz="1800" dirty="0" err="1"/>
+                        <a:rPr lang="it-IT" sz="1600" dirty="0" err="1"/>
                         <a:t>Number</a:t>
                       </a:r>
                       <a:r>
-                        <a:rPr lang="it-IT" sz="1800" dirty="0"/>
+                        <a:rPr lang="it-IT" sz="1600" dirty="0"/>
                         <a:t> of </a:t>
                       </a:r>
                       <a:r>
-                        <a:rPr lang="it-IT" sz="1800" dirty="0" err="1"/>
+                        <a:rPr lang="it-IT" sz="1600" dirty="0" err="1"/>
                         <a:t>vehicles</a:t>
                       </a:r>
-                      <a:endParaRPr lang="it-IT" sz="1800" dirty="0"/>
+                      <a:endParaRPr lang="it-IT" sz="1600" dirty="0"/>
                     </a:p>
                   </a:txBody>
                   <a:tcPr/>
@@ -6375,7 +6467,7 @@
                     <a:p>
                       <a:pPr algn="ctr"/>
                       <a:r>
-                        <a:rPr lang="it-IT" sz="1700" b="0" i="0" u="none" strike="noStrike" kern="1200" baseline="0" dirty="0">
+                        <a:rPr lang="it-IT" sz="1600" b="0" i="0" u="none" strike="noStrike" kern="1200" baseline="0" dirty="0">
                           <a:solidFill>
                             <a:schemeClr val="dk1"/>
                           </a:solidFill>
@@ -6385,7 +6477,7 @@
                         </a:rPr>
                         <a:t>1775</a:t>
                       </a:r>
-                      <a:endParaRPr lang="it-IT" sz="1700" dirty="0"/>
+                      <a:endParaRPr lang="it-IT" sz="1600" dirty="0"/>
                     </a:p>
                   </a:txBody>
                   <a:tcPr/>
@@ -6396,18 +6488,18 @@
                   </a:ext>
                 </a:extLst>
               </a:tr>
-              <a:tr h="424163">
+              <a:tr h="396000">
                 <a:tc>
                   <a:txBody>
                     <a:bodyPr/>
                     <a:lstStyle/>
                     <a:p>
                       <a:r>
-                        <a:rPr lang="it-IT" sz="1800" b="1" dirty="0" err="1"/>
+                        <a:rPr lang="it-IT" sz="1600" b="1" dirty="0" err="1"/>
                         <a:t>Number</a:t>
                       </a:r>
                       <a:r>
-                        <a:rPr lang="it-IT" sz="1800" b="1" dirty="0"/>
+                        <a:rPr lang="it-IT" sz="1600" b="1" dirty="0"/>
                         <a:t> of buildings</a:t>
                       </a:r>
                     </a:p>
@@ -6421,7 +6513,7 @@
                     <a:p>
                       <a:pPr algn="ctr"/>
                       <a:r>
-                        <a:rPr lang="it-IT" sz="1700" b="1" dirty="0"/>
+                        <a:rPr lang="it-IT" sz="1600" b="1" dirty="0"/>
                         <a:t>6322</a:t>
                       </a:r>
                     </a:p>
@@ -6434,25 +6526,25 @@
                   </a:ext>
                 </a:extLst>
               </a:tr>
-              <a:tr h="424163">
+              <a:tr h="396000">
                 <a:tc>
                   <a:txBody>
                     <a:bodyPr/>
                     <a:lstStyle/>
                     <a:p>
                       <a:r>
-                        <a:rPr lang="it-IT" sz="1800" dirty="0" err="1"/>
+                        <a:rPr lang="it-IT" sz="1600" dirty="0" err="1"/>
                         <a:t>Number</a:t>
                       </a:r>
                       <a:r>
-                        <a:rPr lang="it-IT" sz="1800" dirty="0"/>
+                        <a:rPr lang="it-IT" sz="1600" dirty="0"/>
                         <a:t> of </a:t>
                       </a:r>
                       <a:r>
-                        <a:rPr lang="it-IT" sz="1800" dirty="0" err="1"/>
+                        <a:rPr lang="it-IT" sz="1600" dirty="0" err="1"/>
                         <a:t>simulations</a:t>
                       </a:r>
-                      <a:endParaRPr lang="it-IT" sz="1800" dirty="0"/>
+                      <a:endParaRPr lang="it-IT" sz="1600" dirty="0"/>
                     </a:p>
                   </a:txBody>
                   <a:tcPr/>
@@ -6464,7 +6556,7 @@
                     <a:p>
                       <a:pPr algn="ctr"/>
                       <a:r>
-                        <a:rPr lang="it-IT" sz="1800" dirty="0"/>
+                        <a:rPr lang="it-IT" sz="1600" dirty="0"/>
                         <a:t>4500</a:t>
                       </a:r>
                     </a:p>
@@ -6493,11 +6585,17 @@
           <p:cNvGraphicFramePr>
             <a:graphicFrameLocks noGrp="1"/>
           </p:cNvGraphicFramePr>
-          <p:nvPr/>
+          <p:nvPr>
+            <p:extLst>
+              <p:ext uri="{D42A27DB-BD31-4B8C-83A1-F6EECF244321}">
+                <p14:modId xmlns:p14="http://schemas.microsoft.com/office/powerpoint/2010/main" val="1461397967"/>
+              </p:ext>
+            </p:extLst>
+          </p:nvPr>
         </p:nvGraphicFramePr>
         <p:xfrm>
           <a:off x="5965794" y="1197896"/>
-          <a:ext cx="5841905" cy="4449765"/>
+          <a:ext cx="5841905" cy="4425790"/>
         </p:xfrm>
         <a:graphic>
           <a:graphicData uri="http://schemas.openxmlformats.org/drawingml/2006/table">
@@ -6557,18 +6655,18 @@
                   </a:ext>
                 </a:extLst>
               </a:tr>
-              <a:tr h="465790">
+              <a:tr h="396000">
                 <a:tc>
                   <a:txBody>
                     <a:bodyPr/>
                     <a:lstStyle/>
                     <a:p>
                       <a:r>
-                        <a:rPr lang="it-IT" sz="1800" dirty="0" err="1"/>
+                        <a:rPr lang="it-IT" sz="1600" dirty="0" err="1"/>
                         <a:t>Packet</a:t>
                       </a:r>
                       <a:r>
-                        <a:rPr lang="it-IT" sz="1800" dirty="0"/>
+                        <a:rPr lang="it-IT" sz="1600" dirty="0"/>
                         <a:t> payload size </a:t>
                       </a:r>
                     </a:p>
@@ -6582,7 +6680,7 @@
                     <a:p>
                       <a:pPr algn="ctr"/>
                       <a:r>
-                        <a:rPr lang="it-IT" sz="1800" dirty="0"/>
+                        <a:rPr lang="it-IT" sz="1600" dirty="0"/>
                         <a:t>100 byte</a:t>
                       </a:r>
                     </a:p>
@@ -6595,14 +6693,14 @@
                   </a:ext>
                 </a:extLst>
               </a:tr>
-              <a:tr h="465790">
+              <a:tr h="396000">
                 <a:tc>
                   <a:txBody>
                     <a:bodyPr/>
                     <a:lstStyle/>
                     <a:p>
                       <a:r>
-                        <a:rPr lang="it-IT" sz="1800" dirty="0"/>
+                        <a:rPr lang="it-IT" sz="1600" dirty="0"/>
                         <a:t>Frequency [GHz]</a:t>
                       </a:r>
                     </a:p>
@@ -6616,7 +6714,7 @@
                     <a:p>
                       <a:pPr algn="ctr"/>
                       <a:r>
-                        <a:rPr lang="it-IT" sz="1800" b="0" i="0" u="none" strike="noStrike" kern="1200" baseline="0" dirty="0">
+                        <a:rPr lang="it-IT" sz="1600" b="0" i="0" u="none" strike="noStrike" kern="1200" baseline="0" dirty="0">
                           <a:solidFill>
                             <a:schemeClr val="dk1"/>
                           </a:solidFill>
@@ -6626,7 +6724,7 @@
                         </a:rPr>
                         <a:t>2.4</a:t>
                       </a:r>
-                      <a:endParaRPr lang="it-IT" sz="1800" dirty="0"/>
+                      <a:endParaRPr lang="it-IT" sz="1600" dirty="0"/>
                     </a:p>
                   </a:txBody>
                   <a:tcPr/>
@@ -6637,22 +6735,22 @@
                   </a:ext>
                 </a:extLst>
               </a:tr>
-              <a:tr h="465790">
+              <a:tr h="396000">
                 <a:tc>
                   <a:txBody>
                     <a:bodyPr/>
                     <a:lstStyle/>
                     <a:p>
                       <a:r>
-                        <a:rPr lang="it-IT" sz="1800" dirty="0"/>
+                        <a:rPr lang="it-IT" sz="1600" dirty="0"/>
                         <a:t>Channel </a:t>
                       </a:r>
                       <a:r>
-                        <a:rPr lang="it-IT" sz="1800" dirty="0" err="1"/>
+                        <a:rPr lang="it-IT" sz="1600" dirty="0" err="1"/>
                         <a:t>bandwidth</a:t>
                       </a:r>
                       <a:r>
-                        <a:rPr lang="it-IT" sz="1800" dirty="0"/>
+                        <a:rPr lang="it-IT" sz="1600" dirty="0"/>
                         <a:t> [MHz]</a:t>
                       </a:r>
                     </a:p>
@@ -6666,7 +6764,7 @@
                     <a:p>
                       <a:pPr algn="ctr"/>
                       <a:r>
-                        <a:rPr lang="it-IT" sz="1800" b="0" i="0" u="none" strike="noStrike" kern="1200" baseline="0" dirty="0">
+                        <a:rPr lang="it-IT" sz="1600" b="0" i="0" u="none" strike="noStrike" kern="1200" baseline="0" dirty="0">
                           <a:solidFill>
                             <a:schemeClr val="dk1"/>
                           </a:solidFill>
@@ -6676,7 +6774,7 @@
                         </a:rPr>
                         <a:t>22</a:t>
                       </a:r>
-                      <a:endParaRPr lang="it-IT" sz="1800" dirty="0"/>
+                      <a:endParaRPr lang="it-IT" sz="1600" dirty="0"/>
                     </a:p>
                   </a:txBody>
                   <a:tcPr/>
@@ -6687,14 +6785,14 @@
                   </a:ext>
                 </a:extLst>
               </a:tr>
-              <a:tr h="465790">
+              <a:tr h="396000">
                 <a:tc>
                   <a:txBody>
                     <a:bodyPr/>
                     <a:lstStyle/>
                     <a:p>
                       <a:r>
-                        <a:rPr lang="it-IT" sz="1800" dirty="0"/>
+                        <a:rPr lang="it-IT" sz="1600" dirty="0"/>
                         <a:t>Transmission speed [Mbps]</a:t>
                       </a:r>
                     </a:p>
@@ -6708,7 +6806,7 @@
                     <a:p>
                       <a:pPr algn="ctr"/>
                       <a:r>
-                        <a:rPr lang="it-IT" sz="1800" b="0" i="0" u="none" strike="noStrike" kern="1200" baseline="0" dirty="0">
+                        <a:rPr lang="it-IT" sz="1600" b="0" i="0" u="none" strike="noStrike" kern="1200" baseline="0" dirty="0">
                           <a:solidFill>
                             <a:schemeClr val="dk1"/>
                           </a:solidFill>
@@ -6718,7 +6816,7 @@
                         </a:rPr>
                         <a:t>11</a:t>
                       </a:r>
-                      <a:endParaRPr lang="it-IT" sz="1800" dirty="0"/>
+                      <a:endParaRPr lang="it-IT" sz="1600" dirty="0"/>
                     </a:p>
                   </a:txBody>
                   <a:tcPr/>
@@ -6729,14 +6827,14 @@
                   </a:ext>
                 </a:extLst>
               </a:tr>
-              <a:tr h="424163">
+              <a:tr h="396000">
                 <a:tc>
                   <a:txBody>
                     <a:bodyPr/>
                     <a:lstStyle/>
                     <a:p>
                       <a:r>
-                        <a:rPr lang="it-IT" sz="1800" b="0" i="0" u="none" strike="noStrike" kern="1200" baseline="0" dirty="0">
+                        <a:rPr lang="it-IT" sz="1600" b="0" i="0" u="none" strike="noStrike" kern="1200" baseline="0" dirty="0">
                           <a:solidFill>
                             <a:schemeClr val="dk1"/>
                           </a:solidFill>
@@ -6747,15 +6845,15 @@
                         <a:t>Transmission powers </a:t>
                       </a:r>
                       <a:r>
-                        <a:rPr lang="it-IT" sz="1800" dirty="0"/>
+                        <a:rPr lang="it-IT" sz="1600" dirty="0"/>
                         <a:t>[</a:t>
                       </a:r>
                       <a:r>
-                        <a:rPr lang="it-IT" sz="1800" dirty="0" err="1"/>
+                        <a:rPr lang="it-IT" sz="1600" dirty="0" err="1"/>
                         <a:t>dBm</a:t>
                       </a:r>
                       <a:r>
-                        <a:rPr lang="it-IT" sz="1800" dirty="0"/>
+                        <a:rPr lang="it-IT" sz="1600" dirty="0"/>
                         <a:t>]</a:t>
                       </a:r>
                     </a:p>
@@ -6769,7 +6867,7 @@
                     <a:p>
                       <a:pPr algn="ctr"/>
                       <a:r>
-                        <a:rPr lang="it-IT" sz="1800" b="0" i="0" u="none" strike="noStrike" kern="1200" baseline="0" dirty="0">
+                        <a:rPr lang="it-IT" sz="1600" b="0" i="0" u="none" strike="noStrike" kern="1200" baseline="0" dirty="0">
                           <a:solidFill>
                             <a:schemeClr val="dk1"/>
                           </a:solidFill>
@@ -6779,7 +6877,7 @@
                         </a:rPr>
                         <a:t>-7.0, 4.6, 13.4</a:t>
                       </a:r>
-                      <a:endParaRPr lang="it-IT" sz="1800" dirty="0"/>
+                      <a:endParaRPr lang="it-IT" sz="1600" dirty="0"/>
                     </a:p>
                   </a:txBody>
                   <a:tcPr/>
@@ -6790,14 +6888,14 @@
                   </a:ext>
                 </a:extLst>
               </a:tr>
-              <a:tr h="424163">
+              <a:tr h="396000">
                 <a:tc>
                   <a:txBody>
                     <a:bodyPr/>
                     <a:lstStyle/>
                     <a:p>
                       <a:r>
-                        <a:rPr lang="it-IT" sz="1800" dirty="0"/>
+                        <a:rPr lang="it-IT" sz="1600" dirty="0"/>
                         <a:t>Transmission ranges [m]</a:t>
                       </a:r>
                     </a:p>
@@ -6811,7 +6909,7 @@
                     <a:p>
                       <a:pPr algn="ctr"/>
                       <a:r>
-                        <a:rPr lang="it-IT" sz="1800" dirty="0"/>
+                        <a:rPr lang="it-IT" sz="1600" dirty="0"/>
                         <a:t>100, 300, 500</a:t>
                       </a:r>
                     </a:p>
@@ -6824,17 +6922,17 @@
                   </a:ext>
                 </a:extLst>
               </a:tr>
-              <a:tr h="424163">
+              <a:tr h="396000">
                 <a:tc>
                   <a:txBody>
                     <a:bodyPr/>
                     <a:lstStyle/>
                     <a:p>
                       <a:r>
-                        <a:rPr lang="it-IT" sz="1800" dirty="0" err="1"/>
+                        <a:rPr lang="it-IT" sz="1600" dirty="0" err="1"/>
                         <a:t>Modulation</a:t>
                       </a:r>
-                      <a:endParaRPr lang="it-IT" sz="1800" dirty="0"/>
+                      <a:endParaRPr lang="it-IT" sz="1600" dirty="0"/>
                     </a:p>
                   </a:txBody>
                   <a:tcPr/>
@@ -6846,7 +6944,7 @@
                     <a:p>
                       <a:pPr algn="ctr"/>
                       <a:r>
-                        <a:rPr lang="it-IT" sz="1800" dirty="0"/>
+                        <a:rPr lang="it-IT" sz="1600" dirty="0"/>
                         <a:t>DSSS</a:t>
                       </a:r>
                     </a:p>
@@ -6859,26 +6957,26 @@
                   </a:ext>
                 </a:extLst>
               </a:tr>
-              <a:tr h="424163">
+              <a:tr h="396000">
                 <a:tc>
                   <a:txBody>
                     <a:bodyPr/>
                     <a:lstStyle/>
                     <a:p>
                       <a:r>
-                        <a:rPr lang="it-IT" sz="1800" dirty="0" err="1"/>
+                        <a:rPr lang="it-IT" sz="1600" dirty="0" err="1"/>
                         <a:t>Propagation</a:t>
                       </a:r>
                       <a:r>
-                        <a:rPr lang="it-IT" sz="1800" dirty="0"/>
+                        <a:rPr lang="it-IT" sz="1600" dirty="0"/>
                         <a:t> </a:t>
                       </a:r>
                       <a:r>
-                        <a:rPr lang="it-IT" sz="1800" dirty="0" err="1"/>
+                        <a:rPr lang="it-IT" sz="1600" dirty="0" err="1"/>
                         <a:t>loss</a:t>
                       </a:r>
                       <a:r>
-                        <a:rPr lang="it-IT" sz="1800" dirty="0"/>
+                        <a:rPr lang="it-IT" sz="1600" dirty="0"/>
                         <a:t> model</a:t>
                       </a:r>
                     </a:p>
@@ -6892,7 +6990,7 @@
                     <a:p>
                       <a:pPr algn="ctr"/>
                       <a:r>
-                        <a:rPr lang="it-IT" sz="1800" b="0" i="0" u="none" strike="noStrike" kern="1200" baseline="0" dirty="0">
+                        <a:rPr lang="it-IT" sz="1600" b="0" i="0" u="none" strike="noStrike" kern="1200" baseline="0" dirty="0">
                           <a:solidFill>
                             <a:schemeClr val="dk1"/>
                           </a:solidFill>
@@ -6903,7 +7001,7 @@
                         <a:t>ns3::</a:t>
                       </a:r>
                       <a:r>
-                        <a:rPr lang="it-IT" sz="1800" b="0" i="0" u="none" strike="noStrike" kern="1200" baseline="0" dirty="0" err="1">
+                        <a:rPr lang="it-IT" sz="1600" b="0" i="0" u="none" strike="noStrike" kern="1200" baseline="0" dirty="0" err="1">
                           <a:solidFill>
                             <a:schemeClr val="dk1"/>
                           </a:solidFill>
@@ -6913,7 +7011,7 @@
                         </a:rPr>
                         <a:t>TwoRayGround</a:t>
                       </a:r>
-                      <a:endParaRPr lang="it-IT" sz="1800" dirty="0"/>
+                      <a:endParaRPr lang="it-IT" sz="1600" dirty="0"/>
                     </a:p>
                   </a:txBody>
                   <a:tcPr/>
@@ -6924,18 +7022,18 @@
                   </a:ext>
                 </a:extLst>
               </a:tr>
-              <a:tr h="424163">
+              <a:tr h="396000">
                 <a:tc>
                   <a:txBody>
                     <a:bodyPr/>
                     <a:lstStyle/>
                     <a:p>
                       <a:r>
-                        <a:rPr lang="it-IT" sz="1800" dirty="0" err="1"/>
+                        <a:rPr lang="it-IT" sz="1600" dirty="0" err="1"/>
                         <a:t>Propagation</a:t>
                       </a:r>
                       <a:r>
-                        <a:rPr lang="it-IT" sz="1800" dirty="0"/>
+                        <a:rPr lang="it-IT" sz="1600" dirty="0"/>
                         <a:t> delay model</a:t>
                       </a:r>
                     </a:p>
@@ -6949,14 +7047,14 @@
                     <a:p>
                       <a:pPr algn="ctr"/>
                       <a:r>
-                        <a:rPr lang="it-IT" sz="1800" dirty="0"/>
+                        <a:rPr lang="it-IT" sz="1600" dirty="0"/>
                         <a:t>ns3::</a:t>
                       </a:r>
                       <a:r>
-                        <a:rPr lang="it-IT" sz="1800" dirty="0" err="1"/>
+                        <a:rPr lang="it-IT" sz="1600" dirty="0" err="1"/>
                         <a:t>ConstantSpeed</a:t>
                       </a:r>
-                      <a:endParaRPr lang="it-IT" sz="1800" dirty="0"/>
+                      <a:endParaRPr lang="it-IT" sz="1600" dirty="0"/>
                     </a:p>
                   </a:txBody>
                   <a:tcPr/>
@@ -6964,6 +7062,49 @@
                 <a:extLst>
                   <a:ext uri="{0D108BD9-81ED-4DB2-BD59-A6C34878D82A}">
                     <a16:rowId xmlns:a16="http://schemas.microsoft.com/office/drawing/2014/main" val="2909756033"/>
+                  </a:ext>
+                </a:extLst>
+              </a:tr>
+              <a:tr h="396000">
+                <a:tc>
+                  <a:txBody>
+                    <a:bodyPr/>
+                    <a:lstStyle/>
+                    <a:p>
+                      <a:r>
+                        <a:rPr lang="it-IT" sz="1600" b="1" dirty="0" err="1"/>
+                        <a:t>Shadowing</a:t>
+                      </a:r>
+                      <a:r>
+                        <a:rPr lang="it-IT" sz="1600" b="1" dirty="0"/>
+                        <a:t> model</a:t>
+                      </a:r>
+                    </a:p>
+                  </a:txBody>
+                  <a:tcPr/>
+                </a:tc>
+                <a:tc>
+                  <a:txBody>
+                    <a:bodyPr/>
+                    <a:lstStyle/>
+                    <a:p>
+                      <a:pPr algn="ctr"/>
+                      <a:r>
+                        <a:rPr lang="it-IT" sz="1600" b="1" dirty="0"/>
+                        <a:t>ns3::</a:t>
+                      </a:r>
+                      <a:r>
+                        <a:rPr lang="it-IT" sz="1600" b="1" dirty="0" err="1"/>
+                        <a:t>ObstacleShadowing</a:t>
+                      </a:r>
+                      <a:endParaRPr lang="it-IT" sz="1600" b="1" dirty="0"/>
+                    </a:p>
+                  </a:txBody>
+                  <a:tcPr/>
+                </a:tc>
+                <a:extLst>
+                  <a:ext uri="{0D108BD9-81ED-4DB2-BD59-A6C34878D82A}">
+                    <a16:rowId xmlns:a16="http://schemas.microsoft.com/office/drawing/2014/main" val="3397235799"/>
                   </a:ext>
                 </a:extLst>
               </a:tr>
@@ -7003,42 +7144,6 @@
       </p:grpSpPr>
       <p:sp>
         <p:nvSpPr>
-          <p:cNvPr id="2" name="Titolo 1">
-            <a:extLst>
-              <a:ext uri="{FF2B5EF4-FFF2-40B4-BE49-F238E27FC236}">
-                <a16:creationId xmlns:a16="http://schemas.microsoft.com/office/drawing/2014/main" id="{423E46DE-2AE3-44BE-963C-544CB7884F11}"/>
-              </a:ext>
-            </a:extLst>
-          </p:cNvPr>
-          <p:cNvSpPr>
-            <a:spLocks noGrp="1"/>
-          </p:cNvSpPr>
-          <p:nvPr>
-            <p:ph type="title" idx="4294967295"/>
-          </p:nvPr>
-        </p:nvSpPr>
-        <p:spPr>
-          <a:xfrm>
-            <a:off x="0" y="-99010"/>
-            <a:ext cx="12192000" cy="1325563"/>
-          </a:xfrm>
-        </p:spPr>
-        <p:txBody>
-          <a:bodyPr>
-            <a:normAutofit/>
-          </a:bodyPr>
-          <a:lstStyle/>
-          <a:p>
-            <a:pPr algn="ctr"/>
-            <a:r>
-              <a:rPr lang="it-IT" dirty="0"/>
-              <a:t>FORWARDING NODE NUMBER</a:t>
-            </a:r>
-          </a:p>
-        </p:txBody>
-      </p:sp>
-      <p:sp>
-        <p:nvSpPr>
           <p:cNvPr id="10" name="Rettangolo 9">
             <a:extLst>
               <a:ext uri="{FF2B5EF4-FFF2-40B4-BE49-F238E27FC236}">
@@ -7086,10 +7191,10 @@
       </p:sp>
       <p:pic>
         <p:nvPicPr>
-          <p:cNvPr id="5" name="Immagine 4">
+          <p:cNvPr id="4" name="Immagine 3" descr="Immagine che contiene screenshot&#10;&#10;Descrizione generata automaticamente">
             <a:extLst>
               <a:ext uri="{FF2B5EF4-FFF2-40B4-BE49-F238E27FC236}">
-                <a16:creationId xmlns:a16="http://schemas.microsoft.com/office/drawing/2014/main" id="{EA730388-4E3A-43D2-9F6B-4E548010A384}"/>
+                <a16:creationId xmlns:a16="http://schemas.microsoft.com/office/drawing/2014/main" id="{1456934B-EAAA-4185-A562-CD8A7FED94FC}"/>
               </a:ext>
             </a:extLst>
           </p:cNvPr>
@@ -7099,15 +7204,799 @@
           <p:nvPr/>
         </p:nvPicPr>
         <p:blipFill>
-          <a:blip r:embed="rId2"/>
+          <a:blip r:embed="rId2">
+            <a:extLst>
+              <a:ext uri="{28A0092B-C50C-407E-A947-70E740481C1C}">
+                <a14:useLocalDpi xmlns:a14="http://schemas.microsoft.com/office/drawing/2010/main" val="0"/>
+              </a:ext>
+            </a:extLst>
+          </a:blip>
           <a:stretch>
             <a:fillRect/>
           </a:stretch>
         </p:blipFill>
         <p:spPr>
           <a:xfrm>
-            <a:off x="275207" y="915834"/>
-            <a:ext cx="7336768" cy="3299375"/>
+            <a:off x="688267" y="1204026"/>
+            <a:ext cx="5536942" cy="4113699"/>
+          </a:xfrm>
+          <a:prstGeom prst="rect">
+            <a:avLst/>
+          </a:prstGeom>
+        </p:spPr>
+      </p:pic>
+      <p:pic>
+        <p:nvPicPr>
+          <p:cNvPr id="7" name="Immagine 6">
+            <a:extLst>
+              <a:ext uri="{FF2B5EF4-FFF2-40B4-BE49-F238E27FC236}">
+                <a16:creationId xmlns:a16="http://schemas.microsoft.com/office/drawing/2014/main" id="{8A2C5B05-B6CB-4FB0-B0CB-37E0FF85E52F}"/>
+              </a:ext>
+            </a:extLst>
+          </p:cNvPr>
+          <p:cNvPicPr>
+            <a:picLocks noChangeAspect="1"/>
+          </p:cNvPicPr>
+          <p:nvPr/>
+        </p:nvPicPr>
+        <p:blipFill>
+          <a:blip r:embed="rId3">
+            <a:extLst>
+              <a:ext uri="{28A0092B-C50C-407E-A947-70E740481C1C}">
+                <a14:useLocalDpi xmlns:a14="http://schemas.microsoft.com/office/drawing/2010/main" val="0"/>
+              </a:ext>
+            </a:extLst>
+          </a:blip>
+          <a:stretch>
+            <a:fillRect/>
+          </a:stretch>
+        </p:blipFill>
+        <p:spPr>
+          <a:xfrm>
+            <a:off x="6513126" y="1212905"/>
+            <a:ext cx="5015785" cy="4113699"/>
+          </a:xfrm>
+          <a:prstGeom prst="rect">
+            <a:avLst/>
+          </a:prstGeom>
+        </p:spPr>
+      </p:pic>
+      <p:sp>
+        <p:nvSpPr>
+          <p:cNvPr id="8" name="Segnaposto contenuto 2">
+            <a:extLst>
+              <a:ext uri="{FF2B5EF4-FFF2-40B4-BE49-F238E27FC236}">
+                <a16:creationId xmlns:a16="http://schemas.microsoft.com/office/drawing/2014/main" id="{404FF6F9-50C9-47F5-9A59-7E20DCAFA408}"/>
+              </a:ext>
+            </a:extLst>
+          </p:cNvPr>
+          <p:cNvSpPr txBox="1">
+            <a:spLocks/>
+          </p:cNvSpPr>
+          <p:nvPr/>
+        </p:nvSpPr>
+        <p:spPr>
+          <a:xfrm>
+            <a:off x="2345396" y="5780377"/>
+            <a:ext cx="2217270" cy="416242"/>
+          </a:xfrm>
+          <a:prstGeom prst="rect">
+            <a:avLst/>
+          </a:prstGeom>
+        </p:spPr>
+        <p:txBody>
+          <a:bodyPr>
+            <a:normAutofit/>
+          </a:bodyPr>
+          <a:lstStyle>
+            <a:lvl1pPr marL="342900" indent="-342900" algn="l" defTabSz="914400" rtl="0" eaLnBrk="1" latinLnBrk="0" hangingPunct="1">
+              <a:spcBef>
+                <a:spcPct val="20000"/>
+              </a:spcBef>
+              <a:buClr>
+                <a:schemeClr val="accent6"/>
+              </a:buClr>
+              <a:buFont typeface="Arial" pitchFamily="34" charset="0"/>
+              <a:buChar char="•"/>
+              <a:defRPr sz="3200" kern="1200">
+                <a:solidFill>
+                  <a:schemeClr val="tx1"/>
+                </a:solidFill>
+                <a:latin typeface="+mn-lt"/>
+                <a:ea typeface="+mn-ea"/>
+                <a:cs typeface="+mn-cs"/>
+              </a:defRPr>
+            </a:lvl1pPr>
+            <a:lvl2pPr marL="742950" indent="-285750" algn="l" defTabSz="914400" rtl="0" eaLnBrk="1" latinLnBrk="0" hangingPunct="1">
+              <a:spcBef>
+                <a:spcPct val="20000"/>
+              </a:spcBef>
+              <a:buClr>
+                <a:schemeClr val="accent6"/>
+              </a:buClr>
+              <a:buFont typeface="Courier New" panose="02070309020205020404" pitchFamily="49" charset="0"/>
+              <a:buChar char="o"/>
+              <a:defRPr sz="2800" kern="1200">
+                <a:solidFill>
+                  <a:schemeClr val="tx1"/>
+                </a:solidFill>
+                <a:latin typeface="+mn-lt"/>
+                <a:ea typeface="+mn-ea"/>
+                <a:cs typeface="+mn-cs"/>
+              </a:defRPr>
+            </a:lvl2pPr>
+            <a:lvl3pPr marL="1143000" indent="-228600" algn="l" defTabSz="914400" rtl="0" eaLnBrk="1" latinLnBrk="0" hangingPunct="1">
+              <a:spcBef>
+                <a:spcPct val="20000"/>
+              </a:spcBef>
+              <a:buFont typeface="Arial" pitchFamily="34" charset="0"/>
+              <a:buChar char="•"/>
+              <a:defRPr sz="2400" kern="1200">
+                <a:solidFill>
+                  <a:schemeClr val="tx1"/>
+                </a:solidFill>
+                <a:latin typeface="+mn-lt"/>
+                <a:ea typeface="+mn-ea"/>
+                <a:cs typeface="+mn-cs"/>
+              </a:defRPr>
+            </a:lvl3pPr>
+            <a:lvl4pPr marL="1600200" indent="-228600" algn="l" defTabSz="914400" rtl="0" eaLnBrk="1" latinLnBrk="0" hangingPunct="1">
+              <a:spcBef>
+                <a:spcPct val="20000"/>
+              </a:spcBef>
+              <a:buFont typeface="Arial" pitchFamily="34" charset="0"/>
+              <a:buChar char="–"/>
+              <a:defRPr sz="2000" kern="1200">
+                <a:solidFill>
+                  <a:schemeClr val="tx1"/>
+                </a:solidFill>
+                <a:latin typeface="+mn-lt"/>
+                <a:ea typeface="+mn-ea"/>
+                <a:cs typeface="+mn-cs"/>
+              </a:defRPr>
+            </a:lvl4pPr>
+            <a:lvl5pPr marL="2057400" indent="-228600" algn="l" defTabSz="914400" rtl="0" eaLnBrk="1" latinLnBrk="0" hangingPunct="1">
+              <a:spcBef>
+                <a:spcPct val="20000"/>
+              </a:spcBef>
+              <a:buFont typeface="Arial" pitchFamily="34" charset="0"/>
+              <a:buChar char="»"/>
+              <a:defRPr sz="2000" kern="1200">
+                <a:solidFill>
+                  <a:schemeClr val="tx1"/>
+                </a:solidFill>
+                <a:latin typeface="+mn-lt"/>
+                <a:ea typeface="+mn-ea"/>
+                <a:cs typeface="+mn-cs"/>
+              </a:defRPr>
+            </a:lvl5pPr>
+            <a:lvl6pPr marL="2514600" indent="-228600" algn="l" defTabSz="914400" rtl="0" eaLnBrk="1" latinLnBrk="0" hangingPunct="1">
+              <a:spcBef>
+                <a:spcPct val="20000"/>
+              </a:spcBef>
+              <a:buFont typeface="Arial" pitchFamily="34" charset="0"/>
+              <a:buChar char="•"/>
+              <a:defRPr sz="2000" kern="1200">
+                <a:solidFill>
+                  <a:schemeClr val="tx1"/>
+                </a:solidFill>
+                <a:latin typeface="+mn-lt"/>
+                <a:ea typeface="+mn-ea"/>
+                <a:cs typeface="+mn-cs"/>
+              </a:defRPr>
+            </a:lvl6pPr>
+            <a:lvl7pPr marL="2971800" indent="-228600" algn="l" defTabSz="914400" rtl="0" eaLnBrk="1" latinLnBrk="0" hangingPunct="1">
+              <a:spcBef>
+                <a:spcPct val="20000"/>
+              </a:spcBef>
+              <a:buFont typeface="Arial" pitchFamily="34" charset="0"/>
+              <a:buChar char="•"/>
+              <a:defRPr sz="2000" kern="1200">
+                <a:solidFill>
+                  <a:schemeClr val="tx1"/>
+                </a:solidFill>
+                <a:latin typeface="+mn-lt"/>
+                <a:ea typeface="+mn-ea"/>
+                <a:cs typeface="+mn-cs"/>
+              </a:defRPr>
+            </a:lvl7pPr>
+            <a:lvl8pPr marL="3429000" indent="-228600" algn="l" defTabSz="914400" rtl="0" eaLnBrk="1" latinLnBrk="0" hangingPunct="1">
+              <a:spcBef>
+                <a:spcPct val="20000"/>
+              </a:spcBef>
+              <a:buFont typeface="Arial" pitchFamily="34" charset="0"/>
+              <a:buChar char="•"/>
+              <a:defRPr sz="2000" kern="1200">
+                <a:solidFill>
+                  <a:schemeClr val="tx1"/>
+                </a:solidFill>
+                <a:latin typeface="+mn-lt"/>
+                <a:ea typeface="+mn-ea"/>
+                <a:cs typeface="+mn-cs"/>
+              </a:defRPr>
+            </a:lvl8pPr>
+            <a:lvl9pPr marL="3886200" indent="-228600" algn="l" defTabSz="914400" rtl="0" eaLnBrk="1" latinLnBrk="0" hangingPunct="1">
+              <a:spcBef>
+                <a:spcPct val="20000"/>
+              </a:spcBef>
+              <a:buFont typeface="Arial" pitchFamily="34" charset="0"/>
+              <a:buChar char="•"/>
+              <a:defRPr sz="2000" kern="1200">
+                <a:solidFill>
+                  <a:schemeClr val="tx1"/>
+                </a:solidFill>
+                <a:latin typeface="+mn-lt"/>
+                <a:ea typeface="+mn-ea"/>
+                <a:cs typeface="+mn-cs"/>
+              </a:defRPr>
+            </a:lvl9pPr>
+          </a:lstStyle>
+          <a:p>
+            <a:pPr marL="0" indent="0">
+              <a:buNone/>
+            </a:pPr>
+            <a:r>
+              <a:rPr lang="it-IT" sz="2000" dirty="0" err="1"/>
+              <a:t>Without</a:t>
+            </a:r>
+            <a:r>
+              <a:rPr lang="it-IT" sz="2000" dirty="0"/>
+              <a:t> buildings</a:t>
+            </a:r>
+          </a:p>
+        </p:txBody>
+      </p:sp>
+      <p:sp>
+        <p:nvSpPr>
+          <p:cNvPr id="27" name="Rettangolo 26">
+            <a:extLst>
+              <a:ext uri="{FF2B5EF4-FFF2-40B4-BE49-F238E27FC236}">
+                <a16:creationId xmlns:a16="http://schemas.microsoft.com/office/drawing/2014/main" id="{5FAEBFEB-1E89-4E24-8E28-830974169D18}"/>
+              </a:ext>
+            </a:extLst>
+          </p:cNvPr>
+          <p:cNvSpPr/>
+          <p:nvPr/>
+        </p:nvSpPr>
+        <p:spPr>
+          <a:xfrm>
+            <a:off x="688267" y="5298642"/>
+            <a:ext cx="5536942" cy="392956"/>
+          </a:xfrm>
+          <a:prstGeom prst="rect">
+            <a:avLst/>
+          </a:prstGeom>
+          <a:solidFill>
+            <a:schemeClr val="bg1"/>
+          </a:solidFill>
+          <a:ln>
+            <a:solidFill>
+              <a:schemeClr val="bg1"/>
+            </a:solidFill>
+          </a:ln>
+        </p:spPr>
+        <p:style>
+          <a:lnRef idx="2">
+            <a:schemeClr val="accent1">
+              <a:shade val="50000"/>
+            </a:schemeClr>
+          </a:lnRef>
+          <a:fillRef idx="1">
+            <a:schemeClr val="accent1"/>
+          </a:fillRef>
+          <a:effectRef idx="0">
+            <a:schemeClr val="accent1"/>
+          </a:effectRef>
+          <a:fontRef idx="minor">
+            <a:schemeClr val="lt1"/>
+          </a:fontRef>
+        </p:style>
+        <p:txBody>
+          <a:bodyPr rtlCol="0" anchor="ctr"/>
+          <a:lstStyle/>
+          <a:p>
+            <a:pPr algn="ctr"/>
+            <a:endParaRPr lang="it-IT"/>
+          </a:p>
+        </p:txBody>
+      </p:sp>
+      <p:sp>
+        <p:nvSpPr>
+          <p:cNvPr id="9" name="Segnaposto contenuto 2">
+            <a:extLst>
+              <a:ext uri="{FF2B5EF4-FFF2-40B4-BE49-F238E27FC236}">
+                <a16:creationId xmlns:a16="http://schemas.microsoft.com/office/drawing/2014/main" id="{8C001087-313E-45B5-9FE2-AC7E4000D593}"/>
+              </a:ext>
+            </a:extLst>
+          </p:cNvPr>
+          <p:cNvSpPr txBox="1">
+            <a:spLocks/>
+          </p:cNvSpPr>
+          <p:nvPr/>
+        </p:nvSpPr>
+        <p:spPr>
+          <a:xfrm>
+            <a:off x="8106385" y="5786379"/>
+            <a:ext cx="1829266" cy="416242"/>
+          </a:xfrm>
+          <a:prstGeom prst="rect">
+            <a:avLst/>
+          </a:prstGeom>
+        </p:spPr>
+        <p:txBody>
+          <a:bodyPr>
+            <a:normAutofit/>
+          </a:bodyPr>
+          <a:lstStyle>
+            <a:lvl1pPr marL="342900" indent="-342900" algn="l" defTabSz="914400" rtl="0" eaLnBrk="1" latinLnBrk="0" hangingPunct="1">
+              <a:spcBef>
+                <a:spcPct val="20000"/>
+              </a:spcBef>
+              <a:buClr>
+                <a:schemeClr val="accent6"/>
+              </a:buClr>
+              <a:buFont typeface="Arial" pitchFamily="34" charset="0"/>
+              <a:buChar char="•"/>
+              <a:defRPr sz="3200" kern="1200">
+                <a:solidFill>
+                  <a:schemeClr val="tx1"/>
+                </a:solidFill>
+                <a:latin typeface="+mn-lt"/>
+                <a:ea typeface="+mn-ea"/>
+                <a:cs typeface="+mn-cs"/>
+              </a:defRPr>
+            </a:lvl1pPr>
+            <a:lvl2pPr marL="742950" indent="-285750" algn="l" defTabSz="914400" rtl="0" eaLnBrk="1" latinLnBrk="0" hangingPunct="1">
+              <a:spcBef>
+                <a:spcPct val="20000"/>
+              </a:spcBef>
+              <a:buClr>
+                <a:schemeClr val="accent6"/>
+              </a:buClr>
+              <a:buFont typeface="Courier New" panose="02070309020205020404" pitchFamily="49" charset="0"/>
+              <a:buChar char="o"/>
+              <a:defRPr sz="2800" kern="1200">
+                <a:solidFill>
+                  <a:schemeClr val="tx1"/>
+                </a:solidFill>
+                <a:latin typeface="+mn-lt"/>
+                <a:ea typeface="+mn-ea"/>
+                <a:cs typeface="+mn-cs"/>
+              </a:defRPr>
+            </a:lvl2pPr>
+            <a:lvl3pPr marL="1143000" indent="-228600" algn="l" defTabSz="914400" rtl="0" eaLnBrk="1" latinLnBrk="0" hangingPunct="1">
+              <a:spcBef>
+                <a:spcPct val="20000"/>
+              </a:spcBef>
+              <a:buFont typeface="Arial" pitchFamily="34" charset="0"/>
+              <a:buChar char="•"/>
+              <a:defRPr sz="2400" kern="1200">
+                <a:solidFill>
+                  <a:schemeClr val="tx1"/>
+                </a:solidFill>
+                <a:latin typeface="+mn-lt"/>
+                <a:ea typeface="+mn-ea"/>
+                <a:cs typeface="+mn-cs"/>
+              </a:defRPr>
+            </a:lvl3pPr>
+            <a:lvl4pPr marL="1600200" indent="-228600" algn="l" defTabSz="914400" rtl="0" eaLnBrk="1" latinLnBrk="0" hangingPunct="1">
+              <a:spcBef>
+                <a:spcPct val="20000"/>
+              </a:spcBef>
+              <a:buFont typeface="Arial" pitchFamily="34" charset="0"/>
+              <a:buChar char="–"/>
+              <a:defRPr sz="2000" kern="1200">
+                <a:solidFill>
+                  <a:schemeClr val="tx1"/>
+                </a:solidFill>
+                <a:latin typeface="+mn-lt"/>
+                <a:ea typeface="+mn-ea"/>
+                <a:cs typeface="+mn-cs"/>
+              </a:defRPr>
+            </a:lvl4pPr>
+            <a:lvl5pPr marL="2057400" indent="-228600" algn="l" defTabSz="914400" rtl="0" eaLnBrk="1" latinLnBrk="0" hangingPunct="1">
+              <a:spcBef>
+                <a:spcPct val="20000"/>
+              </a:spcBef>
+              <a:buFont typeface="Arial" pitchFamily="34" charset="0"/>
+              <a:buChar char="»"/>
+              <a:defRPr sz="2000" kern="1200">
+                <a:solidFill>
+                  <a:schemeClr val="tx1"/>
+                </a:solidFill>
+                <a:latin typeface="+mn-lt"/>
+                <a:ea typeface="+mn-ea"/>
+                <a:cs typeface="+mn-cs"/>
+              </a:defRPr>
+            </a:lvl5pPr>
+            <a:lvl6pPr marL="2514600" indent="-228600" algn="l" defTabSz="914400" rtl="0" eaLnBrk="1" latinLnBrk="0" hangingPunct="1">
+              <a:spcBef>
+                <a:spcPct val="20000"/>
+              </a:spcBef>
+              <a:buFont typeface="Arial" pitchFamily="34" charset="0"/>
+              <a:buChar char="•"/>
+              <a:defRPr sz="2000" kern="1200">
+                <a:solidFill>
+                  <a:schemeClr val="tx1"/>
+                </a:solidFill>
+                <a:latin typeface="+mn-lt"/>
+                <a:ea typeface="+mn-ea"/>
+                <a:cs typeface="+mn-cs"/>
+              </a:defRPr>
+            </a:lvl6pPr>
+            <a:lvl7pPr marL="2971800" indent="-228600" algn="l" defTabSz="914400" rtl="0" eaLnBrk="1" latinLnBrk="0" hangingPunct="1">
+              <a:spcBef>
+                <a:spcPct val="20000"/>
+              </a:spcBef>
+              <a:buFont typeface="Arial" pitchFamily="34" charset="0"/>
+              <a:buChar char="•"/>
+              <a:defRPr sz="2000" kern="1200">
+                <a:solidFill>
+                  <a:schemeClr val="tx1"/>
+                </a:solidFill>
+                <a:latin typeface="+mn-lt"/>
+                <a:ea typeface="+mn-ea"/>
+                <a:cs typeface="+mn-cs"/>
+              </a:defRPr>
+            </a:lvl7pPr>
+            <a:lvl8pPr marL="3429000" indent="-228600" algn="l" defTabSz="914400" rtl="0" eaLnBrk="1" latinLnBrk="0" hangingPunct="1">
+              <a:spcBef>
+                <a:spcPct val="20000"/>
+              </a:spcBef>
+              <a:buFont typeface="Arial" pitchFamily="34" charset="0"/>
+              <a:buChar char="•"/>
+              <a:defRPr sz="2000" kern="1200">
+                <a:solidFill>
+                  <a:schemeClr val="tx1"/>
+                </a:solidFill>
+                <a:latin typeface="+mn-lt"/>
+                <a:ea typeface="+mn-ea"/>
+                <a:cs typeface="+mn-cs"/>
+              </a:defRPr>
+            </a:lvl8pPr>
+            <a:lvl9pPr marL="3886200" indent="-228600" algn="l" defTabSz="914400" rtl="0" eaLnBrk="1" latinLnBrk="0" hangingPunct="1">
+              <a:spcBef>
+                <a:spcPct val="20000"/>
+              </a:spcBef>
+              <a:buFont typeface="Arial" pitchFamily="34" charset="0"/>
+              <a:buChar char="•"/>
+              <a:defRPr sz="2000" kern="1200">
+                <a:solidFill>
+                  <a:schemeClr val="tx1"/>
+                </a:solidFill>
+                <a:latin typeface="+mn-lt"/>
+                <a:ea typeface="+mn-ea"/>
+                <a:cs typeface="+mn-cs"/>
+              </a:defRPr>
+            </a:lvl9pPr>
+          </a:lstStyle>
+          <a:p>
+            <a:pPr marL="0" indent="0">
+              <a:buNone/>
+            </a:pPr>
+            <a:r>
+              <a:rPr lang="it-IT" sz="2000" dirty="0"/>
+              <a:t>With buildings</a:t>
+            </a:r>
+          </a:p>
+        </p:txBody>
+      </p:sp>
+      <p:pic>
+        <p:nvPicPr>
+          <p:cNvPr id="5" name="Immagine 4" descr="Immagine che contiene arredamento&#10;&#10;Descrizione generata automaticamente">
+            <a:extLst>
+              <a:ext uri="{FF2B5EF4-FFF2-40B4-BE49-F238E27FC236}">
+                <a16:creationId xmlns:a16="http://schemas.microsoft.com/office/drawing/2014/main" id="{2BCF709E-BBE5-4703-AA95-0CFEA92C926D}"/>
+              </a:ext>
+            </a:extLst>
+          </p:cNvPr>
+          <p:cNvPicPr>
+            <a:picLocks noChangeAspect="1"/>
+          </p:cNvPicPr>
+          <p:nvPr/>
+        </p:nvPicPr>
+        <p:blipFill>
+          <a:blip r:embed="rId4">
+            <a:extLst>
+              <a:ext uri="{28A0092B-C50C-407E-A947-70E740481C1C}">
+                <a14:useLocalDpi xmlns:a14="http://schemas.microsoft.com/office/drawing/2010/main" val="0"/>
+              </a:ext>
+            </a:extLst>
+          </a:blip>
+          <a:stretch>
+            <a:fillRect/>
+          </a:stretch>
+        </p:blipFill>
+        <p:spPr>
+          <a:xfrm>
+            <a:off x="1693293" y="5453317"/>
+            <a:ext cx="1073704" cy="156703"/>
+          </a:xfrm>
+          <a:prstGeom prst="rect">
+            <a:avLst/>
+          </a:prstGeom>
+        </p:spPr>
+      </p:pic>
+      <p:sp>
+        <p:nvSpPr>
+          <p:cNvPr id="28" name="Rettangolo 27">
+            <a:extLst>
+              <a:ext uri="{FF2B5EF4-FFF2-40B4-BE49-F238E27FC236}">
+                <a16:creationId xmlns:a16="http://schemas.microsoft.com/office/drawing/2014/main" id="{337B651D-1A07-4799-9C44-4DE35E4AD019}"/>
+              </a:ext>
+            </a:extLst>
+          </p:cNvPr>
+          <p:cNvSpPr/>
+          <p:nvPr/>
+        </p:nvSpPr>
+        <p:spPr>
+          <a:xfrm>
+            <a:off x="6513126" y="5317725"/>
+            <a:ext cx="5015785" cy="392956"/>
+          </a:xfrm>
+          <a:prstGeom prst="rect">
+            <a:avLst/>
+          </a:prstGeom>
+          <a:solidFill>
+            <a:schemeClr val="bg1"/>
+          </a:solidFill>
+          <a:ln>
+            <a:solidFill>
+              <a:schemeClr val="bg1"/>
+            </a:solidFill>
+          </a:ln>
+        </p:spPr>
+        <p:style>
+          <a:lnRef idx="2">
+            <a:schemeClr val="accent1">
+              <a:shade val="50000"/>
+            </a:schemeClr>
+          </a:lnRef>
+          <a:fillRef idx="1">
+            <a:schemeClr val="accent1"/>
+          </a:fillRef>
+          <a:effectRef idx="0">
+            <a:schemeClr val="accent1"/>
+          </a:effectRef>
+          <a:fontRef idx="minor">
+            <a:schemeClr val="lt1"/>
+          </a:fontRef>
+        </p:style>
+        <p:txBody>
+          <a:bodyPr rtlCol="0" anchor="ctr"/>
+          <a:lstStyle/>
+          <a:p>
+            <a:pPr algn="ctr"/>
+            <a:endParaRPr lang="it-IT"/>
+          </a:p>
+        </p:txBody>
+      </p:sp>
+      <p:pic>
+        <p:nvPicPr>
+          <p:cNvPr id="12" name="Immagine 11">
+            <a:extLst>
+              <a:ext uri="{FF2B5EF4-FFF2-40B4-BE49-F238E27FC236}">
+                <a16:creationId xmlns:a16="http://schemas.microsoft.com/office/drawing/2014/main" id="{68FFAEE1-CCF1-4CC6-8B01-0476A535739B}"/>
+              </a:ext>
+            </a:extLst>
+          </p:cNvPr>
+          <p:cNvPicPr>
+            <a:picLocks noChangeAspect="1"/>
+          </p:cNvPicPr>
+          <p:nvPr/>
+        </p:nvPicPr>
+        <p:blipFill>
+          <a:blip r:embed="rId5">
+            <a:extLst>
+              <a:ext uri="{28A0092B-C50C-407E-A947-70E740481C1C}">
+                <a14:useLocalDpi xmlns:a14="http://schemas.microsoft.com/office/drawing/2010/main" val="0"/>
+              </a:ext>
+            </a:extLst>
+          </a:blip>
+          <a:stretch>
+            <a:fillRect/>
+          </a:stretch>
+        </p:blipFill>
+        <p:spPr>
+          <a:xfrm>
+            <a:off x="3187206" y="5456081"/>
+            <a:ext cx="1087868" cy="151175"/>
+          </a:xfrm>
+          <a:prstGeom prst="rect">
+            <a:avLst/>
+          </a:prstGeom>
+        </p:spPr>
+      </p:pic>
+      <p:pic>
+        <p:nvPicPr>
+          <p:cNvPr id="14" name="Immagine 13">
+            <a:extLst>
+              <a:ext uri="{FF2B5EF4-FFF2-40B4-BE49-F238E27FC236}">
+                <a16:creationId xmlns:a16="http://schemas.microsoft.com/office/drawing/2014/main" id="{16E50AA2-8D8D-46E7-8A33-4C76D7325A18}"/>
+              </a:ext>
+            </a:extLst>
+          </p:cNvPr>
+          <p:cNvPicPr>
+            <a:picLocks noChangeAspect="1"/>
+          </p:cNvPicPr>
+          <p:nvPr/>
+        </p:nvPicPr>
+        <p:blipFill>
+          <a:blip r:embed="rId6">
+            <a:extLst>
+              <a:ext uri="{28A0092B-C50C-407E-A947-70E740481C1C}">
+                <a14:useLocalDpi xmlns:a14="http://schemas.microsoft.com/office/drawing/2010/main" val="0"/>
+              </a:ext>
+            </a:extLst>
+          </a:blip>
+          <a:stretch>
+            <a:fillRect/>
+          </a:stretch>
+        </p:blipFill>
+        <p:spPr>
+          <a:xfrm>
+            <a:off x="4686398" y="5456081"/>
+            <a:ext cx="1078772" cy="151175"/>
+          </a:xfrm>
+          <a:prstGeom prst="rect">
+            <a:avLst/>
+          </a:prstGeom>
+        </p:spPr>
+      </p:pic>
+      <p:pic>
+        <p:nvPicPr>
+          <p:cNvPr id="16" name="Immagine 15" descr="Immagine che contiene arredamento, tavolo&#10;&#10;Descrizione generata automaticamente">
+            <a:extLst>
+              <a:ext uri="{FF2B5EF4-FFF2-40B4-BE49-F238E27FC236}">
+                <a16:creationId xmlns:a16="http://schemas.microsoft.com/office/drawing/2014/main" id="{AC306D5D-393A-45B1-9DD2-AAFBD54B7CED}"/>
+              </a:ext>
+            </a:extLst>
+          </p:cNvPr>
+          <p:cNvPicPr>
+            <a:picLocks noChangeAspect="1"/>
+          </p:cNvPicPr>
+          <p:nvPr/>
+        </p:nvPicPr>
+        <p:blipFill>
+          <a:blip r:embed="rId7">
+            <a:extLst>
+              <a:ext uri="{28A0092B-C50C-407E-A947-70E740481C1C}">
+                <a14:useLocalDpi xmlns:a14="http://schemas.microsoft.com/office/drawing/2010/main" val="0"/>
+              </a:ext>
+            </a:extLst>
+          </a:blip>
+          <a:stretch>
+            <a:fillRect/>
+          </a:stretch>
+        </p:blipFill>
+        <p:spPr>
+          <a:xfrm>
+            <a:off x="7001396" y="5460195"/>
+            <a:ext cx="1050651" cy="142946"/>
+          </a:xfrm>
+          <a:prstGeom prst="rect">
+            <a:avLst/>
+          </a:prstGeom>
+        </p:spPr>
+      </p:pic>
+      <p:pic>
+        <p:nvPicPr>
+          <p:cNvPr id="18" name="Immagine 17">
+            <a:extLst>
+              <a:ext uri="{FF2B5EF4-FFF2-40B4-BE49-F238E27FC236}">
+                <a16:creationId xmlns:a16="http://schemas.microsoft.com/office/drawing/2014/main" id="{F86ED420-45B3-4B1A-8B21-FA55F9E9409C}"/>
+              </a:ext>
+            </a:extLst>
+          </p:cNvPr>
+          <p:cNvPicPr>
+            <a:picLocks noChangeAspect="1"/>
+          </p:cNvPicPr>
+          <p:nvPr/>
+        </p:nvPicPr>
+        <p:blipFill>
+          <a:blip r:embed="rId8">
+            <a:extLst>
+              <a:ext uri="{28A0092B-C50C-407E-A947-70E740481C1C}">
+                <a14:useLocalDpi xmlns:a14="http://schemas.microsoft.com/office/drawing/2010/main" val="0"/>
+              </a:ext>
+            </a:extLst>
+          </a:blip>
+          <a:stretch>
+            <a:fillRect/>
+          </a:stretch>
+        </p:blipFill>
+        <p:spPr>
+          <a:xfrm>
+            <a:off x="8487396" y="5460404"/>
+            <a:ext cx="1058170" cy="142529"/>
+          </a:xfrm>
+          <a:prstGeom prst="rect">
+            <a:avLst/>
+          </a:prstGeom>
+        </p:spPr>
+      </p:pic>
+      <p:sp>
+        <p:nvSpPr>
+          <p:cNvPr id="24" name="Titolo 1">
+            <a:extLst>
+              <a:ext uri="{FF2B5EF4-FFF2-40B4-BE49-F238E27FC236}">
+                <a16:creationId xmlns:a16="http://schemas.microsoft.com/office/drawing/2014/main" id="{BF6B0CE0-A167-4F8F-82ED-A3F598A03960}"/>
+              </a:ext>
+            </a:extLst>
+          </p:cNvPr>
+          <p:cNvSpPr txBox="1">
+            <a:spLocks/>
+          </p:cNvSpPr>
+          <p:nvPr/>
+        </p:nvSpPr>
+        <p:spPr>
+          <a:xfrm>
+            <a:off x="0" y="-62711"/>
+            <a:ext cx="12192000" cy="1325562"/>
+          </a:xfrm>
+          <a:prstGeom prst="rect">
+            <a:avLst/>
+          </a:prstGeom>
+        </p:spPr>
+        <p:txBody>
+          <a:bodyPr vert="horz" lIns="91440" tIns="45720" rIns="91440" bIns="45720" rtlCol="0" anchor="ctr">
+            <a:normAutofit/>
+          </a:bodyPr>
+          <a:lstStyle>
+            <a:lvl1pPr algn="l" defTabSz="914400" rtl="0" eaLnBrk="1" latinLnBrk="0" hangingPunct="1">
+              <a:spcBef>
+                <a:spcPct val="0"/>
+              </a:spcBef>
+              <a:buNone/>
+              <a:defRPr sz="4400" kern="1200">
+                <a:solidFill>
+                  <a:schemeClr val="tx1"/>
+                </a:solidFill>
+                <a:latin typeface="+mj-lt"/>
+                <a:ea typeface="+mj-ea"/>
+                <a:cs typeface="+mj-cs"/>
+              </a:defRPr>
+            </a:lvl1pPr>
+          </a:lstStyle>
+          <a:p>
+            <a:pPr algn="ctr"/>
+            <a:r>
+              <a:rPr lang="it-IT" dirty="0"/>
+              <a:t>PADUA – TOTAL DELIVERY RATIO</a:t>
+            </a:r>
+          </a:p>
+        </p:txBody>
+      </p:sp>
+      <p:pic>
+        <p:nvPicPr>
+          <p:cNvPr id="30" name="Immagine 29">
+            <a:extLst>
+              <a:ext uri="{FF2B5EF4-FFF2-40B4-BE49-F238E27FC236}">
+                <a16:creationId xmlns:a16="http://schemas.microsoft.com/office/drawing/2014/main" id="{81185EA6-909D-47AB-A045-6DD9F7ED4D16}"/>
+              </a:ext>
+            </a:extLst>
+          </p:cNvPr>
+          <p:cNvPicPr>
+            <a:picLocks noChangeAspect="1"/>
+          </p:cNvPicPr>
+          <p:nvPr/>
+        </p:nvPicPr>
+        <p:blipFill>
+          <a:blip r:embed="rId9">
+            <a:extLst>
+              <a:ext uri="{28A0092B-C50C-407E-A947-70E740481C1C}">
+                <a14:useLocalDpi xmlns:a14="http://schemas.microsoft.com/office/drawing/2010/main" val="0"/>
+              </a:ext>
+            </a:extLst>
+          </a:blip>
+          <a:stretch>
+            <a:fillRect/>
+          </a:stretch>
+        </p:blipFill>
+        <p:spPr>
+          <a:xfrm>
+            <a:off x="9985282" y="5459891"/>
+            <a:ext cx="1052260" cy="143555"/>
           </a:xfrm>
           <a:prstGeom prst="rect">
             <a:avLst/>
@@ -7117,7 +8006,7 @@
     </p:spTree>
     <p:extLst>
       <p:ext uri="{BB962C8B-B14F-4D97-AF65-F5344CB8AC3E}">
-        <p14:creationId xmlns:p14="http://schemas.microsoft.com/office/powerpoint/2010/main" val="1467697150"/>
+        <p14:creationId xmlns:p14="http://schemas.microsoft.com/office/powerpoint/2010/main" val="4226452069"/>
       </p:ext>
     </p:extLst>
   </p:cSld>
@@ -7146,42 +8035,6 @@
       </p:grpSpPr>
       <p:sp>
         <p:nvSpPr>
-          <p:cNvPr id="2" name="Titolo 1">
-            <a:extLst>
-              <a:ext uri="{FF2B5EF4-FFF2-40B4-BE49-F238E27FC236}">
-                <a16:creationId xmlns:a16="http://schemas.microsoft.com/office/drawing/2014/main" id="{423E46DE-2AE3-44BE-963C-544CB7884F11}"/>
-              </a:ext>
-            </a:extLst>
-          </p:cNvPr>
-          <p:cNvSpPr>
-            <a:spLocks noGrp="1"/>
-          </p:cNvSpPr>
-          <p:nvPr>
-            <p:ph type="title" idx="4294967295"/>
-          </p:nvPr>
-        </p:nvSpPr>
-        <p:spPr>
-          <a:xfrm>
-            <a:off x="0" y="-99010"/>
-            <a:ext cx="12192000" cy="1325563"/>
-          </a:xfrm>
-        </p:spPr>
-        <p:txBody>
-          <a:bodyPr>
-            <a:normAutofit/>
-          </a:bodyPr>
-          <a:lstStyle/>
-          <a:p>
-            <a:pPr algn="ctr"/>
-            <a:r>
-              <a:rPr lang="it-IT" dirty="0"/>
-              <a:t>FORWARDING NODE NUMBER</a:t>
-            </a:r>
-          </a:p>
-        </p:txBody>
-      </p:sp>
-      <p:sp>
-        <p:nvSpPr>
           <p:cNvPr id="10" name="Rettangolo 9">
             <a:extLst>
               <a:ext uri="{FF2B5EF4-FFF2-40B4-BE49-F238E27FC236}">
@@ -7227,73 +8080,824 @@
           </a:p>
         </p:txBody>
       </p:sp>
-      <p:graphicFrame>
-        <p:nvGraphicFramePr>
-          <p:cNvPr id="3" name="Oggetto 2">
+      <p:sp>
+        <p:nvSpPr>
+          <p:cNvPr id="8" name="Segnaposto contenuto 2">
             <a:extLst>
               <a:ext uri="{FF2B5EF4-FFF2-40B4-BE49-F238E27FC236}">
-                <a16:creationId xmlns:a16="http://schemas.microsoft.com/office/drawing/2014/main" id="{CED9178B-763A-40D5-908C-E907FFEDA2FD}"/>
+                <a16:creationId xmlns:a16="http://schemas.microsoft.com/office/drawing/2014/main" id="{404FF6F9-50C9-47F5-9A59-7E20DCAFA408}"/>
               </a:ext>
             </a:extLst>
           </p:cNvPr>
-          <p:cNvGraphicFramePr>
-            <a:graphicFrameLocks noChangeAspect="1"/>
-          </p:cNvGraphicFramePr>
-          <p:nvPr>
-            <p:extLst>
-              <p:ext uri="{D42A27DB-BD31-4B8C-83A1-F6EECF244321}">
-                <p14:modId xmlns:p14="http://schemas.microsoft.com/office/powerpoint/2010/main" val="3249247203"/>
-              </p:ext>
-            </p:extLst>
-          </p:nvPr>
-        </p:nvGraphicFramePr>
-        <p:xfrm>
-          <a:off x="633661" y="961994"/>
-          <a:ext cx="9875837" cy="3292475"/>
-        </p:xfrm>
-        <a:graphic>
-          <a:graphicData uri="http://schemas.openxmlformats.org/presentationml/2006/ole">
-            <mc:AlternateContent xmlns:mc="http://schemas.openxmlformats.org/markup-compatibility/2006">
-              <mc:Choice xmlns:v="urn:schemas-microsoft-com:vml" Requires="v">
-                <p:oleObj spid="_x0000_s1029" name="Acrobat Document" r:id="rId3" imgW="9875520" imgH="3291840" progId="AcroExch.Document.DC">
-                  <p:embed/>
-                </p:oleObj>
-              </mc:Choice>
-              <mc:Fallback>
-                <p:oleObj name="Acrobat Document" r:id="rId3" imgW="9875520" imgH="3291840" progId="AcroExch.Document.DC">
-                  <p:embed/>
-                  <p:pic>
-                    <p:nvPicPr>
-                      <p:cNvPr id="0" name=""/>
-                      <p:cNvPicPr/>
-                      <p:nvPr/>
-                    </p:nvPicPr>
-                    <p:blipFill>
-                      <a:blip r:embed="rId4"/>
-                      <a:stretch>
-                        <a:fillRect/>
-                      </a:stretch>
-                    </p:blipFill>
-                    <p:spPr>
-                      <a:xfrm>
-                        <a:off x="633661" y="961994"/>
-                        <a:ext cx="9875837" cy="3292475"/>
-                      </a:xfrm>
-                      <a:prstGeom prst="rect">
-                        <a:avLst/>
-                      </a:prstGeom>
-                    </p:spPr>
-                  </p:pic>
-                </p:oleObj>
-              </mc:Fallback>
-            </mc:AlternateContent>
-          </a:graphicData>
-        </a:graphic>
-      </p:graphicFrame>
+          <p:cNvSpPr txBox="1">
+            <a:spLocks/>
+          </p:cNvSpPr>
+          <p:nvPr/>
+        </p:nvSpPr>
+        <p:spPr>
+          <a:xfrm>
+            <a:off x="2345396" y="5780377"/>
+            <a:ext cx="2217270" cy="416242"/>
+          </a:xfrm>
+          <a:prstGeom prst="rect">
+            <a:avLst/>
+          </a:prstGeom>
+        </p:spPr>
+        <p:txBody>
+          <a:bodyPr>
+            <a:normAutofit/>
+          </a:bodyPr>
+          <a:lstStyle>
+            <a:lvl1pPr marL="342900" indent="-342900" algn="l" defTabSz="914400" rtl="0" eaLnBrk="1" latinLnBrk="0" hangingPunct="1">
+              <a:spcBef>
+                <a:spcPct val="20000"/>
+              </a:spcBef>
+              <a:buClr>
+                <a:schemeClr val="accent6"/>
+              </a:buClr>
+              <a:buFont typeface="Arial" pitchFamily="34" charset="0"/>
+              <a:buChar char="•"/>
+              <a:defRPr sz="3200" kern="1200">
+                <a:solidFill>
+                  <a:schemeClr val="tx1"/>
+                </a:solidFill>
+                <a:latin typeface="+mn-lt"/>
+                <a:ea typeface="+mn-ea"/>
+                <a:cs typeface="+mn-cs"/>
+              </a:defRPr>
+            </a:lvl1pPr>
+            <a:lvl2pPr marL="742950" indent="-285750" algn="l" defTabSz="914400" rtl="0" eaLnBrk="1" latinLnBrk="0" hangingPunct="1">
+              <a:spcBef>
+                <a:spcPct val="20000"/>
+              </a:spcBef>
+              <a:buClr>
+                <a:schemeClr val="accent6"/>
+              </a:buClr>
+              <a:buFont typeface="Courier New" panose="02070309020205020404" pitchFamily="49" charset="0"/>
+              <a:buChar char="o"/>
+              <a:defRPr sz="2800" kern="1200">
+                <a:solidFill>
+                  <a:schemeClr val="tx1"/>
+                </a:solidFill>
+                <a:latin typeface="+mn-lt"/>
+                <a:ea typeface="+mn-ea"/>
+                <a:cs typeface="+mn-cs"/>
+              </a:defRPr>
+            </a:lvl2pPr>
+            <a:lvl3pPr marL="1143000" indent="-228600" algn="l" defTabSz="914400" rtl="0" eaLnBrk="1" latinLnBrk="0" hangingPunct="1">
+              <a:spcBef>
+                <a:spcPct val="20000"/>
+              </a:spcBef>
+              <a:buFont typeface="Arial" pitchFamily="34" charset="0"/>
+              <a:buChar char="•"/>
+              <a:defRPr sz="2400" kern="1200">
+                <a:solidFill>
+                  <a:schemeClr val="tx1"/>
+                </a:solidFill>
+                <a:latin typeface="+mn-lt"/>
+                <a:ea typeface="+mn-ea"/>
+                <a:cs typeface="+mn-cs"/>
+              </a:defRPr>
+            </a:lvl3pPr>
+            <a:lvl4pPr marL="1600200" indent="-228600" algn="l" defTabSz="914400" rtl="0" eaLnBrk="1" latinLnBrk="0" hangingPunct="1">
+              <a:spcBef>
+                <a:spcPct val="20000"/>
+              </a:spcBef>
+              <a:buFont typeface="Arial" pitchFamily="34" charset="0"/>
+              <a:buChar char="–"/>
+              <a:defRPr sz="2000" kern="1200">
+                <a:solidFill>
+                  <a:schemeClr val="tx1"/>
+                </a:solidFill>
+                <a:latin typeface="+mn-lt"/>
+                <a:ea typeface="+mn-ea"/>
+                <a:cs typeface="+mn-cs"/>
+              </a:defRPr>
+            </a:lvl4pPr>
+            <a:lvl5pPr marL="2057400" indent="-228600" algn="l" defTabSz="914400" rtl="0" eaLnBrk="1" latinLnBrk="0" hangingPunct="1">
+              <a:spcBef>
+                <a:spcPct val="20000"/>
+              </a:spcBef>
+              <a:buFont typeface="Arial" pitchFamily="34" charset="0"/>
+              <a:buChar char="»"/>
+              <a:defRPr sz="2000" kern="1200">
+                <a:solidFill>
+                  <a:schemeClr val="tx1"/>
+                </a:solidFill>
+                <a:latin typeface="+mn-lt"/>
+                <a:ea typeface="+mn-ea"/>
+                <a:cs typeface="+mn-cs"/>
+              </a:defRPr>
+            </a:lvl5pPr>
+            <a:lvl6pPr marL="2514600" indent="-228600" algn="l" defTabSz="914400" rtl="0" eaLnBrk="1" latinLnBrk="0" hangingPunct="1">
+              <a:spcBef>
+                <a:spcPct val="20000"/>
+              </a:spcBef>
+              <a:buFont typeface="Arial" pitchFamily="34" charset="0"/>
+              <a:buChar char="•"/>
+              <a:defRPr sz="2000" kern="1200">
+                <a:solidFill>
+                  <a:schemeClr val="tx1"/>
+                </a:solidFill>
+                <a:latin typeface="+mn-lt"/>
+                <a:ea typeface="+mn-ea"/>
+                <a:cs typeface="+mn-cs"/>
+              </a:defRPr>
+            </a:lvl6pPr>
+            <a:lvl7pPr marL="2971800" indent="-228600" algn="l" defTabSz="914400" rtl="0" eaLnBrk="1" latinLnBrk="0" hangingPunct="1">
+              <a:spcBef>
+                <a:spcPct val="20000"/>
+              </a:spcBef>
+              <a:buFont typeface="Arial" pitchFamily="34" charset="0"/>
+              <a:buChar char="•"/>
+              <a:defRPr sz="2000" kern="1200">
+                <a:solidFill>
+                  <a:schemeClr val="tx1"/>
+                </a:solidFill>
+                <a:latin typeface="+mn-lt"/>
+                <a:ea typeface="+mn-ea"/>
+                <a:cs typeface="+mn-cs"/>
+              </a:defRPr>
+            </a:lvl7pPr>
+            <a:lvl8pPr marL="3429000" indent="-228600" algn="l" defTabSz="914400" rtl="0" eaLnBrk="1" latinLnBrk="0" hangingPunct="1">
+              <a:spcBef>
+                <a:spcPct val="20000"/>
+              </a:spcBef>
+              <a:buFont typeface="Arial" pitchFamily="34" charset="0"/>
+              <a:buChar char="•"/>
+              <a:defRPr sz="2000" kern="1200">
+                <a:solidFill>
+                  <a:schemeClr val="tx1"/>
+                </a:solidFill>
+                <a:latin typeface="+mn-lt"/>
+                <a:ea typeface="+mn-ea"/>
+                <a:cs typeface="+mn-cs"/>
+              </a:defRPr>
+            </a:lvl8pPr>
+            <a:lvl9pPr marL="3886200" indent="-228600" algn="l" defTabSz="914400" rtl="0" eaLnBrk="1" latinLnBrk="0" hangingPunct="1">
+              <a:spcBef>
+                <a:spcPct val="20000"/>
+              </a:spcBef>
+              <a:buFont typeface="Arial" pitchFamily="34" charset="0"/>
+              <a:buChar char="•"/>
+              <a:defRPr sz="2000" kern="1200">
+                <a:solidFill>
+                  <a:schemeClr val="tx1"/>
+                </a:solidFill>
+                <a:latin typeface="+mn-lt"/>
+                <a:ea typeface="+mn-ea"/>
+                <a:cs typeface="+mn-cs"/>
+              </a:defRPr>
+            </a:lvl9pPr>
+          </a:lstStyle>
+          <a:p>
+            <a:pPr marL="0" indent="0">
+              <a:buNone/>
+            </a:pPr>
+            <a:r>
+              <a:rPr lang="it-IT" sz="2000" dirty="0" err="1"/>
+              <a:t>Without</a:t>
+            </a:r>
+            <a:r>
+              <a:rPr lang="it-IT" sz="2000" dirty="0"/>
+              <a:t> buildings</a:t>
+            </a:r>
+          </a:p>
+        </p:txBody>
+      </p:sp>
+      <p:sp>
+        <p:nvSpPr>
+          <p:cNvPr id="27" name="Rettangolo 26">
+            <a:extLst>
+              <a:ext uri="{FF2B5EF4-FFF2-40B4-BE49-F238E27FC236}">
+                <a16:creationId xmlns:a16="http://schemas.microsoft.com/office/drawing/2014/main" id="{5FAEBFEB-1E89-4E24-8E28-830974169D18}"/>
+              </a:ext>
+            </a:extLst>
+          </p:cNvPr>
+          <p:cNvSpPr/>
+          <p:nvPr/>
+        </p:nvSpPr>
+        <p:spPr>
+          <a:xfrm>
+            <a:off x="688267" y="5298642"/>
+            <a:ext cx="5536942" cy="392956"/>
+          </a:xfrm>
+          <a:prstGeom prst="rect">
+            <a:avLst/>
+          </a:prstGeom>
+          <a:solidFill>
+            <a:schemeClr val="bg1"/>
+          </a:solidFill>
+          <a:ln>
+            <a:solidFill>
+              <a:schemeClr val="bg1"/>
+            </a:solidFill>
+          </a:ln>
+        </p:spPr>
+        <p:style>
+          <a:lnRef idx="2">
+            <a:schemeClr val="accent1">
+              <a:shade val="50000"/>
+            </a:schemeClr>
+          </a:lnRef>
+          <a:fillRef idx="1">
+            <a:schemeClr val="accent1"/>
+          </a:fillRef>
+          <a:effectRef idx="0">
+            <a:schemeClr val="accent1"/>
+          </a:effectRef>
+          <a:fontRef idx="minor">
+            <a:schemeClr val="lt1"/>
+          </a:fontRef>
+        </p:style>
+        <p:txBody>
+          <a:bodyPr rtlCol="0" anchor="ctr"/>
+          <a:lstStyle/>
+          <a:p>
+            <a:pPr algn="ctr"/>
+            <a:endParaRPr lang="it-IT"/>
+          </a:p>
+        </p:txBody>
+      </p:sp>
+      <p:sp>
+        <p:nvSpPr>
+          <p:cNvPr id="9" name="Segnaposto contenuto 2">
+            <a:extLst>
+              <a:ext uri="{FF2B5EF4-FFF2-40B4-BE49-F238E27FC236}">
+                <a16:creationId xmlns:a16="http://schemas.microsoft.com/office/drawing/2014/main" id="{8C001087-313E-45B5-9FE2-AC7E4000D593}"/>
+              </a:ext>
+            </a:extLst>
+          </p:cNvPr>
+          <p:cNvSpPr txBox="1">
+            <a:spLocks/>
+          </p:cNvSpPr>
+          <p:nvPr/>
+        </p:nvSpPr>
+        <p:spPr>
+          <a:xfrm>
+            <a:off x="8106385" y="5786379"/>
+            <a:ext cx="1829266" cy="416242"/>
+          </a:xfrm>
+          <a:prstGeom prst="rect">
+            <a:avLst/>
+          </a:prstGeom>
+        </p:spPr>
+        <p:txBody>
+          <a:bodyPr>
+            <a:normAutofit/>
+          </a:bodyPr>
+          <a:lstStyle>
+            <a:lvl1pPr marL="342900" indent="-342900" algn="l" defTabSz="914400" rtl="0" eaLnBrk="1" latinLnBrk="0" hangingPunct="1">
+              <a:spcBef>
+                <a:spcPct val="20000"/>
+              </a:spcBef>
+              <a:buClr>
+                <a:schemeClr val="accent6"/>
+              </a:buClr>
+              <a:buFont typeface="Arial" pitchFamily="34" charset="0"/>
+              <a:buChar char="•"/>
+              <a:defRPr sz="3200" kern="1200">
+                <a:solidFill>
+                  <a:schemeClr val="tx1"/>
+                </a:solidFill>
+                <a:latin typeface="+mn-lt"/>
+                <a:ea typeface="+mn-ea"/>
+                <a:cs typeface="+mn-cs"/>
+              </a:defRPr>
+            </a:lvl1pPr>
+            <a:lvl2pPr marL="742950" indent="-285750" algn="l" defTabSz="914400" rtl="0" eaLnBrk="1" latinLnBrk="0" hangingPunct="1">
+              <a:spcBef>
+                <a:spcPct val="20000"/>
+              </a:spcBef>
+              <a:buClr>
+                <a:schemeClr val="accent6"/>
+              </a:buClr>
+              <a:buFont typeface="Courier New" panose="02070309020205020404" pitchFamily="49" charset="0"/>
+              <a:buChar char="o"/>
+              <a:defRPr sz="2800" kern="1200">
+                <a:solidFill>
+                  <a:schemeClr val="tx1"/>
+                </a:solidFill>
+                <a:latin typeface="+mn-lt"/>
+                <a:ea typeface="+mn-ea"/>
+                <a:cs typeface="+mn-cs"/>
+              </a:defRPr>
+            </a:lvl2pPr>
+            <a:lvl3pPr marL="1143000" indent="-228600" algn="l" defTabSz="914400" rtl="0" eaLnBrk="1" latinLnBrk="0" hangingPunct="1">
+              <a:spcBef>
+                <a:spcPct val="20000"/>
+              </a:spcBef>
+              <a:buFont typeface="Arial" pitchFamily="34" charset="0"/>
+              <a:buChar char="•"/>
+              <a:defRPr sz="2400" kern="1200">
+                <a:solidFill>
+                  <a:schemeClr val="tx1"/>
+                </a:solidFill>
+                <a:latin typeface="+mn-lt"/>
+                <a:ea typeface="+mn-ea"/>
+                <a:cs typeface="+mn-cs"/>
+              </a:defRPr>
+            </a:lvl3pPr>
+            <a:lvl4pPr marL="1600200" indent="-228600" algn="l" defTabSz="914400" rtl="0" eaLnBrk="1" latinLnBrk="0" hangingPunct="1">
+              <a:spcBef>
+                <a:spcPct val="20000"/>
+              </a:spcBef>
+              <a:buFont typeface="Arial" pitchFamily="34" charset="0"/>
+              <a:buChar char="–"/>
+              <a:defRPr sz="2000" kern="1200">
+                <a:solidFill>
+                  <a:schemeClr val="tx1"/>
+                </a:solidFill>
+                <a:latin typeface="+mn-lt"/>
+                <a:ea typeface="+mn-ea"/>
+                <a:cs typeface="+mn-cs"/>
+              </a:defRPr>
+            </a:lvl4pPr>
+            <a:lvl5pPr marL="2057400" indent="-228600" algn="l" defTabSz="914400" rtl="0" eaLnBrk="1" latinLnBrk="0" hangingPunct="1">
+              <a:spcBef>
+                <a:spcPct val="20000"/>
+              </a:spcBef>
+              <a:buFont typeface="Arial" pitchFamily="34" charset="0"/>
+              <a:buChar char="»"/>
+              <a:defRPr sz="2000" kern="1200">
+                <a:solidFill>
+                  <a:schemeClr val="tx1"/>
+                </a:solidFill>
+                <a:latin typeface="+mn-lt"/>
+                <a:ea typeface="+mn-ea"/>
+                <a:cs typeface="+mn-cs"/>
+              </a:defRPr>
+            </a:lvl5pPr>
+            <a:lvl6pPr marL="2514600" indent="-228600" algn="l" defTabSz="914400" rtl="0" eaLnBrk="1" latinLnBrk="0" hangingPunct="1">
+              <a:spcBef>
+                <a:spcPct val="20000"/>
+              </a:spcBef>
+              <a:buFont typeface="Arial" pitchFamily="34" charset="0"/>
+              <a:buChar char="•"/>
+              <a:defRPr sz="2000" kern="1200">
+                <a:solidFill>
+                  <a:schemeClr val="tx1"/>
+                </a:solidFill>
+                <a:latin typeface="+mn-lt"/>
+                <a:ea typeface="+mn-ea"/>
+                <a:cs typeface="+mn-cs"/>
+              </a:defRPr>
+            </a:lvl6pPr>
+            <a:lvl7pPr marL="2971800" indent="-228600" algn="l" defTabSz="914400" rtl="0" eaLnBrk="1" latinLnBrk="0" hangingPunct="1">
+              <a:spcBef>
+                <a:spcPct val="20000"/>
+              </a:spcBef>
+              <a:buFont typeface="Arial" pitchFamily="34" charset="0"/>
+              <a:buChar char="•"/>
+              <a:defRPr sz="2000" kern="1200">
+                <a:solidFill>
+                  <a:schemeClr val="tx1"/>
+                </a:solidFill>
+                <a:latin typeface="+mn-lt"/>
+                <a:ea typeface="+mn-ea"/>
+                <a:cs typeface="+mn-cs"/>
+              </a:defRPr>
+            </a:lvl7pPr>
+            <a:lvl8pPr marL="3429000" indent="-228600" algn="l" defTabSz="914400" rtl="0" eaLnBrk="1" latinLnBrk="0" hangingPunct="1">
+              <a:spcBef>
+                <a:spcPct val="20000"/>
+              </a:spcBef>
+              <a:buFont typeface="Arial" pitchFamily="34" charset="0"/>
+              <a:buChar char="•"/>
+              <a:defRPr sz="2000" kern="1200">
+                <a:solidFill>
+                  <a:schemeClr val="tx1"/>
+                </a:solidFill>
+                <a:latin typeface="+mn-lt"/>
+                <a:ea typeface="+mn-ea"/>
+                <a:cs typeface="+mn-cs"/>
+              </a:defRPr>
+            </a:lvl8pPr>
+            <a:lvl9pPr marL="3886200" indent="-228600" algn="l" defTabSz="914400" rtl="0" eaLnBrk="1" latinLnBrk="0" hangingPunct="1">
+              <a:spcBef>
+                <a:spcPct val="20000"/>
+              </a:spcBef>
+              <a:buFont typeface="Arial" pitchFamily="34" charset="0"/>
+              <a:buChar char="•"/>
+              <a:defRPr sz="2000" kern="1200">
+                <a:solidFill>
+                  <a:schemeClr val="tx1"/>
+                </a:solidFill>
+                <a:latin typeface="+mn-lt"/>
+                <a:ea typeface="+mn-ea"/>
+                <a:cs typeface="+mn-cs"/>
+              </a:defRPr>
+            </a:lvl9pPr>
+          </a:lstStyle>
+          <a:p>
+            <a:pPr marL="0" indent="0">
+              <a:buNone/>
+            </a:pPr>
+            <a:r>
+              <a:rPr lang="it-IT" sz="2000" dirty="0"/>
+              <a:t>With buildings</a:t>
+            </a:r>
+          </a:p>
+        </p:txBody>
+      </p:sp>
+      <p:pic>
+        <p:nvPicPr>
+          <p:cNvPr id="5" name="Immagine 4" descr="Immagine che contiene arredamento&#10;&#10;Descrizione generata automaticamente">
+            <a:extLst>
+              <a:ext uri="{FF2B5EF4-FFF2-40B4-BE49-F238E27FC236}">
+                <a16:creationId xmlns:a16="http://schemas.microsoft.com/office/drawing/2014/main" id="{2BCF709E-BBE5-4703-AA95-0CFEA92C926D}"/>
+              </a:ext>
+            </a:extLst>
+          </p:cNvPr>
+          <p:cNvPicPr>
+            <a:picLocks noChangeAspect="1"/>
+          </p:cNvPicPr>
+          <p:nvPr/>
+        </p:nvPicPr>
+        <p:blipFill>
+          <a:blip r:embed="rId2">
+            <a:extLst>
+              <a:ext uri="{28A0092B-C50C-407E-A947-70E740481C1C}">
+                <a14:useLocalDpi xmlns:a14="http://schemas.microsoft.com/office/drawing/2010/main" val="0"/>
+              </a:ext>
+            </a:extLst>
+          </a:blip>
+          <a:stretch>
+            <a:fillRect/>
+          </a:stretch>
+        </p:blipFill>
+        <p:spPr>
+          <a:xfrm>
+            <a:off x="1693293" y="5453317"/>
+            <a:ext cx="1073704" cy="156703"/>
+          </a:xfrm>
+          <a:prstGeom prst="rect">
+            <a:avLst/>
+          </a:prstGeom>
+        </p:spPr>
+      </p:pic>
+      <p:sp>
+        <p:nvSpPr>
+          <p:cNvPr id="28" name="Rettangolo 27">
+            <a:extLst>
+              <a:ext uri="{FF2B5EF4-FFF2-40B4-BE49-F238E27FC236}">
+                <a16:creationId xmlns:a16="http://schemas.microsoft.com/office/drawing/2014/main" id="{337B651D-1A07-4799-9C44-4DE35E4AD019}"/>
+              </a:ext>
+            </a:extLst>
+          </p:cNvPr>
+          <p:cNvSpPr/>
+          <p:nvPr/>
+        </p:nvSpPr>
+        <p:spPr>
+          <a:xfrm>
+            <a:off x="6513126" y="5317725"/>
+            <a:ext cx="5015785" cy="392956"/>
+          </a:xfrm>
+          <a:prstGeom prst="rect">
+            <a:avLst/>
+          </a:prstGeom>
+          <a:solidFill>
+            <a:schemeClr val="bg1"/>
+          </a:solidFill>
+          <a:ln>
+            <a:solidFill>
+              <a:schemeClr val="bg1"/>
+            </a:solidFill>
+          </a:ln>
+        </p:spPr>
+        <p:style>
+          <a:lnRef idx="2">
+            <a:schemeClr val="accent1">
+              <a:shade val="50000"/>
+            </a:schemeClr>
+          </a:lnRef>
+          <a:fillRef idx="1">
+            <a:schemeClr val="accent1"/>
+          </a:fillRef>
+          <a:effectRef idx="0">
+            <a:schemeClr val="accent1"/>
+          </a:effectRef>
+          <a:fontRef idx="minor">
+            <a:schemeClr val="lt1"/>
+          </a:fontRef>
+        </p:style>
+        <p:txBody>
+          <a:bodyPr rtlCol="0" anchor="ctr"/>
+          <a:lstStyle/>
+          <a:p>
+            <a:pPr algn="ctr"/>
+            <a:endParaRPr lang="it-IT"/>
+          </a:p>
+        </p:txBody>
+      </p:sp>
+      <p:pic>
+        <p:nvPicPr>
+          <p:cNvPr id="12" name="Immagine 11">
+            <a:extLst>
+              <a:ext uri="{FF2B5EF4-FFF2-40B4-BE49-F238E27FC236}">
+                <a16:creationId xmlns:a16="http://schemas.microsoft.com/office/drawing/2014/main" id="{68FFAEE1-CCF1-4CC6-8B01-0476A535739B}"/>
+              </a:ext>
+            </a:extLst>
+          </p:cNvPr>
+          <p:cNvPicPr>
+            <a:picLocks noChangeAspect="1"/>
+          </p:cNvPicPr>
+          <p:nvPr/>
+        </p:nvPicPr>
+        <p:blipFill>
+          <a:blip r:embed="rId3">
+            <a:extLst>
+              <a:ext uri="{28A0092B-C50C-407E-A947-70E740481C1C}">
+                <a14:useLocalDpi xmlns:a14="http://schemas.microsoft.com/office/drawing/2010/main" val="0"/>
+              </a:ext>
+            </a:extLst>
+          </a:blip>
+          <a:stretch>
+            <a:fillRect/>
+          </a:stretch>
+        </p:blipFill>
+        <p:spPr>
+          <a:xfrm>
+            <a:off x="3187206" y="5456081"/>
+            <a:ext cx="1087868" cy="151175"/>
+          </a:xfrm>
+          <a:prstGeom prst="rect">
+            <a:avLst/>
+          </a:prstGeom>
+        </p:spPr>
+      </p:pic>
+      <p:pic>
+        <p:nvPicPr>
+          <p:cNvPr id="14" name="Immagine 13">
+            <a:extLst>
+              <a:ext uri="{FF2B5EF4-FFF2-40B4-BE49-F238E27FC236}">
+                <a16:creationId xmlns:a16="http://schemas.microsoft.com/office/drawing/2014/main" id="{16E50AA2-8D8D-46E7-8A33-4C76D7325A18}"/>
+              </a:ext>
+            </a:extLst>
+          </p:cNvPr>
+          <p:cNvPicPr>
+            <a:picLocks noChangeAspect="1"/>
+          </p:cNvPicPr>
+          <p:nvPr/>
+        </p:nvPicPr>
+        <p:blipFill>
+          <a:blip r:embed="rId4">
+            <a:extLst>
+              <a:ext uri="{28A0092B-C50C-407E-A947-70E740481C1C}">
+                <a14:useLocalDpi xmlns:a14="http://schemas.microsoft.com/office/drawing/2010/main" val="0"/>
+              </a:ext>
+            </a:extLst>
+          </a:blip>
+          <a:stretch>
+            <a:fillRect/>
+          </a:stretch>
+        </p:blipFill>
+        <p:spPr>
+          <a:xfrm>
+            <a:off x="4686398" y="5456081"/>
+            <a:ext cx="1078772" cy="151175"/>
+          </a:xfrm>
+          <a:prstGeom prst="rect">
+            <a:avLst/>
+          </a:prstGeom>
+        </p:spPr>
+      </p:pic>
+      <p:pic>
+        <p:nvPicPr>
+          <p:cNvPr id="18" name="Immagine 17">
+            <a:extLst>
+              <a:ext uri="{FF2B5EF4-FFF2-40B4-BE49-F238E27FC236}">
+                <a16:creationId xmlns:a16="http://schemas.microsoft.com/office/drawing/2014/main" id="{F86ED420-45B3-4B1A-8B21-FA55F9E9409C}"/>
+              </a:ext>
+            </a:extLst>
+          </p:cNvPr>
+          <p:cNvPicPr>
+            <a:picLocks noChangeAspect="1"/>
+          </p:cNvPicPr>
+          <p:nvPr/>
+        </p:nvPicPr>
+        <p:blipFill>
+          <a:blip r:embed="rId5">
+            <a:extLst>
+              <a:ext uri="{28A0092B-C50C-407E-A947-70E740481C1C}">
+                <a14:useLocalDpi xmlns:a14="http://schemas.microsoft.com/office/drawing/2010/main" val="0"/>
+              </a:ext>
+            </a:extLst>
+          </a:blip>
+          <a:stretch>
+            <a:fillRect/>
+          </a:stretch>
+        </p:blipFill>
+        <p:spPr>
+          <a:xfrm>
+            <a:off x="8487396" y="5460404"/>
+            <a:ext cx="1058170" cy="142529"/>
+          </a:xfrm>
+          <a:prstGeom prst="rect">
+            <a:avLst/>
+          </a:prstGeom>
+        </p:spPr>
+      </p:pic>
+      <p:pic>
+        <p:nvPicPr>
+          <p:cNvPr id="20" name="Immagine 19">
+            <a:extLst>
+              <a:ext uri="{FF2B5EF4-FFF2-40B4-BE49-F238E27FC236}">
+                <a16:creationId xmlns:a16="http://schemas.microsoft.com/office/drawing/2014/main" id="{F2F97E6E-3069-4005-BB7E-B709CC8303B4}"/>
+              </a:ext>
+            </a:extLst>
+          </p:cNvPr>
+          <p:cNvPicPr>
+            <a:picLocks noChangeAspect="1"/>
+          </p:cNvPicPr>
+          <p:nvPr/>
+        </p:nvPicPr>
+        <p:blipFill>
+          <a:blip r:embed="rId6">
+            <a:extLst>
+              <a:ext uri="{28A0092B-C50C-407E-A947-70E740481C1C}">
+                <a14:useLocalDpi xmlns:a14="http://schemas.microsoft.com/office/drawing/2010/main" val="0"/>
+              </a:ext>
+            </a:extLst>
+          </a:blip>
+          <a:stretch>
+            <a:fillRect/>
+          </a:stretch>
+        </p:blipFill>
+        <p:spPr>
+          <a:xfrm>
+            <a:off x="9985282" y="5459891"/>
+            <a:ext cx="1052260" cy="143555"/>
+          </a:xfrm>
+          <a:prstGeom prst="rect">
+            <a:avLst/>
+          </a:prstGeom>
+        </p:spPr>
+      </p:pic>
+      <p:sp>
+        <p:nvSpPr>
+          <p:cNvPr id="24" name="Titolo 1">
+            <a:extLst>
+              <a:ext uri="{FF2B5EF4-FFF2-40B4-BE49-F238E27FC236}">
+                <a16:creationId xmlns:a16="http://schemas.microsoft.com/office/drawing/2014/main" id="{BF6B0CE0-A167-4F8F-82ED-A3F598A03960}"/>
+              </a:ext>
+            </a:extLst>
+          </p:cNvPr>
+          <p:cNvSpPr txBox="1">
+            <a:spLocks/>
+          </p:cNvSpPr>
+          <p:nvPr/>
+        </p:nvSpPr>
+        <p:spPr>
+          <a:xfrm>
+            <a:off x="0" y="-62711"/>
+            <a:ext cx="12192000" cy="1325562"/>
+          </a:xfrm>
+          <a:prstGeom prst="rect">
+            <a:avLst/>
+          </a:prstGeom>
+        </p:spPr>
+        <p:txBody>
+          <a:bodyPr vert="horz" lIns="91440" tIns="45720" rIns="91440" bIns="45720" rtlCol="0" anchor="ctr">
+            <a:normAutofit/>
+          </a:bodyPr>
+          <a:lstStyle>
+            <a:lvl1pPr algn="l" defTabSz="914400" rtl="0" eaLnBrk="1" latinLnBrk="0" hangingPunct="1">
+              <a:spcBef>
+                <a:spcPct val="0"/>
+              </a:spcBef>
+              <a:buNone/>
+              <a:defRPr sz="4400" kern="1200">
+                <a:solidFill>
+                  <a:schemeClr val="tx1"/>
+                </a:solidFill>
+                <a:latin typeface="+mj-lt"/>
+                <a:ea typeface="+mj-ea"/>
+                <a:cs typeface="+mj-cs"/>
+              </a:defRPr>
+            </a:lvl1pPr>
+          </a:lstStyle>
+          <a:p>
+            <a:pPr algn="ctr"/>
+            <a:r>
+              <a:rPr lang="it-IT" dirty="0"/>
+              <a:t>PADUA – TOTAL DELIVERY RATIO ON CIRC.</a:t>
+            </a:r>
+          </a:p>
+        </p:txBody>
+      </p:sp>
+      <p:pic>
+        <p:nvPicPr>
+          <p:cNvPr id="11" name="Immagine 10" descr="Immagine che contiene screenshot&#10;&#10;Descrizione generata automaticamente">
+            <a:extLst>
+              <a:ext uri="{FF2B5EF4-FFF2-40B4-BE49-F238E27FC236}">
+                <a16:creationId xmlns:a16="http://schemas.microsoft.com/office/drawing/2014/main" id="{258B4297-3B67-4817-8831-1ECF916DDC67}"/>
+              </a:ext>
+            </a:extLst>
+          </p:cNvPr>
+          <p:cNvPicPr>
+            <a:picLocks noChangeAspect="1"/>
+          </p:cNvPicPr>
+          <p:nvPr/>
+        </p:nvPicPr>
+        <p:blipFill>
+          <a:blip r:embed="rId7">
+            <a:extLst>
+              <a:ext uri="{28A0092B-C50C-407E-A947-70E740481C1C}">
+                <a14:useLocalDpi xmlns:a14="http://schemas.microsoft.com/office/drawing/2010/main" val="0"/>
+              </a:ext>
+            </a:extLst>
+          </a:blip>
+          <a:stretch>
+            <a:fillRect/>
+          </a:stretch>
+        </p:blipFill>
+        <p:spPr>
+          <a:xfrm>
+            <a:off x="6513126" y="1195148"/>
+            <a:ext cx="4983459" cy="4122937"/>
+          </a:xfrm>
+          <a:prstGeom prst="rect">
+            <a:avLst/>
+          </a:prstGeom>
+        </p:spPr>
+      </p:pic>
+      <p:pic>
+        <p:nvPicPr>
+          <p:cNvPr id="15" name="Immagine 14" descr="Immagine che contiene testo&#10;&#10;Descrizione generata automaticamente">
+            <a:extLst>
+              <a:ext uri="{FF2B5EF4-FFF2-40B4-BE49-F238E27FC236}">
+                <a16:creationId xmlns:a16="http://schemas.microsoft.com/office/drawing/2014/main" id="{ACA6BE62-1506-4C51-A7FD-1CAD35325389}"/>
+              </a:ext>
+            </a:extLst>
+          </p:cNvPr>
+          <p:cNvPicPr>
+            <a:picLocks noChangeAspect="1"/>
+          </p:cNvPicPr>
+          <p:nvPr/>
+        </p:nvPicPr>
+        <p:blipFill>
+          <a:blip r:embed="rId8">
+            <a:extLst>
+              <a:ext uri="{28A0092B-C50C-407E-A947-70E740481C1C}">
+                <a14:useLocalDpi xmlns:a14="http://schemas.microsoft.com/office/drawing/2010/main" val="0"/>
+              </a:ext>
+            </a:extLst>
+          </a:blip>
+          <a:stretch>
+            <a:fillRect/>
+          </a:stretch>
+        </p:blipFill>
+        <p:spPr>
+          <a:xfrm>
+            <a:off x="688267" y="1195148"/>
+            <a:ext cx="5536942" cy="4122951"/>
+          </a:xfrm>
+          <a:prstGeom prst="rect">
+            <a:avLst/>
+          </a:prstGeom>
+        </p:spPr>
+      </p:pic>
+      <p:pic>
+        <p:nvPicPr>
+          <p:cNvPr id="23" name="Immagine 22" descr="Immagine che contiene arredamento, tavolo&#10;&#10;Descrizione generata automaticamente">
+            <a:extLst>
+              <a:ext uri="{FF2B5EF4-FFF2-40B4-BE49-F238E27FC236}">
+                <a16:creationId xmlns:a16="http://schemas.microsoft.com/office/drawing/2014/main" id="{4E0675EA-011F-45DF-8027-DDC737566C97}"/>
+              </a:ext>
+            </a:extLst>
+          </p:cNvPr>
+          <p:cNvPicPr>
+            <a:picLocks noChangeAspect="1"/>
+          </p:cNvPicPr>
+          <p:nvPr/>
+        </p:nvPicPr>
+        <p:blipFill>
+          <a:blip r:embed="rId9">
+            <a:extLst>
+              <a:ext uri="{28A0092B-C50C-407E-A947-70E740481C1C}">
+                <a14:useLocalDpi xmlns:a14="http://schemas.microsoft.com/office/drawing/2010/main" val="0"/>
+              </a:ext>
+            </a:extLst>
+          </a:blip>
+          <a:stretch>
+            <a:fillRect/>
+          </a:stretch>
+        </p:blipFill>
+        <p:spPr>
+          <a:xfrm>
+            <a:off x="7001396" y="5460195"/>
+            <a:ext cx="1050651" cy="142946"/>
+          </a:xfrm>
+          <a:prstGeom prst="rect">
+            <a:avLst/>
+          </a:prstGeom>
+        </p:spPr>
+      </p:pic>
     </p:spTree>
     <p:extLst>
       <p:ext uri="{BB962C8B-B14F-4D97-AF65-F5344CB8AC3E}">
-        <p14:creationId xmlns:p14="http://schemas.microsoft.com/office/powerpoint/2010/main" val="4017919336"/>
+        <p14:creationId xmlns:p14="http://schemas.microsoft.com/office/powerpoint/2010/main" val="1232725661"/>
       </p:ext>
     </p:extLst>
   </p:cSld>
@@ -7333,13 +8937,13 @@
             <a:spLocks noGrp="1"/>
           </p:cNvSpPr>
           <p:nvPr>
-            <p:ph type="title" idx="4294967295"/>
+            <p:ph type="title"/>
           </p:nvPr>
         </p:nvSpPr>
         <p:spPr>
           <a:xfrm>
-            <a:off x="0" y="-99010"/>
-            <a:ext cx="12192000" cy="1325563"/>
+            <a:off x="0" y="-62711"/>
+            <a:ext cx="12192000" cy="1325562"/>
           </a:xfrm>
         </p:spPr>
         <p:txBody>
@@ -7351,7 +8955,7 @@
             <a:pPr algn="ctr"/>
             <a:r>
               <a:rPr lang="it-IT" dirty="0"/>
-              <a:t>FORWARDING NODE NUMBER</a:t>
+              <a:t>PADUA URBAN SCENARIO WITH JUNCTIONS</a:t>
             </a:r>
           </a:p>
         </p:txBody>
@@ -7405,71 +9009,1144 @@
       </p:sp>
       <p:graphicFrame>
         <p:nvGraphicFramePr>
-          <p:cNvPr id="3" name="Oggetto 2">
+          <p:cNvPr id="3" name="Tabella 2">
             <a:extLst>
               <a:ext uri="{FF2B5EF4-FFF2-40B4-BE49-F238E27FC236}">
-                <a16:creationId xmlns:a16="http://schemas.microsoft.com/office/drawing/2014/main" id="{9997AED0-721B-4D69-AB34-AC2FF78BAA62}"/>
+                <a16:creationId xmlns:a16="http://schemas.microsoft.com/office/drawing/2014/main" id="{61DF1502-5565-4FDF-B45B-D421FDFBCB5C}"/>
               </a:ext>
             </a:extLst>
           </p:cNvPr>
           <p:cNvGraphicFramePr>
-            <a:graphicFrameLocks noChangeAspect="1"/>
+            <a:graphicFrameLocks noGrp="1"/>
           </p:cNvGraphicFramePr>
           <p:nvPr>
             <p:extLst>
               <p:ext uri="{D42A27DB-BD31-4B8C-83A1-F6EECF244321}">
-                <p14:modId xmlns:p14="http://schemas.microsoft.com/office/powerpoint/2010/main" val="3734238952"/>
+                <p14:modId xmlns:p14="http://schemas.microsoft.com/office/powerpoint/2010/main" val="3523722230"/>
               </p:ext>
             </p:extLst>
           </p:nvPr>
         </p:nvGraphicFramePr>
         <p:xfrm>
-          <a:off x="767333" y="900236"/>
-          <a:ext cx="9875838" cy="4389437"/>
+          <a:off x="137990" y="1197896"/>
+          <a:ext cx="5711699" cy="4799084"/>
         </p:xfrm>
         <a:graphic>
-          <a:graphicData uri="http://schemas.openxmlformats.org/presentationml/2006/ole">
-            <mc:AlternateContent xmlns:mc="http://schemas.openxmlformats.org/markup-compatibility/2006">
-              <mc:Choice xmlns:v="urn:schemas-microsoft-com:vml" Requires="v">
-                <p:oleObj spid="_x0000_s2053" name="Acrobat Document" r:id="rId3" imgW="9875520" imgH="4388837" progId="AcroExch.Document.DC">
-                  <p:embed/>
-                </p:oleObj>
-              </mc:Choice>
-              <mc:Fallback>
-                <p:oleObj name="Acrobat Document" r:id="rId3" imgW="9875520" imgH="4388837" progId="AcroExch.Document.DC">
-                  <p:embed/>
-                  <p:pic>
-                    <p:nvPicPr>
-                      <p:cNvPr id="0" name=""/>
-                      <p:cNvPicPr/>
-                      <p:nvPr/>
-                    </p:nvPicPr>
-                    <p:blipFill>
-                      <a:blip r:embed="rId4"/>
-                      <a:stretch>
-                        <a:fillRect/>
-                      </a:stretch>
-                    </p:blipFill>
-                    <p:spPr>
-                      <a:xfrm>
-                        <a:off x="767333" y="900236"/>
-                        <a:ext cx="9875838" cy="4389437"/>
-                      </a:xfrm>
-                      <a:prstGeom prst="rect">
-                        <a:avLst/>
-                      </a:prstGeom>
-                    </p:spPr>
-                  </p:pic>
-                </p:oleObj>
-              </mc:Fallback>
-            </mc:AlternateContent>
+          <a:graphicData uri="http://schemas.openxmlformats.org/drawingml/2006/table">
+            <a:tbl>
+              <a:tblPr firstRow="1" bandRow="1">
+                <a:tableStyleId>{93296810-A885-4BE3-A3E7-6D5BEEA58F35}</a:tableStyleId>
+              </a:tblPr>
+              <a:tblGrid>
+                <a:gridCol w="3315424">
+                  <a:extLst>
+                    <a:ext uri="{9D8B030D-6E8A-4147-A177-3AD203B41FA5}">
+                      <a16:colId xmlns:a16="http://schemas.microsoft.com/office/drawing/2014/main" val="2431431013"/>
+                    </a:ext>
+                  </a:extLst>
+                </a:gridCol>
+                <a:gridCol w="2396275">
+                  <a:extLst>
+                    <a:ext uri="{9D8B030D-6E8A-4147-A177-3AD203B41FA5}">
+                      <a16:colId xmlns:a16="http://schemas.microsoft.com/office/drawing/2014/main" val="2147857952"/>
+                    </a:ext>
+                  </a:extLst>
+                </a:gridCol>
+              </a:tblGrid>
+              <a:tr h="443084">
+                <a:tc gridSpan="2">
+                  <a:txBody>
+                    <a:bodyPr/>
+                    <a:lstStyle/>
+                    <a:p>
+                      <a:pPr algn="ctr"/>
+                      <a:r>
+                        <a:rPr lang="it-IT" sz="1600" dirty="0"/>
+                        <a:t>Scenario </a:t>
+                      </a:r>
+                      <a:r>
+                        <a:rPr lang="it-IT" sz="1600" dirty="0" err="1"/>
+                        <a:t>configuration</a:t>
+                      </a:r>
+                      <a:endParaRPr lang="it-IT" sz="1600" dirty="0"/>
+                    </a:p>
+                  </a:txBody>
+                  <a:tcPr/>
+                </a:tc>
+                <a:tc hMerge="1">
+                  <a:txBody>
+                    <a:bodyPr/>
+                    <a:lstStyle/>
+                    <a:p>
+                      <a:endParaRPr lang="it-IT" dirty="0"/>
+                    </a:p>
+                  </a:txBody>
+                  <a:tcPr/>
+                </a:tc>
+                <a:extLst>
+                  <a:ext uri="{0D108BD9-81ED-4DB2-BD59-A6C34878D82A}">
+                    <a16:rowId xmlns:a16="http://schemas.microsoft.com/office/drawing/2014/main" val="4073864477"/>
+                  </a:ext>
+                </a:extLst>
+              </a:tr>
+              <a:tr h="396000">
+                <a:tc>
+                  <a:txBody>
+                    <a:bodyPr/>
+                    <a:lstStyle/>
+                    <a:p>
+                      <a:r>
+                        <a:rPr lang="it-IT" sz="1600" dirty="0"/>
+                        <a:t>Scenario name</a:t>
+                      </a:r>
+                    </a:p>
+                  </a:txBody>
+                  <a:tcPr/>
+                </a:tc>
+                <a:tc>
+                  <a:txBody>
+                    <a:bodyPr/>
+                    <a:lstStyle/>
+                    <a:p>
+                      <a:pPr algn="ctr"/>
+                      <a:r>
+                        <a:rPr lang="it-IT" sz="1600" dirty="0" err="1"/>
+                        <a:t>Padua</a:t>
+                      </a:r>
+                      <a:endParaRPr lang="it-IT" sz="1600" dirty="0"/>
+                    </a:p>
+                  </a:txBody>
+                  <a:tcPr/>
+                </a:tc>
+                <a:extLst>
+                  <a:ext uri="{0D108BD9-81ED-4DB2-BD59-A6C34878D82A}">
+                    <a16:rowId xmlns:a16="http://schemas.microsoft.com/office/drawing/2014/main" val="3671550637"/>
+                  </a:ext>
+                </a:extLst>
+              </a:tr>
+              <a:tr h="396000">
+                <a:tc>
+                  <a:txBody>
+                    <a:bodyPr/>
+                    <a:lstStyle/>
+                    <a:p>
+                      <a:pPr marL="0" marR="0" lvl="0" indent="0" algn="l" defTabSz="914400" rtl="0" eaLnBrk="1" fontAlgn="auto" latinLnBrk="0" hangingPunct="1">
+                        <a:lnSpc>
+                          <a:spcPct val="100000"/>
+                        </a:lnSpc>
+                        <a:spcBef>
+                          <a:spcPts val="0"/>
+                        </a:spcBef>
+                        <a:spcAft>
+                          <a:spcPts val="0"/>
+                        </a:spcAft>
+                        <a:buClrTx/>
+                        <a:buSzTx/>
+                        <a:buFontTx/>
+                        <a:buNone/>
+                        <a:tabLst/>
+                        <a:defRPr/>
+                      </a:pPr>
+                      <a:r>
+                        <a:rPr lang="it-IT" sz="1600" dirty="0" err="1"/>
+                        <a:t>Latitude</a:t>
+                      </a:r>
+                      <a:r>
+                        <a:rPr lang="it-IT" sz="1600" dirty="0"/>
+                        <a:t> N [°]</a:t>
+                      </a:r>
+                    </a:p>
+                  </a:txBody>
+                  <a:tcPr/>
+                </a:tc>
+                <a:tc>
+                  <a:txBody>
+                    <a:bodyPr/>
+                    <a:lstStyle/>
+                    <a:p>
+                      <a:pPr algn="ctr"/>
+                      <a:r>
+                        <a:rPr lang="it-IT" sz="1600" b="0" i="0" u="none" strike="noStrike" kern="1200" baseline="0">
+                          <a:solidFill>
+                            <a:schemeClr val="dk1"/>
+                          </a:solidFill>
+                          <a:latin typeface="+mn-lt"/>
+                          <a:ea typeface="+mn-ea"/>
+                          <a:cs typeface="+mn-cs"/>
+                        </a:rPr>
+                        <a:t>45.4171</a:t>
+                      </a:r>
+                      <a:endParaRPr lang="it-IT" sz="1600" dirty="0"/>
+                    </a:p>
+                  </a:txBody>
+                  <a:tcPr/>
+                </a:tc>
+                <a:extLst>
+                  <a:ext uri="{0D108BD9-81ED-4DB2-BD59-A6C34878D82A}">
+                    <a16:rowId xmlns:a16="http://schemas.microsoft.com/office/drawing/2014/main" val="3479011623"/>
+                  </a:ext>
+                </a:extLst>
+              </a:tr>
+              <a:tr h="396000">
+                <a:tc>
+                  <a:txBody>
+                    <a:bodyPr/>
+                    <a:lstStyle/>
+                    <a:p>
+                      <a:r>
+                        <a:rPr lang="it-IT" sz="1600" dirty="0" err="1"/>
+                        <a:t>Latitude</a:t>
+                      </a:r>
+                      <a:r>
+                        <a:rPr lang="it-IT" sz="1600" dirty="0"/>
+                        <a:t> S [°]</a:t>
+                      </a:r>
+                    </a:p>
+                  </a:txBody>
+                  <a:tcPr/>
+                </a:tc>
+                <a:tc>
+                  <a:txBody>
+                    <a:bodyPr/>
+                    <a:lstStyle/>
+                    <a:p>
+                      <a:pPr algn="ctr"/>
+                      <a:r>
+                        <a:rPr lang="it-IT" sz="1600" b="0" i="0" u="none" strike="noStrike" kern="1200" baseline="0" dirty="0">
+                          <a:solidFill>
+                            <a:schemeClr val="dk1"/>
+                          </a:solidFill>
+                          <a:latin typeface="+mn-lt"/>
+                          <a:ea typeface="+mn-ea"/>
+                          <a:cs typeface="+mn-cs"/>
+                        </a:rPr>
+                        <a:t>45.3981</a:t>
+                      </a:r>
+                      <a:endParaRPr lang="it-IT" sz="1600" dirty="0"/>
+                    </a:p>
+                  </a:txBody>
+                  <a:tcPr/>
+                </a:tc>
+                <a:extLst>
+                  <a:ext uri="{0D108BD9-81ED-4DB2-BD59-A6C34878D82A}">
+                    <a16:rowId xmlns:a16="http://schemas.microsoft.com/office/drawing/2014/main" val="2940363005"/>
+                  </a:ext>
+                </a:extLst>
+              </a:tr>
+              <a:tr h="396000">
+                <a:tc>
+                  <a:txBody>
+                    <a:bodyPr/>
+                    <a:lstStyle/>
+                    <a:p>
+                      <a:r>
+                        <a:rPr lang="it-IT" sz="1600" dirty="0" err="1"/>
+                        <a:t>Longitude</a:t>
+                      </a:r>
+                      <a:r>
+                        <a:rPr lang="it-IT" sz="1600" dirty="0"/>
+                        <a:t> W [°]</a:t>
+                      </a:r>
+                    </a:p>
+                  </a:txBody>
+                  <a:tcPr/>
+                </a:tc>
+                <a:tc>
+                  <a:txBody>
+                    <a:bodyPr/>
+                    <a:lstStyle/>
+                    <a:p>
+                      <a:pPr algn="ctr"/>
+                      <a:r>
+                        <a:rPr lang="it-IT" sz="1600" b="0" i="0" u="none" strike="noStrike" kern="1200" baseline="0" dirty="0">
+                          <a:solidFill>
+                            <a:schemeClr val="dk1"/>
+                          </a:solidFill>
+                          <a:latin typeface="+mn-lt"/>
+                          <a:ea typeface="+mn-ea"/>
+                          <a:cs typeface="+mn-cs"/>
+                        </a:rPr>
+                        <a:t>11.8654</a:t>
+                      </a:r>
+                      <a:endParaRPr lang="it-IT" sz="1600" dirty="0"/>
+                    </a:p>
+                  </a:txBody>
+                  <a:tcPr/>
+                </a:tc>
+                <a:extLst>
+                  <a:ext uri="{0D108BD9-81ED-4DB2-BD59-A6C34878D82A}">
+                    <a16:rowId xmlns:a16="http://schemas.microsoft.com/office/drawing/2014/main" val="518483290"/>
+                  </a:ext>
+                </a:extLst>
+              </a:tr>
+              <a:tr h="396000">
+                <a:tc>
+                  <a:txBody>
+                    <a:bodyPr/>
+                    <a:lstStyle/>
+                    <a:p>
+                      <a:r>
+                        <a:rPr lang="it-IT" sz="1600" dirty="0" err="1"/>
+                        <a:t>Longitude</a:t>
+                      </a:r>
+                      <a:r>
+                        <a:rPr lang="it-IT" sz="1600" dirty="0"/>
+                        <a:t> E [°]</a:t>
+                      </a:r>
+                    </a:p>
+                  </a:txBody>
+                  <a:tcPr/>
+                </a:tc>
+                <a:tc>
+                  <a:txBody>
+                    <a:bodyPr/>
+                    <a:lstStyle/>
+                    <a:p>
+                      <a:pPr algn="ctr"/>
+                      <a:r>
+                        <a:rPr lang="it-IT" sz="1600" b="0" i="0" u="none" strike="noStrike" kern="1200" baseline="0" dirty="0">
+                          <a:solidFill>
+                            <a:schemeClr val="dk1"/>
+                          </a:solidFill>
+                          <a:latin typeface="+mn-lt"/>
+                          <a:ea typeface="+mn-ea"/>
+                          <a:cs typeface="+mn-cs"/>
+                        </a:rPr>
+                        <a:t>11.8923</a:t>
+                      </a:r>
+                      <a:endParaRPr lang="it-IT" sz="1600" dirty="0"/>
+                    </a:p>
+                  </a:txBody>
+                  <a:tcPr/>
+                </a:tc>
+                <a:extLst>
+                  <a:ext uri="{0D108BD9-81ED-4DB2-BD59-A6C34878D82A}">
+                    <a16:rowId xmlns:a16="http://schemas.microsoft.com/office/drawing/2014/main" val="2443031818"/>
+                  </a:ext>
+                </a:extLst>
+              </a:tr>
+              <a:tr h="396000">
+                <a:tc>
+                  <a:txBody>
+                    <a:bodyPr/>
+                    <a:lstStyle/>
+                    <a:p>
+                      <a:r>
+                        <a:rPr lang="it-IT" sz="1600" dirty="0" err="1"/>
+                        <a:t>Circumference</a:t>
+                      </a:r>
+                      <a:r>
+                        <a:rPr lang="it-IT" sz="1600" dirty="0"/>
+                        <a:t> </a:t>
+                      </a:r>
+                      <a:r>
+                        <a:rPr lang="it-IT" sz="1600" dirty="0" err="1"/>
+                        <a:t>radius</a:t>
+                      </a:r>
+                      <a:r>
+                        <a:rPr lang="it-IT" sz="1600" dirty="0"/>
+                        <a:t> [m]</a:t>
+                      </a:r>
+                    </a:p>
+                  </a:txBody>
+                  <a:tcPr/>
+                </a:tc>
+                <a:tc>
+                  <a:txBody>
+                    <a:bodyPr/>
+                    <a:lstStyle/>
+                    <a:p>
+                      <a:pPr algn="ctr"/>
+                      <a:r>
+                        <a:rPr lang="it-IT" sz="1600" dirty="0"/>
+                        <a:t>1000</a:t>
+                      </a:r>
+                    </a:p>
+                  </a:txBody>
+                  <a:tcPr/>
+                </a:tc>
+                <a:extLst>
+                  <a:ext uri="{0D108BD9-81ED-4DB2-BD59-A6C34878D82A}">
+                    <a16:rowId xmlns:a16="http://schemas.microsoft.com/office/drawing/2014/main" val="2505295210"/>
+                  </a:ext>
+                </a:extLst>
+              </a:tr>
+              <a:tr h="396000">
+                <a:tc>
+                  <a:txBody>
+                    <a:bodyPr/>
+                    <a:lstStyle/>
+                    <a:p>
+                      <a:r>
+                        <a:rPr lang="it-IT" sz="1600" dirty="0" err="1"/>
+                        <a:t>Distance</a:t>
+                      </a:r>
+                      <a:r>
+                        <a:rPr lang="it-IT" sz="1600" dirty="0"/>
+                        <a:t> </a:t>
+                      </a:r>
+                      <a:r>
+                        <a:rPr lang="it-IT" sz="1600" dirty="0" err="1"/>
+                        <a:t>between</a:t>
+                      </a:r>
+                      <a:r>
+                        <a:rPr lang="it-IT" sz="1600" dirty="0"/>
+                        <a:t> </a:t>
+                      </a:r>
+                      <a:r>
+                        <a:rPr lang="it-IT" sz="1600" dirty="0" err="1"/>
+                        <a:t>vehicles</a:t>
+                      </a:r>
+                      <a:r>
+                        <a:rPr lang="it-IT" sz="1600" dirty="0"/>
+                        <a:t> [m]</a:t>
+                      </a:r>
+                    </a:p>
+                  </a:txBody>
+                  <a:tcPr/>
+                </a:tc>
+                <a:tc>
+                  <a:txBody>
+                    <a:bodyPr/>
+                    <a:lstStyle/>
+                    <a:p>
+                      <a:pPr algn="ctr"/>
+                      <a:r>
+                        <a:rPr lang="it-IT" sz="1600" dirty="0"/>
+                        <a:t>25</a:t>
+                      </a:r>
+                    </a:p>
+                  </a:txBody>
+                  <a:tcPr/>
+                </a:tc>
+                <a:extLst>
+                  <a:ext uri="{0D108BD9-81ED-4DB2-BD59-A6C34878D82A}">
+                    <a16:rowId xmlns:a16="http://schemas.microsoft.com/office/drawing/2014/main" val="1800392706"/>
+                  </a:ext>
+                </a:extLst>
+              </a:tr>
+              <a:tr h="396000">
+                <a:tc>
+                  <a:txBody>
+                    <a:bodyPr/>
+                    <a:lstStyle/>
+                    <a:p>
+                      <a:r>
+                        <a:rPr lang="it-IT" sz="1600" dirty="0" err="1"/>
+                        <a:t>Number</a:t>
+                      </a:r>
+                      <a:r>
+                        <a:rPr lang="it-IT" sz="1600" dirty="0"/>
+                        <a:t> of </a:t>
+                      </a:r>
+                      <a:r>
+                        <a:rPr lang="it-IT" sz="1600" dirty="0" err="1"/>
+                        <a:t>vehicles</a:t>
+                      </a:r>
+                      <a:endParaRPr lang="it-IT" sz="1600" dirty="0"/>
+                    </a:p>
+                  </a:txBody>
+                  <a:tcPr/>
+                </a:tc>
+                <a:tc>
+                  <a:txBody>
+                    <a:bodyPr/>
+                    <a:lstStyle/>
+                    <a:p>
+                      <a:pPr algn="ctr"/>
+                      <a:r>
+                        <a:rPr lang="it-IT" sz="1600" b="0" i="0" u="none" strike="noStrike" kern="1200" baseline="0" dirty="0">
+                          <a:solidFill>
+                            <a:schemeClr val="dk1"/>
+                          </a:solidFill>
+                          <a:latin typeface="+mn-lt"/>
+                          <a:ea typeface="+mn-ea"/>
+                          <a:cs typeface="+mn-cs"/>
+                        </a:rPr>
+                        <a:t>1775</a:t>
+                      </a:r>
+                      <a:endParaRPr lang="it-IT" sz="1600" dirty="0"/>
+                    </a:p>
+                  </a:txBody>
+                  <a:tcPr/>
+                </a:tc>
+                <a:extLst>
+                  <a:ext uri="{0D108BD9-81ED-4DB2-BD59-A6C34878D82A}">
+                    <a16:rowId xmlns:a16="http://schemas.microsoft.com/office/drawing/2014/main" val="2715072907"/>
+                  </a:ext>
+                </a:extLst>
+              </a:tr>
+              <a:tr h="396000">
+                <a:tc>
+                  <a:txBody>
+                    <a:bodyPr/>
+                    <a:lstStyle/>
+                    <a:p>
+                      <a:r>
+                        <a:rPr lang="it-IT" sz="1600" b="1" dirty="0" err="1"/>
+                        <a:t>Number</a:t>
+                      </a:r>
+                      <a:r>
+                        <a:rPr lang="it-IT" sz="1600" b="1" dirty="0"/>
+                        <a:t> of buildings</a:t>
+                      </a:r>
+                    </a:p>
+                  </a:txBody>
+                  <a:tcPr/>
+                </a:tc>
+                <a:tc>
+                  <a:txBody>
+                    <a:bodyPr/>
+                    <a:lstStyle/>
+                    <a:p>
+                      <a:pPr algn="ctr"/>
+                      <a:r>
+                        <a:rPr lang="it-IT" sz="1600" b="1" dirty="0"/>
+                        <a:t>6322</a:t>
+                      </a:r>
+                    </a:p>
+                  </a:txBody>
+                  <a:tcPr/>
+                </a:tc>
+                <a:extLst>
+                  <a:ext uri="{0D108BD9-81ED-4DB2-BD59-A6C34878D82A}">
+                    <a16:rowId xmlns:a16="http://schemas.microsoft.com/office/drawing/2014/main" val="3130201454"/>
+                  </a:ext>
+                </a:extLst>
+              </a:tr>
+              <a:tr h="396000">
+                <a:tc>
+                  <a:txBody>
+                    <a:bodyPr/>
+                    <a:lstStyle/>
+                    <a:p>
+                      <a:r>
+                        <a:rPr lang="it-IT" sz="1600" b="1" dirty="0" err="1"/>
+                        <a:t>Number</a:t>
+                      </a:r>
+                      <a:r>
+                        <a:rPr lang="it-IT" sz="1600" b="1" dirty="0"/>
+                        <a:t> of </a:t>
+                      </a:r>
+                      <a:r>
+                        <a:rPr lang="it-IT" sz="1600" b="1" dirty="0" err="1"/>
+                        <a:t>junctions</a:t>
+                      </a:r>
+                      <a:endParaRPr lang="it-IT" sz="1600" b="1" dirty="0"/>
+                    </a:p>
+                  </a:txBody>
+                  <a:tcPr/>
+                </a:tc>
+                <a:tc>
+                  <a:txBody>
+                    <a:bodyPr/>
+                    <a:lstStyle/>
+                    <a:p>
+                      <a:pPr algn="ctr"/>
+                      <a:r>
+                        <a:rPr lang="it-IT" sz="1600" b="1" dirty="0"/>
+                        <a:t>3231</a:t>
+                      </a:r>
+                    </a:p>
+                  </a:txBody>
+                  <a:tcPr/>
+                </a:tc>
+                <a:extLst>
+                  <a:ext uri="{0D108BD9-81ED-4DB2-BD59-A6C34878D82A}">
+                    <a16:rowId xmlns:a16="http://schemas.microsoft.com/office/drawing/2014/main" val="1778765045"/>
+                  </a:ext>
+                </a:extLst>
+              </a:tr>
+              <a:tr h="396000">
+                <a:tc>
+                  <a:txBody>
+                    <a:bodyPr/>
+                    <a:lstStyle/>
+                    <a:p>
+                      <a:r>
+                        <a:rPr lang="it-IT" sz="1600" dirty="0" err="1"/>
+                        <a:t>Number</a:t>
+                      </a:r>
+                      <a:r>
+                        <a:rPr lang="it-IT" sz="1600" dirty="0"/>
+                        <a:t> of </a:t>
+                      </a:r>
+                      <a:r>
+                        <a:rPr lang="it-IT" sz="1600" dirty="0" err="1"/>
+                        <a:t>simulations</a:t>
+                      </a:r>
+                      <a:endParaRPr lang="it-IT" sz="1600" dirty="0"/>
+                    </a:p>
+                  </a:txBody>
+                  <a:tcPr/>
+                </a:tc>
+                <a:tc>
+                  <a:txBody>
+                    <a:bodyPr/>
+                    <a:lstStyle/>
+                    <a:p>
+                      <a:pPr algn="ctr"/>
+                      <a:r>
+                        <a:rPr lang="it-IT" sz="1600" dirty="0"/>
+                        <a:t>4500</a:t>
+                      </a:r>
+                    </a:p>
+                  </a:txBody>
+                  <a:tcPr/>
+                </a:tc>
+                <a:extLst>
+                  <a:ext uri="{0D108BD9-81ED-4DB2-BD59-A6C34878D82A}">
+                    <a16:rowId xmlns:a16="http://schemas.microsoft.com/office/drawing/2014/main" val="2909756033"/>
+                  </a:ext>
+                </a:extLst>
+              </a:tr>
+            </a:tbl>
+          </a:graphicData>
+        </a:graphic>
+      </p:graphicFrame>
+      <p:graphicFrame>
+        <p:nvGraphicFramePr>
+          <p:cNvPr id="23" name="Tabella 22">
+            <a:extLst>
+              <a:ext uri="{FF2B5EF4-FFF2-40B4-BE49-F238E27FC236}">
+                <a16:creationId xmlns:a16="http://schemas.microsoft.com/office/drawing/2014/main" id="{059621E8-BFC3-4ADC-B180-1EE96A571E94}"/>
+              </a:ext>
+            </a:extLst>
+          </p:cNvPr>
+          <p:cNvGraphicFramePr>
+            <a:graphicFrameLocks noGrp="1"/>
+          </p:cNvGraphicFramePr>
+          <p:nvPr>
+            <p:extLst>
+              <p:ext uri="{D42A27DB-BD31-4B8C-83A1-F6EECF244321}">
+                <p14:modId xmlns:p14="http://schemas.microsoft.com/office/powerpoint/2010/main" val="3976469072"/>
+              </p:ext>
+            </p:extLst>
+          </p:nvPr>
+        </p:nvGraphicFramePr>
+        <p:xfrm>
+          <a:off x="5965794" y="1197896"/>
+          <a:ext cx="5841905" cy="4425790"/>
+        </p:xfrm>
+        <a:graphic>
+          <a:graphicData uri="http://schemas.openxmlformats.org/drawingml/2006/table">
+            <a:tbl>
+              <a:tblPr firstRow="1" bandRow="1">
+                <a:tableStyleId>{93296810-A885-4BE3-A3E7-6D5BEEA58F35}</a:tableStyleId>
+              </a:tblPr>
+              <a:tblGrid>
+                <a:gridCol w="2982897">
+                  <a:extLst>
+                    <a:ext uri="{9D8B030D-6E8A-4147-A177-3AD203B41FA5}">
+                      <a16:colId xmlns:a16="http://schemas.microsoft.com/office/drawing/2014/main" val="2431431013"/>
+                    </a:ext>
+                  </a:extLst>
+                </a:gridCol>
+                <a:gridCol w="2859008">
+                  <a:extLst>
+                    <a:ext uri="{9D8B030D-6E8A-4147-A177-3AD203B41FA5}">
+                      <a16:colId xmlns:a16="http://schemas.microsoft.com/office/drawing/2014/main" val="2147857952"/>
+                    </a:ext>
+                  </a:extLst>
+                </a:gridCol>
+              </a:tblGrid>
+              <a:tr h="465790">
+                <a:tc gridSpan="2">
+                  <a:txBody>
+                    <a:bodyPr/>
+                    <a:lstStyle/>
+                    <a:p>
+                      <a:pPr algn="ctr"/>
+                      <a:r>
+                        <a:rPr lang="it-IT" dirty="0"/>
+                        <a:t>Simulator </a:t>
+                      </a:r>
+                      <a:r>
+                        <a:rPr lang="it-IT" dirty="0" err="1"/>
+                        <a:t>configuration</a:t>
+                      </a:r>
+                      <a:endParaRPr lang="it-IT" dirty="0"/>
+                    </a:p>
+                  </a:txBody>
+                  <a:tcPr/>
+                </a:tc>
+                <a:tc hMerge="1">
+                  <a:txBody>
+                    <a:bodyPr/>
+                    <a:lstStyle/>
+                    <a:p>
+                      <a:endParaRPr lang="it-IT" dirty="0"/>
+                    </a:p>
+                  </a:txBody>
+                  <a:tcPr/>
+                </a:tc>
+                <a:extLst>
+                  <a:ext uri="{0D108BD9-81ED-4DB2-BD59-A6C34878D82A}">
+                    <a16:rowId xmlns:a16="http://schemas.microsoft.com/office/drawing/2014/main" val="4073864477"/>
+                  </a:ext>
+                </a:extLst>
+              </a:tr>
+              <a:tr h="396000">
+                <a:tc>
+                  <a:txBody>
+                    <a:bodyPr/>
+                    <a:lstStyle/>
+                    <a:p>
+                      <a:r>
+                        <a:rPr lang="it-IT" sz="1600" dirty="0" err="1"/>
+                        <a:t>Packet</a:t>
+                      </a:r>
+                      <a:r>
+                        <a:rPr lang="it-IT" sz="1600" dirty="0"/>
+                        <a:t> payload size </a:t>
+                      </a:r>
+                    </a:p>
+                  </a:txBody>
+                  <a:tcPr/>
+                </a:tc>
+                <a:tc>
+                  <a:txBody>
+                    <a:bodyPr/>
+                    <a:lstStyle/>
+                    <a:p>
+                      <a:pPr algn="ctr"/>
+                      <a:r>
+                        <a:rPr lang="it-IT" sz="1600" dirty="0"/>
+                        <a:t>100 byte</a:t>
+                      </a:r>
+                    </a:p>
+                  </a:txBody>
+                  <a:tcPr/>
+                </a:tc>
+                <a:extLst>
+                  <a:ext uri="{0D108BD9-81ED-4DB2-BD59-A6C34878D82A}">
+                    <a16:rowId xmlns:a16="http://schemas.microsoft.com/office/drawing/2014/main" val="3671550637"/>
+                  </a:ext>
+                </a:extLst>
+              </a:tr>
+              <a:tr h="396000">
+                <a:tc>
+                  <a:txBody>
+                    <a:bodyPr/>
+                    <a:lstStyle/>
+                    <a:p>
+                      <a:r>
+                        <a:rPr lang="it-IT" sz="1600" dirty="0"/>
+                        <a:t>Frequency [GHz]</a:t>
+                      </a:r>
+                    </a:p>
+                  </a:txBody>
+                  <a:tcPr/>
+                </a:tc>
+                <a:tc>
+                  <a:txBody>
+                    <a:bodyPr/>
+                    <a:lstStyle/>
+                    <a:p>
+                      <a:pPr algn="ctr"/>
+                      <a:r>
+                        <a:rPr lang="it-IT" sz="1600" b="0" i="0" u="none" strike="noStrike" kern="1200" baseline="0" dirty="0">
+                          <a:solidFill>
+                            <a:schemeClr val="dk1"/>
+                          </a:solidFill>
+                          <a:latin typeface="+mn-lt"/>
+                          <a:ea typeface="+mn-ea"/>
+                          <a:cs typeface="+mn-cs"/>
+                        </a:rPr>
+                        <a:t>2.4</a:t>
+                      </a:r>
+                      <a:endParaRPr lang="it-IT" sz="1600" dirty="0"/>
+                    </a:p>
+                  </a:txBody>
+                  <a:tcPr/>
+                </a:tc>
+                <a:extLst>
+                  <a:ext uri="{0D108BD9-81ED-4DB2-BD59-A6C34878D82A}">
+                    <a16:rowId xmlns:a16="http://schemas.microsoft.com/office/drawing/2014/main" val="3479011623"/>
+                  </a:ext>
+                </a:extLst>
+              </a:tr>
+              <a:tr h="396000">
+                <a:tc>
+                  <a:txBody>
+                    <a:bodyPr/>
+                    <a:lstStyle/>
+                    <a:p>
+                      <a:r>
+                        <a:rPr lang="it-IT" sz="1600" dirty="0"/>
+                        <a:t>Channel </a:t>
+                      </a:r>
+                      <a:r>
+                        <a:rPr lang="it-IT" sz="1600" dirty="0" err="1"/>
+                        <a:t>bandwidth</a:t>
+                      </a:r>
+                      <a:r>
+                        <a:rPr lang="it-IT" sz="1600" dirty="0"/>
+                        <a:t> [MHz]</a:t>
+                      </a:r>
+                    </a:p>
+                  </a:txBody>
+                  <a:tcPr/>
+                </a:tc>
+                <a:tc>
+                  <a:txBody>
+                    <a:bodyPr/>
+                    <a:lstStyle/>
+                    <a:p>
+                      <a:pPr algn="ctr"/>
+                      <a:r>
+                        <a:rPr lang="it-IT" sz="1600" b="0" i="0" u="none" strike="noStrike" kern="1200" baseline="0" dirty="0">
+                          <a:solidFill>
+                            <a:schemeClr val="dk1"/>
+                          </a:solidFill>
+                          <a:latin typeface="+mn-lt"/>
+                          <a:ea typeface="+mn-ea"/>
+                          <a:cs typeface="+mn-cs"/>
+                        </a:rPr>
+                        <a:t>22</a:t>
+                      </a:r>
+                      <a:endParaRPr lang="it-IT" sz="1600" dirty="0"/>
+                    </a:p>
+                  </a:txBody>
+                  <a:tcPr/>
+                </a:tc>
+                <a:extLst>
+                  <a:ext uri="{0D108BD9-81ED-4DB2-BD59-A6C34878D82A}">
+                    <a16:rowId xmlns:a16="http://schemas.microsoft.com/office/drawing/2014/main" val="2940363005"/>
+                  </a:ext>
+                </a:extLst>
+              </a:tr>
+              <a:tr h="396000">
+                <a:tc>
+                  <a:txBody>
+                    <a:bodyPr/>
+                    <a:lstStyle/>
+                    <a:p>
+                      <a:r>
+                        <a:rPr lang="it-IT" sz="1600" dirty="0"/>
+                        <a:t>Transmission speed [Mbps]</a:t>
+                      </a:r>
+                    </a:p>
+                  </a:txBody>
+                  <a:tcPr/>
+                </a:tc>
+                <a:tc>
+                  <a:txBody>
+                    <a:bodyPr/>
+                    <a:lstStyle/>
+                    <a:p>
+                      <a:pPr algn="ctr"/>
+                      <a:r>
+                        <a:rPr lang="it-IT" sz="1600" b="0" i="0" u="none" strike="noStrike" kern="1200" baseline="0" dirty="0">
+                          <a:solidFill>
+                            <a:schemeClr val="dk1"/>
+                          </a:solidFill>
+                          <a:latin typeface="+mn-lt"/>
+                          <a:ea typeface="+mn-ea"/>
+                          <a:cs typeface="+mn-cs"/>
+                        </a:rPr>
+                        <a:t>11</a:t>
+                      </a:r>
+                      <a:endParaRPr lang="it-IT" sz="1600" dirty="0"/>
+                    </a:p>
+                  </a:txBody>
+                  <a:tcPr/>
+                </a:tc>
+                <a:extLst>
+                  <a:ext uri="{0D108BD9-81ED-4DB2-BD59-A6C34878D82A}">
+                    <a16:rowId xmlns:a16="http://schemas.microsoft.com/office/drawing/2014/main" val="518483290"/>
+                  </a:ext>
+                </a:extLst>
+              </a:tr>
+              <a:tr h="396000">
+                <a:tc>
+                  <a:txBody>
+                    <a:bodyPr/>
+                    <a:lstStyle/>
+                    <a:p>
+                      <a:r>
+                        <a:rPr lang="it-IT" sz="1600" b="0" i="0" u="none" strike="noStrike" kern="1200" baseline="0" dirty="0">
+                          <a:solidFill>
+                            <a:schemeClr val="dk1"/>
+                          </a:solidFill>
+                          <a:latin typeface="+mn-lt"/>
+                          <a:ea typeface="+mn-ea"/>
+                          <a:cs typeface="+mn-cs"/>
+                        </a:rPr>
+                        <a:t>Transmission powers </a:t>
+                      </a:r>
+                      <a:r>
+                        <a:rPr lang="it-IT" sz="1600" dirty="0"/>
+                        <a:t>[</a:t>
+                      </a:r>
+                      <a:r>
+                        <a:rPr lang="it-IT" sz="1600" dirty="0" err="1"/>
+                        <a:t>dBm</a:t>
+                      </a:r>
+                      <a:r>
+                        <a:rPr lang="it-IT" sz="1600" dirty="0"/>
+                        <a:t>]</a:t>
+                      </a:r>
+                    </a:p>
+                  </a:txBody>
+                  <a:tcPr/>
+                </a:tc>
+                <a:tc>
+                  <a:txBody>
+                    <a:bodyPr/>
+                    <a:lstStyle/>
+                    <a:p>
+                      <a:pPr algn="ctr"/>
+                      <a:r>
+                        <a:rPr lang="it-IT" sz="1600" b="0" i="0" u="none" strike="noStrike" kern="1200" baseline="0" dirty="0">
+                          <a:solidFill>
+                            <a:schemeClr val="dk1"/>
+                          </a:solidFill>
+                          <a:latin typeface="+mn-lt"/>
+                          <a:ea typeface="+mn-ea"/>
+                          <a:cs typeface="+mn-cs"/>
+                        </a:rPr>
+                        <a:t>-7.0, 4.6, 13.4</a:t>
+                      </a:r>
+                      <a:endParaRPr lang="it-IT" sz="1600" dirty="0"/>
+                    </a:p>
+                  </a:txBody>
+                  <a:tcPr/>
+                </a:tc>
+                <a:extLst>
+                  <a:ext uri="{0D108BD9-81ED-4DB2-BD59-A6C34878D82A}">
+                    <a16:rowId xmlns:a16="http://schemas.microsoft.com/office/drawing/2014/main" val="2443031818"/>
+                  </a:ext>
+                </a:extLst>
+              </a:tr>
+              <a:tr h="396000">
+                <a:tc>
+                  <a:txBody>
+                    <a:bodyPr/>
+                    <a:lstStyle/>
+                    <a:p>
+                      <a:r>
+                        <a:rPr lang="it-IT" sz="1600" dirty="0"/>
+                        <a:t>Transmission ranges [m]</a:t>
+                      </a:r>
+                    </a:p>
+                  </a:txBody>
+                  <a:tcPr/>
+                </a:tc>
+                <a:tc>
+                  <a:txBody>
+                    <a:bodyPr/>
+                    <a:lstStyle/>
+                    <a:p>
+                      <a:pPr algn="ctr"/>
+                      <a:r>
+                        <a:rPr lang="it-IT" sz="1600" dirty="0"/>
+                        <a:t>100, 300, 500</a:t>
+                      </a:r>
+                    </a:p>
+                  </a:txBody>
+                  <a:tcPr/>
+                </a:tc>
+                <a:extLst>
+                  <a:ext uri="{0D108BD9-81ED-4DB2-BD59-A6C34878D82A}">
+                    <a16:rowId xmlns:a16="http://schemas.microsoft.com/office/drawing/2014/main" val="2962713516"/>
+                  </a:ext>
+                </a:extLst>
+              </a:tr>
+              <a:tr h="396000">
+                <a:tc>
+                  <a:txBody>
+                    <a:bodyPr/>
+                    <a:lstStyle/>
+                    <a:p>
+                      <a:r>
+                        <a:rPr lang="it-IT" sz="1600" dirty="0" err="1"/>
+                        <a:t>Modulation</a:t>
+                      </a:r>
+                      <a:endParaRPr lang="it-IT" sz="1600" dirty="0"/>
+                    </a:p>
+                  </a:txBody>
+                  <a:tcPr/>
+                </a:tc>
+                <a:tc>
+                  <a:txBody>
+                    <a:bodyPr/>
+                    <a:lstStyle/>
+                    <a:p>
+                      <a:pPr algn="ctr"/>
+                      <a:r>
+                        <a:rPr lang="it-IT" sz="1600" dirty="0"/>
+                        <a:t>DSSS</a:t>
+                      </a:r>
+                    </a:p>
+                  </a:txBody>
+                  <a:tcPr/>
+                </a:tc>
+                <a:extLst>
+                  <a:ext uri="{0D108BD9-81ED-4DB2-BD59-A6C34878D82A}">
+                    <a16:rowId xmlns:a16="http://schemas.microsoft.com/office/drawing/2014/main" val="1800392706"/>
+                  </a:ext>
+                </a:extLst>
+              </a:tr>
+              <a:tr h="396000">
+                <a:tc>
+                  <a:txBody>
+                    <a:bodyPr/>
+                    <a:lstStyle/>
+                    <a:p>
+                      <a:r>
+                        <a:rPr lang="it-IT" sz="1600" dirty="0" err="1"/>
+                        <a:t>Propagation</a:t>
+                      </a:r>
+                      <a:r>
+                        <a:rPr lang="it-IT" sz="1600" dirty="0"/>
+                        <a:t> </a:t>
+                      </a:r>
+                      <a:r>
+                        <a:rPr lang="it-IT" sz="1600" dirty="0" err="1"/>
+                        <a:t>loss</a:t>
+                      </a:r>
+                      <a:r>
+                        <a:rPr lang="it-IT" sz="1600" dirty="0"/>
+                        <a:t> model</a:t>
+                      </a:r>
+                    </a:p>
+                  </a:txBody>
+                  <a:tcPr/>
+                </a:tc>
+                <a:tc>
+                  <a:txBody>
+                    <a:bodyPr/>
+                    <a:lstStyle/>
+                    <a:p>
+                      <a:pPr algn="ctr"/>
+                      <a:r>
+                        <a:rPr lang="it-IT" sz="1600" b="0" i="0" u="none" strike="noStrike" kern="1200" baseline="0" dirty="0">
+                          <a:solidFill>
+                            <a:schemeClr val="dk1"/>
+                          </a:solidFill>
+                          <a:latin typeface="+mn-lt"/>
+                          <a:ea typeface="+mn-ea"/>
+                          <a:cs typeface="+mn-cs"/>
+                        </a:rPr>
+                        <a:t>ns3::</a:t>
+                      </a:r>
+                      <a:r>
+                        <a:rPr lang="it-IT" sz="1600" b="0" i="0" u="none" strike="noStrike" kern="1200" baseline="0" dirty="0" err="1">
+                          <a:solidFill>
+                            <a:schemeClr val="dk1"/>
+                          </a:solidFill>
+                          <a:latin typeface="+mn-lt"/>
+                          <a:ea typeface="+mn-ea"/>
+                          <a:cs typeface="+mn-cs"/>
+                        </a:rPr>
+                        <a:t>TwoRayGround</a:t>
+                      </a:r>
+                      <a:endParaRPr lang="it-IT" sz="1600" dirty="0"/>
+                    </a:p>
+                  </a:txBody>
+                  <a:tcPr/>
+                </a:tc>
+                <a:extLst>
+                  <a:ext uri="{0D108BD9-81ED-4DB2-BD59-A6C34878D82A}">
+                    <a16:rowId xmlns:a16="http://schemas.microsoft.com/office/drawing/2014/main" val="2715072907"/>
+                  </a:ext>
+                </a:extLst>
+              </a:tr>
+              <a:tr h="396000">
+                <a:tc>
+                  <a:txBody>
+                    <a:bodyPr/>
+                    <a:lstStyle/>
+                    <a:p>
+                      <a:r>
+                        <a:rPr lang="it-IT" sz="1600" dirty="0" err="1"/>
+                        <a:t>Propagation</a:t>
+                      </a:r>
+                      <a:r>
+                        <a:rPr lang="it-IT" sz="1600" dirty="0"/>
+                        <a:t> delay model</a:t>
+                      </a:r>
+                    </a:p>
+                  </a:txBody>
+                  <a:tcPr/>
+                </a:tc>
+                <a:tc>
+                  <a:txBody>
+                    <a:bodyPr/>
+                    <a:lstStyle/>
+                    <a:p>
+                      <a:pPr algn="ctr"/>
+                      <a:r>
+                        <a:rPr lang="it-IT" sz="1600" dirty="0"/>
+                        <a:t>ns3::</a:t>
+                      </a:r>
+                      <a:r>
+                        <a:rPr lang="it-IT" sz="1600" dirty="0" err="1"/>
+                        <a:t>ConstantSpeed</a:t>
+                      </a:r>
+                      <a:endParaRPr lang="it-IT" sz="1600" dirty="0"/>
+                    </a:p>
+                  </a:txBody>
+                  <a:tcPr/>
+                </a:tc>
+                <a:extLst>
+                  <a:ext uri="{0D108BD9-81ED-4DB2-BD59-A6C34878D82A}">
+                    <a16:rowId xmlns:a16="http://schemas.microsoft.com/office/drawing/2014/main" val="2909756033"/>
+                  </a:ext>
+                </a:extLst>
+              </a:tr>
+              <a:tr h="396000">
+                <a:tc>
+                  <a:txBody>
+                    <a:bodyPr/>
+                    <a:lstStyle/>
+                    <a:p>
+                      <a:r>
+                        <a:rPr lang="it-IT" sz="1600" b="1" dirty="0" err="1"/>
+                        <a:t>Shadowing</a:t>
+                      </a:r>
+                      <a:r>
+                        <a:rPr lang="it-IT" sz="1600" b="1" dirty="0"/>
+                        <a:t> model</a:t>
+                      </a:r>
+                    </a:p>
+                  </a:txBody>
+                  <a:tcPr/>
+                </a:tc>
+                <a:tc>
+                  <a:txBody>
+                    <a:bodyPr/>
+                    <a:lstStyle/>
+                    <a:p>
+                      <a:pPr algn="ctr"/>
+                      <a:r>
+                        <a:rPr lang="it-IT" sz="1600" b="1" dirty="0"/>
+                        <a:t>ns3::</a:t>
+                      </a:r>
+                      <a:r>
+                        <a:rPr lang="it-IT" sz="1600" b="1" dirty="0" err="1"/>
+                        <a:t>ObstacleShadowing</a:t>
+                      </a:r>
+                      <a:endParaRPr lang="it-IT" sz="1600" b="1" dirty="0"/>
+                    </a:p>
+                  </a:txBody>
+                  <a:tcPr/>
+                </a:tc>
+                <a:extLst>
+                  <a:ext uri="{0D108BD9-81ED-4DB2-BD59-A6C34878D82A}">
+                    <a16:rowId xmlns:a16="http://schemas.microsoft.com/office/drawing/2014/main" val="347740342"/>
+                  </a:ext>
+                </a:extLst>
+              </a:tr>
+            </a:tbl>
           </a:graphicData>
         </a:graphic>
       </p:graphicFrame>
     </p:spTree>
     <p:extLst>
       <p:ext uri="{BB962C8B-B14F-4D97-AF65-F5344CB8AC3E}">
-        <p14:creationId xmlns:p14="http://schemas.microsoft.com/office/powerpoint/2010/main" val="588569104"/>
+        <p14:creationId xmlns:p14="http://schemas.microsoft.com/office/powerpoint/2010/main" val="1305907110"/>
       </p:ext>
     </p:extLst>
   </p:cSld>
@@ -7498,37 +10175,55 @@
       </p:grpSpPr>
       <p:sp>
         <p:nvSpPr>
-          <p:cNvPr id="2" name="Titolo 1">
+          <p:cNvPr id="28" name="Rettangolo 27">
             <a:extLst>
               <a:ext uri="{FF2B5EF4-FFF2-40B4-BE49-F238E27FC236}">
-                <a16:creationId xmlns:a16="http://schemas.microsoft.com/office/drawing/2014/main" id="{423E46DE-2AE3-44BE-963C-544CB7884F11}"/>
+                <a16:creationId xmlns:a16="http://schemas.microsoft.com/office/drawing/2014/main" id="{337B651D-1A07-4799-9C44-4DE35E4AD019}"/>
               </a:ext>
             </a:extLst>
           </p:cNvPr>
-          <p:cNvSpPr>
-            <a:spLocks noGrp="1"/>
-          </p:cNvSpPr>
-          <p:nvPr>
-            <p:ph type="title" idx="4294967295"/>
-          </p:nvPr>
+          <p:cNvSpPr/>
+          <p:nvPr/>
         </p:nvSpPr>
         <p:spPr>
           <a:xfrm>
-            <a:off x="0" y="-99010"/>
-            <a:ext cx="12192000" cy="1325563"/>
-          </a:xfrm>
-        </p:spPr>
+            <a:off x="6513126" y="4968240"/>
+            <a:ext cx="5015785" cy="742441"/>
+          </a:xfrm>
+          <a:prstGeom prst="rect">
+            <a:avLst/>
+          </a:prstGeom>
+          <a:solidFill>
+            <a:schemeClr val="bg1"/>
+          </a:solidFill>
+          <a:ln>
+            <a:solidFill>
+              <a:schemeClr val="bg1"/>
+            </a:solidFill>
+          </a:ln>
+        </p:spPr>
+        <p:style>
+          <a:lnRef idx="2">
+            <a:schemeClr val="accent1">
+              <a:shade val="50000"/>
+            </a:schemeClr>
+          </a:lnRef>
+          <a:fillRef idx="1">
+            <a:schemeClr val="accent1"/>
+          </a:fillRef>
+          <a:effectRef idx="0">
+            <a:schemeClr val="accent1"/>
+          </a:effectRef>
+          <a:fontRef idx="minor">
+            <a:schemeClr val="lt1"/>
+          </a:fontRef>
+        </p:style>
         <p:txBody>
-          <a:bodyPr>
-            <a:normAutofit/>
-          </a:bodyPr>
+          <a:bodyPr rtlCol="0" anchor="ctr"/>
           <a:lstStyle/>
           <a:p>
             <a:pPr algn="ctr"/>
-            <a:r>
-              <a:rPr lang="it-IT" dirty="0"/>
-              <a:t>FORWARDING NODE NUMBER</a:t>
-            </a:r>
+            <a:endParaRPr lang="it-IT"/>
           </a:p>
         </p:txBody>
       </p:sp>
@@ -7579,73 +10274,782 @@
           </a:p>
         </p:txBody>
       </p:sp>
-      <p:graphicFrame>
-        <p:nvGraphicFramePr>
-          <p:cNvPr id="3" name="Oggetto 2">
+      <p:sp>
+        <p:nvSpPr>
+          <p:cNvPr id="8" name="Segnaposto contenuto 2">
             <a:extLst>
               <a:ext uri="{FF2B5EF4-FFF2-40B4-BE49-F238E27FC236}">
-                <a16:creationId xmlns:a16="http://schemas.microsoft.com/office/drawing/2014/main" id="{C72557B5-8B6F-4E3C-8259-05AE3D8AE114}"/>
+                <a16:creationId xmlns:a16="http://schemas.microsoft.com/office/drawing/2014/main" id="{404FF6F9-50C9-47F5-9A59-7E20DCAFA408}"/>
               </a:ext>
             </a:extLst>
           </p:cNvPr>
-          <p:cNvGraphicFramePr>
-            <a:graphicFrameLocks noChangeAspect="1"/>
-          </p:cNvGraphicFramePr>
-          <p:nvPr>
-            <p:extLst>
-              <p:ext uri="{D42A27DB-BD31-4B8C-83A1-F6EECF244321}">
-                <p14:modId xmlns:p14="http://schemas.microsoft.com/office/powerpoint/2010/main" val="3030735463"/>
-              </p:ext>
-            </p:extLst>
-          </p:nvPr>
-        </p:nvGraphicFramePr>
-        <p:xfrm>
-          <a:off x="252105" y="1060528"/>
-          <a:ext cx="9875837" cy="3292475"/>
-        </p:xfrm>
-        <a:graphic>
-          <a:graphicData uri="http://schemas.openxmlformats.org/presentationml/2006/ole">
-            <mc:AlternateContent xmlns:mc="http://schemas.openxmlformats.org/markup-compatibility/2006">
-              <mc:Choice xmlns:v="urn:schemas-microsoft-com:vml" Requires="v">
-                <p:oleObj spid="_x0000_s3077" name="Acrobat Document" r:id="rId3" imgW="9875520" imgH="3291840" progId="AcroExch.Document.DC">
-                  <p:embed/>
-                </p:oleObj>
-              </mc:Choice>
-              <mc:Fallback>
-                <p:oleObj name="Acrobat Document" r:id="rId3" imgW="9875520" imgH="3291840" progId="AcroExch.Document.DC">
-                  <p:embed/>
-                  <p:pic>
-                    <p:nvPicPr>
-                      <p:cNvPr id="0" name=""/>
-                      <p:cNvPicPr/>
-                      <p:nvPr/>
-                    </p:nvPicPr>
-                    <p:blipFill>
-                      <a:blip r:embed="rId4"/>
-                      <a:stretch>
-                        <a:fillRect/>
-                      </a:stretch>
-                    </p:blipFill>
-                    <p:spPr>
-                      <a:xfrm>
-                        <a:off x="252105" y="1060528"/>
-                        <a:ext cx="9875837" cy="3292475"/>
-                      </a:xfrm>
-                      <a:prstGeom prst="rect">
-                        <a:avLst/>
-                      </a:prstGeom>
-                    </p:spPr>
-                  </p:pic>
-                </p:oleObj>
-              </mc:Fallback>
-            </mc:AlternateContent>
-          </a:graphicData>
-        </a:graphic>
-      </p:graphicFrame>
+          <p:cNvSpPr txBox="1">
+            <a:spLocks/>
+          </p:cNvSpPr>
+          <p:nvPr/>
+        </p:nvSpPr>
+        <p:spPr>
+          <a:xfrm>
+            <a:off x="1615737" y="5780377"/>
+            <a:ext cx="3994950" cy="416242"/>
+          </a:xfrm>
+          <a:prstGeom prst="rect">
+            <a:avLst/>
+          </a:prstGeom>
+        </p:spPr>
+        <p:txBody>
+          <a:bodyPr>
+            <a:normAutofit/>
+          </a:bodyPr>
+          <a:lstStyle>
+            <a:lvl1pPr marL="342900" indent="-342900" algn="l" defTabSz="914400" rtl="0" eaLnBrk="1" latinLnBrk="0" hangingPunct="1">
+              <a:spcBef>
+                <a:spcPct val="20000"/>
+              </a:spcBef>
+              <a:buClr>
+                <a:schemeClr val="accent6"/>
+              </a:buClr>
+              <a:buFont typeface="Arial" pitchFamily="34" charset="0"/>
+              <a:buChar char="•"/>
+              <a:defRPr sz="3200" kern="1200">
+                <a:solidFill>
+                  <a:schemeClr val="tx1"/>
+                </a:solidFill>
+                <a:latin typeface="+mn-lt"/>
+                <a:ea typeface="+mn-ea"/>
+                <a:cs typeface="+mn-cs"/>
+              </a:defRPr>
+            </a:lvl1pPr>
+            <a:lvl2pPr marL="742950" indent="-285750" algn="l" defTabSz="914400" rtl="0" eaLnBrk="1" latinLnBrk="0" hangingPunct="1">
+              <a:spcBef>
+                <a:spcPct val="20000"/>
+              </a:spcBef>
+              <a:buClr>
+                <a:schemeClr val="accent6"/>
+              </a:buClr>
+              <a:buFont typeface="Courier New" panose="02070309020205020404" pitchFamily="49" charset="0"/>
+              <a:buChar char="o"/>
+              <a:defRPr sz="2800" kern="1200">
+                <a:solidFill>
+                  <a:schemeClr val="tx1"/>
+                </a:solidFill>
+                <a:latin typeface="+mn-lt"/>
+                <a:ea typeface="+mn-ea"/>
+                <a:cs typeface="+mn-cs"/>
+              </a:defRPr>
+            </a:lvl2pPr>
+            <a:lvl3pPr marL="1143000" indent="-228600" algn="l" defTabSz="914400" rtl="0" eaLnBrk="1" latinLnBrk="0" hangingPunct="1">
+              <a:spcBef>
+                <a:spcPct val="20000"/>
+              </a:spcBef>
+              <a:buFont typeface="Arial" pitchFamily="34" charset="0"/>
+              <a:buChar char="•"/>
+              <a:defRPr sz="2400" kern="1200">
+                <a:solidFill>
+                  <a:schemeClr val="tx1"/>
+                </a:solidFill>
+                <a:latin typeface="+mn-lt"/>
+                <a:ea typeface="+mn-ea"/>
+                <a:cs typeface="+mn-cs"/>
+              </a:defRPr>
+            </a:lvl3pPr>
+            <a:lvl4pPr marL="1600200" indent="-228600" algn="l" defTabSz="914400" rtl="0" eaLnBrk="1" latinLnBrk="0" hangingPunct="1">
+              <a:spcBef>
+                <a:spcPct val="20000"/>
+              </a:spcBef>
+              <a:buFont typeface="Arial" pitchFamily="34" charset="0"/>
+              <a:buChar char="–"/>
+              <a:defRPr sz="2000" kern="1200">
+                <a:solidFill>
+                  <a:schemeClr val="tx1"/>
+                </a:solidFill>
+                <a:latin typeface="+mn-lt"/>
+                <a:ea typeface="+mn-ea"/>
+                <a:cs typeface="+mn-cs"/>
+              </a:defRPr>
+            </a:lvl4pPr>
+            <a:lvl5pPr marL="2057400" indent="-228600" algn="l" defTabSz="914400" rtl="0" eaLnBrk="1" latinLnBrk="0" hangingPunct="1">
+              <a:spcBef>
+                <a:spcPct val="20000"/>
+              </a:spcBef>
+              <a:buFont typeface="Arial" pitchFamily="34" charset="0"/>
+              <a:buChar char="»"/>
+              <a:defRPr sz="2000" kern="1200">
+                <a:solidFill>
+                  <a:schemeClr val="tx1"/>
+                </a:solidFill>
+                <a:latin typeface="+mn-lt"/>
+                <a:ea typeface="+mn-ea"/>
+                <a:cs typeface="+mn-cs"/>
+              </a:defRPr>
+            </a:lvl5pPr>
+            <a:lvl6pPr marL="2514600" indent="-228600" algn="l" defTabSz="914400" rtl="0" eaLnBrk="1" latinLnBrk="0" hangingPunct="1">
+              <a:spcBef>
+                <a:spcPct val="20000"/>
+              </a:spcBef>
+              <a:buFont typeface="Arial" pitchFamily="34" charset="0"/>
+              <a:buChar char="•"/>
+              <a:defRPr sz="2000" kern="1200">
+                <a:solidFill>
+                  <a:schemeClr val="tx1"/>
+                </a:solidFill>
+                <a:latin typeface="+mn-lt"/>
+                <a:ea typeface="+mn-ea"/>
+                <a:cs typeface="+mn-cs"/>
+              </a:defRPr>
+            </a:lvl6pPr>
+            <a:lvl7pPr marL="2971800" indent="-228600" algn="l" defTabSz="914400" rtl="0" eaLnBrk="1" latinLnBrk="0" hangingPunct="1">
+              <a:spcBef>
+                <a:spcPct val="20000"/>
+              </a:spcBef>
+              <a:buFont typeface="Arial" pitchFamily="34" charset="0"/>
+              <a:buChar char="•"/>
+              <a:defRPr sz="2000" kern="1200">
+                <a:solidFill>
+                  <a:schemeClr val="tx1"/>
+                </a:solidFill>
+                <a:latin typeface="+mn-lt"/>
+                <a:ea typeface="+mn-ea"/>
+                <a:cs typeface="+mn-cs"/>
+              </a:defRPr>
+            </a:lvl7pPr>
+            <a:lvl8pPr marL="3429000" indent="-228600" algn="l" defTabSz="914400" rtl="0" eaLnBrk="1" latinLnBrk="0" hangingPunct="1">
+              <a:spcBef>
+                <a:spcPct val="20000"/>
+              </a:spcBef>
+              <a:buFont typeface="Arial" pitchFamily="34" charset="0"/>
+              <a:buChar char="•"/>
+              <a:defRPr sz="2000" kern="1200">
+                <a:solidFill>
+                  <a:schemeClr val="tx1"/>
+                </a:solidFill>
+                <a:latin typeface="+mn-lt"/>
+                <a:ea typeface="+mn-ea"/>
+                <a:cs typeface="+mn-cs"/>
+              </a:defRPr>
+            </a:lvl8pPr>
+            <a:lvl9pPr marL="3886200" indent="-228600" algn="l" defTabSz="914400" rtl="0" eaLnBrk="1" latinLnBrk="0" hangingPunct="1">
+              <a:spcBef>
+                <a:spcPct val="20000"/>
+              </a:spcBef>
+              <a:buFont typeface="Arial" pitchFamily="34" charset="0"/>
+              <a:buChar char="•"/>
+              <a:defRPr sz="2000" kern="1200">
+                <a:solidFill>
+                  <a:schemeClr val="tx1"/>
+                </a:solidFill>
+                <a:latin typeface="+mn-lt"/>
+                <a:ea typeface="+mn-ea"/>
+                <a:cs typeface="+mn-cs"/>
+              </a:defRPr>
+            </a:lvl9pPr>
+          </a:lstStyle>
+          <a:p>
+            <a:pPr marL="0" indent="0">
+              <a:buNone/>
+            </a:pPr>
+            <a:r>
+              <a:rPr lang="it-IT" sz="2000" dirty="0"/>
+              <a:t>With buildings, </a:t>
+            </a:r>
+            <a:r>
+              <a:rPr lang="it-IT" sz="2000" dirty="0" err="1"/>
+              <a:t>without</a:t>
+            </a:r>
+            <a:r>
+              <a:rPr lang="it-IT" sz="2000" dirty="0"/>
+              <a:t> </a:t>
+            </a:r>
+            <a:r>
+              <a:rPr lang="it-IT" sz="2000" dirty="0" err="1"/>
+              <a:t>junctions</a:t>
+            </a:r>
+            <a:endParaRPr lang="it-IT" sz="2000" dirty="0"/>
+          </a:p>
+        </p:txBody>
+      </p:sp>
+      <p:sp>
+        <p:nvSpPr>
+          <p:cNvPr id="27" name="Rettangolo 26">
+            <a:extLst>
+              <a:ext uri="{FF2B5EF4-FFF2-40B4-BE49-F238E27FC236}">
+                <a16:creationId xmlns:a16="http://schemas.microsoft.com/office/drawing/2014/main" id="{5FAEBFEB-1E89-4E24-8E28-830974169D18}"/>
+              </a:ext>
+            </a:extLst>
+          </p:cNvPr>
+          <p:cNvSpPr/>
+          <p:nvPr/>
+        </p:nvSpPr>
+        <p:spPr>
+          <a:xfrm>
+            <a:off x="688267" y="5298642"/>
+            <a:ext cx="5536942" cy="392956"/>
+          </a:xfrm>
+          <a:prstGeom prst="rect">
+            <a:avLst/>
+          </a:prstGeom>
+          <a:solidFill>
+            <a:schemeClr val="bg1"/>
+          </a:solidFill>
+          <a:ln>
+            <a:solidFill>
+              <a:schemeClr val="bg1"/>
+            </a:solidFill>
+          </a:ln>
+        </p:spPr>
+        <p:style>
+          <a:lnRef idx="2">
+            <a:schemeClr val="accent1">
+              <a:shade val="50000"/>
+            </a:schemeClr>
+          </a:lnRef>
+          <a:fillRef idx="1">
+            <a:schemeClr val="accent1"/>
+          </a:fillRef>
+          <a:effectRef idx="0">
+            <a:schemeClr val="accent1"/>
+          </a:effectRef>
+          <a:fontRef idx="minor">
+            <a:schemeClr val="lt1"/>
+          </a:fontRef>
+        </p:style>
+        <p:txBody>
+          <a:bodyPr rtlCol="0" anchor="ctr"/>
+          <a:lstStyle/>
+          <a:p>
+            <a:pPr algn="ctr"/>
+            <a:endParaRPr lang="it-IT"/>
+          </a:p>
+        </p:txBody>
+      </p:sp>
+      <p:sp>
+        <p:nvSpPr>
+          <p:cNvPr id="24" name="Titolo 1">
+            <a:extLst>
+              <a:ext uri="{FF2B5EF4-FFF2-40B4-BE49-F238E27FC236}">
+                <a16:creationId xmlns:a16="http://schemas.microsoft.com/office/drawing/2014/main" id="{BF6B0CE0-A167-4F8F-82ED-A3F598A03960}"/>
+              </a:ext>
+            </a:extLst>
+          </p:cNvPr>
+          <p:cNvSpPr txBox="1">
+            <a:spLocks/>
+          </p:cNvSpPr>
+          <p:nvPr/>
+        </p:nvSpPr>
+        <p:spPr>
+          <a:xfrm>
+            <a:off x="0" y="-62711"/>
+            <a:ext cx="12192000" cy="1325562"/>
+          </a:xfrm>
+          <a:prstGeom prst="rect">
+            <a:avLst/>
+          </a:prstGeom>
+        </p:spPr>
+        <p:txBody>
+          <a:bodyPr vert="horz" lIns="91440" tIns="45720" rIns="91440" bIns="45720" rtlCol="0" anchor="ctr">
+            <a:normAutofit/>
+          </a:bodyPr>
+          <a:lstStyle>
+            <a:lvl1pPr algn="l" defTabSz="914400" rtl="0" eaLnBrk="1" latinLnBrk="0" hangingPunct="1">
+              <a:spcBef>
+                <a:spcPct val="0"/>
+              </a:spcBef>
+              <a:buNone/>
+              <a:defRPr sz="4400" kern="1200">
+                <a:solidFill>
+                  <a:schemeClr val="tx1"/>
+                </a:solidFill>
+                <a:latin typeface="+mj-lt"/>
+                <a:ea typeface="+mj-ea"/>
+                <a:cs typeface="+mj-cs"/>
+              </a:defRPr>
+            </a:lvl1pPr>
+          </a:lstStyle>
+          <a:p>
+            <a:pPr algn="ctr"/>
+            <a:r>
+              <a:rPr lang="it-IT" dirty="0"/>
+              <a:t>PADUA – TOTAL DELIVERY RATIO</a:t>
+            </a:r>
+          </a:p>
+        </p:txBody>
+      </p:sp>
+      <p:sp>
+        <p:nvSpPr>
+          <p:cNvPr id="17" name="Segnaposto contenuto 2">
+            <a:extLst>
+              <a:ext uri="{FF2B5EF4-FFF2-40B4-BE49-F238E27FC236}">
+                <a16:creationId xmlns:a16="http://schemas.microsoft.com/office/drawing/2014/main" id="{BEB6CD24-17DB-41B9-A6F1-475DECA26F41}"/>
+              </a:ext>
+            </a:extLst>
+          </p:cNvPr>
+          <p:cNvSpPr txBox="1">
+            <a:spLocks/>
+          </p:cNvSpPr>
+          <p:nvPr/>
+        </p:nvSpPr>
+        <p:spPr>
+          <a:xfrm>
+            <a:off x="7201272" y="5780382"/>
+            <a:ext cx="3994950" cy="416242"/>
+          </a:xfrm>
+          <a:prstGeom prst="rect">
+            <a:avLst/>
+          </a:prstGeom>
+        </p:spPr>
+        <p:txBody>
+          <a:bodyPr>
+            <a:normAutofit/>
+          </a:bodyPr>
+          <a:lstStyle>
+            <a:lvl1pPr marL="342900" indent="-342900" algn="l" defTabSz="914400" rtl="0" eaLnBrk="1" latinLnBrk="0" hangingPunct="1">
+              <a:spcBef>
+                <a:spcPct val="20000"/>
+              </a:spcBef>
+              <a:buClr>
+                <a:schemeClr val="accent6"/>
+              </a:buClr>
+              <a:buFont typeface="Arial" pitchFamily="34" charset="0"/>
+              <a:buChar char="•"/>
+              <a:defRPr sz="3200" kern="1200">
+                <a:solidFill>
+                  <a:schemeClr val="tx1"/>
+                </a:solidFill>
+                <a:latin typeface="+mn-lt"/>
+                <a:ea typeface="+mn-ea"/>
+                <a:cs typeface="+mn-cs"/>
+              </a:defRPr>
+            </a:lvl1pPr>
+            <a:lvl2pPr marL="742950" indent="-285750" algn="l" defTabSz="914400" rtl="0" eaLnBrk="1" latinLnBrk="0" hangingPunct="1">
+              <a:spcBef>
+                <a:spcPct val="20000"/>
+              </a:spcBef>
+              <a:buClr>
+                <a:schemeClr val="accent6"/>
+              </a:buClr>
+              <a:buFont typeface="Courier New" panose="02070309020205020404" pitchFamily="49" charset="0"/>
+              <a:buChar char="o"/>
+              <a:defRPr sz="2800" kern="1200">
+                <a:solidFill>
+                  <a:schemeClr val="tx1"/>
+                </a:solidFill>
+                <a:latin typeface="+mn-lt"/>
+                <a:ea typeface="+mn-ea"/>
+                <a:cs typeface="+mn-cs"/>
+              </a:defRPr>
+            </a:lvl2pPr>
+            <a:lvl3pPr marL="1143000" indent="-228600" algn="l" defTabSz="914400" rtl="0" eaLnBrk="1" latinLnBrk="0" hangingPunct="1">
+              <a:spcBef>
+                <a:spcPct val="20000"/>
+              </a:spcBef>
+              <a:buFont typeface="Arial" pitchFamily="34" charset="0"/>
+              <a:buChar char="•"/>
+              <a:defRPr sz="2400" kern="1200">
+                <a:solidFill>
+                  <a:schemeClr val="tx1"/>
+                </a:solidFill>
+                <a:latin typeface="+mn-lt"/>
+                <a:ea typeface="+mn-ea"/>
+                <a:cs typeface="+mn-cs"/>
+              </a:defRPr>
+            </a:lvl3pPr>
+            <a:lvl4pPr marL="1600200" indent="-228600" algn="l" defTabSz="914400" rtl="0" eaLnBrk="1" latinLnBrk="0" hangingPunct="1">
+              <a:spcBef>
+                <a:spcPct val="20000"/>
+              </a:spcBef>
+              <a:buFont typeface="Arial" pitchFamily="34" charset="0"/>
+              <a:buChar char="–"/>
+              <a:defRPr sz="2000" kern="1200">
+                <a:solidFill>
+                  <a:schemeClr val="tx1"/>
+                </a:solidFill>
+                <a:latin typeface="+mn-lt"/>
+                <a:ea typeface="+mn-ea"/>
+                <a:cs typeface="+mn-cs"/>
+              </a:defRPr>
+            </a:lvl4pPr>
+            <a:lvl5pPr marL="2057400" indent="-228600" algn="l" defTabSz="914400" rtl="0" eaLnBrk="1" latinLnBrk="0" hangingPunct="1">
+              <a:spcBef>
+                <a:spcPct val="20000"/>
+              </a:spcBef>
+              <a:buFont typeface="Arial" pitchFamily="34" charset="0"/>
+              <a:buChar char="»"/>
+              <a:defRPr sz="2000" kern="1200">
+                <a:solidFill>
+                  <a:schemeClr val="tx1"/>
+                </a:solidFill>
+                <a:latin typeface="+mn-lt"/>
+                <a:ea typeface="+mn-ea"/>
+                <a:cs typeface="+mn-cs"/>
+              </a:defRPr>
+            </a:lvl5pPr>
+            <a:lvl6pPr marL="2514600" indent="-228600" algn="l" defTabSz="914400" rtl="0" eaLnBrk="1" latinLnBrk="0" hangingPunct="1">
+              <a:spcBef>
+                <a:spcPct val="20000"/>
+              </a:spcBef>
+              <a:buFont typeface="Arial" pitchFamily="34" charset="0"/>
+              <a:buChar char="•"/>
+              <a:defRPr sz="2000" kern="1200">
+                <a:solidFill>
+                  <a:schemeClr val="tx1"/>
+                </a:solidFill>
+                <a:latin typeface="+mn-lt"/>
+                <a:ea typeface="+mn-ea"/>
+                <a:cs typeface="+mn-cs"/>
+              </a:defRPr>
+            </a:lvl6pPr>
+            <a:lvl7pPr marL="2971800" indent="-228600" algn="l" defTabSz="914400" rtl="0" eaLnBrk="1" latinLnBrk="0" hangingPunct="1">
+              <a:spcBef>
+                <a:spcPct val="20000"/>
+              </a:spcBef>
+              <a:buFont typeface="Arial" pitchFamily="34" charset="0"/>
+              <a:buChar char="•"/>
+              <a:defRPr sz="2000" kern="1200">
+                <a:solidFill>
+                  <a:schemeClr val="tx1"/>
+                </a:solidFill>
+                <a:latin typeface="+mn-lt"/>
+                <a:ea typeface="+mn-ea"/>
+                <a:cs typeface="+mn-cs"/>
+              </a:defRPr>
+            </a:lvl7pPr>
+            <a:lvl8pPr marL="3429000" indent="-228600" algn="l" defTabSz="914400" rtl="0" eaLnBrk="1" latinLnBrk="0" hangingPunct="1">
+              <a:spcBef>
+                <a:spcPct val="20000"/>
+              </a:spcBef>
+              <a:buFont typeface="Arial" pitchFamily="34" charset="0"/>
+              <a:buChar char="•"/>
+              <a:defRPr sz="2000" kern="1200">
+                <a:solidFill>
+                  <a:schemeClr val="tx1"/>
+                </a:solidFill>
+                <a:latin typeface="+mn-lt"/>
+                <a:ea typeface="+mn-ea"/>
+                <a:cs typeface="+mn-cs"/>
+              </a:defRPr>
+            </a:lvl8pPr>
+            <a:lvl9pPr marL="3886200" indent="-228600" algn="l" defTabSz="914400" rtl="0" eaLnBrk="1" latinLnBrk="0" hangingPunct="1">
+              <a:spcBef>
+                <a:spcPct val="20000"/>
+              </a:spcBef>
+              <a:buFont typeface="Arial" pitchFamily="34" charset="0"/>
+              <a:buChar char="•"/>
+              <a:defRPr sz="2000" kern="1200">
+                <a:solidFill>
+                  <a:schemeClr val="tx1"/>
+                </a:solidFill>
+                <a:latin typeface="+mn-lt"/>
+                <a:ea typeface="+mn-ea"/>
+                <a:cs typeface="+mn-cs"/>
+              </a:defRPr>
+            </a:lvl9pPr>
+          </a:lstStyle>
+          <a:p>
+            <a:pPr marL="0" indent="0">
+              <a:buNone/>
+            </a:pPr>
+            <a:r>
+              <a:rPr lang="it-IT" sz="2000" dirty="0"/>
+              <a:t>With buildings, with </a:t>
+            </a:r>
+            <a:r>
+              <a:rPr lang="it-IT" sz="2000" dirty="0" err="1"/>
+              <a:t>junctions</a:t>
+            </a:r>
+            <a:endParaRPr lang="it-IT" sz="2000" dirty="0"/>
+          </a:p>
+        </p:txBody>
+      </p:sp>
+      <p:pic>
+        <p:nvPicPr>
+          <p:cNvPr id="3" name="Immagine 2" descr="Immagine che contiene testo&#10;&#10;Descrizione generata automaticamente">
+            <a:extLst>
+              <a:ext uri="{FF2B5EF4-FFF2-40B4-BE49-F238E27FC236}">
+                <a16:creationId xmlns:a16="http://schemas.microsoft.com/office/drawing/2014/main" id="{337B82F0-59BE-4AD7-885C-657FA3F6753C}"/>
+              </a:ext>
+            </a:extLst>
+          </p:cNvPr>
+          <p:cNvPicPr>
+            <a:picLocks noChangeAspect="1"/>
+          </p:cNvPicPr>
+          <p:nvPr/>
+        </p:nvPicPr>
+        <p:blipFill rotWithShape="1">
+          <a:blip r:embed="rId2">
+            <a:extLst>
+              <a:ext uri="{28A0092B-C50C-407E-A947-70E740481C1C}">
+                <a14:useLocalDpi xmlns:a14="http://schemas.microsoft.com/office/drawing/2010/main" val="0"/>
+              </a:ext>
+            </a:extLst>
+          </a:blip>
+          <a:srcRect b="1509"/>
+          <a:stretch/>
+        </p:blipFill>
+        <p:spPr>
+          <a:xfrm>
+            <a:off x="684057" y="1195148"/>
+            <a:ext cx="5554017" cy="4122577"/>
+          </a:xfrm>
+          <a:prstGeom prst="rect">
+            <a:avLst/>
+          </a:prstGeom>
+        </p:spPr>
+      </p:pic>
+      <p:pic>
+        <p:nvPicPr>
+          <p:cNvPr id="38" name="Immagine 37">
+            <a:extLst>
+              <a:ext uri="{FF2B5EF4-FFF2-40B4-BE49-F238E27FC236}">
+                <a16:creationId xmlns:a16="http://schemas.microsoft.com/office/drawing/2014/main" id="{E5EECDC6-D716-4D60-8B06-AA44FE402DFF}"/>
+              </a:ext>
+            </a:extLst>
+          </p:cNvPr>
+          <p:cNvPicPr>
+            <a:picLocks noChangeAspect="1"/>
+          </p:cNvPicPr>
+          <p:nvPr/>
+        </p:nvPicPr>
+        <p:blipFill>
+          <a:blip r:embed="rId3">
+            <a:extLst>
+              <a:ext uri="{28A0092B-C50C-407E-A947-70E740481C1C}">
+                <a14:useLocalDpi xmlns:a14="http://schemas.microsoft.com/office/drawing/2010/main" val="0"/>
+              </a:ext>
+            </a:extLst>
+          </a:blip>
+          <a:stretch>
+            <a:fillRect/>
+          </a:stretch>
+        </p:blipFill>
+        <p:spPr>
+          <a:xfrm>
+            <a:off x="6980564" y="5472202"/>
+            <a:ext cx="1039395" cy="145973"/>
+          </a:xfrm>
+          <a:prstGeom prst="rect">
+            <a:avLst/>
+          </a:prstGeom>
+        </p:spPr>
+      </p:pic>
+      <p:pic>
+        <p:nvPicPr>
+          <p:cNvPr id="39" name="Immagine 38">
+            <a:extLst>
+              <a:ext uri="{FF2B5EF4-FFF2-40B4-BE49-F238E27FC236}">
+                <a16:creationId xmlns:a16="http://schemas.microsoft.com/office/drawing/2014/main" id="{DBFE66B5-423B-450E-8745-7CC9F04F5807}"/>
+              </a:ext>
+            </a:extLst>
+          </p:cNvPr>
+          <p:cNvPicPr>
+            <a:picLocks noChangeAspect="1"/>
+          </p:cNvPicPr>
+          <p:nvPr/>
+        </p:nvPicPr>
+        <p:blipFill>
+          <a:blip r:embed="rId4">
+            <a:extLst>
+              <a:ext uri="{28A0092B-C50C-407E-A947-70E740481C1C}">
+                <a14:useLocalDpi xmlns:a14="http://schemas.microsoft.com/office/drawing/2010/main" val="0"/>
+              </a:ext>
+            </a:extLst>
+          </a:blip>
+          <a:stretch>
+            <a:fillRect/>
+          </a:stretch>
+        </p:blipFill>
+        <p:spPr>
+          <a:xfrm>
+            <a:off x="3180037" y="5473924"/>
+            <a:ext cx="1058170" cy="142529"/>
+          </a:xfrm>
+          <a:prstGeom prst="rect">
+            <a:avLst/>
+          </a:prstGeom>
+        </p:spPr>
+      </p:pic>
+      <p:pic>
+        <p:nvPicPr>
+          <p:cNvPr id="40" name="Immagine 39">
+            <a:extLst>
+              <a:ext uri="{FF2B5EF4-FFF2-40B4-BE49-F238E27FC236}">
+                <a16:creationId xmlns:a16="http://schemas.microsoft.com/office/drawing/2014/main" id="{D6816098-2D96-42C1-91C7-5DF9DC91E4AA}"/>
+              </a:ext>
+            </a:extLst>
+          </p:cNvPr>
+          <p:cNvPicPr>
+            <a:picLocks noChangeAspect="1"/>
+          </p:cNvPicPr>
+          <p:nvPr/>
+        </p:nvPicPr>
+        <p:blipFill>
+          <a:blip r:embed="rId5">
+            <a:extLst>
+              <a:ext uri="{28A0092B-C50C-407E-A947-70E740481C1C}">
+                <a14:useLocalDpi xmlns:a14="http://schemas.microsoft.com/office/drawing/2010/main" val="0"/>
+              </a:ext>
+            </a:extLst>
+          </a:blip>
+          <a:stretch>
+            <a:fillRect/>
+          </a:stretch>
+        </p:blipFill>
+        <p:spPr>
+          <a:xfrm>
+            <a:off x="4677923" y="5473411"/>
+            <a:ext cx="1052260" cy="143555"/>
+          </a:xfrm>
+          <a:prstGeom prst="rect">
+            <a:avLst/>
+          </a:prstGeom>
+        </p:spPr>
+      </p:pic>
+      <p:pic>
+        <p:nvPicPr>
+          <p:cNvPr id="41" name="Immagine 40" descr="Immagine che contiene arredamento, tavolo&#10;&#10;Descrizione generata automaticamente">
+            <a:extLst>
+              <a:ext uri="{FF2B5EF4-FFF2-40B4-BE49-F238E27FC236}">
+                <a16:creationId xmlns:a16="http://schemas.microsoft.com/office/drawing/2014/main" id="{9F34CB1D-B975-4AAA-8B85-4BED3AC47D10}"/>
+              </a:ext>
+            </a:extLst>
+          </p:cNvPr>
+          <p:cNvPicPr>
+            <a:picLocks noChangeAspect="1"/>
+          </p:cNvPicPr>
+          <p:nvPr/>
+        </p:nvPicPr>
+        <p:blipFill>
+          <a:blip r:embed="rId6">
+            <a:extLst>
+              <a:ext uri="{28A0092B-C50C-407E-A947-70E740481C1C}">
+                <a14:useLocalDpi xmlns:a14="http://schemas.microsoft.com/office/drawing/2010/main" val="0"/>
+              </a:ext>
+            </a:extLst>
+          </a:blip>
+          <a:stretch>
+            <a:fillRect/>
+          </a:stretch>
+        </p:blipFill>
+        <p:spPr>
+          <a:xfrm>
+            <a:off x="1694037" y="5473715"/>
+            <a:ext cx="1050651" cy="142946"/>
+          </a:xfrm>
+          <a:prstGeom prst="rect">
+            <a:avLst/>
+          </a:prstGeom>
+        </p:spPr>
+      </p:pic>
+      <p:pic>
+        <p:nvPicPr>
+          <p:cNvPr id="43" name="Immagine 42">
+            <a:extLst>
+              <a:ext uri="{FF2B5EF4-FFF2-40B4-BE49-F238E27FC236}">
+                <a16:creationId xmlns:a16="http://schemas.microsoft.com/office/drawing/2014/main" id="{074699A6-40F0-4553-AC1B-29B4B6E6DCCC}"/>
+              </a:ext>
+            </a:extLst>
+          </p:cNvPr>
+          <p:cNvPicPr>
+            <a:picLocks noChangeAspect="1"/>
+          </p:cNvPicPr>
+          <p:nvPr/>
+        </p:nvPicPr>
+        <p:blipFill>
+          <a:blip r:embed="rId7">
+            <a:extLst>
+              <a:ext uri="{28A0092B-C50C-407E-A947-70E740481C1C}">
+                <a14:useLocalDpi xmlns:a14="http://schemas.microsoft.com/office/drawing/2010/main" val="0"/>
+              </a:ext>
+            </a:extLst>
+          </a:blip>
+          <a:stretch>
+            <a:fillRect/>
+          </a:stretch>
+        </p:blipFill>
+        <p:spPr>
+          <a:xfrm>
+            <a:off x="8487397" y="5471779"/>
+            <a:ext cx="1058169" cy="146819"/>
+          </a:xfrm>
+          <a:prstGeom prst="rect">
+            <a:avLst/>
+          </a:prstGeom>
+        </p:spPr>
+      </p:pic>
+      <p:pic>
+        <p:nvPicPr>
+          <p:cNvPr id="45" name="Immagine 44">
+            <a:extLst>
+              <a:ext uri="{FF2B5EF4-FFF2-40B4-BE49-F238E27FC236}">
+                <a16:creationId xmlns:a16="http://schemas.microsoft.com/office/drawing/2014/main" id="{52D705DA-2707-4CE0-9090-934BAEC3746F}"/>
+              </a:ext>
+            </a:extLst>
+          </p:cNvPr>
+          <p:cNvPicPr>
+            <a:picLocks noChangeAspect="1"/>
+          </p:cNvPicPr>
+          <p:nvPr/>
+        </p:nvPicPr>
+        <p:blipFill>
+          <a:blip r:embed="rId8">
+            <a:extLst>
+              <a:ext uri="{28A0092B-C50C-407E-A947-70E740481C1C}">
+                <a14:useLocalDpi xmlns:a14="http://schemas.microsoft.com/office/drawing/2010/main" val="0"/>
+              </a:ext>
+            </a:extLst>
+          </a:blip>
+          <a:stretch>
+            <a:fillRect/>
+          </a:stretch>
+        </p:blipFill>
+        <p:spPr>
+          <a:xfrm>
+            <a:off x="9968878" y="5472551"/>
+            <a:ext cx="1058169" cy="145274"/>
+          </a:xfrm>
+          <a:prstGeom prst="rect">
+            <a:avLst/>
+          </a:prstGeom>
+        </p:spPr>
+      </p:pic>
+      <p:pic>
+        <p:nvPicPr>
+          <p:cNvPr id="49" name="Immagine 48">
+            <a:extLst>
+              <a:ext uri="{FF2B5EF4-FFF2-40B4-BE49-F238E27FC236}">
+                <a16:creationId xmlns:a16="http://schemas.microsoft.com/office/drawing/2014/main" id="{D1DC50E1-EB9B-4009-97CB-F1192C479ADD}"/>
+              </a:ext>
+            </a:extLst>
+          </p:cNvPr>
+          <p:cNvPicPr>
+            <a:picLocks noChangeAspect="1"/>
+          </p:cNvPicPr>
+          <p:nvPr/>
+        </p:nvPicPr>
+        <p:blipFill rotWithShape="1">
+          <a:blip r:embed="rId9">
+            <a:extLst>
+              <a:ext uri="{28A0092B-C50C-407E-A947-70E740481C1C}">
+                <a14:useLocalDpi xmlns:a14="http://schemas.microsoft.com/office/drawing/2010/main" val="0"/>
+              </a:ext>
+            </a:extLst>
+          </a:blip>
+          <a:srcRect t="1" b="702"/>
+          <a:stretch/>
+        </p:blipFill>
+        <p:spPr>
+          <a:xfrm>
+            <a:off x="6513126" y="1178884"/>
+            <a:ext cx="5015785" cy="4170356"/>
+          </a:xfrm>
+          <a:prstGeom prst="rect">
+            <a:avLst/>
+          </a:prstGeom>
+        </p:spPr>
+      </p:pic>
     </p:spTree>
     <p:extLst>
       <p:ext uri="{BB962C8B-B14F-4D97-AF65-F5344CB8AC3E}">
-        <p14:creationId xmlns:p14="http://schemas.microsoft.com/office/powerpoint/2010/main" val="1639147304"/>
+        <p14:creationId xmlns:p14="http://schemas.microsoft.com/office/powerpoint/2010/main" val="1052383317"/>
       </p:ext>
     </p:extLst>
   </p:cSld>
@@ -7738,42 +11142,6 @@
       </p:grpSpPr>
       <p:sp>
         <p:nvSpPr>
-          <p:cNvPr id="2" name="Titolo 1">
-            <a:extLst>
-              <a:ext uri="{FF2B5EF4-FFF2-40B4-BE49-F238E27FC236}">
-                <a16:creationId xmlns:a16="http://schemas.microsoft.com/office/drawing/2014/main" id="{423E46DE-2AE3-44BE-963C-544CB7884F11}"/>
-              </a:ext>
-            </a:extLst>
-          </p:cNvPr>
-          <p:cNvSpPr>
-            <a:spLocks noGrp="1"/>
-          </p:cNvSpPr>
-          <p:nvPr>
-            <p:ph type="title" idx="4294967295"/>
-          </p:nvPr>
-        </p:nvSpPr>
-        <p:spPr>
-          <a:xfrm>
-            <a:off x="0" y="-99010"/>
-            <a:ext cx="12192000" cy="1325563"/>
-          </a:xfrm>
-        </p:spPr>
-        <p:txBody>
-          <a:bodyPr>
-            <a:normAutofit/>
-          </a:bodyPr>
-          <a:lstStyle/>
-          <a:p>
-            <a:pPr algn="ctr"/>
-            <a:r>
-              <a:rPr lang="it-IT" dirty="0"/>
-              <a:t>FORWARDING NODE NUMBER</a:t>
-            </a:r>
-          </a:p>
-        </p:txBody>
-      </p:sp>
-      <p:sp>
-        <p:nvSpPr>
           <p:cNvPr id="10" name="Rettangolo 9">
             <a:extLst>
               <a:ext uri="{FF2B5EF4-FFF2-40B4-BE49-F238E27FC236}">
@@ -7819,81 +11187,587 @@
           </a:p>
         </p:txBody>
       </p:sp>
-      <p:graphicFrame>
-        <p:nvGraphicFramePr>
-          <p:cNvPr id="7" name="Oggetto 6">
+      <p:sp>
+        <p:nvSpPr>
+          <p:cNvPr id="8" name="Segnaposto contenuto 2">
             <a:extLst>
               <a:ext uri="{FF2B5EF4-FFF2-40B4-BE49-F238E27FC236}">
-                <a16:creationId xmlns:a16="http://schemas.microsoft.com/office/drawing/2014/main" id="{47784536-490E-4FD6-BDA7-7681B6256F90}"/>
+                <a16:creationId xmlns:a16="http://schemas.microsoft.com/office/drawing/2014/main" id="{404FF6F9-50C9-47F5-9A59-7E20DCAFA408}"/>
               </a:ext>
             </a:extLst>
           </p:cNvPr>
-          <p:cNvGraphicFramePr>
-            <a:graphicFrameLocks noChangeAspect="1"/>
-          </p:cNvGraphicFramePr>
-          <p:nvPr>
-            <p:extLst>
-              <p:ext uri="{D42A27DB-BD31-4B8C-83A1-F6EECF244321}">
-                <p14:modId xmlns:p14="http://schemas.microsoft.com/office/powerpoint/2010/main" val="4090099317"/>
-              </p:ext>
-            </p:extLst>
-          </p:nvPr>
-        </p:nvGraphicFramePr>
-        <p:xfrm>
-          <a:off x="5588169" y="1477056"/>
-          <a:ext cx="6603831" cy="2935153"/>
-        </p:xfrm>
-        <a:graphic>
-          <a:graphicData uri="http://schemas.openxmlformats.org/presentationml/2006/ole">
-            <mc:AlternateContent xmlns:mc="http://schemas.openxmlformats.org/markup-compatibility/2006">
-              <mc:Choice xmlns:v="urn:schemas-microsoft-com:vml" Requires="v">
-                <p:oleObj spid="_x0000_s4104" name="Acrobat Document" r:id="rId3" imgW="9875520" imgH="4388837" progId="AcroExch.Document.DC">
-                  <p:embed/>
-                </p:oleObj>
-              </mc:Choice>
-              <mc:Fallback>
-                <p:oleObj name="Acrobat Document" r:id="rId3" imgW="9875520" imgH="4388837" progId="AcroExch.Document.DC">
-                  <p:embed/>
-                  <p:pic>
-                    <p:nvPicPr>
-                      <p:cNvPr id="3" name="Oggetto 2">
-                        <a:extLst>
-                          <a:ext uri="{FF2B5EF4-FFF2-40B4-BE49-F238E27FC236}">
-                            <a16:creationId xmlns:a16="http://schemas.microsoft.com/office/drawing/2014/main" id="{9997AED0-721B-4D69-AB34-AC2FF78BAA62}"/>
-                          </a:ext>
-                        </a:extLst>
-                      </p:cNvPr>
-                      <p:cNvPicPr/>
-                      <p:nvPr/>
-                    </p:nvPicPr>
-                    <p:blipFill>
-                      <a:blip r:embed="rId4"/>
-                      <a:stretch>
-                        <a:fillRect/>
-                      </a:stretch>
-                    </p:blipFill>
-                    <p:spPr>
-                      <a:xfrm>
-                        <a:off x="5588169" y="1477056"/>
-                        <a:ext cx="6603831" cy="2935153"/>
-                      </a:xfrm>
-                      <a:prstGeom prst="rect">
-                        <a:avLst/>
-                      </a:prstGeom>
-                    </p:spPr>
-                  </p:pic>
-                </p:oleObj>
-              </mc:Fallback>
-            </mc:AlternateContent>
-          </a:graphicData>
-        </a:graphic>
-      </p:graphicFrame>
+          <p:cNvSpPr txBox="1">
+            <a:spLocks/>
+          </p:cNvSpPr>
+          <p:nvPr/>
+        </p:nvSpPr>
+        <p:spPr>
+          <a:xfrm>
+            <a:off x="1615737" y="5780377"/>
+            <a:ext cx="3994950" cy="416242"/>
+          </a:xfrm>
+          <a:prstGeom prst="rect">
+            <a:avLst/>
+          </a:prstGeom>
+        </p:spPr>
+        <p:txBody>
+          <a:bodyPr>
+            <a:normAutofit/>
+          </a:bodyPr>
+          <a:lstStyle>
+            <a:lvl1pPr marL="342900" indent="-342900" algn="l" defTabSz="914400" rtl="0" eaLnBrk="1" latinLnBrk="0" hangingPunct="1">
+              <a:spcBef>
+                <a:spcPct val="20000"/>
+              </a:spcBef>
+              <a:buClr>
+                <a:schemeClr val="accent6"/>
+              </a:buClr>
+              <a:buFont typeface="Arial" pitchFamily="34" charset="0"/>
+              <a:buChar char="•"/>
+              <a:defRPr sz="3200" kern="1200">
+                <a:solidFill>
+                  <a:schemeClr val="tx1"/>
+                </a:solidFill>
+                <a:latin typeface="+mn-lt"/>
+                <a:ea typeface="+mn-ea"/>
+                <a:cs typeface="+mn-cs"/>
+              </a:defRPr>
+            </a:lvl1pPr>
+            <a:lvl2pPr marL="742950" indent="-285750" algn="l" defTabSz="914400" rtl="0" eaLnBrk="1" latinLnBrk="0" hangingPunct="1">
+              <a:spcBef>
+                <a:spcPct val="20000"/>
+              </a:spcBef>
+              <a:buClr>
+                <a:schemeClr val="accent6"/>
+              </a:buClr>
+              <a:buFont typeface="Courier New" panose="02070309020205020404" pitchFamily="49" charset="0"/>
+              <a:buChar char="o"/>
+              <a:defRPr sz="2800" kern="1200">
+                <a:solidFill>
+                  <a:schemeClr val="tx1"/>
+                </a:solidFill>
+                <a:latin typeface="+mn-lt"/>
+                <a:ea typeface="+mn-ea"/>
+                <a:cs typeface="+mn-cs"/>
+              </a:defRPr>
+            </a:lvl2pPr>
+            <a:lvl3pPr marL="1143000" indent="-228600" algn="l" defTabSz="914400" rtl="0" eaLnBrk="1" latinLnBrk="0" hangingPunct="1">
+              <a:spcBef>
+                <a:spcPct val="20000"/>
+              </a:spcBef>
+              <a:buFont typeface="Arial" pitchFamily="34" charset="0"/>
+              <a:buChar char="•"/>
+              <a:defRPr sz="2400" kern="1200">
+                <a:solidFill>
+                  <a:schemeClr val="tx1"/>
+                </a:solidFill>
+                <a:latin typeface="+mn-lt"/>
+                <a:ea typeface="+mn-ea"/>
+                <a:cs typeface="+mn-cs"/>
+              </a:defRPr>
+            </a:lvl3pPr>
+            <a:lvl4pPr marL="1600200" indent="-228600" algn="l" defTabSz="914400" rtl="0" eaLnBrk="1" latinLnBrk="0" hangingPunct="1">
+              <a:spcBef>
+                <a:spcPct val="20000"/>
+              </a:spcBef>
+              <a:buFont typeface="Arial" pitchFamily="34" charset="0"/>
+              <a:buChar char="–"/>
+              <a:defRPr sz="2000" kern="1200">
+                <a:solidFill>
+                  <a:schemeClr val="tx1"/>
+                </a:solidFill>
+                <a:latin typeface="+mn-lt"/>
+                <a:ea typeface="+mn-ea"/>
+                <a:cs typeface="+mn-cs"/>
+              </a:defRPr>
+            </a:lvl4pPr>
+            <a:lvl5pPr marL="2057400" indent="-228600" algn="l" defTabSz="914400" rtl="0" eaLnBrk="1" latinLnBrk="0" hangingPunct="1">
+              <a:spcBef>
+                <a:spcPct val="20000"/>
+              </a:spcBef>
+              <a:buFont typeface="Arial" pitchFamily="34" charset="0"/>
+              <a:buChar char="»"/>
+              <a:defRPr sz="2000" kern="1200">
+                <a:solidFill>
+                  <a:schemeClr val="tx1"/>
+                </a:solidFill>
+                <a:latin typeface="+mn-lt"/>
+                <a:ea typeface="+mn-ea"/>
+                <a:cs typeface="+mn-cs"/>
+              </a:defRPr>
+            </a:lvl5pPr>
+            <a:lvl6pPr marL="2514600" indent="-228600" algn="l" defTabSz="914400" rtl="0" eaLnBrk="1" latinLnBrk="0" hangingPunct="1">
+              <a:spcBef>
+                <a:spcPct val="20000"/>
+              </a:spcBef>
+              <a:buFont typeface="Arial" pitchFamily="34" charset="0"/>
+              <a:buChar char="•"/>
+              <a:defRPr sz="2000" kern="1200">
+                <a:solidFill>
+                  <a:schemeClr val="tx1"/>
+                </a:solidFill>
+                <a:latin typeface="+mn-lt"/>
+                <a:ea typeface="+mn-ea"/>
+                <a:cs typeface="+mn-cs"/>
+              </a:defRPr>
+            </a:lvl6pPr>
+            <a:lvl7pPr marL="2971800" indent="-228600" algn="l" defTabSz="914400" rtl="0" eaLnBrk="1" latinLnBrk="0" hangingPunct="1">
+              <a:spcBef>
+                <a:spcPct val="20000"/>
+              </a:spcBef>
+              <a:buFont typeface="Arial" pitchFamily="34" charset="0"/>
+              <a:buChar char="•"/>
+              <a:defRPr sz="2000" kern="1200">
+                <a:solidFill>
+                  <a:schemeClr val="tx1"/>
+                </a:solidFill>
+                <a:latin typeface="+mn-lt"/>
+                <a:ea typeface="+mn-ea"/>
+                <a:cs typeface="+mn-cs"/>
+              </a:defRPr>
+            </a:lvl7pPr>
+            <a:lvl8pPr marL="3429000" indent="-228600" algn="l" defTabSz="914400" rtl="0" eaLnBrk="1" latinLnBrk="0" hangingPunct="1">
+              <a:spcBef>
+                <a:spcPct val="20000"/>
+              </a:spcBef>
+              <a:buFont typeface="Arial" pitchFamily="34" charset="0"/>
+              <a:buChar char="•"/>
+              <a:defRPr sz="2000" kern="1200">
+                <a:solidFill>
+                  <a:schemeClr val="tx1"/>
+                </a:solidFill>
+                <a:latin typeface="+mn-lt"/>
+                <a:ea typeface="+mn-ea"/>
+                <a:cs typeface="+mn-cs"/>
+              </a:defRPr>
+            </a:lvl8pPr>
+            <a:lvl9pPr marL="3886200" indent="-228600" algn="l" defTabSz="914400" rtl="0" eaLnBrk="1" latinLnBrk="0" hangingPunct="1">
+              <a:spcBef>
+                <a:spcPct val="20000"/>
+              </a:spcBef>
+              <a:buFont typeface="Arial" pitchFamily="34" charset="0"/>
+              <a:buChar char="•"/>
+              <a:defRPr sz="2000" kern="1200">
+                <a:solidFill>
+                  <a:schemeClr val="tx1"/>
+                </a:solidFill>
+                <a:latin typeface="+mn-lt"/>
+                <a:ea typeface="+mn-ea"/>
+                <a:cs typeface="+mn-cs"/>
+              </a:defRPr>
+            </a:lvl9pPr>
+          </a:lstStyle>
+          <a:p>
+            <a:pPr marL="0" indent="0">
+              <a:buNone/>
+            </a:pPr>
+            <a:r>
+              <a:rPr lang="it-IT" sz="2000" dirty="0"/>
+              <a:t>With buildings, </a:t>
+            </a:r>
+            <a:r>
+              <a:rPr lang="it-IT" sz="2000" dirty="0" err="1"/>
+              <a:t>without</a:t>
+            </a:r>
+            <a:r>
+              <a:rPr lang="it-IT" sz="2000" dirty="0"/>
+              <a:t> </a:t>
+            </a:r>
+            <a:r>
+              <a:rPr lang="it-IT" sz="2000" dirty="0" err="1"/>
+              <a:t>junctions</a:t>
+            </a:r>
+            <a:endParaRPr lang="it-IT" sz="2000" dirty="0"/>
+          </a:p>
+        </p:txBody>
+      </p:sp>
+      <p:sp>
+        <p:nvSpPr>
+          <p:cNvPr id="27" name="Rettangolo 26">
+            <a:extLst>
+              <a:ext uri="{FF2B5EF4-FFF2-40B4-BE49-F238E27FC236}">
+                <a16:creationId xmlns:a16="http://schemas.microsoft.com/office/drawing/2014/main" id="{5FAEBFEB-1E89-4E24-8E28-830974169D18}"/>
+              </a:ext>
+            </a:extLst>
+          </p:cNvPr>
+          <p:cNvSpPr/>
+          <p:nvPr/>
+        </p:nvSpPr>
+        <p:spPr>
+          <a:xfrm>
+            <a:off x="709047" y="5298642"/>
+            <a:ext cx="5536942" cy="392956"/>
+          </a:xfrm>
+          <a:prstGeom prst="rect">
+            <a:avLst/>
+          </a:prstGeom>
+          <a:solidFill>
+            <a:schemeClr val="bg1"/>
+          </a:solidFill>
+          <a:ln>
+            <a:solidFill>
+              <a:schemeClr val="bg1"/>
+            </a:solidFill>
+          </a:ln>
+        </p:spPr>
+        <p:style>
+          <a:lnRef idx="2">
+            <a:schemeClr val="accent1">
+              <a:shade val="50000"/>
+            </a:schemeClr>
+          </a:lnRef>
+          <a:fillRef idx="1">
+            <a:schemeClr val="accent1"/>
+          </a:fillRef>
+          <a:effectRef idx="0">
+            <a:schemeClr val="accent1"/>
+          </a:effectRef>
+          <a:fontRef idx="minor">
+            <a:schemeClr val="lt1"/>
+          </a:fontRef>
+        </p:style>
+        <p:txBody>
+          <a:bodyPr rtlCol="0" anchor="ctr"/>
+          <a:lstStyle/>
+          <a:p>
+            <a:pPr algn="ctr"/>
+            <a:endParaRPr lang="it-IT"/>
+          </a:p>
+        </p:txBody>
+      </p:sp>
+      <p:sp>
+        <p:nvSpPr>
+          <p:cNvPr id="28" name="Rettangolo 27">
+            <a:extLst>
+              <a:ext uri="{FF2B5EF4-FFF2-40B4-BE49-F238E27FC236}">
+                <a16:creationId xmlns:a16="http://schemas.microsoft.com/office/drawing/2014/main" id="{337B651D-1A07-4799-9C44-4DE35E4AD019}"/>
+              </a:ext>
+            </a:extLst>
+          </p:cNvPr>
+          <p:cNvSpPr/>
+          <p:nvPr/>
+        </p:nvSpPr>
+        <p:spPr>
+          <a:xfrm>
+            <a:off x="6513126" y="5317725"/>
+            <a:ext cx="5015785" cy="392956"/>
+          </a:xfrm>
+          <a:prstGeom prst="rect">
+            <a:avLst/>
+          </a:prstGeom>
+          <a:solidFill>
+            <a:schemeClr val="bg1"/>
+          </a:solidFill>
+          <a:ln>
+            <a:solidFill>
+              <a:schemeClr val="bg1"/>
+            </a:solidFill>
+          </a:ln>
+        </p:spPr>
+        <p:style>
+          <a:lnRef idx="2">
+            <a:schemeClr val="accent1">
+              <a:shade val="50000"/>
+            </a:schemeClr>
+          </a:lnRef>
+          <a:fillRef idx="1">
+            <a:schemeClr val="accent1"/>
+          </a:fillRef>
+          <a:effectRef idx="0">
+            <a:schemeClr val="accent1"/>
+          </a:effectRef>
+          <a:fontRef idx="minor">
+            <a:schemeClr val="lt1"/>
+          </a:fontRef>
+        </p:style>
+        <p:txBody>
+          <a:bodyPr rtlCol="0" anchor="ctr"/>
+          <a:lstStyle/>
+          <a:p>
+            <a:pPr algn="ctr"/>
+            <a:endParaRPr lang="it-IT"/>
+          </a:p>
+        </p:txBody>
+      </p:sp>
+      <p:sp>
+        <p:nvSpPr>
+          <p:cNvPr id="24" name="Titolo 1">
+            <a:extLst>
+              <a:ext uri="{FF2B5EF4-FFF2-40B4-BE49-F238E27FC236}">
+                <a16:creationId xmlns:a16="http://schemas.microsoft.com/office/drawing/2014/main" id="{BF6B0CE0-A167-4F8F-82ED-A3F598A03960}"/>
+              </a:ext>
+            </a:extLst>
+          </p:cNvPr>
+          <p:cNvSpPr txBox="1">
+            <a:spLocks/>
+          </p:cNvSpPr>
+          <p:nvPr/>
+        </p:nvSpPr>
+        <p:spPr>
+          <a:xfrm>
+            <a:off x="0" y="-62711"/>
+            <a:ext cx="12192000" cy="1325562"/>
+          </a:xfrm>
+          <a:prstGeom prst="rect">
+            <a:avLst/>
+          </a:prstGeom>
+        </p:spPr>
+        <p:txBody>
+          <a:bodyPr vert="horz" lIns="91440" tIns="45720" rIns="91440" bIns="45720" rtlCol="0" anchor="ctr">
+            <a:normAutofit/>
+          </a:bodyPr>
+          <a:lstStyle>
+            <a:lvl1pPr algn="l" defTabSz="914400" rtl="0" eaLnBrk="1" latinLnBrk="0" hangingPunct="1">
+              <a:spcBef>
+                <a:spcPct val="0"/>
+              </a:spcBef>
+              <a:buNone/>
+              <a:defRPr sz="4400" kern="1200">
+                <a:solidFill>
+                  <a:schemeClr val="tx1"/>
+                </a:solidFill>
+                <a:latin typeface="+mj-lt"/>
+                <a:ea typeface="+mj-ea"/>
+                <a:cs typeface="+mj-cs"/>
+              </a:defRPr>
+            </a:lvl1pPr>
+          </a:lstStyle>
+          <a:p>
+            <a:pPr algn="ctr"/>
+            <a:r>
+              <a:rPr lang="it-IT" dirty="0"/>
+              <a:t>PADUA – TOTAL DELIVERY RATIO ON CIRC.</a:t>
+            </a:r>
+          </a:p>
+        </p:txBody>
+      </p:sp>
+      <p:sp>
+        <p:nvSpPr>
+          <p:cNvPr id="17" name="Segnaposto contenuto 2">
+            <a:extLst>
+              <a:ext uri="{FF2B5EF4-FFF2-40B4-BE49-F238E27FC236}">
+                <a16:creationId xmlns:a16="http://schemas.microsoft.com/office/drawing/2014/main" id="{BEB6CD24-17DB-41B9-A6F1-475DECA26F41}"/>
+              </a:ext>
+            </a:extLst>
+          </p:cNvPr>
+          <p:cNvSpPr txBox="1">
+            <a:spLocks/>
+          </p:cNvSpPr>
+          <p:nvPr/>
+        </p:nvSpPr>
+        <p:spPr>
+          <a:xfrm>
+            <a:off x="7201272" y="5780382"/>
+            <a:ext cx="3994950" cy="416242"/>
+          </a:xfrm>
+          <a:prstGeom prst="rect">
+            <a:avLst/>
+          </a:prstGeom>
+        </p:spPr>
+        <p:txBody>
+          <a:bodyPr>
+            <a:normAutofit/>
+          </a:bodyPr>
+          <a:lstStyle>
+            <a:lvl1pPr marL="342900" indent="-342900" algn="l" defTabSz="914400" rtl="0" eaLnBrk="1" latinLnBrk="0" hangingPunct="1">
+              <a:spcBef>
+                <a:spcPct val="20000"/>
+              </a:spcBef>
+              <a:buClr>
+                <a:schemeClr val="accent6"/>
+              </a:buClr>
+              <a:buFont typeface="Arial" pitchFamily="34" charset="0"/>
+              <a:buChar char="•"/>
+              <a:defRPr sz="3200" kern="1200">
+                <a:solidFill>
+                  <a:schemeClr val="tx1"/>
+                </a:solidFill>
+                <a:latin typeface="+mn-lt"/>
+                <a:ea typeface="+mn-ea"/>
+                <a:cs typeface="+mn-cs"/>
+              </a:defRPr>
+            </a:lvl1pPr>
+            <a:lvl2pPr marL="742950" indent="-285750" algn="l" defTabSz="914400" rtl="0" eaLnBrk="1" latinLnBrk="0" hangingPunct="1">
+              <a:spcBef>
+                <a:spcPct val="20000"/>
+              </a:spcBef>
+              <a:buClr>
+                <a:schemeClr val="accent6"/>
+              </a:buClr>
+              <a:buFont typeface="Courier New" panose="02070309020205020404" pitchFamily="49" charset="0"/>
+              <a:buChar char="o"/>
+              <a:defRPr sz="2800" kern="1200">
+                <a:solidFill>
+                  <a:schemeClr val="tx1"/>
+                </a:solidFill>
+                <a:latin typeface="+mn-lt"/>
+                <a:ea typeface="+mn-ea"/>
+                <a:cs typeface="+mn-cs"/>
+              </a:defRPr>
+            </a:lvl2pPr>
+            <a:lvl3pPr marL="1143000" indent="-228600" algn="l" defTabSz="914400" rtl="0" eaLnBrk="1" latinLnBrk="0" hangingPunct="1">
+              <a:spcBef>
+                <a:spcPct val="20000"/>
+              </a:spcBef>
+              <a:buFont typeface="Arial" pitchFamily="34" charset="0"/>
+              <a:buChar char="•"/>
+              <a:defRPr sz="2400" kern="1200">
+                <a:solidFill>
+                  <a:schemeClr val="tx1"/>
+                </a:solidFill>
+                <a:latin typeface="+mn-lt"/>
+                <a:ea typeface="+mn-ea"/>
+                <a:cs typeface="+mn-cs"/>
+              </a:defRPr>
+            </a:lvl3pPr>
+            <a:lvl4pPr marL="1600200" indent="-228600" algn="l" defTabSz="914400" rtl="0" eaLnBrk="1" latinLnBrk="0" hangingPunct="1">
+              <a:spcBef>
+                <a:spcPct val="20000"/>
+              </a:spcBef>
+              <a:buFont typeface="Arial" pitchFamily="34" charset="0"/>
+              <a:buChar char="–"/>
+              <a:defRPr sz="2000" kern="1200">
+                <a:solidFill>
+                  <a:schemeClr val="tx1"/>
+                </a:solidFill>
+                <a:latin typeface="+mn-lt"/>
+                <a:ea typeface="+mn-ea"/>
+                <a:cs typeface="+mn-cs"/>
+              </a:defRPr>
+            </a:lvl4pPr>
+            <a:lvl5pPr marL="2057400" indent="-228600" algn="l" defTabSz="914400" rtl="0" eaLnBrk="1" latinLnBrk="0" hangingPunct="1">
+              <a:spcBef>
+                <a:spcPct val="20000"/>
+              </a:spcBef>
+              <a:buFont typeface="Arial" pitchFamily="34" charset="0"/>
+              <a:buChar char="»"/>
+              <a:defRPr sz="2000" kern="1200">
+                <a:solidFill>
+                  <a:schemeClr val="tx1"/>
+                </a:solidFill>
+                <a:latin typeface="+mn-lt"/>
+                <a:ea typeface="+mn-ea"/>
+                <a:cs typeface="+mn-cs"/>
+              </a:defRPr>
+            </a:lvl5pPr>
+            <a:lvl6pPr marL="2514600" indent="-228600" algn="l" defTabSz="914400" rtl="0" eaLnBrk="1" latinLnBrk="0" hangingPunct="1">
+              <a:spcBef>
+                <a:spcPct val="20000"/>
+              </a:spcBef>
+              <a:buFont typeface="Arial" pitchFamily="34" charset="0"/>
+              <a:buChar char="•"/>
+              <a:defRPr sz="2000" kern="1200">
+                <a:solidFill>
+                  <a:schemeClr val="tx1"/>
+                </a:solidFill>
+                <a:latin typeface="+mn-lt"/>
+                <a:ea typeface="+mn-ea"/>
+                <a:cs typeface="+mn-cs"/>
+              </a:defRPr>
+            </a:lvl6pPr>
+            <a:lvl7pPr marL="2971800" indent="-228600" algn="l" defTabSz="914400" rtl="0" eaLnBrk="1" latinLnBrk="0" hangingPunct="1">
+              <a:spcBef>
+                <a:spcPct val="20000"/>
+              </a:spcBef>
+              <a:buFont typeface="Arial" pitchFamily="34" charset="0"/>
+              <a:buChar char="•"/>
+              <a:defRPr sz="2000" kern="1200">
+                <a:solidFill>
+                  <a:schemeClr val="tx1"/>
+                </a:solidFill>
+                <a:latin typeface="+mn-lt"/>
+                <a:ea typeface="+mn-ea"/>
+                <a:cs typeface="+mn-cs"/>
+              </a:defRPr>
+            </a:lvl7pPr>
+            <a:lvl8pPr marL="3429000" indent="-228600" algn="l" defTabSz="914400" rtl="0" eaLnBrk="1" latinLnBrk="0" hangingPunct="1">
+              <a:spcBef>
+                <a:spcPct val="20000"/>
+              </a:spcBef>
+              <a:buFont typeface="Arial" pitchFamily="34" charset="0"/>
+              <a:buChar char="•"/>
+              <a:defRPr sz="2000" kern="1200">
+                <a:solidFill>
+                  <a:schemeClr val="tx1"/>
+                </a:solidFill>
+                <a:latin typeface="+mn-lt"/>
+                <a:ea typeface="+mn-ea"/>
+                <a:cs typeface="+mn-cs"/>
+              </a:defRPr>
+            </a:lvl8pPr>
+            <a:lvl9pPr marL="3886200" indent="-228600" algn="l" defTabSz="914400" rtl="0" eaLnBrk="1" latinLnBrk="0" hangingPunct="1">
+              <a:spcBef>
+                <a:spcPct val="20000"/>
+              </a:spcBef>
+              <a:buFont typeface="Arial" pitchFamily="34" charset="0"/>
+              <a:buChar char="•"/>
+              <a:defRPr sz="2000" kern="1200">
+                <a:solidFill>
+                  <a:schemeClr val="tx1"/>
+                </a:solidFill>
+                <a:latin typeface="+mn-lt"/>
+                <a:ea typeface="+mn-ea"/>
+                <a:cs typeface="+mn-cs"/>
+              </a:defRPr>
+            </a:lvl9pPr>
+          </a:lstStyle>
+          <a:p>
+            <a:pPr marL="0" indent="0">
+              <a:buNone/>
+            </a:pPr>
+            <a:r>
+              <a:rPr lang="it-IT" sz="2000" dirty="0"/>
+              <a:t>With buildings, with </a:t>
+            </a:r>
+            <a:r>
+              <a:rPr lang="it-IT" sz="2000" dirty="0" err="1"/>
+              <a:t>junctions</a:t>
+            </a:r>
+            <a:endParaRPr lang="it-IT" sz="2000" dirty="0"/>
+          </a:p>
+        </p:txBody>
+      </p:sp>
       <p:pic>
         <p:nvPicPr>
-          <p:cNvPr id="6" name="Immagine 5">
+          <p:cNvPr id="13" name="Immagine 12">
             <a:extLst>
               <a:ext uri="{FF2B5EF4-FFF2-40B4-BE49-F238E27FC236}">
-                <a16:creationId xmlns:a16="http://schemas.microsoft.com/office/drawing/2014/main" id="{ECB7F802-A301-408E-9D77-FB5CC3CD32B6}"/>
+                <a16:creationId xmlns:a16="http://schemas.microsoft.com/office/drawing/2014/main" id="{AC5D93F8-CA18-4DA5-B6CD-95278C87B2CA}"/>
+              </a:ext>
+            </a:extLst>
+          </p:cNvPr>
+          <p:cNvPicPr>
+            <a:picLocks noChangeAspect="1"/>
+          </p:cNvPicPr>
+          <p:nvPr/>
+        </p:nvPicPr>
+        <p:blipFill rotWithShape="1">
+          <a:blip r:embed="rId2">
+            <a:extLst>
+              <a:ext uri="{28A0092B-C50C-407E-A947-70E740481C1C}">
+                <a14:useLocalDpi xmlns:a14="http://schemas.microsoft.com/office/drawing/2010/main" val="0"/>
+              </a:ext>
+            </a:extLst>
+          </a:blip>
+          <a:srcRect b="1726"/>
+          <a:stretch/>
+        </p:blipFill>
+        <p:spPr>
+          <a:xfrm>
+            <a:off x="6513126" y="1194124"/>
+            <a:ext cx="4988046" cy="4104518"/>
+          </a:xfrm>
+          <a:prstGeom prst="rect">
+            <a:avLst/>
+          </a:prstGeom>
+        </p:spPr>
+      </p:pic>
+      <p:pic>
+        <p:nvPicPr>
+          <p:cNvPr id="38" name="Immagine 37">
+            <a:extLst>
+              <a:ext uri="{FF2B5EF4-FFF2-40B4-BE49-F238E27FC236}">
+                <a16:creationId xmlns:a16="http://schemas.microsoft.com/office/drawing/2014/main" id="{E5EECDC6-D716-4D60-8B06-AA44FE402DFF}"/>
               </a:ext>
             </a:extLst>
           </p:cNvPr>
@@ -7903,94 +11777,282 @@
           <p:nvPr/>
         </p:nvPicPr>
         <p:blipFill>
-          <a:blip r:embed="rId5"/>
+          <a:blip r:embed="rId3">
+            <a:extLst>
+              <a:ext uri="{28A0092B-C50C-407E-A947-70E740481C1C}">
+                <a14:useLocalDpi xmlns:a14="http://schemas.microsoft.com/office/drawing/2010/main" val="0"/>
+              </a:ext>
+            </a:extLst>
+          </a:blip>
           <a:stretch>
             <a:fillRect/>
           </a:stretch>
         </p:blipFill>
         <p:spPr>
           <a:xfrm>
-            <a:off x="-65104" y="1517773"/>
-            <a:ext cx="6436311" cy="2894436"/>
+            <a:off x="6980564" y="5472202"/>
+            <a:ext cx="1039395" cy="145973"/>
           </a:xfrm>
           <a:prstGeom prst="rect">
             <a:avLst/>
           </a:prstGeom>
         </p:spPr>
       </p:pic>
-      <p:graphicFrame>
-        <p:nvGraphicFramePr>
-          <p:cNvPr id="8" name="Oggetto 7">
+      <p:pic>
+        <p:nvPicPr>
+          <p:cNvPr id="39" name="Immagine 38">
             <a:extLst>
               <a:ext uri="{FF2B5EF4-FFF2-40B4-BE49-F238E27FC236}">
-                <a16:creationId xmlns:a16="http://schemas.microsoft.com/office/drawing/2014/main" id="{F28285EF-AC0B-45EA-98B1-60416E4E8B70}"/>
+                <a16:creationId xmlns:a16="http://schemas.microsoft.com/office/drawing/2014/main" id="{DBFE66B5-423B-450E-8745-7CC9F04F5807}"/>
               </a:ext>
             </a:extLst>
           </p:cNvPr>
-          <p:cNvGraphicFramePr>
-            <a:graphicFrameLocks noChangeAspect="1"/>
-          </p:cNvGraphicFramePr>
-          <p:nvPr>
-            <p:extLst>
-              <p:ext uri="{D42A27DB-BD31-4B8C-83A1-F6EECF244321}">
-                <p14:modId xmlns:p14="http://schemas.microsoft.com/office/powerpoint/2010/main" val="2404251867"/>
-              </p:ext>
-            </p:extLst>
-          </p:nvPr>
-        </p:nvGraphicFramePr>
-        <p:xfrm>
-          <a:off x="2272683" y="4452926"/>
-          <a:ext cx="7979546" cy="2660276"/>
-        </p:xfrm>
-        <a:graphic>
-          <a:graphicData uri="http://schemas.openxmlformats.org/presentationml/2006/ole">
-            <mc:AlternateContent xmlns:mc="http://schemas.openxmlformats.org/markup-compatibility/2006">
-              <mc:Choice xmlns:v="urn:schemas-microsoft-com:vml" Requires="v">
-                <p:oleObj spid="_x0000_s4105" name="Acrobat Document" r:id="rId6" imgW="9875520" imgH="3291840" progId="AcroExch.Document.DC">
-                  <p:embed/>
-                </p:oleObj>
-              </mc:Choice>
-              <mc:Fallback>
-                <p:oleObj name="Acrobat Document" r:id="rId6" imgW="9875520" imgH="3291840" progId="AcroExch.Document.DC">
-                  <p:embed/>
-                  <p:pic>
-                    <p:nvPicPr>
-                      <p:cNvPr id="3" name="Oggetto 2">
-                        <a:extLst>
-                          <a:ext uri="{FF2B5EF4-FFF2-40B4-BE49-F238E27FC236}">
-                            <a16:creationId xmlns:a16="http://schemas.microsoft.com/office/drawing/2014/main" id="{C72557B5-8B6F-4E3C-8259-05AE3D8AE114}"/>
-                          </a:ext>
-                        </a:extLst>
-                      </p:cNvPr>
-                      <p:cNvPicPr/>
-                      <p:nvPr/>
-                    </p:nvPicPr>
-                    <p:blipFill>
-                      <a:blip r:embed="rId7"/>
-                      <a:stretch>
-                        <a:fillRect/>
-                      </a:stretch>
-                    </p:blipFill>
-                    <p:spPr>
-                      <a:xfrm>
-                        <a:off x="2272683" y="4452926"/>
-                        <a:ext cx="7979546" cy="2660276"/>
-                      </a:xfrm>
-                      <a:prstGeom prst="rect">
-                        <a:avLst/>
-                      </a:prstGeom>
-                    </p:spPr>
-                  </p:pic>
-                </p:oleObj>
-              </mc:Fallback>
-            </mc:AlternateContent>
-          </a:graphicData>
-        </a:graphic>
-      </p:graphicFrame>
+          <p:cNvPicPr>
+            <a:picLocks noChangeAspect="1"/>
+          </p:cNvPicPr>
+          <p:nvPr/>
+        </p:nvPicPr>
+        <p:blipFill>
+          <a:blip r:embed="rId4">
+            <a:extLst>
+              <a:ext uri="{28A0092B-C50C-407E-A947-70E740481C1C}">
+                <a14:useLocalDpi xmlns:a14="http://schemas.microsoft.com/office/drawing/2010/main" val="0"/>
+              </a:ext>
+            </a:extLst>
+          </a:blip>
+          <a:stretch>
+            <a:fillRect/>
+          </a:stretch>
+        </p:blipFill>
+        <p:spPr>
+          <a:xfrm>
+            <a:off x="3180037" y="5473924"/>
+            <a:ext cx="1058170" cy="142529"/>
+          </a:xfrm>
+          <a:prstGeom prst="rect">
+            <a:avLst/>
+          </a:prstGeom>
+        </p:spPr>
+      </p:pic>
+      <p:pic>
+        <p:nvPicPr>
+          <p:cNvPr id="40" name="Immagine 39">
+            <a:extLst>
+              <a:ext uri="{FF2B5EF4-FFF2-40B4-BE49-F238E27FC236}">
+                <a16:creationId xmlns:a16="http://schemas.microsoft.com/office/drawing/2014/main" id="{D6816098-2D96-42C1-91C7-5DF9DC91E4AA}"/>
+              </a:ext>
+            </a:extLst>
+          </p:cNvPr>
+          <p:cNvPicPr>
+            <a:picLocks noChangeAspect="1"/>
+          </p:cNvPicPr>
+          <p:nvPr/>
+        </p:nvPicPr>
+        <p:blipFill>
+          <a:blip r:embed="rId5">
+            <a:extLst>
+              <a:ext uri="{28A0092B-C50C-407E-A947-70E740481C1C}">
+                <a14:useLocalDpi xmlns:a14="http://schemas.microsoft.com/office/drawing/2010/main" val="0"/>
+              </a:ext>
+            </a:extLst>
+          </a:blip>
+          <a:stretch>
+            <a:fillRect/>
+          </a:stretch>
+        </p:blipFill>
+        <p:spPr>
+          <a:xfrm>
+            <a:off x="4677923" y="5473411"/>
+            <a:ext cx="1052260" cy="143555"/>
+          </a:xfrm>
+          <a:prstGeom prst="rect">
+            <a:avLst/>
+          </a:prstGeom>
+        </p:spPr>
+      </p:pic>
+      <p:pic>
+        <p:nvPicPr>
+          <p:cNvPr id="41" name="Immagine 40" descr="Immagine che contiene arredamento, tavolo&#10;&#10;Descrizione generata automaticamente">
+            <a:extLst>
+              <a:ext uri="{FF2B5EF4-FFF2-40B4-BE49-F238E27FC236}">
+                <a16:creationId xmlns:a16="http://schemas.microsoft.com/office/drawing/2014/main" id="{9F34CB1D-B975-4AAA-8B85-4BED3AC47D10}"/>
+              </a:ext>
+            </a:extLst>
+          </p:cNvPr>
+          <p:cNvPicPr>
+            <a:picLocks noChangeAspect="1"/>
+          </p:cNvPicPr>
+          <p:nvPr/>
+        </p:nvPicPr>
+        <p:blipFill>
+          <a:blip r:embed="rId6">
+            <a:extLst>
+              <a:ext uri="{28A0092B-C50C-407E-A947-70E740481C1C}">
+                <a14:useLocalDpi xmlns:a14="http://schemas.microsoft.com/office/drawing/2010/main" val="0"/>
+              </a:ext>
+            </a:extLst>
+          </a:blip>
+          <a:stretch>
+            <a:fillRect/>
+          </a:stretch>
+        </p:blipFill>
+        <p:spPr>
+          <a:xfrm>
+            <a:off x="1694037" y="5473715"/>
+            <a:ext cx="1050651" cy="142946"/>
+          </a:xfrm>
+          <a:prstGeom prst="rect">
+            <a:avLst/>
+          </a:prstGeom>
+        </p:spPr>
+      </p:pic>
+      <p:pic>
+        <p:nvPicPr>
+          <p:cNvPr id="43" name="Immagine 42">
+            <a:extLst>
+              <a:ext uri="{FF2B5EF4-FFF2-40B4-BE49-F238E27FC236}">
+                <a16:creationId xmlns:a16="http://schemas.microsoft.com/office/drawing/2014/main" id="{074699A6-40F0-4553-AC1B-29B4B6E6DCCC}"/>
+              </a:ext>
+            </a:extLst>
+          </p:cNvPr>
+          <p:cNvPicPr>
+            <a:picLocks noChangeAspect="1"/>
+          </p:cNvPicPr>
+          <p:nvPr/>
+        </p:nvPicPr>
+        <p:blipFill>
+          <a:blip r:embed="rId7">
+            <a:extLst>
+              <a:ext uri="{28A0092B-C50C-407E-A947-70E740481C1C}">
+                <a14:useLocalDpi xmlns:a14="http://schemas.microsoft.com/office/drawing/2010/main" val="0"/>
+              </a:ext>
+            </a:extLst>
+          </a:blip>
+          <a:stretch>
+            <a:fillRect/>
+          </a:stretch>
+        </p:blipFill>
+        <p:spPr>
+          <a:xfrm>
+            <a:off x="8487397" y="5471779"/>
+            <a:ext cx="1058169" cy="146819"/>
+          </a:xfrm>
+          <a:prstGeom prst="rect">
+            <a:avLst/>
+          </a:prstGeom>
+        </p:spPr>
+      </p:pic>
+      <p:pic>
+        <p:nvPicPr>
+          <p:cNvPr id="45" name="Immagine 44">
+            <a:extLst>
+              <a:ext uri="{FF2B5EF4-FFF2-40B4-BE49-F238E27FC236}">
+                <a16:creationId xmlns:a16="http://schemas.microsoft.com/office/drawing/2014/main" id="{52D705DA-2707-4CE0-9090-934BAEC3746F}"/>
+              </a:ext>
+            </a:extLst>
+          </p:cNvPr>
+          <p:cNvPicPr>
+            <a:picLocks noChangeAspect="1"/>
+          </p:cNvPicPr>
+          <p:nvPr/>
+        </p:nvPicPr>
+        <p:blipFill>
+          <a:blip r:embed="rId8">
+            <a:extLst>
+              <a:ext uri="{28A0092B-C50C-407E-A947-70E740481C1C}">
+                <a14:useLocalDpi xmlns:a14="http://schemas.microsoft.com/office/drawing/2010/main" val="0"/>
+              </a:ext>
+            </a:extLst>
+          </a:blip>
+          <a:stretch>
+            <a:fillRect/>
+          </a:stretch>
+        </p:blipFill>
+        <p:spPr>
+          <a:xfrm>
+            <a:off x="9968878" y="5472551"/>
+            <a:ext cx="1058169" cy="145274"/>
+          </a:xfrm>
+          <a:prstGeom prst="rect">
+            <a:avLst/>
+          </a:prstGeom>
+        </p:spPr>
+      </p:pic>
+      <p:pic>
+        <p:nvPicPr>
+          <p:cNvPr id="6" name="Immagine 5">
+            <a:extLst>
+              <a:ext uri="{FF2B5EF4-FFF2-40B4-BE49-F238E27FC236}">
+                <a16:creationId xmlns:a16="http://schemas.microsoft.com/office/drawing/2014/main" id="{C65CEAEB-84D9-4F71-BA69-630F1D43F7D0}"/>
+              </a:ext>
+            </a:extLst>
+          </p:cNvPr>
+          <p:cNvPicPr>
+            <a:picLocks noChangeAspect="1"/>
+          </p:cNvPicPr>
+          <p:nvPr/>
+        </p:nvPicPr>
+        <p:blipFill rotWithShape="1">
+          <a:blip r:embed="rId9">
+            <a:extLst>
+              <a:ext uri="{28A0092B-C50C-407E-A947-70E740481C1C}">
+                <a14:useLocalDpi xmlns:a14="http://schemas.microsoft.com/office/drawing/2010/main" val="0"/>
+              </a:ext>
+            </a:extLst>
+          </a:blip>
+          <a:srcRect b="1652"/>
+          <a:stretch/>
+        </p:blipFill>
+        <p:spPr>
+          <a:xfrm>
+            <a:off x="6513126" y="1194124"/>
+            <a:ext cx="4983459" cy="4122577"/>
+          </a:xfrm>
+          <a:prstGeom prst="rect">
+            <a:avLst/>
+          </a:prstGeom>
+        </p:spPr>
+      </p:pic>
+      <p:pic>
+        <p:nvPicPr>
+          <p:cNvPr id="9" name="Immagine 8" descr="Immagine che contiene screenshot&#10;&#10;Descrizione generata automaticamente">
+            <a:extLst>
+              <a:ext uri="{FF2B5EF4-FFF2-40B4-BE49-F238E27FC236}">
+                <a16:creationId xmlns:a16="http://schemas.microsoft.com/office/drawing/2014/main" id="{F6C280D2-7E1D-4671-B8EE-A3C0BF2F94B5}"/>
+              </a:ext>
+            </a:extLst>
+          </p:cNvPr>
+          <p:cNvPicPr>
+            <a:picLocks noChangeAspect="1"/>
+          </p:cNvPicPr>
+          <p:nvPr/>
+        </p:nvPicPr>
+        <p:blipFill>
+          <a:blip r:embed="rId10">
+            <a:extLst>
+              <a:ext uri="{28A0092B-C50C-407E-A947-70E740481C1C}">
+                <a14:useLocalDpi xmlns:a14="http://schemas.microsoft.com/office/drawing/2010/main" val="0"/>
+              </a:ext>
+            </a:extLst>
+          </a:blip>
+          <a:stretch>
+            <a:fillRect/>
+          </a:stretch>
+        </p:blipFill>
+        <p:spPr>
+          <a:xfrm>
+            <a:off x="713634" y="1194124"/>
+            <a:ext cx="5536942" cy="4147103"/>
+          </a:xfrm>
+          <a:prstGeom prst="rect">
+            <a:avLst/>
+          </a:prstGeom>
+        </p:spPr>
+      </p:pic>
     </p:spTree>
     <p:extLst>
       <p:ext uri="{BB962C8B-B14F-4D97-AF65-F5344CB8AC3E}">
-        <p14:creationId xmlns:p14="http://schemas.microsoft.com/office/powerpoint/2010/main" val="1280567271"/>
+        <p14:creationId xmlns:p14="http://schemas.microsoft.com/office/powerpoint/2010/main" val="2202863727"/>
       </p:ext>
     </p:extLst>
   </p:cSld>
@@ -8019,42 +12081,6 @@
       </p:grpSpPr>
       <p:sp>
         <p:nvSpPr>
-          <p:cNvPr id="2" name="Titolo 1">
-            <a:extLst>
-              <a:ext uri="{FF2B5EF4-FFF2-40B4-BE49-F238E27FC236}">
-                <a16:creationId xmlns:a16="http://schemas.microsoft.com/office/drawing/2014/main" id="{423E46DE-2AE3-44BE-963C-544CB7884F11}"/>
-              </a:ext>
-            </a:extLst>
-          </p:cNvPr>
-          <p:cNvSpPr>
-            <a:spLocks noGrp="1"/>
-          </p:cNvSpPr>
-          <p:nvPr>
-            <p:ph type="title" idx="4294967295"/>
-          </p:nvPr>
-        </p:nvSpPr>
-        <p:spPr>
-          <a:xfrm>
-            <a:off x="0" y="-99010"/>
-            <a:ext cx="12192000" cy="1325563"/>
-          </a:xfrm>
-        </p:spPr>
-        <p:txBody>
-          <a:bodyPr>
-            <a:normAutofit/>
-          </a:bodyPr>
-          <a:lstStyle/>
-          <a:p>
-            <a:pPr algn="ctr"/>
-            <a:r>
-              <a:rPr lang="it-IT" dirty="0"/>
-              <a:t>FORWARDING NODE NUMBER</a:t>
-            </a:r>
-          </a:p>
-        </p:txBody>
-      </p:sp>
-      <p:sp>
-        <p:nvSpPr>
           <p:cNvPr id="10" name="Rettangolo 9">
             <a:extLst>
               <a:ext uri="{FF2B5EF4-FFF2-40B4-BE49-F238E27FC236}">
@@ -8100,136 +12126,871 @@
           </a:p>
         </p:txBody>
       </p:sp>
-      <p:graphicFrame>
-        <p:nvGraphicFramePr>
-          <p:cNvPr id="5" name="Oggetto 4">
+      <p:sp>
+        <p:nvSpPr>
+          <p:cNvPr id="8" name="Segnaposto contenuto 2">
             <a:extLst>
               <a:ext uri="{FF2B5EF4-FFF2-40B4-BE49-F238E27FC236}">
-                <a16:creationId xmlns:a16="http://schemas.microsoft.com/office/drawing/2014/main" id="{AE579569-4534-48F1-9C5A-2F6FFA878F64}"/>
+                <a16:creationId xmlns:a16="http://schemas.microsoft.com/office/drawing/2014/main" id="{404FF6F9-50C9-47F5-9A59-7E20DCAFA408}"/>
               </a:ext>
             </a:extLst>
           </p:cNvPr>
-          <p:cNvGraphicFramePr>
-            <a:graphicFrameLocks noChangeAspect="1"/>
-          </p:cNvGraphicFramePr>
-          <p:nvPr>
-            <p:extLst>
-              <p:ext uri="{D42A27DB-BD31-4B8C-83A1-F6EECF244321}">
-                <p14:modId xmlns:p14="http://schemas.microsoft.com/office/powerpoint/2010/main" val="259339546"/>
-              </p:ext>
-            </p:extLst>
-          </p:nvPr>
-        </p:nvGraphicFramePr>
-        <p:xfrm>
-          <a:off x="-221942" y="1402170"/>
-          <a:ext cx="6812321" cy="3784501"/>
-        </p:xfrm>
-        <a:graphic>
-          <a:graphicData uri="http://schemas.openxmlformats.org/presentationml/2006/ole">
-            <mc:AlternateContent xmlns:mc="http://schemas.openxmlformats.org/markup-compatibility/2006">
-              <mc:Choice xmlns:v="urn:schemas-microsoft-com:vml" Requires="v">
-                <p:oleObj spid="_x0000_s5128" name="Acrobat Document" r:id="rId3" imgW="9875520" imgH="5486259" progId="AcroExch.Document.DC">
-                  <p:embed/>
-                </p:oleObj>
-              </mc:Choice>
-              <mc:Fallback>
-                <p:oleObj name="Acrobat Document" r:id="rId3" imgW="9875520" imgH="5486259" progId="AcroExch.Document.DC">
-                  <p:embed/>
-                  <p:pic>
-                    <p:nvPicPr>
-                      <p:cNvPr id="0" name=""/>
-                      <p:cNvPicPr/>
-                      <p:nvPr/>
-                    </p:nvPicPr>
-                    <p:blipFill>
-                      <a:blip r:embed="rId4"/>
-                      <a:stretch>
-                        <a:fillRect/>
-                      </a:stretch>
-                    </p:blipFill>
-                    <p:spPr>
-                      <a:xfrm>
-                        <a:off x="-221942" y="1402170"/>
-                        <a:ext cx="6812321" cy="3784501"/>
-                      </a:xfrm>
-                      <a:prstGeom prst="rect">
-                        <a:avLst/>
-                      </a:prstGeom>
-                    </p:spPr>
-                  </p:pic>
-                </p:oleObj>
-              </mc:Fallback>
-            </mc:AlternateContent>
-          </a:graphicData>
-        </a:graphic>
-      </p:graphicFrame>
-      <p:graphicFrame>
-        <p:nvGraphicFramePr>
-          <p:cNvPr id="9" name="Oggetto 8">
+          <p:cNvSpPr txBox="1">
+            <a:spLocks/>
+          </p:cNvSpPr>
+          <p:nvPr/>
+        </p:nvSpPr>
+        <p:spPr>
+          <a:xfrm>
+            <a:off x="1615737" y="5780377"/>
+            <a:ext cx="3994950" cy="416242"/>
+          </a:xfrm>
+          <a:prstGeom prst="rect">
+            <a:avLst/>
+          </a:prstGeom>
+        </p:spPr>
+        <p:txBody>
+          <a:bodyPr>
+            <a:normAutofit/>
+          </a:bodyPr>
+          <a:lstStyle>
+            <a:lvl1pPr marL="342900" indent="-342900" algn="l" defTabSz="914400" rtl="0" eaLnBrk="1" latinLnBrk="0" hangingPunct="1">
+              <a:spcBef>
+                <a:spcPct val="20000"/>
+              </a:spcBef>
+              <a:buClr>
+                <a:schemeClr val="accent6"/>
+              </a:buClr>
+              <a:buFont typeface="Arial" pitchFamily="34" charset="0"/>
+              <a:buChar char="•"/>
+              <a:defRPr sz="3200" kern="1200">
+                <a:solidFill>
+                  <a:schemeClr val="tx1"/>
+                </a:solidFill>
+                <a:latin typeface="+mn-lt"/>
+                <a:ea typeface="+mn-ea"/>
+                <a:cs typeface="+mn-cs"/>
+              </a:defRPr>
+            </a:lvl1pPr>
+            <a:lvl2pPr marL="742950" indent="-285750" algn="l" defTabSz="914400" rtl="0" eaLnBrk="1" latinLnBrk="0" hangingPunct="1">
+              <a:spcBef>
+                <a:spcPct val="20000"/>
+              </a:spcBef>
+              <a:buClr>
+                <a:schemeClr val="accent6"/>
+              </a:buClr>
+              <a:buFont typeface="Courier New" panose="02070309020205020404" pitchFamily="49" charset="0"/>
+              <a:buChar char="o"/>
+              <a:defRPr sz="2800" kern="1200">
+                <a:solidFill>
+                  <a:schemeClr val="tx1"/>
+                </a:solidFill>
+                <a:latin typeface="+mn-lt"/>
+                <a:ea typeface="+mn-ea"/>
+                <a:cs typeface="+mn-cs"/>
+              </a:defRPr>
+            </a:lvl2pPr>
+            <a:lvl3pPr marL="1143000" indent="-228600" algn="l" defTabSz="914400" rtl="0" eaLnBrk="1" latinLnBrk="0" hangingPunct="1">
+              <a:spcBef>
+                <a:spcPct val="20000"/>
+              </a:spcBef>
+              <a:buFont typeface="Arial" pitchFamily="34" charset="0"/>
+              <a:buChar char="•"/>
+              <a:defRPr sz="2400" kern="1200">
+                <a:solidFill>
+                  <a:schemeClr val="tx1"/>
+                </a:solidFill>
+                <a:latin typeface="+mn-lt"/>
+                <a:ea typeface="+mn-ea"/>
+                <a:cs typeface="+mn-cs"/>
+              </a:defRPr>
+            </a:lvl3pPr>
+            <a:lvl4pPr marL="1600200" indent="-228600" algn="l" defTabSz="914400" rtl="0" eaLnBrk="1" latinLnBrk="0" hangingPunct="1">
+              <a:spcBef>
+                <a:spcPct val="20000"/>
+              </a:spcBef>
+              <a:buFont typeface="Arial" pitchFamily="34" charset="0"/>
+              <a:buChar char="–"/>
+              <a:defRPr sz="2000" kern="1200">
+                <a:solidFill>
+                  <a:schemeClr val="tx1"/>
+                </a:solidFill>
+                <a:latin typeface="+mn-lt"/>
+                <a:ea typeface="+mn-ea"/>
+                <a:cs typeface="+mn-cs"/>
+              </a:defRPr>
+            </a:lvl4pPr>
+            <a:lvl5pPr marL="2057400" indent="-228600" algn="l" defTabSz="914400" rtl="0" eaLnBrk="1" latinLnBrk="0" hangingPunct="1">
+              <a:spcBef>
+                <a:spcPct val="20000"/>
+              </a:spcBef>
+              <a:buFont typeface="Arial" pitchFamily="34" charset="0"/>
+              <a:buChar char="»"/>
+              <a:defRPr sz="2000" kern="1200">
+                <a:solidFill>
+                  <a:schemeClr val="tx1"/>
+                </a:solidFill>
+                <a:latin typeface="+mn-lt"/>
+                <a:ea typeface="+mn-ea"/>
+                <a:cs typeface="+mn-cs"/>
+              </a:defRPr>
+            </a:lvl5pPr>
+            <a:lvl6pPr marL="2514600" indent="-228600" algn="l" defTabSz="914400" rtl="0" eaLnBrk="1" latinLnBrk="0" hangingPunct="1">
+              <a:spcBef>
+                <a:spcPct val="20000"/>
+              </a:spcBef>
+              <a:buFont typeface="Arial" pitchFamily="34" charset="0"/>
+              <a:buChar char="•"/>
+              <a:defRPr sz="2000" kern="1200">
+                <a:solidFill>
+                  <a:schemeClr val="tx1"/>
+                </a:solidFill>
+                <a:latin typeface="+mn-lt"/>
+                <a:ea typeface="+mn-ea"/>
+                <a:cs typeface="+mn-cs"/>
+              </a:defRPr>
+            </a:lvl6pPr>
+            <a:lvl7pPr marL="2971800" indent="-228600" algn="l" defTabSz="914400" rtl="0" eaLnBrk="1" latinLnBrk="0" hangingPunct="1">
+              <a:spcBef>
+                <a:spcPct val="20000"/>
+              </a:spcBef>
+              <a:buFont typeface="Arial" pitchFamily="34" charset="0"/>
+              <a:buChar char="•"/>
+              <a:defRPr sz="2000" kern="1200">
+                <a:solidFill>
+                  <a:schemeClr val="tx1"/>
+                </a:solidFill>
+                <a:latin typeface="+mn-lt"/>
+                <a:ea typeface="+mn-ea"/>
+                <a:cs typeface="+mn-cs"/>
+              </a:defRPr>
+            </a:lvl7pPr>
+            <a:lvl8pPr marL="3429000" indent="-228600" algn="l" defTabSz="914400" rtl="0" eaLnBrk="1" latinLnBrk="0" hangingPunct="1">
+              <a:spcBef>
+                <a:spcPct val="20000"/>
+              </a:spcBef>
+              <a:buFont typeface="Arial" pitchFamily="34" charset="0"/>
+              <a:buChar char="•"/>
+              <a:defRPr sz="2000" kern="1200">
+                <a:solidFill>
+                  <a:schemeClr val="tx1"/>
+                </a:solidFill>
+                <a:latin typeface="+mn-lt"/>
+                <a:ea typeface="+mn-ea"/>
+                <a:cs typeface="+mn-cs"/>
+              </a:defRPr>
+            </a:lvl8pPr>
+            <a:lvl9pPr marL="3886200" indent="-228600" algn="l" defTabSz="914400" rtl="0" eaLnBrk="1" latinLnBrk="0" hangingPunct="1">
+              <a:spcBef>
+                <a:spcPct val="20000"/>
+              </a:spcBef>
+              <a:buFont typeface="Arial" pitchFamily="34" charset="0"/>
+              <a:buChar char="•"/>
+              <a:defRPr sz="2000" kern="1200">
+                <a:solidFill>
+                  <a:schemeClr val="tx1"/>
+                </a:solidFill>
+                <a:latin typeface="+mn-lt"/>
+                <a:ea typeface="+mn-ea"/>
+                <a:cs typeface="+mn-cs"/>
+              </a:defRPr>
+            </a:lvl9pPr>
+          </a:lstStyle>
+          <a:p>
+            <a:pPr marL="0" indent="0">
+              <a:buNone/>
+            </a:pPr>
+            <a:r>
+              <a:rPr lang="it-IT" sz="2000" dirty="0"/>
+              <a:t>With buildings, </a:t>
+            </a:r>
+            <a:r>
+              <a:rPr lang="it-IT" sz="2000" dirty="0" err="1"/>
+              <a:t>without</a:t>
+            </a:r>
+            <a:r>
+              <a:rPr lang="it-IT" sz="2000" dirty="0"/>
+              <a:t> </a:t>
+            </a:r>
+            <a:r>
+              <a:rPr lang="it-IT" sz="2000" dirty="0" err="1"/>
+              <a:t>junctions</a:t>
+            </a:r>
+            <a:endParaRPr lang="it-IT" sz="2000" dirty="0"/>
+          </a:p>
+        </p:txBody>
+      </p:sp>
+      <p:sp>
+        <p:nvSpPr>
+          <p:cNvPr id="27" name="Rettangolo 26">
             <a:extLst>
               <a:ext uri="{FF2B5EF4-FFF2-40B4-BE49-F238E27FC236}">
-                <a16:creationId xmlns:a16="http://schemas.microsoft.com/office/drawing/2014/main" id="{F469650F-701F-4FF0-8216-80B5E52BCA86}"/>
+                <a16:creationId xmlns:a16="http://schemas.microsoft.com/office/drawing/2014/main" id="{5FAEBFEB-1E89-4E24-8E28-830974169D18}"/>
               </a:ext>
             </a:extLst>
           </p:cNvPr>
-          <p:cNvGraphicFramePr>
-            <a:graphicFrameLocks noChangeAspect="1"/>
-          </p:cNvGraphicFramePr>
-          <p:nvPr>
-            <p:extLst>
-              <p:ext uri="{D42A27DB-BD31-4B8C-83A1-F6EECF244321}">
-                <p14:modId xmlns:p14="http://schemas.microsoft.com/office/powerpoint/2010/main" val="1385971765"/>
-              </p:ext>
-            </p:extLst>
-          </p:nvPr>
-        </p:nvGraphicFramePr>
-        <p:xfrm>
-          <a:off x="6212352" y="1766394"/>
-          <a:ext cx="6812320" cy="3784500"/>
-        </p:xfrm>
-        <a:graphic>
-          <a:graphicData uri="http://schemas.openxmlformats.org/presentationml/2006/ole">
-            <mc:AlternateContent xmlns:mc="http://schemas.openxmlformats.org/markup-compatibility/2006">
-              <mc:Choice xmlns:v="urn:schemas-microsoft-com:vml" Requires="v">
-                <p:oleObj spid="_x0000_s5129" name="Acrobat Document" r:id="rId5" imgW="9875520" imgH="5486259" progId="AcroExch.Document.DC">
-                  <p:embed/>
-                </p:oleObj>
-              </mc:Choice>
-              <mc:Fallback>
-                <p:oleObj name="Acrobat Document" r:id="rId5" imgW="9875520" imgH="5486259" progId="AcroExch.Document.DC">
-                  <p:embed/>
-                  <p:pic>
-                    <p:nvPicPr>
-                      <p:cNvPr id="0" name=""/>
-                      <p:cNvPicPr/>
-                      <p:nvPr/>
-                    </p:nvPicPr>
-                    <p:blipFill>
-                      <a:blip r:embed="rId6"/>
-                      <a:stretch>
-                        <a:fillRect/>
-                      </a:stretch>
-                    </p:blipFill>
-                    <p:spPr>
-                      <a:xfrm>
-                        <a:off x="6212352" y="1766394"/>
-                        <a:ext cx="6812320" cy="3784500"/>
-                      </a:xfrm>
-                      <a:prstGeom prst="rect">
-                        <a:avLst/>
-                      </a:prstGeom>
-                    </p:spPr>
-                  </p:pic>
-                </p:oleObj>
-              </mc:Fallback>
-            </mc:AlternateContent>
-          </a:graphicData>
-        </a:graphic>
-      </p:graphicFrame>
+          <p:cNvSpPr/>
+          <p:nvPr/>
+        </p:nvSpPr>
+        <p:spPr>
+          <a:xfrm>
+            <a:off x="688267" y="5298642"/>
+            <a:ext cx="5536942" cy="392956"/>
+          </a:xfrm>
+          <a:prstGeom prst="rect">
+            <a:avLst/>
+          </a:prstGeom>
+          <a:solidFill>
+            <a:schemeClr val="bg1"/>
+          </a:solidFill>
+          <a:ln>
+            <a:solidFill>
+              <a:schemeClr val="bg1"/>
+            </a:solidFill>
+          </a:ln>
+        </p:spPr>
+        <p:style>
+          <a:lnRef idx="2">
+            <a:schemeClr val="accent1">
+              <a:shade val="50000"/>
+            </a:schemeClr>
+          </a:lnRef>
+          <a:fillRef idx="1">
+            <a:schemeClr val="accent1"/>
+          </a:fillRef>
+          <a:effectRef idx="0">
+            <a:schemeClr val="accent1"/>
+          </a:effectRef>
+          <a:fontRef idx="minor">
+            <a:schemeClr val="lt1"/>
+          </a:fontRef>
+        </p:style>
+        <p:txBody>
+          <a:bodyPr rtlCol="0" anchor="ctr"/>
+          <a:lstStyle/>
+          <a:p>
+            <a:pPr algn="ctr"/>
+            <a:endParaRPr lang="it-IT"/>
+          </a:p>
+        </p:txBody>
+      </p:sp>
+      <p:sp>
+        <p:nvSpPr>
+          <p:cNvPr id="28" name="Rettangolo 27">
+            <a:extLst>
+              <a:ext uri="{FF2B5EF4-FFF2-40B4-BE49-F238E27FC236}">
+                <a16:creationId xmlns:a16="http://schemas.microsoft.com/office/drawing/2014/main" id="{337B651D-1A07-4799-9C44-4DE35E4AD019}"/>
+              </a:ext>
+            </a:extLst>
+          </p:cNvPr>
+          <p:cNvSpPr/>
+          <p:nvPr/>
+        </p:nvSpPr>
+        <p:spPr>
+          <a:xfrm>
+            <a:off x="6513126" y="5317725"/>
+            <a:ext cx="5015785" cy="392956"/>
+          </a:xfrm>
+          <a:prstGeom prst="rect">
+            <a:avLst/>
+          </a:prstGeom>
+          <a:solidFill>
+            <a:schemeClr val="bg1"/>
+          </a:solidFill>
+          <a:ln>
+            <a:solidFill>
+              <a:schemeClr val="bg1"/>
+            </a:solidFill>
+          </a:ln>
+        </p:spPr>
+        <p:style>
+          <a:lnRef idx="2">
+            <a:schemeClr val="accent1">
+              <a:shade val="50000"/>
+            </a:schemeClr>
+          </a:lnRef>
+          <a:fillRef idx="1">
+            <a:schemeClr val="accent1"/>
+          </a:fillRef>
+          <a:effectRef idx="0">
+            <a:schemeClr val="accent1"/>
+          </a:effectRef>
+          <a:fontRef idx="minor">
+            <a:schemeClr val="lt1"/>
+          </a:fontRef>
+        </p:style>
+        <p:txBody>
+          <a:bodyPr rtlCol="0" anchor="ctr"/>
+          <a:lstStyle/>
+          <a:p>
+            <a:pPr algn="ctr"/>
+            <a:endParaRPr lang="it-IT"/>
+          </a:p>
+        </p:txBody>
+      </p:sp>
+      <p:sp>
+        <p:nvSpPr>
+          <p:cNvPr id="24" name="Titolo 1">
+            <a:extLst>
+              <a:ext uri="{FF2B5EF4-FFF2-40B4-BE49-F238E27FC236}">
+                <a16:creationId xmlns:a16="http://schemas.microsoft.com/office/drawing/2014/main" id="{BF6B0CE0-A167-4F8F-82ED-A3F598A03960}"/>
+              </a:ext>
+            </a:extLst>
+          </p:cNvPr>
+          <p:cNvSpPr txBox="1">
+            <a:spLocks/>
+          </p:cNvSpPr>
+          <p:nvPr/>
+        </p:nvSpPr>
+        <p:spPr>
+          <a:xfrm>
+            <a:off x="0" y="-62711"/>
+            <a:ext cx="12192000" cy="1325562"/>
+          </a:xfrm>
+          <a:prstGeom prst="rect">
+            <a:avLst/>
+          </a:prstGeom>
+        </p:spPr>
+        <p:txBody>
+          <a:bodyPr vert="horz" lIns="91440" tIns="45720" rIns="91440" bIns="45720" rtlCol="0" anchor="ctr">
+            <a:normAutofit/>
+          </a:bodyPr>
+          <a:lstStyle>
+            <a:lvl1pPr algn="l" defTabSz="914400" rtl="0" eaLnBrk="1" latinLnBrk="0" hangingPunct="1">
+              <a:spcBef>
+                <a:spcPct val="0"/>
+              </a:spcBef>
+              <a:buNone/>
+              <a:defRPr sz="4400" kern="1200">
+                <a:solidFill>
+                  <a:schemeClr val="tx1"/>
+                </a:solidFill>
+                <a:latin typeface="+mj-lt"/>
+                <a:ea typeface="+mj-ea"/>
+                <a:cs typeface="+mj-cs"/>
+              </a:defRPr>
+            </a:lvl1pPr>
+          </a:lstStyle>
+          <a:p>
+            <a:pPr algn="ctr"/>
+            <a:r>
+              <a:rPr lang="it-IT" dirty="0"/>
+              <a:t>PADUA – NUMBER OF HOPS</a:t>
+            </a:r>
+          </a:p>
+        </p:txBody>
+      </p:sp>
+      <p:sp>
+        <p:nvSpPr>
+          <p:cNvPr id="17" name="Segnaposto contenuto 2">
+            <a:extLst>
+              <a:ext uri="{FF2B5EF4-FFF2-40B4-BE49-F238E27FC236}">
+                <a16:creationId xmlns:a16="http://schemas.microsoft.com/office/drawing/2014/main" id="{BEB6CD24-17DB-41B9-A6F1-475DECA26F41}"/>
+              </a:ext>
+            </a:extLst>
+          </p:cNvPr>
+          <p:cNvSpPr txBox="1">
+            <a:spLocks/>
+          </p:cNvSpPr>
+          <p:nvPr/>
+        </p:nvSpPr>
+        <p:spPr>
+          <a:xfrm>
+            <a:off x="7201272" y="5780382"/>
+            <a:ext cx="3994950" cy="416242"/>
+          </a:xfrm>
+          <a:prstGeom prst="rect">
+            <a:avLst/>
+          </a:prstGeom>
+        </p:spPr>
+        <p:txBody>
+          <a:bodyPr>
+            <a:normAutofit/>
+          </a:bodyPr>
+          <a:lstStyle>
+            <a:lvl1pPr marL="342900" indent="-342900" algn="l" defTabSz="914400" rtl="0" eaLnBrk="1" latinLnBrk="0" hangingPunct="1">
+              <a:spcBef>
+                <a:spcPct val="20000"/>
+              </a:spcBef>
+              <a:buClr>
+                <a:schemeClr val="accent6"/>
+              </a:buClr>
+              <a:buFont typeface="Arial" pitchFamily="34" charset="0"/>
+              <a:buChar char="•"/>
+              <a:defRPr sz="3200" kern="1200">
+                <a:solidFill>
+                  <a:schemeClr val="tx1"/>
+                </a:solidFill>
+                <a:latin typeface="+mn-lt"/>
+                <a:ea typeface="+mn-ea"/>
+                <a:cs typeface="+mn-cs"/>
+              </a:defRPr>
+            </a:lvl1pPr>
+            <a:lvl2pPr marL="742950" indent="-285750" algn="l" defTabSz="914400" rtl="0" eaLnBrk="1" latinLnBrk="0" hangingPunct="1">
+              <a:spcBef>
+                <a:spcPct val="20000"/>
+              </a:spcBef>
+              <a:buClr>
+                <a:schemeClr val="accent6"/>
+              </a:buClr>
+              <a:buFont typeface="Courier New" panose="02070309020205020404" pitchFamily="49" charset="0"/>
+              <a:buChar char="o"/>
+              <a:defRPr sz="2800" kern="1200">
+                <a:solidFill>
+                  <a:schemeClr val="tx1"/>
+                </a:solidFill>
+                <a:latin typeface="+mn-lt"/>
+                <a:ea typeface="+mn-ea"/>
+                <a:cs typeface="+mn-cs"/>
+              </a:defRPr>
+            </a:lvl2pPr>
+            <a:lvl3pPr marL="1143000" indent="-228600" algn="l" defTabSz="914400" rtl="0" eaLnBrk="1" latinLnBrk="0" hangingPunct="1">
+              <a:spcBef>
+                <a:spcPct val="20000"/>
+              </a:spcBef>
+              <a:buFont typeface="Arial" pitchFamily="34" charset="0"/>
+              <a:buChar char="•"/>
+              <a:defRPr sz="2400" kern="1200">
+                <a:solidFill>
+                  <a:schemeClr val="tx1"/>
+                </a:solidFill>
+                <a:latin typeface="+mn-lt"/>
+                <a:ea typeface="+mn-ea"/>
+                <a:cs typeface="+mn-cs"/>
+              </a:defRPr>
+            </a:lvl3pPr>
+            <a:lvl4pPr marL="1600200" indent="-228600" algn="l" defTabSz="914400" rtl="0" eaLnBrk="1" latinLnBrk="0" hangingPunct="1">
+              <a:spcBef>
+                <a:spcPct val="20000"/>
+              </a:spcBef>
+              <a:buFont typeface="Arial" pitchFamily="34" charset="0"/>
+              <a:buChar char="–"/>
+              <a:defRPr sz="2000" kern="1200">
+                <a:solidFill>
+                  <a:schemeClr val="tx1"/>
+                </a:solidFill>
+                <a:latin typeface="+mn-lt"/>
+                <a:ea typeface="+mn-ea"/>
+                <a:cs typeface="+mn-cs"/>
+              </a:defRPr>
+            </a:lvl4pPr>
+            <a:lvl5pPr marL="2057400" indent="-228600" algn="l" defTabSz="914400" rtl="0" eaLnBrk="1" latinLnBrk="0" hangingPunct="1">
+              <a:spcBef>
+                <a:spcPct val="20000"/>
+              </a:spcBef>
+              <a:buFont typeface="Arial" pitchFamily="34" charset="0"/>
+              <a:buChar char="»"/>
+              <a:defRPr sz="2000" kern="1200">
+                <a:solidFill>
+                  <a:schemeClr val="tx1"/>
+                </a:solidFill>
+                <a:latin typeface="+mn-lt"/>
+                <a:ea typeface="+mn-ea"/>
+                <a:cs typeface="+mn-cs"/>
+              </a:defRPr>
+            </a:lvl5pPr>
+            <a:lvl6pPr marL="2514600" indent="-228600" algn="l" defTabSz="914400" rtl="0" eaLnBrk="1" latinLnBrk="0" hangingPunct="1">
+              <a:spcBef>
+                <a:spcPct val="20000"/>
+              </a:spcBef>
+              <a:buFont typeface="Arial" pitchFamily="34" charset="0"/>
+              <a:buChar char="•"/>
+              <a:defRPr sz="2000" kern="1200">
+                <a:solidFill>
+                  <a:schemeClr val="tx1"/>
+                </a:solidFill>
+                <a:latin typeface="+mn-lt"/>
+                <a:ea typeface="+mn-ea"/>
+                <a:cs typeface="+mn-cs"/>
+              </a:defRPr>
+            </a:lvl6pPr>
+            <a:lvl7pPr marL="2971800" indent="-228600" algn="l" defTabSz="914400" rtl="0" eaLnBrk="1" latinLnBrk="0" hangingPunct="1">
+              <a:spcBef>
+                <a:spcPct val="20000"/>
+              </a:spcBef>
+              <a:buFont typeface="Arial" pitchFamily="34" charset="0"/>
+              <a:buChar char="•"/>
+              <a:defRPr sz="2000" kern="1200">
+                <a:solidFill>
+                  <a:schemeClr val="tx1"/>
+                </a:solidFill>
+                <a:latin typeface="+mn-lt"/>
+                <a:ea typeface="+mn-ea"/>
+                <a:cs typeface="+mn-cs"/>
+              </a:defRPr>
+            </a:lvl7pPr>
+            <a:lvl8pPr marL="3429000" indent="-228600" algn="l" defTabSz="914400" rtl="0" eaLnBrk="1" latinLnBrk="0" hangingPunct="1">
+              <a:spcBef>
+                <a:spcPct val="20000"/>
+              </a:spcBef>
+              <a:buFont typeface="Arial" pitchFamily="34" charset="0"/>
+              <a:buChar char="•"/>
+              <a:defRPr sz="2000" kern="1200">
+                <a:solidFill>
+                  <a:schemeClr val="tx1"/>
+                </a:solidFill>
+                <a:latin typeface="+mn-lt"/>
+                <a:ea typeface="+mn-ea"/>
+                <a:cs typeface="+mn-cs"/>
+              </a:defRPr>
+            </a:lvl8pPr>
+            <a:lvl9pPr marL="3886200" indent="-228600" algn="l" defTabSz="914400" rtl="0" eaLnBrk="1" latinLnBrk="0" hangingPunct="1">
+              <a:spcBef>
+                <a:spcPct val="20000"/>
+              </a:spcBef>
+              <a:buFont typeface="Arial" pitchFamily="34" charset="0"/>
+              <a:buChar char="•"/>
+              <a:defRPr sz="2000" kern="1200">
+                <a:solidFill>
+                  <a:schemeClr val="tx1"/>
+                </a:solidFill>
+                <a:latin typeface="+mn-lt"/>
+                <a:ea typeface="+mn-ea"/>
+                <a:cs typeface="+mn-cs"/>
+              </a:defRPr>
+            </a:lvl9pPr>
+          </a:lstStyle>
+          <a:p>
+            <a:pPr marL="0" indent="0">
+              <a:buNone/>
+            </a:pPr>
+            <a:r>
+              <a:rPr lang="it-IT" sz="2000" dirty="0"/>
+              <a:t>With buildings, with </a:t>
+            </a:r>
+            <a:r>
+              <a:rPr lang="it-IT" sz="2000" dirty="0" err="1"/>
+              <a:t>junctions</a:t>
+            </a:r>
+            <a:endParaRPr lang="it-IT" sz="2000" dirty="0"/>
+          </a:p>
+        </p:txBody>
+      </p:sp>
+      <p:pic>
+        <p:nvPicPr>
+          <p:cNvPr id="3" name="Immagine 2" descr="Immagine che contiene testo&#10;&#10;Descrizione generata automaticamente">
+            <a:extLst>
+              <a:ext uri="{FF2B5EF4-FFF2-40B4-BE49-F238E27FC236}">
+                <a16:creationId xmlns:a16="http://schemas.microsoft.com/office/drawing/2014/main" id="{337B82F0-59BE-4AD7-885C-657FA3F6753C}"/>
+              </a:ext>
+            </a:extLst>
+          </p:cNvPr>
+          <p:cNvPicPr>
+            <a:picLocks noChangeAspect="1"/>
+          </p:cNvPicPr>
+          <p:nvPr/>
+        </p:nvPicPr>
+        <p:blipFill rotWithShape="1">
+          <a:blip r:embed="rId2">
+            <a:extLst>
+              <a:ext uri="{28A0092B-C50C-407E-A947-70E740481C1C}">
+                <a14:useLocalDpi xmlns:a14="http://schemas.microsoft.com/office/drawing/2010/main" val="0"/>
+              </a:ext>
+            </a:extLst>
+          </a:blip>
+          <a:srcRect b="1509"/>
+          <a:stretch/>
+        </p:blipFill>
+        <p:spPr>
+          <a:xfrm>
+            <a:off x="684057" y="1195148"/>
+            <a:ext cx="5554017" cy="4122577"/>
+          </a:xfrm>
+          <a:prstGeom prst="rect">
+            <a:avLst/>
+          </a:prstGeom>
+        </p:spPr>
+      </p:pic>
+      <p:pic>
+        <p:nvPicPr>
+          <p:cNvPr id="13" name="Immagine 12">
+            <a:extLst>
+              <a:ext uri="{FF2B5EF4-FFF2-40B4-BE49-F238E27FC236}">
+                <a16:creationId xmlns:a16="http://schemas.microsoft.com/office/drawing/2014/main" id="{AC5D93F8-CA18-4DA5-B6CD-95278C87B2CA}"/>
+              </a:ext>
+            </a:extLst>
+          </p:cNvPr>
+          <p:cNvPicPr>
+            <a:picLocks noChangeAspect="1"/>
+          </p:cNvPicPr>
+          <p:nvPr/>
+        </p:nvPicPr>
+        <p:blipFill rotWithShape="1">
+          <a:blip r:embed="rId3">
+            <a:extLst>
+              <a:ext uri="{28A0092B-C50C-407E-A947-70E740481C1C}">
+                <a14:useLocalDpi xmlns:a14="http://schemas.microsoft.com/office/drawing/2010/main" val="0"/>
+              </a:ext>
+            </a:extLst>
+          </a:blip>
+          <a:srcRect b="1726"/>
+          <a:stretch/>
+        </p:blipFill>
+        <p:spPr>
+          <a:xfrm>
+            <a:off x="6513126" y="1194124"/>
+            <a:ext cx="4988046" cy="4104518"/>
+          </a:xfrm>
+          <a:prstGeom prst="rect">
+            <a:avLst/>
+          </a:prstGeom>
+        </p:spPr>
+      </p:pic>
+      <p:pic>
+        <p:nvPicPr>
+          <p:cNvPr id="38" name="Immagine 37">
+            <a:extLst>
+              <a:ext uri="{FF2B5EF4-FFF2-40B4-BE49-F238E27FC236}">
+                <a16:creationId xmlns:a16="http://schemas.microsoft.com/office/drawing/2014/main" id="{E5EECDC6-D716-4D60-8B06-AA44FE402DFF}"/>
+              </a:ext>
+            </a:extLst>
+          </p:cNvPr>
+          <p:cNvPicPr>
+            <a:picLocks noChangeAspect="1"/>
+          </p:cNvPicPr>
+          <p:nvPr/>
+        </p:nvPicPr>
+        <p:blipFill>
+          <a:blip r:embed="rId4">
+            <a:extLst>
+              <a:ext uri="{28A0092B-C50C-407E-A947-70E740481C1C}">
+                <a14:useLocalDpi xmlns:a14="http://schemas.microsoft.com/office/drawing/2010/main" val="0"/>
+              </a:ext>
+            </a:extLst>
+          </a:blip>
+          <a:stretch>
+            <a:fillRect/>
+          </a:stretch>
+        </p:blipFill>
+        <p:spPr>
+          <a:xfrm>
+            <a:off x="6980564" y="5472202"/>
+            <a:ext cx="1039395" cy="145973"/>
+          </a:xfrm>
+          <a:prstGeom prst="rect">
+            <a:avLst/>
+          </a:prstGeom>
+        </p:spPr>
+      </p:pic>
+      <p:pic>
+        <p:nvPicPr>
+          <p:cNvPr id="39" name="Immagine 38">
+            <a:extLst>
+              <a:ext uri="{FF2B5EF4-FFF2-40B4-BE49-F238E27FC236}">
+                <a16:creationId xmlns:a16="http://schemas.microsoft.com/office/drawing/2014/main" id="{DBFE66B5-423B-450E-8745-7CC9F04F5807}"/>
+              </a:ext>
+            </a:extLst>
+          </p:cNvPr>
+          <p:cNvPicPr>
+            <a:picLocks noChangeAspect="1"/>
+          </p:cNvPicPr>
+          <p:nvPr/>
+        </p:nvPicPr>
+        <p:blipFill>
+          <a:blip r:embed="rId5">
+            <a:extLst>
+              <a:ext uri="{28A0092B-C50C-407E-A947-70E740481C1C}">
+                <a14:useLocalDpi xmlns:a14="http://schemas.microsoft.com/office/drawing/2010/main" val="0"/>
+              </a:ext>
+            </a:extLst>
+          </a:blip>
+          <a:stretch>
+            <a:fillRect/>
+          </a:stretch>
+        </p:blipFill>
+        <p:spPr>
+          <a:xfrm>
+            <a:off x="3180037" y="5473924"/>
+            <a:ext cx="1058170" cy="142529"/>
+          </a:xfrm>
+          <a:prstGeom prst="rect">
+            <a:avLst/>
+          </a:prstGeom>
+        </p:spPr>
+      </p:pic>
+      <p:pic>
+        <p:nvPicPr>
+          <p:cNvPr id="40" name="Immagine 39">
+            <a:extLst>
+              <a:ext uri="{FF2B5EF4-FFF2-40B4-BE49-F238E27FC236}">
+                <a16:creationId xmlns:a16="http://schemas.microsoft.com/office/drawing/2014/main" id="{D6816098-2D96-42C1-91C7-5DF9DC91E4AA}"/>
+              </a:ext>
+            </a:extLst>
+          </p:cNvPr>
+          <p:cNvPicPr>
+            <a:picLocks noChangeAspect="1"/>
+          </p:cNvPicPr>
+          <p:nvPr/>
+        </p:nvPicPr>
+        <p:blipFill>
+          <a:blip r:embed="rId6">
+            <a:extLst>
+              <a:ext uri="{28A0092B-C50C-407E-A947-70E740481C1C}">
+                <a14:useLocalDpi xmlns:a14="http://schemas.microsoft.com/office/drawing/2010/main" val="0"/>
+              </a:ext>
+            </a:extLst>
+          </a:blip>
+          <a:stretch>
+            <a:fillRect/>
+          </a:stretch>
+        </p:blipFill>
+        <p:spPr>
+          <a:xfrm>
+            <a:off x="4677923" y="5473411"/>
+            <a:ext cx="1052260" cy="143555"/>
+          </a:xfrm>
+          <a:prstGeom prst="rect">
+            <a:avLst/>
+          </a:prstGeom>
+        </p:spPr>
+      </p:pic>
+      <p:pic>
+        <p:nvPicPr>
+          <p:cNvPr id="41" name="Immagine 40" descr="Immagine che contiene arredamento, tavolo&#10;&#10;Descrizione generata automaticamente">
+            <a:extLst>
+              <a:ext uri="{FF2B5EF4-FFF2-40B4-BE49-F238E27FC236}">
+                <a16:creationId xmlns:a16="http://schemas.microsoft.com/office/drawing/2014/main" id="{9F34CB1D-B975-4AAA-8B85-4BED3AC47D10}"/>
+              </a:ext>
+            </a:extLst>
+          </p:cNvPr>
+          <p:cNvPicPr>
+            <a:picLocks noChangeAspect="1"/>
+          </p:cNvPicPr>
+          <p:nvPr/>
+        </p:nvPicPr>
+        <p:blipFill>
+          <a:blip r:embed="rId7">
+            <a:extLst>
+              <a:ext uri="{28A0092B-C50C-407E-A947-70E740481C1C}">
+                <a14:useLocalDpi xmlns:a14="http://schemas.microsoft.com/office/drawing/2010/main" val="0"/>
+              </a:ext>
+            </a:extLst>
+          </a:blip>
+          <a:stretch>
+            <a:fillRect/>
+          </a:stretch>
+        </p:blipFill>
+        <p:spPr>
+          <a:xfrm>
+            <a:off x="1694037" y="5473715"/>
+            <a:ext cx="1050651" cy="142946"/>
+          </a:xfrm>
+          <a:prstGeom prst="rect">
+            <a:avLst/>
+          </a:prstGeom>
+        </p:spPr>
+      </p:pic>
+      <p:pic>
+        <p:nvPicPr>
+          <p:cNvPr id="43" name="Immagine 42">
+            <a:extLst>
+              <a:ext uri="{FF2B5EF4-FFF2-40B4-BE49-F238E27FC236}">
+                <a16:creationId xmlns:a16="http://schemas.microsoft.com/office/drawing/2014/main" id="{074699A6-40F0-4553-AC1B-29B4B6E6DCCC}"/>
+              </a:ext>
+            </a:extLst>
+          </p:cNvPr>
+          <p:cNvPicPr>
+            <a:picLocks noChangeAspect="1"/>
+          </p:cNvPicPr>
+          <p:nvPr/>
+        </p:nvPicPr>
+        <p:blipFill>
+          <a:blip r:embed="rId8">
+            <a:extLst>
+              <a:ext uri="{28A0092B-C50C-407E-A947-70E740481C1C}">
+                <a14:useLocalDpi xmlns:a14="http://schemas.microsoft.com/office/drawing/2010/main" val="0"/>
+              </a:ext>
+            </a:extLst>
+          </a:blip>
+          <a:stretch>
+            <a:fillRect/>
+          </a:stretch>
+        </p:blipFill>
+        <p:spPr>
+          <a:xfrm>
+            <a:off x="8487397" y="5471779"/>
+            <a:ext cx="1058169" cy="146819"/>
+          </a:xfrm>
+          <a:prstGeom prst="rect">
+            <a:avLst/>
+          </a:prstGeom>
+        </p:spPr>
+      </p:pic>
+      <p:pic>
+        <p:nvPicPr>
+          <p:cNvPr id="45" name="Immagine 44">
+            <a:extLst>
+              <a:ext uri="{FF2B5EF4-FFF2-40B4-BE49-F238E27FC236}">
+                <a16:creationId xmlns:a16="http://schemas.microsoft.com/office/drawing/2014/main" id="{52D705DA-2707-4CE0-9090-934BAEC3746F}"/>
+              </a:ext>
+            </a:extLst>
+          </p:cNvPr>
+          <p:cNvPicPr>
+            <a:picLocks noChangeAspect="1"/>
+          </p:cNvPicPr>
+          <p:nvPr/>
+        </p:nvPicPr>
+        <p:blipFill>
+          <a:blip r:embed="rId9">
+            <a:extLst>
+              <a:ext uri="{28A0092B-C50C-407E-A947-70E740481C1C}">
+                <a14:useLocalDpi xmlns:a14="http://schemas.microsoft.com/office/drawing/2010/main" val="0"/>
+              </a:ext>
+            </a:extLst>
+          </a:blip>
+          <a:stretch>
+            <a:fillRect/>
+          </a:stretch>
+        </p:blipFill>
+        <p:spPr>
+          <a:xfrm>
+            <a:off x="9968878" y="5472551"/>
+            <a:ext cx="1058169" cy="145274"/>
+          </a:xfrm>
+          <a:prstGeom prst="rect">
+            <a:avLst/>
+          </a:prstGeom>
+        </p:spPr>
+      </p:pic>
+      <p:pic>
+        <p:nvPicPr>
+          <p:cNvPr id="6" name="Immagine 5">
+            <a:extLst>
+              <a:ext uri="{FF2B5EF4-FFF2-40B4-BE49-F238E27FC236}">
+                <a16:creationId xmlns:a16="http://schemas.microsoft.com/office/drawing/2014/main" id="{C65CEAEB-84D9-4F71-BA69-630F1D43F7D0}"/>
+              </a:ext>
+            </a:extLst>
+          </p:cNvPr>
+          <p:cNvPicPr>
+            <a:picLocks noChangeAspect="1"/>
+          </p:cNvPicPr>
+          <p:nvPr/>
+        </p:nvPicPr>
+        <p:blipFill rotWithShape="1">
+          <a:blip r:embed="rId10">
+            <a:extLst>
+              <a:ext uri="{28A0092B-C50C-407E-A947-70E740481C1C}">
+                <a14:useLocalDpi xmlns:a14="http://schemas.microsoft.com/office/drawing/2010/main" val="0"/>
+              </a:ext>
+            </a:extLst>
+          </a:blip>
+          <a:srcRect b="1652"/>
+          <a:stretch/>
+        </p:blipFill>
+        <p:spPr>
+          <a:xfrm>
+            <a:off x="6513126" y="1194124"/>
+            <a:ext cx="4983459" cy="4122577"/>
+          </a:xfrm>
+          <a:prstGeom prst="rect">
+            <a:avLst/>
+          </a:prstGeom>
+        </p:spPr>
+      </p:pic>
     </p:spTree>
     <p:extLst>
       <p:ext uri="{BB962C8B-B14F-4D97-AF65-F5344CB8AC3E}">
-        <p14:creationId xmlns:p14="http://schemas.microsoft.com/office/powerpoint/2010/main" val="1584690559"/>
+        <p14:creationId xmlns:p14="http://schemas.microsoft.com/office/powerpoint/2010/main" val="1160738301"/>
       </p:ext>
     </p:extLst>
   </p:cSld>
@@ -11126,7 +15887,7 @@
         </p:spPr>
         <p:txBody>
           <a:bodyPr>
-            <a:normAutofit fontScale="90000"/>
+            <a:normAutofit/>
           </a:bodyPr>
           <a:lstStyle/>
           <a:p>

--- a/Presentazioni/Presentazione Magistrale/Presentazione Magistrale.pptx
+++ b/Presentazioni/Presentazione Magistrale/Presentazione Magistrale.pptx
@@ -5,7 +5,7 @@
     <p:sldMasterId id="2147483750" r:id="rId1"/>
   </p:sldMasterIdLst>
   <p:notesMasterIdLst>
-    <p:notesMasterId r:id="rId25"/>
+    <p:notesMasterId r:id="rId28"/>
   </p:notesMasterIdLst>
   <p:sldIdLst>
     <p:sldId id="256" r:id="rId2"/>
@@ -25,12 +25,15 @@
     <p:sldId id="273" r:id="rId16"/>
     <p:sldId id="280" r:id="rId17"/>
     <p:sldId id="282" r:id="rId18"/>
-    <p:sldId id="284" r:id="rId19"/>
-    <p:sldId id="285" r:id="rId20"/>
-    <p:sldId id="286" r:id="rId21"/>
-    <p:sldId id="287" r:id="rId22"/>
-    <p:sldId id="288" r:id="rId23"/>
-    <p:sldId id="289" r:id="rId24"/>
+    <p:sldId id="290" r:id="rId19"/>
+    <p:sldId id="291" r:id="rId20"/>
+    <p:sldId id="284" r:id="rId21"/>
+    <p:sldId id="285" r:id="rId22"/>
+    <p:sldId id="286" r:id="rId23"/>
+    <p:sldId id="287" r:id="rId24"/>
+    <p:sldId id="288" r:id="rId25"/>
+    <p:sldId id="289" r:id="rId26"/>
+    <p:sldId id="292" r:id="rId27"/>
   </p:sldIdLst>
   <p:sldSz cx="12192000" cy="6858000"/>
   <p:notesSz cx="6858000" cy="9144000"/>
@@ -8928,6 +8931,962 @@
       </p:grpSpPr>
       <p:sp>
         <p:nvSpPr>
+          <p:cNvPr id="10" name="Rettangolo 9">
+            <a:extLst>
+              <a:ext uri="{FF2B5EF4-FFF2-40B4-BE49-F238E27FC236}">
+                <a16:creationId xmlns:a16="http://schemas.microsoft.com/office/drawing/2014/main" id="{B9D3550C-14F0-41BE-96F1-9396C790BC52}"/>
+              </a:ext>
+            </a:extLst>
+          </p:cNvPr>
+          <p:cNvSpPr/>
+          <p:nvPr/>
+        </p:nvSpPr>
+        <p:spPr>
+          <a:xfrm>
+            <a:off x="11496585" y="6453637"/>
+            <a:ext cx="356377" cy="276999"/>
+          </a:xfrm>
+          <a:prstGeom prst="rect">
+            <a:avLst/>
+          </a:prstGeom>
+        </p:spPr>
+        <p:txBody>
+          <a:bodyPr wrap="square">
+            <a:spAutoFit/>
+          </a:bodyPr>
+          <a:lstStyle/>
+          <a:p>
+            <a:pPr algn="r"/>
+            <a:r>
+              <a:rPr lang="it-IT" sz="1200" dirty="0">
+                <a:latin typeface="Roboto" panose="02000000000000000000" pitchFamily="2" charset="0"/>
+                <a:ea typeface="Roboto" panose="02000000000000000000" pitchFamily="2" charset="0"/>
+                <a:cs typeface="Roboto" panose="02000000000000000000" pitchFamily="2" charset="0"/>
+              </a:rPr>
+              <a:t>5</a:t>
+            </a:r>
+            <a:endParaRPr lang="it-IT" sz="1200" dirty="0">
+              <a:solidFill>
+                <a:srgbClr val="C00000"/>
+              </a:solidFill>
+              <a:latin typeface="Roboto" panose="02000000000000000000" pitchFamily="2" charset="0"/>
+              <a:ea typeface="Roboto" panose="02000000000000000000" pitchFamily="2" charset="0"/>
+              <a:cs typeface="Roboto" panose="02000000000000000000" pitchFamily="2" charset="0"/>
+            </a:endParaRPr>
+          </a:p>
+        </p:txBody>
+      </p:sp>
+      <p:sp>
+        <p:nvSpPr>
+          <p:cNvPr id="24" name="Titolo 1">
+            <a:extLst>
+              <a:ext uri="{FF2B5EF4-FFF2-40B4-BE49-F238E27FC236}">
+                <a16:creationId xmlns:a16="http://schemas.microsoft.com/office/drawing/2014/main" id="{BF6B0CE0-A167-4F8F-82ED-A3F598A03960}"/>
+              </a:ext>
+            </a:extLst>
+          </p:cNvPr>
+          <p:cNvSpPr txBox="1">
+            <a:spLocks/>
+          </p:cNvSpPr>
+          <p:nvPr/>
+        </p:nvSpPr>
+        <p:spPr>
+          <a:xfrm>
+            <a:off x="0" y="-62711"/>
+            <a:ext cx="12192000" cy="1325562"/>
+          </a:xfrm>
+          <a:prstGeom prst="rect">
+            <a:avLst/>
+          </a:prstGeom>
+        </p:spPr>
+        <p:txBody>
+          <a:bodyPr vert="horz" lIns="91440" tIns="45720" rIns="91440" bIns="45720" rtlCol="0" anchor="ctr">
+            <a:normAutofit/>
+          </a:bodyPr>
+          <a:lstStyle>
+            <a:lvl1pPr algn="l" defTabSz="914400" rtl="0" eaLnBrk="1" latinLnBrk="0" hangingPunct="1">
+              <a:spcBef>
+                <a:spcPct val="0"/>
+              </a:spcBef>
+              <a:buNone/>
+              <a:defRPr sz="4400" kern="1200">
+                <a:solidFill>
+                  <a:schemeClr val="tx1"/>
+                </a:solidFill>
+                <a:latin typeface="+mj-lt"/>
+                <a:ea typeface="+mj-ea"/>
+                <a:cs typeface="+mj-cs"/>
+              </a:defRPr>
+            </a:lvl1pPr>
+          </a:lstStyle>
+          <a:p>
+            <a:pPr algn="ctr"/>
+            <a:r>
+              <a:rPr lang="it-IT" dirty="0"/>
+              <a:t>JUNCTION MODEL</a:t>
+            </a:r>
+          </a:p>
+        </p:txBody>
+      </p:sp>
+      <p:pic>
+        <p:nvPicPr>
+          <p:cNvPr id="3" name="Immagine 2" descr="Immagine che contiene testo&#10;&#10;Descrizione generata automaticamente">
+            <a:extLst>
+              <a:ext uri="{FF2B5EF4-FFF2-40B4-BE49-F238E27FC236}">
+                <a16:creationId xmlns:a16="http://schemas.microsoft.com/office/drawing/2014/main" id="{DD1A6996-2BA8-4669-B632-064364EEB7C3}"/>
+              </a:ext>
+            </a:extLst>
+          </p:cNvPr>
+          <p:cNvPicPr>
+            <a:picLocks noChangeAspect="1"/>
+          </p:cNvPicPr>
+          <p:nvPr/>
+        </p:nvPicPr>
+        <p:blipFill>
+          <a:blip r:embed="rId2">
+            <a:extLst>
+              <a:ext uri="{28A0092B-C50C-407E-A947-70E740481C1C}">
+                <a14:useLocalDpi xmlns:a14="http://schemas.microsoft.com/office/drawing/2010/main" val="0"/>
+              </a:ext>
+            </a:extLst>
+          </a:blip>
+          <a:stretch>
+            <a:fillRect/>
+          </a:stretch>
+        </p:blipFill>
+        <p:spPr>
+          <a:xfrm>
+            <a:off x="8042534" y="2902820"/>
+            <a:ext cx="3622099" cy="3160629"/>
+          </a:xfrm>
+          <a:prstGeom prst="rect">
+            <a:avLst/>
+          </a:prstGeom>
+        </p:spPr>
+      </p:pic>
+      <p:sp>
+        <p:nvSpPr>
+          <p:cNvPr id="21" name="Segnaposto contenuto 2">
+            <a:extLst>
+              <a:ext uri="{FF2B5EF4-FFF2-40B4-BE49-F238E27FC236}">
+                <a16:creationId xmlns:a16="http://schemas.microsoft.com/office/drawing/2014/main" id="{55CC6B90-F3B4-4988-AC08-8BF8C436DE28}"/>
+              </a:ext>
+            </a:extLst>
+          </p:cNvPr>
+          <p:cNvSpPr>
+            <a:spLocks noGrp="1"/>
+          </p:cNvSpPr>
+          <p:nvPr>
+            <p:ph idx="1"/>
+          </p:nvPr>
+        </p:nvSpPr>
+        <p:spPr>
+          <a:xfrm>
+            <a:off x="177554" y="1041895"/>
+            <a:ext cx="10261847" cy="5021554"/>
+          </a:xfrm>
+        </p:spPr>
+        <p:txBody>
+          <a:bodyPr>
+            <a:normAutofit/>
+          </a:bodyPr>
+          <a:lstStyle/>
+          <a:p>
+            <a:r>
+              <a:rPr lang="it-IT" dirty="0" err="1"/>
+              <a:t>Aim</a:t>
+            </a:r>
+            <a:r>
+              <a:rPr lang="it-IT" dirty="0"/>
+              <a:t>: exploit </a:t>
+            </a:r>
+            <a:r>
+              <a:rPr lang="it-IT" dirty="0" err="1"/>
+              <a:t>vehicles</a:t>
+            </a:r>
+            <a:r>
+              <a:rPr lang="it-IT" dirty="0"/>
+              <a:t> </a:t>
+            </a:r>
+            <a:r>
+              <a:rPr lang="it-IT" dirty="0" err="1"/>
+              <a:t>located</a:t>
+            </a:r>
+            <a:r>
+              <a:rPr lang="it-IT" dirty="0"/>
+              <a:t> </a:t>
+            </a:r>
+            <a:r>
+              <a:rPr lang="it-IT" dirty="0" err="1"/>
+              <a:t>within</a:t>
+            </a:r>
+            <a:r>
+              <a:rPr lang="it-IT" dirty="0"/>
+              <a:t> </a:t>
+            </a:r>
+            <a:r>
+              <a:rPr lang="it-IT" dirty="0" err="1"/>
+              <a:t>junctions</a:t>
+            </a:r>
+            <a:r>
+              <a:rPr lang="it-IT" dirty="0"/>
+              <a:t> to </a:t>
+            </a:r>
+            <a:r>
+              <a:rPr lang="it-IT" dirty="0" err="1"/>
+              <a:t>improve</a:t>
+            </a:r>
+            <a:r>
+              <a:rPr lang="it-IT" dirty="0"/>
+              <a:t> delivery </a:t>
+            </a:r>
+            <a:r>
+              <a:rPr lang="it-IT" dirty="0" err="1"/>
+              <a:t>ratios</a:t>
+            </a:r>
+            <a:endParaRPr lang="it-IT" dirty="0"/>
+          </a:p>
+          <a:p>
+            <a:r>
+              <a:rPr lang="it-IT" dirty="0" err="1"/>
+              <a:t>Identification</a:t>
+            </a:r>
+            <a:r>
+              <a:rPr lang="it-IT" dirty="0"/>
+              <a:t> of </a:t>
+            </a:r>
+            <a:r>
+              <a:rPr lang="it-IT" dirty="0" err="1"/>
+              <a:t>junctions</a:t>
+            </a:r>
+            <a:r>
+              <a:rPr lang="it-IT" dirty="0"/>
+              <a:t> via OSM/SUMO tools</a:t>
+            </a:r>
+          </a:p>
+          <a:p>
+            <a:endParaRPr lang="it-IT" dirty="0"/>
+          </a:p>
+          <a:p>
+            <a:endParaRPr lang="it-IT" dirty="0"/>
+          </a:p>
+          <a:p>
+            <a:r>
+              <a:rPr lang="it-IT" dirty="0"/>
+              <a:t>20x20m </a:t>
+            </a:r>
+            <a:r>
+              <a:rPr lang="it-IT" dirty="0" err="1"/>
+              <a:t>bounding</a:t>
+            </a:r>
+            <a:r>
+              <a:rPr lang="it-IT" dirty="0"/>
+              <a:t> box to </a:t>
+            </a:r>
+            <a:r>
+              <a:rPr lang="it-IT" dirty="0" err="1"/>
+              <a:t>extend</a:t>
+            </a:r>
+            <a:r>
+              <a:rPr lang="it-IT" dirty="0"/>
+              <a:t> the </a:t>
+            </a:r>
+            <a:r>
+              <a:rPr lang="it-IT" dirty="0" err="1"/>
+              <a:t>polygon</a:t>
+            </a:r>
+            <a:endParaRPr lang="it-IT" dirty="0"/>
+          </a:p>
+          <a:p>
+            <a:r>
+              <a:rPr lang="it-IT" dirty="0" err="1"/>
+              <a:t>Vehicles</a:t>
+            </a:r>
+            <a:r>
+              <a:rPr lang="it-IT" dirty="0"/>
+              <a:t> </a:t>
+            </a:r>
+            <a:r>
+              <a:rPr lang="it-IT" dirty="0" err="1"/>
+              <a:t>within</a:t>
+            </a:r>
+            <a:r>
+              <a:rPr lang="it-IT" dirty="0"/>
+              <a:t> a </a:t>
+            </a:r>
+            <a:r>
+              <a:rPr lang="it-IT" dirty="0" err="1"/>
+              <a:t>junction</a:t>
+            </a:r>
+            <a:r>
+              <a:rPr lang="it-IT" dirty="0"/>
+              <a:t> </a:t>
+            </a:r>
+            <a:r>
+              <a:rPr lang="it-IT" dirty="0" err="1"/>
+              <a:t>participate</a:t>
+            </a:r>
+            <a:r>
+              <a:rPr lang="it-IT" dirty="0"/>
+              <a:t> in a </a:t>
+            </a:r>
+            <a:r>
+              <a:rPr lang="it-IT" b="1" dirty="0"/>
+              <a:t>second </a:t>
+            </a:r>
+            <a:r>
+              <a:rPr lang="it-IT" b="1" dirty="0" err="1"/>
+              <a:t>contention</a:t>
+            </a:r>
+            <a:r>
+              <a:rPr lang="it-IT" b="1" dirty="0"/>
+              <a:t> </a:t>
+            </a:r>
+            <a:br>
+              <a:rPr lang="it-IT" dirty="0"/>
+            </a:br>
+            <a:r>
+              <a:rPr lang="it-IT" dirty="0"/>
+              <a:t>with </a:t>
+            </a:r>
+            <a:r>
+              <a:rPr lang="it-IT" dirty="0" err="1"/>
+              <a:t>other</a:t>
+            </a:r>
+            <a:r>
+              <a:rPr lang="it-IT" dirty="0"/>
+              <a:t> </a:t>
+            </a:r>
+            <a:r>
+              <a:rPr lang="it-IT" dirty="0" err="1"/>
+              <a:t>vehicles</a:t>
+            </a:r>
+            <a:r>
+              <a:rPr lang="it-IT" dirty="0"/>
+              <a:t> </a:t>
+            </a:r>
+            <a:r>
+              <a:rPr lang="it-IT" dirty="0" err="1"/>
+              <a:t>within</a:t>
+            </a:r>
+            <a:r>
+              <a:rPr lang="it-IT" dirty="0"/>
+              <a:t> the </a:t>
+            </a:r>
+            <a:r>
+              <a:rPr lang="it-IT" dirty="0" err="1"/>
+              <a:t>same</a:t>
+            </a:r>
+            <a:r>
+              <a:rPr lang="it-IT" dirty="0"/>
+              <a:t> </a:t>
+            </a:r>
+            <a:r>
+              <a:rPr lang="it-IT" dirty="0" err="1"/>
+              <a:t>junction</a:t>
+            </a:r>
+            <a:endParaRPr lang="it-IT" dirty="0"/>
+          </a:p>
+          <a:p>
+            <a:r>
+              <a:rPr lang="it-IT" dirty="0"/>
+              <a:t>Extension </a:t>
+            </a:r>
+            <a:r>
+              <a:rPr lang="it-IT" dirty="0" err="1"/>
+              <a:t>applicable</a:t>
+            </a:r>
+            <a:r>
+              <a:rPr lang="it-IT" dirty="0"/>
+              <a:t> </a:t>
+            </a:r>
+            <a:r>
+              <a:rPr lang="it-IT" dirty="0" err="1"/>
+              <a:t>both</a:t>
+            </a:r>
+            <a:r>
+              <a:rPr lang="it-IT" dirty="0"/>
+              <a:t> to Fast-Broadcast and ROFF</a:t>
+            </a:r>
+          </a:p>
+          <a:p>
+            <a:pPr lvl="1"/>
+            <a:r>
+              <a:rPr lang="it-IT" dirty="0"/>
+              <a:t>SJ-Fast-Broadcast and SJ-ROFF</a:t>
+            </a:r>
+          </a:p>
+        </p:txBody>
+      </p:sp>
+      <p:pic>
+        <p:nvPicPr>
+          <p:cNvPr id="6" name="Immagine 5" descr="Immagine che contiene monitor, esterni&#10;&#10;Descrizione generata automaticamente">
+            <a:extLst>
+              <a:ext uri="{FF2B5EF4-FFF2-40B4-BE49-F238E27FC236}">
+                <a16:creationId xmlns:a16="http://schemas.microsoft.com/office/drawing/2014/main" id="{929886D2-2A54-4FB9-82A0-E87DF9FE782D}"/>
+              </a:ext>
+            </a:extLst>
+          </p:cNvPr>
+          <p:cNvPicPr>
+            <a:picLocks noChangeAspect="1"/>
+          </p:cNvPicPr>
+          <p:nvPr/>
+        </p:nvPicPr>
+        <p:blipFill>
+          <a:blip r:embed="rId3">
+            <a:extLst>
+              <a:ext uri="{28A0092B-C50C-407E-A947-70E740481C1C}">
+                <a14:useLocalDpi xmlns:a14="http://schemas.microsoft.com/office/drawing/2010/main" val="0"/>
+              </a:ext>
+            </a:extLst>
+          </a:blip>
+          <a:stretch>
+            <a:fillRect/>
+          </a:stretch>
+        </p:blipFill>
+        <p:spPr>
+          <a:xfrm>
+            <a:off x="1572600" y="2246266"/>
+            <a:ext cx="5528160" cy="766885"/>
+          </a:xfrm>
+          <a:prstGeom prst="rect">
+            <a:avLst/>
+          </a:prstGeom>
+        </p:spPr>
+      </p:pic>
+    </p:spTree>
+    <p:extLst>
+      <p:ext uri="{BB962C8B-B14F-4D97-AF65-F5344CB8AC3E}">
+        <p14:creationId xmlns:p14="http://schemas.microsoft.com/office/powerpoint/2010/main" val="1486239556"/>
+      </p:ext>
+    </p:extLst>
+  </p:cSld>
+  <p:clrMapOvr>
+    <a:masterClrMapping/>
+  </p:clrMapOvr>
+</p:sld>
+</file>
+
+<file path=ppt/slides/slide19.xml><?xml version="1.0" encoding="utf-8"?>
+<p:sld xmlns:a="http://schemas.openxmlformats.org/drawingml/2006/main" xmlns:r="http://schemas.openxmlformats.org/officeDocument/2006/relationships" xmlns:p="http://schemas.openxmlformats.org/presentationml/2006/main">
+  <p:cSld>
+    <p:spTree>
+      <p:nvGrpSpPr>
+        <p:cNvPr id="1" name=""/>
+        <p:cNvGrpSpPr/>
+        <p:nvPr/>
+      </p:nvGrpSpPr>
+      <p:grpSpPr>
+        <a:xfrm>
+          <a:off x="0" y="0"/>
+          <a:ext cx="0" cy="0"/>
+          <a:chOff x="0" y="0"/>
+          <a:chExt cx="0" cy="0"/>
+        </a:xfrm>
+      </p:grpSpPr>
+      <p:sp>
+        <p:nvSpPr>
+          <p:cNvPr id="10" name="Rettangolo 9">
+            <a:extLst>
+              <a:ext uri="{FF2B5EF4-FFF2-40B4-BE49-F238E27FC236}">
+                <a16:creationId xmlns:a16="http://schemas.microsoft.com/office/drawing/2014/main" id="{B9D3550C-14F0-41BE-96F1-9396C790BC52}"/>
+              </a:ext>
+            </a:extLst>
+          </p:cNvPr>
+          <p:cNvSpPr/>
+          <p:nvPr/>
+        </p:nvSpPr>
+        <p:spPr>
+          <a:xfrm>
+            <a:off x="11496585" y="6453637"/>
+            <a:ext cx="356377" cy="276999"/>
+          </a:xfrm>
+          <a:prstGeom prst="rect">
+            <a:avLst/>
+          </a:prstGeom>
+        </p:spPr>
+        <p:txBody>
+          <a:bodyPr wrap="square">
+            <a:spAutoFit/>
+          </a:bodyPr>
+          <a:lstStyle/>
+          <a:p>
+            <a:pPr algn="r"/>
+            <a:r>
+              <a:rPr lang="it-IT" sz="1200" dirty="0">
+                <a:latin typeface="Roboto" panose="02000000000000000000" pitchFamily="2" charset="0"/>
+                <a:ea typeface="Roboto" panose="02000000000000000000" pitchFamily="2" charset="0"/>
+                <a:cs typeface="Roboto" panose="02000000000000000000" pitchFamily="2" charset="0"/>
+              </a:rPr>
+              <a:t>5</a:t>
+            </a:r>
+            <a:endParaRPr lang="it-IT" sz="1200" dirty="0">
+              <a:solidFill>
+                <a:srgbClr val="C00000"/>
+              </a:solidFill>
+              <a:latin typeface="Roboto" panose="02000000000000000000" pitchFamily="2" charset="0"/>
+              <a:ea typeface="Roboto" panose="02000000000000000000" pitchFamily="2" charset="0"/>
+              <a:cs typeface="Roboto" panose="02000000000000000000" pitchFamily="2" charset="0"/>
+            </a:endParaRPr>
+          </a:p>
+        </p:txBody>
+      </p:sp>
+      <p:sp>
+        <p:nvSpPr>
+          <p:cNvPr id="24" name="Titolo 1">
+            <a:extLst>
+              <a:ext uri="{FF2B5EF4-FFF2-40B4-BE49-F238E27FC236}">
+                <a16:creationId xmlns:a16="http://schemas.microsoft.com/office/drawing/2014/main" id="{BF6B0CE0-A167-4F8F-82ED-A3F598A03960}"/>
+              </a:ext>
+            </a:extLst>
+          </p:cNvPr>
+          <p:cNvSpPr txBox="1">
+            <a:spLocks/>
+          </p:cNvSpPr>
+          <p:nvPr/>
+        </p:nvSpPr>
+        <p:spPr>
+          <a:xfrm>
+            <a:off x="0" y="-62711"/>
+            <a:ext cx="12192000" cy="1325562"/>
+          </a:xfrm>
+          <a:prstGeom prst="rect">
+            <a:avLst/>
+          </a:prstGeom>
+        </p:spPr>
+        <p:txBody>
+          <a:bodyPr vert="horz" lIns="91440" tIns="45720" rIns="91440" bIns="45720" rtlCol="0" anchor="ctr">
+            <a:normAutofit/>
+          </a:bodyPr>
+          <a:lstStyle>
+            <a:lvl1pPr algn="l" defTabSz="914400" rtl="0" eaLnBrk="1" latinLnBrk="0" hangingPunct="1">
+              <a:spcBef>
+                <a:spcPct val="0"/>
+              </a:spcBef>
+              <a:buNone/>
+              <a:defRPr sz="4400" kern="1200">
+                <a:solidFill>
+                  <a:schemeClr val="tx1"/>
+                </a:solidFill>
+                <a:latin typeface="+mj-lt"/>
+                <a:ea typeface="+mj-ea"/>
+                <a:cs typeface="+mj-cs"/>
+              </a:defRPr>
+            </a:lvl1pPr>
+          </a:lstStyle>
+          <a:p>
+            <a:pPr algn="ctr"/>
+            <a:r>
+              <a:rPr lang="it-IT" dirty="0"/>
+              <a:t>JUNCTION MODEL - SCENARIOS</a:t>
+            </a:r>
+          </a:p>
+        </p:txBody>
+      </p:sp>
+      <p:pic>
+        <p:nvPicPr>
+          <p:cNvPr id="9" name="Immagine 8">
+            <a:extLst>
+              <a:ext uri="{FF2B5EF4-FFF2-40B4-BE49-F238E27FC236}">
+                <a16:creationId xmlns:a16="http://schemas.microsoft.com/office/drawing/2014/main" id="{583F6B35-E1C3-4B9C-B71E-E3FB9E195EC4}"/>
+              </a:ext>
+            </a:extLst>
+          </p:cNvPr>
+          <p:cNvPicPr>
+            <a:picLocks noChangeAspect="1"/>
+          </p:cNvPicPr>
+          <p:nvPr/>
+        </p:nvPicPr>
+        <p:blipFill>
+          <a:blip r:embed="rId2">
+            <a:extLst>
+              <a:ext uri="{28A0092B-C50C-407E-A947-70E740481C1C}">
+                <a14:useLocalDpi xmlns:a14="http://schemas.microsoft.com/office/drawing/2010/main" val="0"/>
+              </a:ext>
+            </a:extLst>
+          </a:blip>
+          <a:stretch>
+            <a:fillRect/>
+          </a:stretch>
+        </p:blipFill>
+        <p:spPr>
+          <a:xfrm>
+            <a:off x="1239466" y="1562469"/>
+            <a:ext cx="4735845" cy="4416640"/>
+          </a:xfrm>
+          <a:prstGeom prst="rect">
+            <a:avLst/>
+          </a:prstGeom>
+        </p:spPr>
+      </p:pic>
+      <p:pic>
+        <p:nvPicPr>
+          <p:cNvPr id="12" name="Immagine 11" descr="Immagine che contiene testo, mappa&#10;&#10;Descrizione generata automaticamente">
+            <a:extLst>
+              <a:ext uri="{FF2B5EF4-FFF2-40B4-BE49-F238E27FC236}">
+                <a16:creationId xmlns:a16="http://schemas.microsoft.com/office/drawing/2014/main" id="{E2EB069A-5A3C-4545-A84B-4B94AEF1A505}"/>
+              </a:ext>
+            </a:extLst>
+          </p:cNvPr>
+          <p:cNvPicPr>
+            <a:picLocks noChangeAspect="1"/>
+          </p:cNvPicPr>
+          <p:nvPr/>
+        </p:nvPicPr>
+        <p:blipFill>
+          <a:blip r:embed="rId3">
+            <a:extLst>
+              <a:ext uri="{28A0092B-C50C-407E-A947-70E740481C1C}">
+                <a14:useLocalDpi xmlns:a14="http://schemas.microsoft.com/office/drawing/2010/main" val="0"/>
+              </a:ext>
+            </a:extLst>
+          </a:blip>
+          <a:stretch>
+            <a:fillRect/>
+          </a:stretch>
+        </p:blipFill>
+        <p:spPr>
+          <a:xfrm>
+            <a:off x="7088125" y="1562470"/>
+            <a:ext cx="4675427" cy="4416640"/>
+          </a:xfrm>
+          <a:prstGeom prst="rect">
+            <a:avLst/>
+          </a:prstGeom>
+        </p:spPr>
+      </p:pic>
+      <p:sp>
+        <p:nvSpPr>
+          <p:cNvPr id="15" name="Segnaposto contenuto 2">
+            <a:extLst>
+              <a:ext uri="{FF2B5EF4-FFF2-40B4-BE49-F238E27FC236}">
+                <a16:creationId xmlns:a16="http://schemas.microsoft.com/office/drawing/2014/main" id="{7734B54C-7178-42CA-8D22-C4363CA9DC53}"/>
+              </a:ext>
+            </a:extLst>
+          </p:cNvPr>
+          <p:cNvSpPr>
+            <a:spLocks noGrp="1"/>
+          </p:cNvSpPr>
+          <p:nvPr>
+            <p:ph idx="1"/>
+          </p:nvPr>
+        </p:nvSpPr>
+        <p:spPr>
+          <a:xfrm>
+            <a:off x="2761097" y="908731"/>
+            <a:ext cx="1692581" cy="600474"/>
+          </a:xfrm>
+        </p:spPr>
+        <p:txBody>
+          <a:bodyPr>
+            <a:normAutofit/>
+          </a:bodyPr>
+          <a:lstStyle/>
+          <a:p>
+            <a:pPr marL="0" indent="0">
+              <a:buNone/>
+            </a:pPr>
+            <a:r>
+              <a:rPr lang="it-IT" dirty="0"/>
+              <a:t>Los Angeles</a:t>
+            </a:r>
+          </a:p>
+        </p:txBody>
+      </p:sp>
+      <p:sp>
+        <p:nvSpPr>
+          <p:cNvPr id="16" name="Segnaposto contenuto 2">
+            <a:extLst>
+              <a:ext uri="{FF2B5EF4-FFF2-40B4-BE49-F238E27FC236}">
+                <a16:creationId xmlns:a16="http://schemas.microsoft.com/office/drawing/2014/main" id="{6EE55CB1-223E-4699-AF44-20A6E70FB781}"/>
+              </a:ext>
+            </a:extLst>
+          </p:cNvPr>
+          <p:cNvSpPr txBox="1">
+            <a:spLocks/>
+          </p:cNvSpPr>
+          <p:nvPr/>
+        </p:nvSpPr>
+        <p:spPr>
+          <a:xfrm>
+            <a:off x="8953130" y="908731"/>
+            <a:ext cx="1007521" cy="600474"/>
+          </a:xfrm>
+          <a:prstGeom prst="rect">
+            <a:avLst/>
+          </a:prstGeom>
+        </p:spPr>
+        <p:txBody>
+          <a:bodyPr vert="horz" lIns="91440" tIns="45720" rIns="91440" bIns="45720" rtlCol="0">
+            <a:normAutofit/>
+          </a:bodyPr>
+          <a:lstStyle>
+            <a:lvl1pPr marL="342900" indent="-342900" algn="l" defTabSz="914400" rtl="0" eaLnBrk="1" latinLnBrk="0" hangingPunct="1">
+              <a:lnSpc>
+                <a:spcPct val="150000"/>
+              </a:lnSpc>
+              <a:spcBef>
+                <a:spcPct val="20000"/>
+              </a:spcBef>
+              <a:buClr>
+                <a:schemeClr val="accent6"/>
+              </a:buClr>
+              <a:buFont typeface="Arial" pitchFamily="34" charset="0"/>
+              <a:buChar char="•"/>
+              <a:defRPr sz="2100" kern="1200">
+                <a:solidFill>
+                  <a:schemeClr val="tx1"/>
+                </a:solidFill>
+                <a:latin typeface="+mn-lt"/>
+                <a:ea typeface="+mn-ea"/>
+                <a:cs typeface="+mn-cs"/>
+              </a:defRPr>
+            </a:lvl1pPr>
+            <a:lvl2pPr marL="742950" indent="-285750" algn="l" defTabSz="914400" rtl="0" eaLnBrk="1" latinLnBrk="0" hangingPunct="1">
+              <a:lnSpc>
+                <a:spcPct val="150000"/>
+              </a:lnSpc>
+              <a:spcBef>
+                <a:spcPct val="20000"/>
+              </a:spcBef>
+              <a:buClr>
+                <a:schemeClr val="accent6"/>
+              </a:buClr>
+              <a:buFont typeface="Courier New" panose="02070309020205020404" pitchFamily="49" charset="0"/>
+              <a:buChar char="o"/>
+              <a:defRPr sz="1700" kern="1200">
+                <a:solidFill>
+                  <a:schemeClr val="tx1"/>
+                </a:solidFill>
+                <a:latin typeface="+mn-lt"/>
+                <a:ea typeface="+mn-ea"/>
+                <a:cs typeface="+mn-cs"/>
+              </a:defRPr>
+            </a:lvl2pPr>
+            <a:lvl3pPr marL="1143000" indent="-228600" algn="l" defTabSz="914400" rtl="0" eaLnBrk="1" latinLnBrk="0" hangingPunct="1">
+              <a:lnSpc>
+                <a:spcPct val="150000"/>
+              </a:lnSpc>
+              <a:spcBef>
+                <a:spcPct val="20000"/>
+              </a:spcBef>
+              <a:buFont typeface="Arial" pitchFamily="34" charset="0"/>
+              <a:buChar char="•"/>
+              <a:defRPr sz="2400" kern="1200">
+                <a:solidFill>
+                  <a:schemeClr val="tx1"/>
+                </a:solidFill>
+                <a:latin typeface="+mn-lt"/>
+                <a:ea typeface="+mn-ea"/>
+                <a:cs typeface="+mn-cs"/>
+              </a:defRPr>
+            </a:lvl3pPr>
+            <a:lvl4pPr marL="1600200" indent="-228600" algn="l" defTabSz="914400" rtl="0" eaLnBrk="1" latinLnBrk="0" hangingPunct="1">
+              <a:lnSpc>
+                <a:spcPct val="150000"/>
+              </a:lnSpc>
+              <a:spcBef>
+                <a:spcPct val="20000"/>
+              </a:spcBef>
+              <a:buFont typeface="Arial" pitchFamily="34" charset="0"/>
+              <a:buChar char="–"/>
+              <a:defRPr sz="2000" kern="1200">
+                <a:solidFill>
+                  <a:schemeClr val="tx1"/>
+                </a:solidFill>
+                <a:latin typeface="+mn-lt"/>
+                <a:ea typeface="+mn-ea"/>
+                <a:cs typeface="+mn-cs"/>
+              </a:defRPr>
+            </a:lvl4pPr>
+            <a:lvl5pPr marL="2057400" indent="-228600" algn="l" defTabSz="914400" rtl="0" eaLnBrk="1" latinLnBrk="0" hangingPunct="1">
+              <a:lnSpc>
+                <a:spcPct val="150000"/>
+              </a:lnSpc>
+              <a:spcBef>
+                <a:spcPct val="20000"/>
+              </a:spcBef>
+              <a:buFont typeface="Arial" pitchFamily="34" charset="0"/>
+              <a:buChar char="»"/>
+              <a:defRPr sz="2000" kern="1200">
+                <a:solidFill>
+                  <a:schemeClr val="tx1"/>
+                </a:solidFill>
+                <a:latin typeface="+mn-lt"/>
+                <a:ea typeface="+mn-ea"/>
+                <a:cs typeface="+mn-cs"/>
+              </a:defRPr>
+            </a:lvl5pPr>
+            <a:lvl6pPr marL="2514600" indent="-228600" algn="l" defTabSz="914400" rtl="0" eaLnBrk="1" latinLnBrk="0" hangingPunct="1">
+              <a:spcBef>
+                <a:spcPct val="20000"/>
+              </a:spcBef>
+              <a:buFont typeface="Arial" pitchFamily="34" charset="0"/>
+              <a:buChar char="•"/>
+              <a:defRPr sz="2000" kern="1200">
+                <a:solidFill>
+                  <a:schemeClr val="tx1"/>
+                </a:solidFill>
+                <a:latin typeface="+mn-lt"/>
+                <a:ea typeface="+mn-ea"/>
+                <a:cs typeface="+mn-cs"/>
+              </a:defRPr>
+            </a:lvl6pPr>
+            <a:lvl7pPr marL="2971800" indent="-228600" algn="l" defTabSz="914400" rtl="0" eaLnBrk="1" latinLnBrk="0" hangingPunct="1">
+              <a:spcBef>
+                <a:spcPct val="20000"/>
+              </a:spcBef>
+              <a:buFont typeface="Arial" pitchFamily="34" charset="0"/>
+              <a:buChar char="•"/>
+              <a:defRPr sz="2000" kern="1200">
+                <a:solidFill>
+                  <a:schemeClr val="tx1"/>
+                </a:solidFill>
+                <a:latin typeface="+mn-lt"/>
+                <a:ea typeface="+mn-ea"/>
+                <a:cs typeface="+mn-cs"/>
+              </a:defRPr>
+            </a:lvl7pPr>
+            <a:lvl8pPr marL="3429000" indent="-228600" algn="l" defTabSz="914400" rtl="0" eaLnBrk="1" latinLnBrk="0" hangingPunct="1">
+              <a:spcBef>
+                <a:spcPct val="20000"/>
+              </a:spcBef>
+              <a:buFont typeface="Arial" pitchFamily="34" charset="0"/>
+              <a:buChar char="•"/>
+              <a:defRPr sz="2000" kern="1200">
+                <a:solidFill>
+                  <a:schemeClr val="tx1"/>
+                </a:solidFill>
+                <a:latin typeface="+mn-lt"/>
+                <a:ea typeface="+mn-ea"/>
+                <a:cs typeface="+mn-cs"/>
+              </a:defRPr>
+            </a:lvl8pPr>
+            <a:lvl9pPr marL="3886200" indent="-228600" algn="l" defTabSz="914400" rtl="0" eaLnBrk="1" latinLnBrk="0" hangingPunct="1">
+              <a:spcBef>
+                <a:spcPct val="20000"/>
+              </a:spcBef>
+              <a:buFont typeface="Arial" pitchFamily="34" charset="0"/>
+              <a:buChar char="•"/>
+              <a:defRPr sz="2000" kern="1200">
+                <a:solidFill>
+                  <a:schemeClr val="tx1"/>
+                </a:solidFill>
+                <a:latin typeface="+mn-lt"/>
+                <a:ea typeface="+mn-ea"/>
+                <a:cs typeface="+mn-cs"/>
+              </a:defRPr>
+            </a:lvl9pPr>
+          </a:lstStyle>
+          <a:p>
+            <a:pPr marL="0" indent="0">
+              <a:buFont typeface="Arial" pitchFamily="34" charset="0"/>
+              <a:buNone/>
+            </a:pPr>
+            <a:r>
+              <a:rPr lang="it-IT" dirty="0" err="1"/>
+              <a:t>Padua</a:t>
+            </a:r>
+            <a:endParaRPr lang="it-IT" dirty="0"/>
+          </a:p>
+        </p:txBody>
+      </p:sp>
+    </p:spTree>
+    <p:extLst>
+      <p:ext uri="{BB962C8B-B14F-4D97-AF65-F5344CB8AC3E}">
+        <p14:creationId xmlns:p14="http://schemas.microsoft.com/office/powerpoint/2010/main" val="3860969388"/>
+      </p:ext>
+    </p:extLst>
+  </p:cSld>
+  <p:clrMapOvr>
+    <a:masterClrMapping/>
+  </p:clrMapOvr>
+</p:sld>
+</file>
+
+<file path=ppt/slides/slide2.xml><?xml version="1.0" encoding="utf-8"?>
+<p:sld xmlns:a="http://schemas.openxmlformats.org/drawingml/2006/main" xmlns:r="http://schemas.openxmlformats.org/officeDocument/2006/relationships" xmlns:p="http://schemas.openxmlformats.org/presentationml/2006/main">
+  <p:cSld>
+    <p:spTree>
+      <p:nvGrpSpPr>
+        <p:cNvPr id="1" name=""/>
+        <p:cNvGrpSpPr/>
+        <p:nvPr/>
+      </p:nvGrpSpPr>
+      <p:grpSpPr>
+        <a:xfrm>
+          <a:off x="0" y="0"/>
+          <a:ext cx="0" cy="0"/>
+          <a:chOff x="0" y="0"/>
+          <a:chExt cx="0" cy="0"/>
+        </a:xfrm>
+      </p:grpSpPr>
+      <p:sp>
+        <p:nvSpPr>
+          <p:cNvPr id="2" name="Titolo 1">
+            <a:extLst>
+              <a:ext uri="{FF2B5EF4-FFF2-40B4-BE49-F238E27FC236}">
+                <a16:creationId xmlns:a16="http://schemas.microsoft.com/office/drawing/2014/main" id="{423E46DE-2AE3-44BE-963C-544CB7884F11}"/>
+              </a:ext>
+            </a:extLst>
+          </p:cNvPr>
+          <p:cNvSpPr>
+            <a:spLocks noGrp="1"/>
+          </p:cNvSpPr>
+          <p:nvPr>
+            <p:ph type="title"/>
+          </p:nvPr>
+        </p:nvSpPr>
+        <p:spPr>
+          <a:xfrm>
+            <a:off x="838200" y="-62711"/>
+            <a:ext cx="10515600" cy="1325562"/>
+          </a:xfrm>
+        </p:spPr>
+        <p:txBody>
+          <a:bodyPr/>
+          <a:lstStyle/>
+          <a:p>
+            <a:pPr algn="ctr"/>
+            <a:r>
+              <a:rPr lang="it-IT" dirty="0"/>
+              <a:t>CONTENTS</a:t>
+            </a:r>
+          </a:p>
+        </p:txBody>
+      </p:sp>
+    </p:spTree>
+    <p:extLst>
+      <p:ext uri="{BB962C8B-B14F-4D97-AF65-F5344CB8AC3E}">
+        <p14:creationId xmlns:p14="http://schemas.microsoft.com/office/powerpoint/2010/main" val="342162128"/>
+      </p:ext>
+    </p:extLst>
+  </p:cSld>
+  <p:clrMapOvr>
+    <a:masterClrMapping/>
+  </p:clrMapOvr>
+</p:sld>
+</file>
+
+<file path=ppt/slides/slide20.xml><?xml version="1.0" encoding="utf-8"?>
+<p:sld xmlns:a="http://schemas.openxmlformats.org/drawingml/2006/main" xmlns:r="http://schemas.openxmlformats.org/officeDocument/2006/relationships" xmlns:p="http://schemas.openxmlformats.org/presentationml/2006/main">
+  <p:cSld>
+    <p:spTree>
+      <p:nvGrpSpPr>
+        <p:cNvPr id="1" name=""/>
+        <p:cNvGrpSpPr/>
+        <p:nvPr/>
+      </p:nvGrpSpPr>
+      <p:grpSpPr>
+        <a:xfrm>
+          <a:off x="0" y="0"/>
+          <a:ext cx="0" cy="0"/>
+          <a:chOff x="0" y="0"/>
+          <a:chExt cx="0" cy="0"/>
+        </a:xfrm>
+      </p:grpSpPr>
+      <p:sp>
+        <p:nvSpPr>
           <p:cNvPr id="2" name="Titolo 1">
             <a:extLst>
               <a:ext uri="{FF2B5EF4-FFF2-40B4-BE49-F238E27FC236}">
@@ -10158,7 +11117,7 @@
 </p:sld>
 </file>
 
-<file path=ppt/slides/slide19.xml><?xml version="1.0" encoding="utf-8"?>
+<file path=ppt/slides/slide21.xml><?xml version="1.0" encoding="utf-8"?>
 <p:sld xmlns:a="http://schemas.openxmlformats.org/drawingml/2006/main" xmlns:r="http://schemas.openxmlformats.org/officeDocument/2006/relationships" xmlns:p="http://schemas.openxmlformats.org/presentationml/2006/main">
   <p:cSld>
     <p:spTree>
@@ -11061,71 +12020,7 @@
 </p:sld>
 </file>
 
-<file path=ppt/slides/slide2.xml><?xml version="1.0" encoding="utf-8"?>
-<p:sld xmlns:a="http://schemas.openxmlformats.org/drawingml/2006/main" xmlns:r="http://schemas.openxmlformats.org/officeDocument/2006/relationships" xmlns:p="http://schemas.openxmlformats.org/presentationml/2006/main">
-  <p:cSld>
-    <p:spTree>
-      <p:nvGrpSpPr>
-        <p:cNvPr id="1" name=""/>
-        <p:cNvGrpSpPr/>
-        <p:nvPr/>
-      </p:nvGrpSpPr>
-      <p:grpSpPr>
-        <a:xfrm>
-          <a:off x="0" y="0"/>
-          <a:ext cx="0" cy="0"/>
-          <a:chOff x="0" y="0"/>
-          <a:chExt cx="0" cy="0"/>
-        </a:xfrm>
-      </p:grpSpPr>
-      <p:sp>
-        <p:nvSpPr>
-          <p:cNvPr id="2" name="Titolo 1">
-            <a:extLst>
-              <a:ext uri="{FF2B5EF4-FFF2-40B4-BE49-F238E27FC236}">
-                <a16:creationId xmlns:a16="http://schemas.microsoft.com/office/drawing/2014/main" id="{423E46DE-2AE3-44BE-963C-544CB7884F11}"/>
-              </a:ext>
-            </a:extLst>
-          </p:cNvPr>
-          <p:cNvSpPr>
-            <a:spLocks noGrp="1"/>
-          </p:cNvSpPr>
-          <p:nvPr>
-            <p:ph type="title"/>
-          </p:nvPr>
-        </p:nvSpPr>
-        <p:spPr>
-          <a:xfrm>
-            <a:off x="838200" y="-62711"/>
-            <a:ext cx="10515600" cy="1325562"/>
-          </a:xfrm>
-        </p:spPr>
-        <p:txBody>
-          <a:bodyPr/>
-          <a:lstStyle/>
-          <a:p>
-            <a:pPr algn="ctr"/>
-            <a:r>
-              <a:rPr lang="it-IT" dirty="0"/>
-              <a:t>CONTENTS</a:t>
-            </a:r>
-          </a:p>
-        </p:txBody>
-      </p:sp>
-    </p:spTree>
-    <p:extLst>
-      <p:ext uri="{BB962C8B-B14F-4D97-AF65-F5344CB8AC3E}">
-        <p14:creationId xmlns:p14="http://schemas.microsoft.com/office/powerpoint/2010/main" val="342162128"/>
-      </p:ext>
-    </p:extLst>
-  </p:cSld>
-  <p:clrMapOvr>
-    <a:masterClrMapping/>
-  </p:clrMapOvr>
-</p:sld>
-</file>
-
-<file path=ppt/slides/slide20.xml><?xml version="1.0" encoding="utf-8"?>
+<file path=ppt/slides/slide22.xml><?xml version="1.0" encoding="utf-8"?>
 <p:sld xmlns:a="http://schemas.openxmlformats.org/drawingml/2006/main" xmlns:r="http://schemas.openxmlformats.org/officeDocument/2006/relationships" xmlns:p="http://schemas.openxmlformats.org/presentationml/2006/main">
   <p:cSld>
     <p:spTree>
@@ -12064,7 +12959,7 @@
 </p:sld>
 </file>
 
-<file path=ppt/slides/slide21.xml><?xml version="1.0" encoding="utf-8"?>
+<file path=ppt/slides/slide23.xml><?xml version="1.0" encoding="utf-8"?>
 <p:sld xmlns:a="http://schemas.openxmlformats.org/drawingml/2006/main" xmlns:r="http://schemas.openxmlformats.org/officeDocument/2006/relationships" xmlns:p="http://schemas.openxmlformats.org/presentationml/2006/main">
   <p:cSld>
     <p:spTree>
@@ -12968,7 +13863,7 @@
 </p:sld>
 </file>
 
-<file path=ppt/slides/slide22.xml><?xml version="1.0" encoding="utf-8"?>
+<file path=ppt/slides/slide24.xml><?xml version="1.0" encoding="utf-8"?>
 <p:sld xmlns:a="http://schemas.openxmlformats.org/drawingml/2006/main" xmlns:r="http://schemas.openxmlformats.org/officeDocument/2006/relationships" xmlns:p="http://schemas.openxmlformats.org/presentationml/2006/main">
   <p:cSld>
     <p:spTree>
@@ -13872,7 +14767,7 @@
 </p:sld>
 </file>
 
-<file path=ppt/slides/slide23.xml><?xml version="1.0" encoding="utf-8"?>
+<file path=ppt/slides/slide25.xml><?xml version="1.0" encoding="utf-8"?>
 <p:sld xmlns:a="http://schemas.openxmlformats.org/drawingml/2006/main" xmlns:r="http://schemas.openxmlformats.org/officeDocument/2006/relationships" xmlns:p="http://schemas.openxmlformats.org/presentationml/2006/main">
   <p:cSld>
     <p:spTree>
@@ -14768,6 +15663,171 @@
     <p:extLst>
       <p:ext uri="{BB962C8B-B14F-4D97-AF65-F5344CB8AC3E}">
         <p14:creationId xmlns:p14="http://schemas.microsoft.com/office/powerpoint/2010/main" val="2973869396"/>
+      </p:ext>
+    </p:extLst>
+  </p:cSld>
+  <p:clrMapOvr>
+    <a:masterClrMapping/>
+  </p:clrMapOvr>
+</p:sld>
+</file>
+
+<file path=ppt/slides/slide26.xml><?xml version="1.0" encoding="utf-8"?>
+<p:sld xmlns:a="http://schemas.openxmlformats.org/drawingml/2006/main" xmlns:r="http://schemas.openxmlformats.org/officeDocument/2006/relationships" xmlns:p="http://schemas.openxmlformats.org/presentationml/2006/main">
+  <p:cSld>
+    <p:spTree>
+      <p:nvGrpSpPr>
+        <p:cNvPr id="1" name=""/>
+        <p:cNvGrpSpPr/>
+        <p:nvPr/>
+      </p:nvGrpSpPr>
+      <p:grpSpPr>
+        <a:xfrm>
+          <a:off x="0" y="0"/>
+          <a:ext cx="0" cy="0"/>
+          <a:chOff x="0" y="0"/>
+          <a:chExt cx="0" cy="0"/>
+        </a:xfrm>
+      </p:grpSpPr>
+      <p:sp>
+        <p:nvSpPr>
+          <p:cNvPr id="10" name="Rettangolo 9">
+            <a:extLst>
+              <a:ext uri="{FF2B5EF4-FFF2-40B4-BE49-F238E27FC236}">
+                <a16:creationId xmlns:a16="http://schemas.microsoft.com/office/drawing/2014/main" id="{B9D3550C-14F0-41BE-96F1-9396C790BC52}"/>
+              </a:ext>
+            </a:extLst>
+          </p:cNvPr>
+          <p:cNvSpPr/>
+          <p:nvPr/>
+        </p:nvSpPr>
+        <p:spPr>
+          <a:xfrm>
+            <a:off x="11496585" y="6453637"/>
+            <a:ext cx="356377" cy="276999"/>
+          </a:xfrm>
+          <a:prstGeom prst="rect">
+            <a:avLst/>
+          </a:prstGeom>
+        </p:spPr>
+        <p:txBody>
+          <a:bodyPr wrap="square">
+            <a:spAutoFit/>
+          </a:bodyPr>
+          <a:lstStyle/>
+          <a:p>
+            <a:pPr algn="r"/>
+            <a:r>
+              <a:rPr lang="it-IT" sz="1200" dirty="0">
+                <a:latin typeface="Roboto" panose="02000000000000000000" pitchFamily="2" charset="0"/>
+                <a:ea typeface="Roboto" panose="02000000000000000000" pitchFamily="2" charset="0"/>
+                <a:cs typeface="Roboto" panose="02000000000000000000" pitchFamily="2" charset="0"/>
+              </a:rPr>
+              <a:t>5</a:t>
+            </a:r>
+            <a:endParaRPr lang="it-IT" sz="1200" dirty="0">
+              <a:solidFill>
+                <a:srgbClr val="C00000"/>
+              </a:solidFill>
+              <a:latin typeface="Roboto" panose="02000000000000000000" pitchFamily="2" charset="0"/>
+              <a:ea typeface="Roboto" panose="02000000000000000000" pitchFamily="2" charset="0"/>
+              <a:cs typeface="Roboto" panose="02000000000000000000" pitchFamily="2" charset="0"/>
+            </a:endParaRPr>
+          </a:p>
+        </p:txBody>
+      </p:sp>
+      <p:sp>
+        <p:nvSpPr>
+          <p:cNvPr id="24" name="Titolo 1">
+            <a:extLst>
+              <a:ext uri="{FF2B5EF4-FFF2-40B4-BE49-F238E27FC236}">
+                <a16:creationId xmlns:a16="http://schemas.microsoft.com/office/drawing/2014/main" id="{BF6B0CE0-A167-4F8F-82ED-A3F598A03960}"/>
+              </a:ext>
+            </a:extLst>
+          </p:cNvPr>
+          <p:cNvSpPr txBox="1">
+            <a:spLocks/>
+          </p:cNvSpPr>
+          <p:nvPr/>
+        </p:nvSpPr>
+        <p:spPr>
+          <a:xfrm>
+            <a:off x="0" y="-62711"/>
+            <a:ext cx="12192000" cy="1325562"/>
+          </a:xfrm>
+          <a:prstGeom prst="rect">
+            <a:avLst/>
+          </a:prstGeom>
+        </p:spPr>
+        <p:txBody>
+          <a:bodyPr vert="horz" lIns="91440" tIns="45720" rIns="91440" bIns="45720" rtlCol="0" anchor="ctr">
+            <a:normAutofit/>
+          </a:bodyPr>
+          <a:lstStyle>
+            <a:lvl1pPr algn="l" defTabSz="914400" rtl="0" eaLnBrk="1" latinLnBrk="0" hangingPunct="1">
+              <a:spcBef>
+                <a:spcPct val="0"/>
+              </a:spcBef>
+              <a:buNone/>
+              <a:defRPr sz="4400" kern="1200">
+                <a:solidFill>
+                  <a:schemeClr val="tx1"/>
+                </a:solidFill>
+                <a:latin typeface="+mj-lt"/>
+                <a:ea typeface="+mj-ea"/>
+                <a:cs typeface="+mj-cs"/>
+              </a:defRPr>
+            </a:lvl1pPr>
+          </a:lstStyle>
+          <a:p>
+            <a:pPr algn="ctr"/>
+            <a:r>
+              <a:rPr lang="it-IT" dirty="0"/>
+              <a:t>PADUA – FORWARDING NODE NUMBER</a:t>
+            </a:r>
+          </a:p>
+        </p:txBody>
+      </p:sp>
+      <p:pic>
+        <p:nvPicPr>
+          <p:cNvPr id="3" name="Immagine 2" descr="Immagine che contiene cielo, tavolo&#10;&#10;Descrizione generata automaticamente">
+            <a:extLst>
+              <a:ext uri="{FF2B5EF4-FFF2-40B4-BE49-F238E27FC236}">
+                <a16:creationId xmlns:a16="http://schemas.microsoft.com/office/drawing/2014/main" id="{8A328405-AB35-49C5-A02D-66FB47DC9590}"/>
+              </a:ext>
+            </a:extLst>
+          </p:cNvPr>
+          <p:cNvPicPr>
+            <a:picLocks noChangeAspect="1"/>
+          </p:cNvPicPr>
+          <p:nvPr/>
+        </p:nvPicPr>
+        <p:blipFill>
+          <a:blip r:embed="rId2">
+            <a:extLst>
+              <a:ext uri="{28A0092B-C50C-407E-A947-70E740481C1C}">
+                <a14:useLocalDpi xmlns:a14="http://schemas.microsoft.com/office/drawing/2010/main" val="0"/>
+              </a:ext>
+            </a:extLst>
+          </a:blip>
+          <a:stretch>
+            <a:fillRect/>
+          </a:stretch>
+        </p:blipFill>
+        <p:spPr>
+          <a:xfrm>
+            <a:off x="6260002" y="1355447"/>
+            <a:ext cx="5414771" cy="4019982"/>
+          </a:xfrm>
+          <a:prstGeom prst="rect">
+            <a:avLst/>
+          </a:prstGeom>
+        </p:spPr>
+      </p:pic>
+    </p:spTree>
+    <p:extLst>
+      <p:ext uri="{BB962C8B-B14F-4D97-AF65-F5344CB8AC3E}">
+        <p14:creationId xmlns:p14="http://schemas.microsoft.com/office/powerpoint/2010/main" val="2088102256"/>
       </p:ext>
     </p:extLst>
   </p:cSld>

--- a/Presentazioni/Presentazione Magistrale/Presentazione Magistrale.pptx
+++ b/Presentazioni/Presentazione Magistrale/Presentazione Magistrale.pptx
@@ -5,7 +5,7 @@
     <p:sldMasterId id="2147483750" r:id="rId1"/>
   </p:sldMasterIdLst>
   <p:notesMasterIdLst>
-    <p:notesMasterId r:id="rId28"/>
+    <p:notesMasterId r:id="rId29"/>
   </p:notesMasterIdLst>
   <p:sldIdLst>
     <p:sldId id="256" r:id="rId2"/>
@@ -34,6 +34,7 @@
     <p:sldId id="288" r:id="rId25"/>
     <p:sldId id="289" r:id="rId26"/>
     <p:sldId id="292" r:id="rId27"/>
+    <p:sldId id="293" r:id="rId28"/>
   </p:sldIdLst>
   <p:sldSz cx="12192000" cy="6858000"/>
   <p:notesSz cx="6858000" cy="9144000"/>
@@ -15790,10 +15791,10 @@
       </p:sp>
       <p:pic>
         <p:nvPicPr>
-          <p:cNvPr id="3" name="Immagine 2" descr="Immagine che contiene cielo, tavolo&#10;&#10;Descrizione generata automaticamente">
+          <p:cNvPr id="4" name="Immagine 3" descr="Immagine che contiene cielo, tavolo&#10;&#10;Descrizione generata automaticamente">
             <a:extLst>
               <a:ext uri="{FF2B5EF4-FFF2-40B4-BE49-F238E27FC236}">
-                <a16:creationId xmlns:a16="http://schemas.microsoft.com/office/drawing/2014/main" id="{8A328405-AB35-49C5-A02D-66FB47DC9590}"/>
+                <a16:creationId xmlns:a16="http://schemas.microsoft.com/office/drawing/2014/main" id="{E5B753FC-A7E7-42F1-AFBB-188EE5DC0F70}"/>
               </a:ext>
             </a:extLst>
           </p:cNvPr>
@@ -15816,8 +15817,8 @@
         </p:blipFill>
         <p:spPr>
           <a:xfrm>
-            <a:off x="6260002" y="1355447"/>
-            <a:ext cx="5414771" cy="4019982"/>
+            <a:off x="5529036" y="1090617"/>
+            <a:ext cx="6393674" cy="4676765"/>
           </a:xfrm>
           <a:prstGeom prst="rect">
             <a:avLst/>
@@ -15828,6 +15829,208 @@
     <p:extLst>
       <p:ext uri="{BB962C8B-B14F-4D97-AF65-F5344CB8AC3E}">
         <p14:creationId xmlns:p14="http://schemas.microsoft.com/office/powerpoint/2010/main" val="2088102256"/>
+      </p:ext>
+    </p:extLst>
+  </p:cSld>
+  <p:clrMapOvr>
+    <a:masterClrMapping/>
+  </p:clrMapOvr>
+</p:sld>
+</file>
+
+<file path=ppt/slides/slide27.xml><?xml version="1.0" encoding="utf-8"?>
+<p:sld xmlns:a="http://schemas.openxmlformats.org/drawingml/2006/main" xmlns:r="http://schemas.openxmlformats.org/officeDocument/2006/relationships" xmlns:p="http://schemas.openxmlformats.org/presentationml/2006/main">
+  <p:cSld>
+    <p:spTree>
+      <p:nvGrpSpPr>
+        <p:cNvPr id="1" name=""/>
+        <p:cNvGrpSpPr/>
+        <p:nvPr/>
+      </p:nvGrpSpPr>
+      <p:grpSpPr>
+        <a:xfrm>
+          <a:off x="0" y="0"/>
+          <a:ext cx="0" cy="0"/>
+          <a:chOff x="0" y="0"/>
+          <a:chExt cx="0" cy="0"/>
+        </a:xfrm>
+      </p:grpSpPr>
+      <p:sp>
+        <p:nvSpPr>
+          <p:cNvPr id="10" name="Rettangolo 9">
+            <a:extLst>
+              <a:ext uri="{FF2B5EF4-FFF2-40B4-BE49-F238E27FC236}">
+                <a16:creationId xmlns:a16="http://schemas.microsoft.com/office/drawing/2014/main" id="{B9D3550C-14F0-41BE-96F1-9396C790BC52}"/>
+              </a:ext>
+            </a:extLst>
+          </p:cNvPr>
+          <p:cNvSpPr/>
+          <p:nvPr/>
+        </p:nvSpPr>
+        <p:spPr>
+          <a:xfrm>
+            <a:off x="11496585" y="6453637"/>
+            <a:ext cx="356377" cy="276999"/>
+          </a:xfrm>
+          <a:prstGeom prst="rect">
+            <a:avLst/>
+          </a:prstGeom>
+        </p:spPr>
+        <p:txBody>
+          <a:bodyPr wrap="square">
+            <a:spAutoFit/>
+          </a:bodyPr>
+          <a:lstStyle/>
+          <a:p>
+            <a:pPr algn="r"/>
+            <a:r>
+              <a:rPr lang="it-IT" sz="1200" dirty="0">
+                <a:latin typeface="Roboto" panose="02000000000000000000" pitchFamily="2" charset="0"/>
+                <a:ea typeface="Roboto" panose="02000000000000000000" pitchFamily="2" charset="0"/>
+                <a:cs typeface="Roboto" panose="02000000000000000000" pitchFamily="2" charset="0"/>
+              </a:rPr>
+              <a:t>5</a:t>
+            </a:r>
+            <a:endParaRPr lang="it-IT" sz="1200" dirty="0">
+              <a:solidFill>
+                <a:srgbClr val="C00000"/>
+              </a:solidFill>
+              <a:latin typeface="Roboto" panose="02000000000000000000" pitchFamily="2" charset="0"/>
+              <a:ea typeface="Roboto" panose="02000000000000000000" pitchFamily="2" charset="0"/>
+              <a:cs typeface="Roboto" panose="02000000000000000000" pitchFamily="2" charset="0"/>
+            </a:endParaRPr>
+          </a:p>
+        </p:txBody>
+      </p:sp>
+      <p:sp>
+        <p:nvSpPr>
+          <p:cNvPr id="24" name="Titolo 1">
+            <a:extLst>
+              <a:ext uri="{FF2B5EF4-FFF2-40B4-BE49-F238E27FC236}">
+                <a16:creationId xmlns:a16="http://schemas.microsoft.com/office/drawing/2014/main" id="{BF6B0CE0-A167-4F8F-82ED-A3F598A03960}"/>
+              </a:ext>
+            </a:extLst>
+          </p:cNvPr>
+          <p:cNvSpPr txBox="1">
+            <a:spLocks/>
+          </p:cNvSpPr>
+          <p:nvPr/>
+        </p:nvSpPr>
+        <p:spPr>
+          <a:xfrm>
+            <a:off x="0" y="-62711"/>
+            <a:ext cx="12192000" cy="1325562"/>
+          </a:xfrm>
+          <a:prstGeom prst="rect">
+            <a:avLst/>
+          </a:prstGeom>
+        </p:spPr>
+        <p:txBody>
+          <a:bodyPr vert="horz" lIns="91440" tIns="45720" rIns="91440" bIns="45720" rtlCol="0" anchor="ctr">
+            <a:normAutofit/>
+          </a:bodyPr>
+          <a:lstStyle>
+            <a:lvl1pPr algn="l" defTabSz="914400" rtl="0" eaLnBrk="1" latinLnBrk="0" hangingPunct="1">
+              <a:spcBef>
+                <a:spcPct val="0"/>
+              </a:spcBef>
+              <a:buNone/>
+              <a:defRPr sz="4400" kern="1200">
+                <a:solidFill>
+                  <a:schemeClr val="tx1"/>
+                </a:solidFill>
+                <a:latin typeface="+mj-lt"/>
+                <a:ea typeface="+mj-ea"/>
+                <a:cs typeface="+mj-cs"/>
+              </a:defRPr>
+            </a:lvl1pPr>
+          </a:lstStyle>
+          <a:p>
+            <a:pPr algn="ctr"/>
+            <a:r>
+              <a:rPr lang="it-IT" dirty="0"/>
+              <a:t>PADUA – FORWARDING NODE NUMBER</a:t>
+            </a:r>
+          </a:p>
+        </p:txBody>
+      </p:sp>
+      <p:pic>
+        <p:nvPicPr>
+          <p:cNvPr id="4" name="Immagine 3" descr="Immagine che contiene cielo, tavolo&#10;&#10;Descrizione generata automaticamente">
+            <a:extLst>
+              <a:ext uri="{FF2B5EF4-FFF2-40B4-BE49-F238E27FC236}">
+                <a16:creationId xmlns:a16="http://schemas.microsoft.com/office/drawing/2014/main" id="{E5B753FC-A7E7-42F1-AFBB-188EE5DC0F70}"/>
+              </a:ext>
+            </a:extLst>
+          </p:cNvPr>
+          <p:cNvPicPr>
+            <a:picLocks noChangeAspect="1"/>
+          </p:cNvPicPr>
+          <p:nvPr/>
+        </p:nvPicPr>
+        <p:blipFill>
+          <a:blip r:embed="rId2">
+            <a:extLst>
+              <a:ext uri="{28A0092B-C50C-407E-A947-70E740481C1C}">
+                <a14:useLocalDpi xmlns:a14="http://schemas.microsoft.com/office/drawing/2010/main" val="0"/>
+              </a:ext>
+            </a:extLst>
+          </a:blip>
+          <a:stretch>
+            <a:fillRect/>
+          </a:stretch>
+        </p:blipFill>
+        <p:spPr>
+          <a:xfrm>
+            <a:off x="5529036" y="1090617"/>
+            <a:ext cx="6393674" cy="4676765"/>
+          </a:xfrm>
+          <a:prstGeom prst="rect">
+            <a:avLst/>
+          </a:prstGeom>
+        </p:spPr>
+      </p:pic>
+      <p:pic>
+        <p:nvPicPr>
+          <p:cNvPr id="3" name="Immagine 2" descr="Immagine che contiene cielo, tavolo&#10;&#10;Descrizione generata automaticamente">
+            <a:extLst>
+              <a:ext uri="{FF2B5EF4-FFF2-40B4-BE49-F238E27FC236}">
+                <a16:creationId xmlns:a16="http://schemas.microsoft.com/office/drawing/2014/main" id="{70D1747C-1C3D-4E99-99E2-17F648F789DE}"/>
+              </a:ext>
+            </a:extLst>
+          </p:cNvPr>
+          <p:cNvPicPr>
+            <a:picLocks noChangeAspect="1"/>
+          </p:cNvPicPr>
+          <p:nvPr/>
+        </p:nvPicPr>
+        <p:blipFill>
+          <a:blip r:embed="rId3">
+            <a:alphaModFix/>
+            <a:extLst>
+              <a:ext uri="{28A0092B-C50C-407E-A947-70E740481C1C}">
+                <a14:useLocalDpi xmlns:a14="http://schemas.microsoft.com/office/drawing/2010/main" val="0"/>
+              </a:ext>
+            </a:extLst>
+          </a:blip>
+          <a:stretch>
+            <a:fillRect/>
+          </a:stretch>
+        </p:blipFill>
+        <p:spPr>
+          <a:xfrm>
+            <a:off x="5603846" y="1081739"/>
+            <a:ext cx="6318864" cy="4694946"/>
+          </a:xfrm>
+          <a:prstGeom prst="rect">
+            <a:avLst/>
+          </a:prstGeom>
+        </p:spPr>
+      </p:pic>
+    </p:spTree>
+    <p:extLst>
+      <p:ext uri="{BB962C8B-B14F-4D97-AF65-F5344CB8AC3E}">
+        <p14:creationId xmlns:p14="http://schemas.microsoft.com/office/powerpoint/2010/main" val="559489660"/>
       </p:ext>
     </p:extLst>
   </p:cSld>
